--- a/paperwork/ppt/Ting_midterm.pptx
+++ b/paperwork/ppt/Ting_midterm.pptx
@@ -21,15 +21,15 @@
     <p:sldId id="726" r:id="rId15"/>
     <p:sldId id="715" r:id="rId16"/>
     <p:sldId id="725" r:id="rId17"/>
-    <p:sldId id="727" r:id="rId18"/>
+    <p:sldId id="732" r:id="rId18"/>
     <p:sldId id="728" r:id="rId19"/>
     <p:sldId id="729" r:id="rId20"/>
-    <p:sldId id="719" r:id="rId21"/>
-    <p:sldId id="730" r:id="rId22"/>
-    <p:sldId id="731" r:id="rId23"/>
-    <p:sldId id="724" r:id="rId24"/>
-    <p:sldId id="704" r:id="rId25"/>
-    <p:sldId id="707" r:id="rId26"/>
+    <p:sldId id="733" r:id="rId21"/>
+    <p:sldId id="719" r:id="rId22"/>
+    <p:sldId id="730" r:id="rId23"/>
+    <p:sldId id="731" r:id="rId24"/>
+    <p:sldId id="724" r:id="rId25"/>
+    <p:sldId id="704" r:id="rId26"/>
   </p:sldIdLst>
   <p:sldSz cx="12192000" cy="6858000"/>
   <p:notesSz cx="6858000" cy="9144000"/>
@@ -635,7 +635,10 @@
           <a:bodyPr/>
           <a:lstStyle/>
           <a:p>
-            <a:endParaRPr lang="en-GB" dirty="0"/>
+            <a:r>
+              <a:rPr lang="en-GB" dirty="0"/>
+              <a:t>The third part discuss the fusion method</a:t>
+            </a:r>
           </a:p>
         </p:txBody>
       </p:sp>
@@ -735,7 +738,7 @@
           <a:p>
             <a:r>
               <a:rPr lang="en-GB" altLang="zh-CN" dirty="0"/>
-              <a:t>The basic idea of the EKF is first predict the next state and covariance based on system model.</a:t>
+              <a:t>The basic idea of the EKF is first predict the next state vector and covariance based on system model.</a:t>
             </a:r>
           </a:p>
           <a:p>
@@ -829,6 +832,24 @@
             <a:endParaRPr lang="en-GB" dirty="0"/>
           </a:p>
           <a:p>
+            <a:r>
+              <a:rPr lang="en-GB" dirty="0"/>
+              <a:t>Multi-rate EKF shares the same idea with the single rate EKF, the main different is in the prediction part.</a:t>
+            </a:r>
+          </a:p>
+          <a:p>
+            <a:endParaRPr lang="en-GB" dirty="0"/>
+          </a:p>
+          <a:p>
+            <a:r>
+              <a:rPr lang="en-GB" dirty="0"/>
+              <a:t>For a lower rate sensor, the state space model is slightly different</a:t>
+            </a:r>
+          </a:p>
+          <a:p>
+            <a:endParaRPr lang="en-GB" dirty="0"/>
+          </a:p>
+          <a:p>
             <a:endParaRPr lang="en-GB" dirty="0"/>
           </a:p>
           <a:p>
@@ -900,8 +921,33 @@
           <a:p>
             <a:r>
               <a:rPr lang="en-GB" dirty="0"/>
-              <a:t>There are many sensor giving measurement in different rate</a:t>
+              <a:t>For one sensor, we can extend the state-space model in this iterative way</a:t>
             </a:r>
+          </a:p>
+          <a:p>
+            <a:endParaRPr lang="en-GB" dirty="0"/>
+          </a:p>
+          <a:p>
+            <a:r>
+              <a:rPr lang="en-GB" dirty="0"/>
+              <a:t>And we can write it in a compact form, the M here is the delay compared to fastest sensor, e.g. odometry has period of 1, and camera is 5, then the M is 5 for the camera</a:t>
+            </a:r>
+          </a:p>
+          <a:p>
+            <a:endParaRPr lang="en-GB" dirty="0"/>
+          </a:p>
+          <a:p>
+            <a:r>
+              <a:rPr lang="en-GB" dirty="0"/>
+              <a:t>The noise w(k) in the transition function is assumed to be a zero-mean white noise, we can drive the </a:t>
+            </a:r>
+            <a:r>
+              <a:rPr lang="en-US" altLang="zh-CN" sz="1200" dirty="0">
+                <a:latin typeface="Arial" panose="020B0604020202020204" pitchFamily="34" charset="0"/>
+              </a:rPr>
+              <a:t>covariance matrix of the block noise </a:t>
+            </a:r>
+            <a:endParaRPr lang="en-GB" dirty="0"/>
           </a:p>
           <a:p>
             <a:endParaRPr lang="en-GB" dirty="0"/>
@@ -973,15 +1019,6 @@
           <a:bodyPr/>
           <a:lstStyle/>
           <a:p>
-            <a:r>
-              <a:rPr lang="en-GB" dirty="0"/>
-              <a:t>There are many sensor giving measurement in different rate</a:t>
-            </a:r>
-          </a:p>
-          <a:p>
-            <a:endParaRPr lang="en-GB" dirty="0"/>
-          </a:p>
-          <a:p>
             <a:endParaRPr lang="en-GB" dirty="0"/>
           </a:p>
         </p:txBody>
@@ -989,7 +1026,7 @@
     </p:spTree>
     <p:extLst>
       <p:ext uri="{BB962C8B-B14F-4D97-AF65-F5344CB8AC3E}">
-        <p14:creationId xmlns:p14="http://schemas.microsoft.com/office/powerpoint/2010/main" val="3538893742"/>
+        <p14:creationId xmlns:p14="http://schemas.microsoft.com/office/powerpoint/2010/main" val="1474045320"/>
       </p:ext>
     </p:extLst>
   </p:cSld>
@@ -1050,7 +1087,25 @@
           <a:p>
             <a:r>
               <a:rPr lang="en-GB" dirty="0"/>
-              <a:t>There are many sensor giving measurement in different rate</a:t>
+              <a:t>Since we have two sources of information, we have different way to construct the estimation architecture.</a:t>
+            </a:r>
+          </a:p>
+          <a:p>
+            <a:endParaRPr lang="en-GB" dirty="0"/>
+          </a:p>
+          <a:p>
+            <a:r>
+              <a:rPr lang="en-GB" dirty="0"/>
+              <a:t>First one is the cascade style, the odometry has the same speed as the system dynamic, so it can generate an estimation at rate T1.</a:t>
+            </a:r>
+          </a:p>
+          <a:p>
+            <a:endParaRPr lang="en-GB" dirty="0"/>
+          </a:p>
+          <a:p>
+            <a:r>
+              <a:rPr lang="en-GB" dirty="0"/>
+              <a:t>If the camera measurement is present, then either single rate EKF or multi rate EFK can be applied to make the final estimation.</a:t>
             </a:r>
           </a:p>
           <a:p>
@@ -1125,14 +1180,17 @@
           <a:p>
             <a:r>
               <a:rPr lang="en-GB" dirty="0"/>
-              <a:t>There are many sensor giving measurement in different rate</a:t>
+              <a:t>The alternative is using a Ordered Weighted Averaging operator to combine two estimation</a:t>
             </a:r>
           </a:p>
           <a:p>
             <a:endParaRPr lang="en-GB" dirty="0"/>
           </a:p>
           <a:p>
-            <a:endParaRPr lang="en-GB" dirty="0"/>
+            <a:r>
+              <a:rPr lang="en-GB" dirty="0"/>
+              <a:t>The OWA operator will work when both measurement are available. </a:t>
+            </a:r>
           </a:p>
         </p:txBody>
       </p:sp>
@@ -1150,95 +1208,6 @@
 </file>
 
 <file path=ppt/notesSlides/notesSlide17.xml><?xml version="1.0" encoding="utf-8"?>
-<p:notes xmlns:a="http://schemas.openxmlformats.org/drawingml/2006/main" xmlns:r="http://schemas.openxmlformats.org/officeDocument/2006/relationships" xmlns:p="http://schemas.openxmlformats.org/presentationml/2006/main">
-  <p:cSld>
-    <p:spTree>
-      <p:nvGrpSpPr>
-        <p:cNvPr id="1" name=""/>
-        <p:cNvGrpSpPr/>
-        <p:nvPr/>
-      </p:nvGrpSpPr>
-      <p:grpSpPr>
-        <a:xfrm>
-          <a:off x="0" y="0"/>
-          <a:ext cx="0" cy="0"/>
-          <a:chOff x="0" y="0"/>
-          <a:chExt cx="0" cy="0"/>
-        </a:xfrm>
-      </p:grpSpPr>
-      <p:sp>
-        <p:nvSpPr>
-          <p:cNvPr id="2" name="Tijdelijke aanduiding voor dia-afbeelding 1"/>
-          <p:cNvSpPr>
-            <a:spLocks noGrp="1" noRot="1" noChangeAspect="1"/>
-          </p:cNvSpPr>
-          <p:nvPr>
-            <p:ph type="sldImg"/>
-          </p:nvPr>
-        </p:nvSpPr>
-        <p:spPr>
-          <a:xfrm>
-            <a:off x="381000" y="685800"/>
-            <a:ext cx="6096000" cy="3429000"/>
-          </a:xfrm>
-        </p:spPr>
-      </p:sp>
-      <p:sp>
-        <p:nvSpPr>
-          <p:cNvPr id="3" name="Tijdelijke aanduiding voor notities 2"/>
-          <p:cNvSpPr>
-            <a:spLocks noGrp="1"/>
-          </p:cNvSpPr>
-          <p:nvPr>
-            <p:ph type="body" idx="1"/>
-          </p:nvPr>
-        </p:nvSpPr>
-        <p:spPr/>
-        <p:txBody>
-          <a:bodyPr/>
-          <a:lstStyle/>
-          <a:p>
-            <a:endParaRPr lang="en-GB"/>
-          </a:p>
-        </p:txBody>
-      </p:sp>
-      <p:sp>
-        <p:nvSpPr>
-          <p:cNvPr id="4" name="Tijdelijke aanduiding voor dianummer 3"/>
-          <p:cNvSpPr>
-            <a:spLocks noGrp="1"/>
-          </p:cNvSpPr>
-          <p:nvPr>
-            <p:ph type="sldNum" sz="quarter" idx="5"/>
-          </p:nvPr>
-        </p:nvSpPr>
-        <p:spPr/>
-        <p:txBody>
-          <a:bodyPr/>
-          <a:lstStyle/>
-          <a:p>
-            <a:fld id="{EA88A791-D8E8-4C23-A528-EAEB42DC40E7}" type="slidenum">
-              <a:rPr lang="nl-NL" smtClean="0"/>
-              <a:t>17</a:t>
-            </a:fld>
-            <a:endParaRPr lang="nl-NL"/>
-          </a:p>
-        </p:txBody>
-      </p:sp>
-    </p:spTree>
-    <p:extLst>
-      <p:ext uri="{BB962C8B-B14F-4D97-AF65-F5344CB8AC3E}">
-        <p14:creationId xmlns:p14="http://schemas.microsoft.com/office/powerpoint/2010/main" val="3774953011"/>
-      </p:ext>
-    </p:extLst>
-  </p:cSld>
-  <p:clrMapOvr>
-    <a:masterClrMapping/>
-  </p:clrMapOvr>
-</p:notes>
-</file>
-
-<file path=ppt/notesSlides/notesSlide18.xml><?xml version="1.0" encoding="utf-8"?>
 <p:notes xmlns:a="http://schemas.openxmlformats.org/drawingml/2006/main" xmlns:r="http://schemas.openxmlformats.org/officeDocument/2006/relationships" xmlns:p="http://schemas.openxmlformats.org/presentationml/2006/main">
   <p:cSld>
     <p:spTree>
@@ -1289,8 +1258,29 @@
           <a:p>
             <a:r>
               <a:rPr lang="en-GB" dirty="0"/>
-              <a:t>There are many sensor giving measurement in different rate</a:t>
+              <a:t>The weight of each branch can be determined using the following way.</a:t>
             </a:r>
+          </a:p>
+          <a:p>
+            <a:endParaRPr lang="en-GB" dirty="0"/>
+          </a:p>
+          <a:p>
+            <a:r>
+              <a:rPr lang="en-GB" dirty="0"/>
+              <a:t>The main idea of this is if one sensor has larger accumulated error, the weight will decrease.</a:t>
+            </a:r>
+          </a:p>
+          <a:p>
+            <a:endParaRPr lang="en-GB" dirty="0"/>
+          </a:p>
+          <a:p>
+            <a:r>
+              <a:rPr lang="en-GB" dirty="0"/>
+              <a:t>With the OWA style, the estimation may outperform than the estimation made by cascade style, because the error from odometry will grow larger while the camera are more accurate than the odometry.</a:t>
+            </a:r>
+          </a:p>
+          <a:p>
+            <a:endParaRPr lang="en-GB" dirty="0"/>
           </a:p>
           <a:p>
             <a:endParaRPr lang="en-GB" dirty="0"/>
@@ -1303,7 +1293,99 @@
     </p:spTree>
     <p:extLst>
       <p:ext uri="{BB962C8B-B14F-4D97-AF65-F5344CB8AC3E}">
-        <p14:creationId xmlns:p14="http://schemas.microsoft.com/office/powerpoint/2010/main" val="1181838580"/>
+        <p14:creationId xmlns:p14="http://schemas.microsoft.com/office/powerpoint/2010/main" val="653479900"/>
+      </p:ext>
+    </p:extLst>
+  </p:cSld>
+  <p:clrMapOvr>
+    <a:masterClrMapping/>
+  </p:clrMapOvr>
+</p:notes>
+</file>
+
+<file path=ppt/notesSlides/notesSlide18.xml><?xml version="1.0" encoding="utf-8"?>
+<p:notes xmlns:a="http://schemas.openxmlformats.org/drawingml/2006/main" xmlns:r="http://schemas.openxmlformats.org/officeDocument/2006/relationships" xmlns:p="http://schemas.openxmlformats.org/presentationml/2006/main">
+  <p:cSld>
+    <p:spTree>
+      <p:nvGrpSpPr>
+        <p:cNvPr id="1" name=""/>
+        <p:cNvGrpSpPr/>
+        <p:nvPr/>
+      </p:nvGrpSpPr>
+      <p:grpSpPr>
+        <a:xfrm>
+          <a:off x="0" y="0"/>
+          <a:ext cx="0" cy="0"/>
+          <a:chOff x="0" y="0"/>
+          <a:chExt cx="0" cy="0"/>
+        </a:xfrm>
+      </p:grpSpPr>
+      <p:sp>
+        <p:nvSpPr>
+          <p:cNvPr id="2" name="Tijdelijke aanduiding voor dia-afbeelding 1"/>
+          <p:cNvSpPr>
+            <a:spLocks noGrp="1" noRot="1" noChangeAspect="1"/>
+          </p:cNvSpPr>
+          <p:nvPr>
+            <p:ph type="sldImg"/>
+          </p:nvPr>
+        </p:nvSpPr>
+        <p:spPr>
+          <a:xfrm>
+            <a:off x="381000" y="685800"/>
+            <a:ext cx="6096000" cy="3429000"/>
+          </a:xfrm>
+        </p:spPr>
+      </p:sp>
+      <p:sp>
+        <p:nvSpPr>
+          <p:cNvPr id="3" name="Tijdelijke aanduiding voor notities 2"/>
+          <p:cNvSpPr>
+            <a:spLocks noGrp="1"/>
+          </p:cNvSpPr>
+          <p:nvPr>
+            <p:ph type="body" idx="1"/>
+          </p:nvPr>
+        </p:nvSpPr>
+        <p:spPr/>
+        <p:txBody>
+          <a:bodyPr/>
+          <a:lstStyle/>
+          <a:p>
+            <a:r>
+              <a:rPr lang="en-GB" dirty="0"/>
+              <a:t>Based on previous discussion, several experiments were conducted</a:t>
+            </a:r>
+          </a:p>
+        </p:txBody>
+      </p:sp>
+      <p:sp>
+        <p:nvSpPr>
+          <p:cNvPr id="4" name="Tijdelijke aanduiding voor dianummer 3"/>
+          <p:cNvSpPr>
+            <a:spLocks noGrp="1"/>
+          </p:cNvSpPr>
+          <p:nvPr>
+            <p:ph type="sldNum" sz="quarter" idx="5"/>
+          </p:nvPr>
+        </p:nvSpPr>
+        <p:spPr/>
+        <p:txBody>
+          <a:bodyPr/>
+          <a:lstStyle/>
+          <a:p>
+            <a:fld id="{EA88A791-D8E8-4C23-A528-EAEB42DC40E7}" type="slidenum">
+              <a:rPr lang="nl-NL" smtClean="0"/>
+              <a:t>18</a:t>
+            </a:fld>
+            <a:endParaRPr lang="nl-NL"/>
+          </a:p>
+        </p:txBody>
+      </p:sp>
+    </p:spTree>
+    <p:extLst>
+      <p:ext uri="{BB962C8B-B14F-4D97-AF65-F5344CB8AC3E}">
+        <p14:creationId xmlns:p14="http://schemas.microsoft.com/office/powerpoint/2010/main" val="3774953011"/>
       </p:ext>
     </p:extLst>
   </p:cSld>
@@ -1364,13 +1446,42 @@
           <a:p>
             <a:r>
               <a:rPr lang="en-GB" dirty="0"/>
-              <a:t>There are many sensor giving measurement in different rate</a:t>
+              <a:t>The simulation is based on </a:t>
+            </a:r>
+            <a:r>
+              <a:rPr lang="en-GB" dirty="0" err="1"/>
+              <a:t>pygame</a:t>
+            </a:r>
+            <a:r>
+              <a:rPr lang="en-GB" dirty="0"/>
+              <a:t> and 10 robots were released, they are far from each other at the beginning, then 10 </a:t>
+            </a:r>
+            <a:r>
+              <a:rPr lang="en-GB" dirty="0" err="1"/>
+              <a:t>sequances</a:t>
+            </a:r>
+            <a:r>
+              <a:rPr lang="en-GB" dirty="0"/>
+              <a:t> of random termination were assigned to each robots.</a:t>
             </a:r>
           </a:p>
           <a:p>
             <a:endParaRPr lang="en-GB" dirty="0"/>
           </a:p>
           <a:p>
+            <a:r>
+              <a:rPr lang="en-US" dirty="0"/>
+              <a:t>The simulation are performed in 10 rounds. </a:t>
+            </a:r>
+          </a:p>
+          <a:p>
+            <a:endParaRPr lang="en-US" dirty="0"/>
+          </a:p>
+          <a:p>
+            <a:r>
+              <a:rPr lang="en-US" dirty="0"/>
+              <a:t>To compare the localization accuracy improvement, we compare the mean square error between estimation and true position of each robot.</a:t>
+            </a:r>
             <a:endParaRPr lang="en-GB" dirty="0"/>
           </a:p>
         </p:txBody>
@@ -1378,7 +1489,7 @@
     </p:spTree>
     <p:extLst>
       <p:ext uri="{BB962C8B-B14F-4D97-AF65-F5344CB8AC3E}">
-        <p14:creationId xmlns:p14="http://schemas.microsoft.com/office/powerpoint/2010/main" val="3422320782"/>
+        <p14:creationId xmlns:p14="http://schemas.microsoft.com/office/powerpoint/2010/main" val="1181838580"/>
       </p:ext>
     </p:extLst>
   </p:cSld>
@@ -1439,7 +1550,7 @@
           <a:p>
             <a:r>
               <a:rPr lang="en-GB" dirty="0"/>
-              <a:t>The presentation will be given from the 4 parts: </a:t>
+              <a:t>The presentation will be given in 4 parts: </a:t>
             </a:r>
           </a:p>
         </p:txBody>
@@ -1458,6 +1569,75 @@
 </file>
 
 <file path=ppt/notesSlides/notesSlide20.xml><?xml version="1.0" encoding="utf-8"?>
+<p:notes xmlns:a="http://schemas.openxmlformats.org/drawingml/2006/main" xmlns:r="http://schemas.openxmlformats.org/officeDocument/2006/relationships" xmlns:p="http://schemas.openxmlformats.org/presentationml/2006/main">
+  <p:cSld>
+    <p:spTree>
+      <p:nvGrpSpPr>
+        <p:cNvPr id="1" name=""/>
+        <p:cNvGrpSpPr/>
+        <p:nvPr/>
+      </p:nvGrpSpPr>
+      <p:grpSpPr>
+        <a:xfrm>
+          <a:off x="0" y="0"/>
+          <a:ext cx="0" cy="0"/>
+          <a:chOff x="0" y="0"/>
+          <a:chExt cx="0" cy="0"/>
+        </a:xfrm>
+      </p:grpSpPr>
+      <p:sp>
+        <p:nvSpPr>
+          <p:cNvPr id="2" name="Slide Image Placeholder 1"/>
+          <p:cNvSpPr>
+            <a:spLocks noGrp="1" noRot="1" noChangeAspect="1"/>
+          </p:cNvSpPr>
+          <p:nvPr>
+            <p:ph type="sldImg"/>
+          </p:nvPr>
+        </p:nvSpPr>
+        <p:spPr>
+          <a:xfrm>
+            <a:off x="381000" y="685800"/>
+            <a:ext cx="6096000" cy="3429000"/>
+          </a:xfrm>
+        </p:spPr>
+      </p:sp>
+      <p:sp>
+        <p:nvSpPr>
+          <p:cNvPr id="3" name="Notes Placeholder 2"/>
+          <p:cNvSpPr>
+            <a:spLocks noGrp="1"/>
+          </p:cNvSpPr>
+          <p:nvPr>
+            <p:ph type="body" idx="1"/>
+          </p:nvPr>
+        </p:nvSpPr>
+        <p:spPr/>
+        <p:txBody>
+          <a:bodyPr/>
+          <a:lstStyle/>
+          <a:p>
+            <a:endParaRPr lang="en-GB" dirty="0"/>
+          </a:p>
+          <a:p>
+            <a:endParaRPr lang="en-GB" dirty="0"/>
+          </a:p>
+        </p:txBody>
+      </p:sp>
+    </p:spTree>
+    <p:extLst>
+      <p:ext uri="{BB962C8B-B14F-4D97-AF65-F5344CB8AC3E}">
+        <p14:creationId xmlns:p14="http://schemas.microsoft.com/office/powerpoint/2010/main" val="3422320782"/>
+      </p:ext>
+    </p:extLst>
+  </p:cSld>
+  <p:clrMapOvr>
+    <a:masterClrMapping/>
+  </p:clrMapOvr>
+</p:notes>
+</file>
+
+<file path=ppt/notesSlides/notesSlide21.xml><?xml version="1.0" encoding="utf-8"?>
 <p:notes xmlns:a="http://schemas.openxmlformats.org/drawingml/2006/main" xmlns:r="http://schemas.openxmlformats.org/officeDocument/2006/relationships" xmlns:p="http://schemas.openxmlformats.org/presentationml/2006/main">
   <p:cSld>
     <p:spTree>
@@ -1526,7 +1706,7 @@
 </p:notes>
 </file>
 
-<file path=ppt/notesSlides/notesSlide21.xml><?xml version="1.0" encoding="utf-8"?>
+<file path=ppt/notesSlides/notesSlide22.xml><?xml version="1.0" encoding="utf-8"?>
 <p:notes xmlns:a="http://schemas.openxmlformats.org/drawingml/2006/main" xmlns:r="http://schemas.openxmlformats.org/officeDocument/2006/relationships" xmlns:p="http://schemas.openxmlformats.org/presentationml/2006/main">
   <p:cSld>
     <p:spTree>
@@ -1894,7 +2074,7 @@
           <a:p>
             <a:r>
               <a:rPr lang="en-GB" dirty="0"/>
-              <a:t>Robots have multiple sensors, some are set on the robot such as odometry, laser scanner, other are global sensors, like GPS, camera. </a:t>
+              <a:t>Robots have multiple sensors, some are set on the robot such as odometry, laser scanner, other are global sensors, like GNSS, camera. </a:t>
             </a:r>
           </a:p>
           <a:p>
@@ -2286,7 +2466,7 @@
             </a:r>
             <a:r>
               <a:rPr lang="en-US" altLang="zh-CN" dirty="0"/>
-              <a:t>models</a:t>
+              <a:t>is stochastic process, it models</a:t>
             </a:r>
             <a:r>
               <a:rPr lang="zh-CN" altLang="en-US" dirty="0"/>
@@ -2318,8 +2498,32 @@
             </a:r>
             <a:r>
               <a:rPr lang="en-US" altLang="zh-CN" dirty="0"/>
-              <a:t>drop, this factor could be 1 or 0.</a:t>
+              <a:t>drop, this factor could be 1 or 0, showing whether the measurement is missing.</a:t>
             </a:r>
+          </a:p>
+          <a:p>
+            <a:endParaRPr lang="en-US" altLang="zh-CN" dirty="0"/>
+          </a:p>
+          <a:p>
+            <a:r>
+              <a:rPr lang="en-US" altLang="zh-CN" dirty="0"/>
+              <a:t>With this state-space model, we can give the system block diagram, for a given termination, robot will generate control input u(k) through f_1</a:t>
+            </a:r>
+          </a:p>
+          <a:p>
+            <a:endParaRPr lang="en-US" altLang="zh-CN" dirty="0"/>
+          </a:p>
+          <a:p>
+            <a:r>
+              <a:rPr lang="en-US" altLang="zh-CN" dirty="0"/>
+              <a:t>after the execution, the system output, location can be sensed by both odometry and camera. By applying a data fusion technique, we can generate a relatively accurate estimation to create the new control input u(k+1).</a:t>
+            </a:r>
+          </a:p>
+          <a:p>
+            <a:endParaRPr lang="en-US" altLang="zh-CN" dirty="0"/>
+          </a:p>
+          <a:p>
+            <a:endParaRPr lang="en-US" altLang="zh-CN" dirty="0"/>
           </a:p>
           <a:p>
             <a:endParaRPr lang="en-US" dirty="0"/>
@@ -14244,13 +14448,13 @@
   <p:clrMapOvr>
     <a:masterClrMapping/>
   </p:clrMapOvr>
-  <mc:AlternateContent xmlns:mc="http://schemas.openxmlformats.org/markup-compatibility/2006">
-    <mc:Choice xmlns:p14="http://schemas.microsoft.com/office/powerpoint/2010/main" Requires="p14">
+  <mc:AlternateContent xmlns:mc="http://schemas.openxmlformats.org/markup-compatibility/2006" xmlns:p14="http://schemas.microsoft.com/office/powerpoint/2010/main">
+    <mc:Choice Requires="p14">
       <p:transition spd="med" p14:dur="700">
         <p:fade/>
       </p:transition>
     </mc:Choice>
-    <mc:Fallback>
+    <mc:Fallback xmlns="">
       <p:transition spd="med">
         <p:fade/>
       </p:transition>
@@ -14892,7 +15096,7 @@
               <a:rPr lang="en-GB" altLang="zh-CN" sz="2400" dirty="0">
                 <a:latin typeface="Arial" panose="020B0604020202020204" pitchFamily="34" charset="0"/>
               </a:rPr>
-              <a:t>Dealing with missing data</a:t>
+              <a:t>Extend the state space model</a:t>
             </a:r>
             <a:endParaRPr lang="en-GB" sz="2400" b="0" i="0" dirty="0">
               <a:effectLst/>
@@ -14923,14 +15127,383 @@
         </p:blipFill>
         <p:spPr>
           <a:xfrm>
-            <a:off x="1112413" y="962427"/>
-            <a:ext cx="9967174" cy="2136771"/>
+            <a:off x="1112412" y="1458454"/>
+            <a:ext cx="9967174" cy="1944059"/>
           </a:xfrm>
           <a:prstGeom prst="rect">
             <a:avLst/>
           </a:prstGeom>
         </p:spPr>
       </p:pic>
+      <p:pic>
+        <p:nvPicPr>
+          <p:cNvPr id="6" name="图片 5">
+            <a:extLst>
+              <a:ext uri="{FF2B5EF4-FFF2-40B4-BE49-F238E27FC236}">
+                <a16:creationId xmlns:a16="http://schemas.microsoft.com/office/drawing/2014/main" id="{0953E09E-034E-8610-E13E-79C1B512F773}"/>
+              </a:ext>
+            </a:extLst>
+          </p:cNvPr>
+          <p:cNvPicPr>
+            <a:picLocks noChangeAspect="1"/>
+          </p:cNvPicPr>
+          <p:nvPr/>
+        </p:nvPicPr>
+        <p:blipFill>
+          <a:blip r:embed="rId4"/>
+          <a:stretch>
+            <a:fillRect/>
+          </a:stretch>
+        </p:blipFill>
+        <p:spPr>
+          <a:xfrm>
+            <a:off x="2306504" y="3005870"/>
+            <a:ext cx="7578990" cy="895404"/>
+          </a:xfrm>
+          <a:prstGeom prst="rect">
+            <a:avLst/>
+          </a:prstGeom>
+        </p:spPr>
+      </p:pic>
+      <p:pic>
+        <p:nvPicPr>
+          <p:cNvPr id="8" name="图片 7">
+            <a:extLst>
+              <a:ext uri="{FF2B5EF4-FFF2-40B4-BE49-F238E27FC236}">
+                <a16:creationId xmlns:a16="http://schemas.microsoft.com/office/drawing/2014/main" id="{8447108A-F1B5-B7AF-F0BE-76F4A164E0F5}"/>
+              </a:ext>
+            </a:extLst>
+          </p:cNvPr>
+          <p:cNvPicPr>
+            <a:picLocks noChangeAspect="1"/>
+          </p:cNvPicPr>
+          <p:nvPr/>
+        </p:nvPicPr>
+        <p:blipFill>
+          <a:blip r:embed="rId5"/>
+          <a:stretch>
+            <a:fillRect/>
+          </a:stretch>
+        </p:blipFill>
+        <p:spPr>
+          <a:xfrm>
+            <a:off x="2254694" y="4197440"/>
+            <a:ext cx="7682609" cy="2445098"/>
+          </a:xfrm>
+          <a:prstGeom prst="rect">
+            <a:avLst/>
+          </a:prstGeom>
+        </p:spPr>
+      </p:pic>
+      <p:sp>
+        <p:nvSpPr>
+          <p:cNvPr id="9" name="Text Placeholder 2">
+            <a:extLst>
+              <a:ext uri="{FF2B5EF4-FFF2-40B4-BE49-F238E27FC236}">
+                <a16:creationId xmlns:a16="http://schemas.microsoft.com/office/drawing/2014/main" id="{F95E05BF-54A3-C3D1-2253-36E58AA663C4}"/>
+              </a:ext>
+            </a:extLst>
+          </p:cNvPr>
+          <p:cNvSpPr txBox="1">
+            <a:spLocks/>
+          </p:cNvSpPr>
+          <p:nvPr/>
+        </p:nvSpPr>
+        <p:spPr>
+          <a:xfrm>
+            <a:off x="698500" y="3847422"/>
+            <a:ext cx="10773500" cy="459134"/>
+          </a:xfrm>
+          <a:prstGeom prst="rect">
+            <a:avLst/>
+          </a:prstGeom>
+          <a:ln w="12700">
+            <a:miter lim="400000"/>
+          </a:ln>
+          <a:extLst>
+            <a:ext uri="{C572A759-6A51-4108-AA02-DFA0A04FC94B}">
+              <ma14:wrappingTextBoxFlag xmlns="" xmlns:ma14="http://schemas.microsoft.com/office/mac/drawingml/2011/main" xmlns:a14="http://schemas.microsoft.com/office/drawing/2010/main" xmlns:m="http://schemas.openxmlformats.org/officeDocument/2006/math" val="1"/>
+            </a:ext>
+          </a:extLst>
+        </p:spPr>
+        <p:txBody>
+          <a:bodyPr lIns="0" tIns="0" rIns="0" bIns="0">
+            <a:normAutofit/>
+          </a:bodyPr>
+          <a:lstStyle>
+            <a:lvl1pPr marL="263525" marR="0" indent="-263525" algn="l" defTabSz="719137" rtl="0" latinLnBrk="0">
+              <a:lnSpc>
+                <a:spcPct val="90000"/>
+              </a:lnSpc>
+              <a:spcBef>
+                <a:spcPts val="1200"/>
+              </a:spcBef>
+              <a:spcAft>
+                <a:spcPts val="0"/>
+              </a:spcAft>
+              <a:buClr>
+                <a:schemeClr val="accent1"/>
+              </a:buClr>
+              <a:buSzPct val="100000"/>
+              <a:buFontTx/>
+              <a:buChar char="▪"/>
+              <a:tabLst/>
+              <a:defRPr sz="1600" b="0" i="0" u="none" strike="noStrike" cap="none" spc="0" baseline="0">
+                <a:solidFill>
+                  <a:srgbClr val="000000"/>
+                </a:solidFill>
+                <a:uFillTx/>
+                <a:latin typeface="Arial"/>
+                <a:ea typeface="Arial"/>
+                <a:cs typeface="Arial"/>
+                <a:sym typeface="Arial"/>
+              </a:defRPr>
+            </a:lvl1pPr>
+            <a:lvl2pPr marL="538162" marR="0" indent="-274638" algn="l" defTabSz="719137" rtl="0" latinLnBrk="0">
+              <a:lnSpc>
+                <a:spcPct val="90000"/>
+              </a:lnSpc>
+              <a:spcBef>
+                <a:spcPts val="1200"/>
+              </a:spcBef>
+              <a:spcAft>
+                <a:spcPts val="0"/>
+              </a:spcAft>
+              <a:buClr>
+                <a:schemeClr val="accent1"/>
+              </a:buClr>
+              <a:buSzPct val="100000"/>
+              <a:buFontTx/>
+              <a:buChar char="▪"/>
+              <a:tabLst/>
+              <a:defRPr sz="1600" b="0" i="0" u="none" strike="noStrike" cap="none" spc="0" baseline="0">
+                <a:solidFill>
+                  <a:srgbClr val="000000"/>
+                </a:solidFill>
+                <a:uFillTx/>
+                <a:latin typeface="Arial"/>
+                <a:ea typeface="Arial"/>
+                <a:cs typeface="Arial"/>
+                <a:sym typeface="Arial"/>
+              </a:defRPr>
+            </a:lvl2pPr>
+            <a:lvl3pPr marL="0" marR="0" indent="0" algn="l" defTabSz="719137" rtl="0" latinLnBrk="0">
+              <a:lnSpc>
+                <a:spcPct val="90000"/>
+              </a:lnSpc>
+              <a:spcBef>
+                <a:spcPts val="1200"/>
+              </a:spcBef>
+              <a:spcAft>
+                <a:spcPts val="0"/>
+              </a:spcAft>
+              <a:buClr>
+                <a:schemeClr val="accent1"/>
+              </a:buClr>
+              <a:buSzTx/>
+              <a:buFont typeface="Wingdings"/>
+              <a:buNone/>
+              <a:tabLst/>
+              <a:defRPr sz="1600" b="0" i="0" u="none" strike="noStrike" cap="none" spc="0" baseline="0">
+                <a:solidFill>
+                  <a:srgbClr val="000000"/>
+                </a:solidFill>
+                <a:uFillTx/>
+                <a:latin typeface="Arial"/>
+                <a:ea typeface="Arial"/>
+                <a:cs typeface="Arial"/>
+                <a:sym typeface="Arial"/>
+              </a:defRPr>
+            </a:lvl3pPr>
+            <a:lvl4pPr marL="0" marR="0" indent="0" algn="l" defTabSz="719137" rtl="0" latinLnBrk="0">
+              <a:lnSpc>
+                <a:spcPct val="90000"/>
+              </a:lnSpc>
+              <a:spcBef>
+                <a:spcPts val="1200"/>
+              </a:spcBef>
+              <a:spcAft>
+                <a:spcPts val="0"/>
+              </a:spcAft>
+              <a:buClr>
+                <a:schemeClr val="accent1"/>
+              </a:buClr>
+              <a:buSzTx/>
+              <a:buFont typeface="Wingdings"/>
+              <a:buNone/>
+              <a:tabLst/>
+              <a:defRPr sz="1600" b="0" i="0" u="none" strike="noStrike" cap="none" spc="0" baseline="0">
+                <a:solidFill>
+                  <a:srgbClr val="000000"/>
+                </a:solidFill>
+                <a:uFillTx/>
+                <a:latin typeface="Arial"/>
+                <a:ea typeface="Arial"/>
+                <a:cs typeface="Arial"/>
+                <a:sym typeface="Arial"/>
+              </a:defRPr>
+            </a:lvl4pPr>
+            <a:lvl5pPr marL="263525" marR="0" indent="-263525" algn="l" defTabSz="719137" rtl="0" latinLnBrk="0">
+              <a:lnSpc>
+                <a:spcPct val="90000"/>
+              </a:lnSpc>
+              <a:spcBef>
+                <a:spcPts val="1200"/>
+              </a:spcBef>
+              <a:spcAft>
+                <a:spcPts val="0"/>
+              </a:spcAft>
+              <a:buClr>
+                <a:schemeClr val="accent1"/>
+              </a:buClr>
+              <a:buSzPct val="100000"/>
+              <a:buFont typeface="Wingdings"/>
+              <a:buAutoNum type="arabicPeriod"/>
+              <a:tabLst/>
+              <a:defRPr sz="1600" b="0" i="0" u="none" strike="noStrike" cap="none" spc="0" baseline="0">
+                <a:solidFill>
+                  <a:srgbClr val="000000"/>
+                </a:solidFill>
+                <a:uFillTx/>
+                <a:latin typeface="Arial"/>
+                <a:ea typeface="Arial"/>
+                <a:cs typeface="Arial"/>
+                <a:sym typeface="Arial"/>
+              </a:defRPr>
+            </a:lvl5pPr>
+            <a:lvl6pPr marL="538162" marR="0" indent="-276225" algn="l" defTabSz="719137" rtl="0" latinLnBrk="0">
+              <a:lnSpc>
+                <a:spcPct val="90000"/>
+              </a:lnSpc>
+              <a:spcBef>
+                <a:spcPts val="1200"/>
+              </a:spcBef>
+              <a:spcAft>
+                <a:spcPts val="0"/>
+              </a:spcAft>
+              <a:buClr>
+                <a:schemeClr val="accent1"/>
+              </a:buClr>
+              <a:buSzPct val="100000"/>
+              <a:buFont typeface="Wingdings"/>
+              <a:buAutoNum type="alphaLcPeriod"/>
+              <a:tabLst/>
+              <a:defRPr sz="1600" b="0" i="0" u="none" strike="noStrike" cap="none" spc="0" baseline="0">
+                <a:solidFill>
+                  <a:srgbClr val="000000"/>
+                </a:solidFill>
+                <a:uFillTx/>
+                <a:latin typeface="Arial"/>
+                <a:ea typeface="Arial"/>
+                <a:cs typeface="Arial"/>
+                <a:sym typeface="Arial"/>
+              </a:defRPr>
+            </a:lvl6pPr>
+            <a:lvl7pPr marL="538162" marR="0" indent="-276225" algn="l" defTabSz="719137" rtl="0" latinLnBrk="0">
+              <a:lnSpc>
+                <a:spcPct val="90000"/>
+              </a:lnSpc>
+              <a:spcBef>
+                <a:spcPts val="1200"/>
+              </a:spcBef>
+              <a:spcAft>
+                <a:spcPts val="0"/>
+              </a:spcAft>
+              <a:buClr>
+                <a:schemeClr val="accent1"/>
+              </a:buClr>
+              <a:buSzPct val="100000"/>
+              <a:buFontTx/>
+              <a:buChar char="▪"/>
+              <a:tabLst/>
+              <a:defRPr sz="1600" b="0" i="0" u="none" strike="noStrike" cap="none" spc="0" baseline="0">
+                <a:solidFill>
+                  <a:srgbClr val="000000"/>
+                </a:solidFill>
+                <a:uFillTx/>
+                <a:latin typeface="Arial"/>
+                <a:ea typeface="Arial"/>
+                <a:cs typeface="Arial"/>
+                <a:sym typeface="Arial"/>
+              </a:defRPr>
+            </a:lvl7pPr>
+            <a:lvl8pPr marL="0" marR="0" indent="0" algn="l" defTabSz="719137" rtl="0" latinLnBrk="0">
+              <a:lnSpc>
+                <a:spcPct val="90000"/>
+              </a:lnSpc>
+              <a:spcBef>
+                <a:spcPts val="1200"/>
+              </a:spcBef>
+              <a:spcAft>
+                <a:spcPts val="0"/>
+              </a:spcAft>
+              <a:buClr>
+                <a:schemeClr val="accent1"/>
+              </a:buClr>
+              <a:buSzTx/>
+              <a:buFont typeface="Wingdings"/>
+              <a:buNone/>
+              <a:tabLst/>
+              <a:defRPr sz="1600" b="0" i="0" u="none" strike="noStrike" cap="none" spc="0" baseline="0">
+                <a:solidFill>
+                  <a:srgbClr val="000000"/>
+                </a:solidFill>
+                <a:uFillTx/>
+                <a:latin typeface="Arial"/>
+                <a:ea typeface="Arial"/>
+                <a:cs typeface="Arial"/>
+                <a:sym typeface="Arial"/>
+              </a:defRPr>
+            </a:lvl8pPr>
+            <a:lvl9pPr marL="0" marR="0" indent="0" algn="l" defTabSz="719137" rtl="0" latinLnBrk="0">
+              <a:lnSpc>
+                <a:spcPct val="90000"/>
+              </a:lnSpc>
+              <a:spcBef>
+                <a:spcPts val="1200"/>
+              </a:spcBef>
+              <a:spcAft>
+                <a:spcPts val="0"/>
+              </a:spcAft>
+              <a:buClr>
+                <a:schemeClr val="accent1"/>
+              </a:buClr>
+              <a:buSzTx/>
+              <a:buFont typeface="Wingdings"/>
+              <a:buNone/>
+              <a:tabLst/>
+              <a:defRPr sz="1600" b="0" i="0" u="none" strike="noStrike" cap="none" spc="0" baseline="0">
+                <a:solidFill>
+                  <a:srgbClr val="000000"/>
+                </a:solidFill>
+                <a:uFillTx/>
+                <a:latin typeface="Arial"/>
+                <a:ea typeface="Arial"/>
+                <a:cs typeface="Arial"/>
+                <a:sym typeface="Arial"/>
+              </a:defRPr>
+            </a:lvl9pPr>
+          </a:lstStyle>
+          <a:p>
+            <a:pPr marL="712788" hangingPunct="1">
+              <a:lnSpc>
+                <a:spcPct val="100000"/>
+              </a:lnSpc>
+              <a:buFont typeface="Arial" panose="020B0604020202020204" pitchFamily="34" charset="0"/>
+              <a:buChar char="•"/>
+            </a:pPr>
+            <a:r>
+              <a:rPr lang="en-US" altLang="zh-CN" sz="2400" dirty="0">
+                <a:latin typeface="Arial" panose="020B0604020202020204" pitchFamily="34" charset="0"/>
+              </a:rPr>
+              <a:t>The covariance matrix of the block noise </a:t>
+            </a:r>
+            <a:endParaRPr lang="en-GB" sz="2400" dirty="0">
+              <a:latin typeface="Arial" panose="020B0604020202020204" pitchFamily="34" charset="0"/>
+            </a:endParaRPr>
+          </a:p>
+        </p:txBody>
+      </p:sp>
     </p:spTree>
     <p:extLst>
       <p:ext uri="{BB962C8B-B14F-4D97-AF65-F5344CB8AC3E}">
@@ -15056,6 +15629,67 @@
                       </p:childTnLst>
                     </p:cTn>
                   </p:par>
+                  <p:par>
+                    <p:cTn id="12" fill="hold">
+                      <p:stCondLst>
+                        <p:cond delay="indefinite"/>
+                      </p:stCondLst>
+                      <p:childTnLst>
+                        <p:par>
+                          <p:cTn id="13" fill="hold">
+                            <p:stCondLst>
+                              <p:cond delay="0"/>
+                            </p:stCondLst>
+                            <p:childTnLst>
+                              <p:par>
+                                <p:cTn id="14" presetID="10" presetClass="entr" presetSubtype="0" fill="hold" grpId="0" nodeType="clickEffect">
+                                  <p:stCondLst>
+                                    <p:cond delay="0"/>
+                                  </p:stCondLst>
+                                  <p:childTnLst>
+                                    <p:set>
+                                      <p:cBhvr>
+                                        <p:cTn id="15" dur="1" fill="hold">
+                                          <p:stCondLst>
+                                            <p:cond delay="0"/>
+                                          </p:stCondLst>
+                                        </p:cTn>
+                                        <p:tgtEl>
+                                          <p:spTgt spid="9">
+                                            <p:txEl>
+                                              <p:pRg st="0" end="0"/>
+                                            </p:txEl>
+                                          </p:spTgt>
+                                        </p:tgtEl>
+                                        <p:attrNameLst>
+                                          <p:attrName>style.visibility</p:attrName>
+                                        </p:attrNameLst>
+                                      </p:cBhvr>
+                                      <p:to>
+                                        <p:strVal val="visible"/>
+                                      </p:to>
+                                    </p:set>
+                                    <p:animEffect transition="in" filter="fade">
+                                      <p:cBhvr>
+                                        <p:cTn id="16" dur="500"/>
+                                        <p:tgtEl>
+                                          <p:spTgt spid="9">
+                                            <p:txEl>
+                                              <p:pRg st="0" end="0"/>
+                                            </p:txEl>
+                                          </p:spTgt>
+                                        </p:tgtEl>
+                                      </p:cBhvr>
+                                    </p:animEffect>
+                                  </p:childTnLst>
+                                </p:cTn>
+                              </p:par>
+                            </p:childTnLst>
+                          </p:cTn>
+                        </p:par>
+                      </p:childTnLst>
+                    </p:cTn>
+                  </p:par>
                 </p:childTnLst>
               </p:cTn>
               <p:prevCondLst>
@@ -15080,6 +15714,7 @@
     <p:bldLst>
       <p:bldP spid="2" grpId="0" animBg="1"/>
       <p:bldP spid="3" grpId="0" uiExpand="1" build="p"/>
+      <p:bldP spid="9" grpId="0" uiExpand="1" build="p"/>
     </p:bldLst>
   </p:timing>
 </p:sld>
@@ -15135,25 +15770,13 @@
                 <a:effectLst/>
                 <a:latin typeface="Arial" panose="020B0604020202020204" pitchFamily="34" charset="0"/>
               </a:rPr>
-              <a:t>3. </a:t>
+              <a:t>2. </a:t>
             </a:r>
             <a:r>
-              <a:rPr lang="en-GB" altLang="zh-CN" dirty="0">
+              <a:rPr lang="en-GB" dirty="0">
                 <a:latin typeface="Arial" panose="020B0604020202020204" pitchFamily="34" charset="0"/>
               </a:rPr>
-              <a:t>State Estimation Architecture: </a:t>
-            </a:r>
-            <a:r>
-              <a:rPr lang="en-GB" altLang="zh-CN" dirty="0" err="1">
-                <a:latin typeface="Arial" panose="020B0604020202020204" pitchFamily="34" charset="0"/>
-              </a:rPr>
-              <a:t>sr</a:t>
-            </a:r>
-            <a:r>
-              <a:rPr lang="en-GB" altLang="zh-CN" dirty="0">
-                <a:latin typeface="Arial" panose="020B0604020202020204" pitchFamily="34" charset="0"/>
-              </a:rPr>
-              <a:t>-EKF</a:t>
+              <a:t>Multi-rate Extended Kalman Filter</a:t>
             </a:r>
             <a:endParaRPr lang="en-GB" dirty="0"/>
           </a:p>
@@ -15195,22 +15818,10 @@
               <a:buChar char="•"/>
             </a:pPr>
             <a:r>
-              <a:rPr lang="en-GB" altLang="zh-CN" sz="2400" dirty="0" err="1">
-                <a:latin typeface="Arial" panose="020B0604020202020204" pitchFamily="34" charset="0"/>
-              </a:rPr>
-              <a:t>sr</a:t>
-            </a:r>
-            <a:r>
               <a:rPr lang="en-GB" altLang="zh-CN" sz="2400" dirty="0">
                 <a:latin typeface="Arial" panose="020B0604020202020204" pitchFamily="34" charset="0"/>
               </a:rPr>
-              <a:t>-</a:t>
-            </a:r>
-            <a:r>
-              <a:rPr lang="en-US" altLang="zh-CN" sz="2400" dirty="0">
-                <a:latin typeface="Arial" panose="020B0604020202020204" pitchFamily="34" charset="0"/>
-              </a:rPr>
-              <a:t>EKF</a:t>
+              <a:t>Dealing with missing data</a:t>
             </a:r>
             <a:endParaRPr lang="en-GB" sz="2400" b="0" i="0" dirty="0">
               <a:effectLst/>
@@ -15219,10 +15830,40 @@
           </a:p>
         </p:txBody>
       </p:sp>
+      <p:pic>
+        <p:nvPicPr>
+          <p:cNvPr id="7" name="图片 6">
+            <a:extLst>
+              <a:ext uri="{FF2B5EF4-FFF2-40B4-BE49-F238E27FC236}">
+                <a16:creationId xmlns:a16="http://schemas.microsoft.com/office/drawing/2014/main" id="{FA45D39F-EB37-B7DD-01C4-6AD99F12F9B3}"/>
+              </a:ext>
+            </a:extLst>
+          </p:cNvPr>
+          <p:cNvPicPr>
+            <a:picLocks noChangeAspect="1"/>
+          </p:cNvPicPr>
+          <p:nvPr/>
+        </p:nvPicPr>
+        <p:blipFill>
+          <a:blip r:embed="rId3"/>
+          <a:stretch>
+            <a:fillRect/>
+          </a:stretch>
+        </p:blipFill>
+        <p:spPr>
+          <a:xfrm>
+            <a:off x="590382" y="1798925"/>
+            <a:ext cx="10989736" cy="1129332"/>
+          </a:xfrm>
+          <a:prstGeom prst="rect">
+            <a:avLst/>
+          </a:prstGeom>
+        </p:spPr>
+      </p:pic>
     </p:spTree>
     <p:extLst>
       <p:ext uri="{BB962C8B-B14F-4D97-AF65-F5344CB8AC3E}">
-        <p14:creationId xmlns:p14="http://schemas.microsoft.com/office/powerpoint/2010/main" val="1655760543"/>
+        <p14:creationId xmlns:p14="http://schemas.microsoft.com/office/powerpoint/2010/main" val="759443200"/>
       </p:ext>
     </p:extLst>
   </p:cSld>
@@ -15491,6 +16132,42 @@
           </a:p>
         </p:txBody>
       </p:sp>
+      <p:pic>
+        <p:nvPicPr>
+          <p:cNvPr id="5" name="图片 4" descr="日程表&#10;&#10;描述已自动生成">
+            <a:extLst>
+              <a:ext uri="{FF2B5EF4-FFF2-40B4-BE49-F238E27FC236}">
+                <a16:creationId xmlns:a16="http://schemas.microsoft.com/office/drawing/2014/main" id="{0E8E4F2A-5A56-E7AF-1EFD-AD28A6D89723}"/>
+              </a:ext>
+            </a:extLst>
+          </p:cNvPr>
+          <p:cNvPicPr>
+            <a:picLocks noChangeAspect="1"/>
+          </p:cNvPicPr>
+          <p:nvPr/>
+        </p:nvPicPr>
+        <p:blipFill>
+          <a:blip r:embed="rId3">
+            <a:extLst>
+              <a:ext uri="{28A0092B-C50C-407E-A947-70E740481C1C}">
+                <a14:useLocalDpi xmlns:a14="http://schemas.microsoft.com/office/drawing/2010/main" val="0"/>
+              </a:ext>
+            </a:extLst>
+          </a:blip>
+          <a:stretch>
+            <a:fillRect/>
+          </a:stretch>
+        </p:blipFill>
+        <p:spPr>
+          <a:xfrm>
+            <a:off x="1799862" y="2084274"/>
+            <a:ext cx="8592275" cy="2689452"/>
+          </a:xfrm>
+          <a:prstGeom prst="rect">
+            <a:avLst/>
+          </a:prstGeom>
+        </p:spPr>
+      </p:pic>
     </p:spTree>
     <p:extLst>
       <p:ext uri="{BB962C8B-B14F-4D97-AF65-F5344CB8AC3E}">
@@ -15763,6 +16440,42 @@
           </a:p>
         </p:txBody>
       </p:sp>
+      <p:pic>
+        <p:nvPicPr>
+          <p:cNvPr id="5" name="图片 4" descr="图形用户界面, 应用程序&#10;&#10;描述已自动生成">
+            <a:extLst>
+              <a:ext uri="{FF2B5EF4-FFF2-40B4-BE49-F238E27FC236}">
+                <a16:creationId xmlns:a16="http://schemas.microsoft.com/office/drawing/2014/main" id="{B230CC39-05DD-151A-F124-18565BC9BDE2}"/>
+              </a:ext>
+            </a:extLst>
+          </p:cNvPr>
+          <p:cNvPicPr>
+            <a:picLocks noChangeAspect="1"/>
+          </p:cNvPicPr>
+          <p:nvPr/>
+        </p:nvPicPr>
+        <p:blipFill>
+          <a:blip r:embed="rId3">
+            <a:extLst>
+              <a:ext uri="{28A0092B-C50C-407E-A947-70E740481C1C}">
+                <a14:useLocalDpi xmlns:a14="http://schemas.microsoft.com/office/drawing/2010/main" val="0"/>
+              </a:ext>
+            </a:extLst>
+          </a:blip>
+          <a:stretch>
+            <a:fillRect/>
+          </a:stretch>
+        </p:blipFill>
+        <p:spPr>
+          <a:xfrm>
+            <a:off x="2175782" y="1821316"/>
+            <a:ext cx="7840436" cy="3532891"/>
+          </a:xfrm>
+          <a:prstGeom prst="rect">
+            <a:avLst/>
+          </a:prstGeom>
+        </p:spPr>
+      </p:pic>
     </p:spTree>
     <p:extLst>
       <p:ext uri="{BB962C8B-B14F-4D97-AF65-F5344CB8AC3E}">
@@ -15936,6 +16649,308 @@
       </p:grpSpPr>
       <p:sp>
         <p:nvSpPr>
+          <p:cNvPr id="2" name="Title 1">
+            <a:extLst>
+              <a:ext uri="{FF2B5EF4-FFF2-40B4-BE49-F238E27FC236}">
+                <a16:creationId xmlns:a16="http://schemas.microsoft.com/office/drawing/2014/main" id="{FC23EE60-9574-3A75-9B76-DA940A4BD7BA}"/>
+              </a:ext>
+            </a:extLst>
+          </p:cNvPr>
+          <p:cNvSpPr>
+            <a:spLocks noGrp="1"/>
+          </p:cNvSpPr>
+          <p:nvPr>
+            <p:ph type="title"/>
+          </p:nvPr>
+        </p:nvSpPr>
+        <p:spPr>
+          <a:xfrm>
+            <a:off x="698500" y="147139"/>
+            <a:ext cx="10775071" cy="841255"/>
+          </a:xfrm>
+        </p:spPr>
+        <p:txBody>
+          <a:bodyPr>
+            <a:noAutofit/>
+          </a:bodyPr>
+          <a:lstStyle/>
+          <a:p>
+            <a:r>
+              <a:rPr lang="en-GB" b="0" i="0" dirty="0">
+                <a:effectLst/>
+                <a:latin typeface="Arial" panose="020B0604020202020204" pitchFamily="34" charset="0"/>
+              </a:rPr>
+              <a:t>3. </a:t>
+            </a:r>
+            <a:r>
+              <a:rPr lang="en-GB" altLang="zh-CN" dirty="0">
+                <a:latin typeface="Arial" panose="020B0604020202020204" pitchFamily="34" charset="0"/>
+              </a:rPr>
+              <a:t>State Estimation Architecture: </a:t>
+            </a:r>
+            <a:r>
+              <a:rPr lang="en-US" altLang="zh-CN" dirty="0">
+                <a:latin typeface="Arial" panose="020B0604020202020204" pitchFamily="34" charset="0"/>
+              </a:rPr>
+              <a:t>m</a:t>
+            </a:r>
+            <a:r>
+              <a:rPr lang="en-GB" altLang="zh-CN" dirty="0">
+                <a:latin typeface="Arial" panose="020B0604020202020204" pitchFamily="34" charset="0"/>
+              </a:rPr>
+              <a:t>r-EKF</a:t>
+            </a:r>
+            <a:endParaRPr lang="en-GB" dirty="0"/>
+          </a:p>
+        </p:txBody>
+      </p:sp>
+      <p:sp>
+        <p:nvSpPr>
+          <p:cNvPr id="3" name="Text Placeholder 2">
+            <a:extLst>
+              <a:ext uri="{FF2B5EF4-FFF2-40B4-BE49-F238E27FC236}">
+                <a16:creationId xmlns:a16="http://schemas.microsoft.com/office/drawing/2014/main" id="{D678EF46-F590-D77C-D3C8-251A4EDE1821}"/>
+              </a:ext>
+            </a:extLst>
+          </p:cNvPr>
+          <p:cNvSpPr>
+            <a:spLocks noGrp="1"/>
+          </p:cNvSpPr>
+          <p:nvPr>
+            <p:ph type="body" idx="1"/>
+          </p:nvPr>
+        </p:nvSpPr>
+        <p:spPr>
+          <a:xfrm>
+            <a:off x="698500" y="1028021"/>
+            <a:ext cx="10773500" cy="459134"/>
+          </a:xfrm>
+        </p:spPr>
+        <p:txBody>
+          <a:bodyPr>
+            <a:normAutofit/>
+          </a:bodyPr>
+          <a:lstStyle/>
+          <a:p>
+            <a:pPr marL="712788">
+              <a:lnSpc>
+                <a:spcPct val="100000"/>
+              </a:lnSpc>
+              <a:buFont typeface="Arial" panose="020B0604020202020204" pitchFamily="34" charset="0"/>
+              <a:buChar char="•"/>
+            </a:pPr>
+            <a:r>
+              <a:rPr lang="en-GB" altLang="zh-CN" sz="2400" dirty="0">
+                <a:latin typeface="Arial" panose="020B0604020202020204" pitchFamily="34" charset="0"/>
+              </a:rPr>
+              <a:t>OWA style, weight determination</a:t>
+            </a:r>
+          </a:p>
+        </p:txBody>
+      </p:sp>
+      <p:pic>
+        <p:nvPicPr>
+          <p:cNvPr id="6" name="图片 5">
+            <a:extLst>
+              <a:ext uri="{FF2B5EF4-FFF2-40B4-BE49-F238E27FC236}">
+                <a16:creationId xmlns:a16="http://schemas.microsoft.com/office/drawing/2014/main" id="{5F554C9B-B59B-E93F-193B-7FEFC10C1B6E}"/>
+              </a:ext>
+            </a:extLst>
+          </p:cNvPr>
+          <p:cNvPicPr>
+            <a:picLocks noChangeAspect="1"/>
+          </p:cNvPicPr>
+          <p:nvPr/>
+        </p:nvPicPr>
+        <p:blipFill>
+          <a:blip r:embed="rId3"/>
+          <a:stretch>
+            <a:fillRect/>
+          </a:stretch>
+        </p:blipFill>
+        <p:spPr>
+          <a:xfrm>
+            <a:off x="698500" y="1526782"/>
+            <a:ext cx="10551660" cy="3012720"/>
+          </a:xfrm>
+          <a:prstGeom prst="rect">
+            <a:avLst/>
+          </a:prstGeom>
+        </p:spPr>
+      </p:pic>
+    </p:spTree>
+    <p:extLst>
+      <p:ext uri="{BB962C8B-B14F-4D97-AF65-F5344CB8AC3E}">
+        <p14:creationId xmlns:p14="http://schemas.microsoft.com/office/powerpoint/2010/main" val="1096295791"/>
+      </p:ext>
+    </p:extLst>
+  </p:cSld>
+  <p:clrMapOvr>
+    <a:masterClrMapping/>
+  </p:clrMapOvr>
+  <p:transition spd="med"/>
+  <p:timing>
+    <p:tnLst>
+      <p:par>
+        <p:cTn id="1" dur="indefinite" restart="never" nodeType="tmRoot">
+          <p:childTnLst>
+            <p:seq concurrent="1" nextAc="seek">
+              <p:cTn id="2" dur="indefinite" nodeType="mainSeq">
+                <p:childTnLst>
+                  <p:par>
+                    <p:cTn id="3" fill="hold">
+                      <p:stCondLst>
+                        <p:cond delay="indefinite"/>
+                      </p:stCondLst>
+                      <p:childTnLst>
+                        <p:par>
+                          <p:cTn id="4" fill="hold">
+                            <p:stCondLst>
+                              <p:cond delay="0"/>
+                            </p:stCondLst>
+                            <p:childTnLst>
+                              <p:par>
+                                <p:cTn id="5" presetID="1" presetClass="entr" presetSubtype="0" fill="hold" grpId="0" nodeType="clickEffect">
+                                  <p:stCondLst>
+                                    <p:cond delay="0"/>
+                                  </p:stCondLst>
+                                  <p:childTnLst>
+                                    <p:set>
+                                      <p:cBhvr>
+                                        <p:cTn id="6" dur="1" fill="hold">
+                                          <p:stCondLst>
+                                            <p:cond delay="0"/>
+                                          </p:stCondLst>
+                                        </p:cTn>
+                                        <p:tgtEl>
+                                          <p:spTgt spid="2"/>
+                                        </p:tgtEl>
+                                        <p:attrNameLst>
+                                          <p:attrName>style.visibility</p:attrName>
+                                        </p:attrNameLst>
+                                      </p:cBhvr>
+                                      <p:to>
+                                        <p:strVal val="visible"/>
+                                      </p:to>
+                                    </p:set>
+                                  </p:childTnLst>
+                                </p:cTn>
+                              </p:par>
+                            </p:childTnLst>
+                          </p:cTn>
+                        </p:par>
+                      </p:childTnLst>
+                    </p:cTn>
+                  </p:par>
+                  <p:par>
+                    <p:cTn id="7" fill="hold">
+                      <p:stCondLst>
+                        <p:cond delay="indefinite"/>
+                      </p:stCondLst>
+                      <p:childTnLst>
+                        <p:par>
+                          <p:cTn id="8" fill="hold">
+                            <p:stCondLst>
+                              <p:cond delay="0"/>
+                            </p:stCondLst>
+                            <p:childTnLst>
+                              <p:par>
+                                <p:cTn id="9" presetID="10" presetClass="entr" presetSubtype="0" fill="hold" grpId="0" nodeType="clickEffect">
+                                  <p:stCondLst>
+                                    <p:cond delay="0"/>
+                                  </p:stCondLst>
+                                  <p:childTnLst>
+                                    <p:set>
+                                      <p:cBhvr>
+                                        <p:cTn id="10" dur="1" fill="hold">
+                                          <p:stCondLst>
+                                            <p:cond delay="0"/>
+                                          </p:stCondLst>
+                                        </p:cTn>
+                                        <p:tgtEl>
+                                          <p:spTgt spid="3">
+                                            <p:txEl>
+                                              <p:pRg st="0" end="0"/>
+                                            </p:txEl>
+                                          </p:spTgt>
+                                        </p:tgtEl>
+                                        <p:attrNameLst>
+                                          <p:attrName>style.visibility</p:attrName>
+                                        </p:attrNameLst>
+                                      </p:cBhvr>
+                                      <p:to>
+                                        <p:strVal val="visible"/>
+                                      </p:to>
+                                    </p:set>
+                                    <p:animEffect transition="in" filter="fade">
+                                      <p:cBhvr>
+                                        <p:cTn id="11" dur="500"/>
+                                        <p:tgtEl>
+                                          <p:spTgt spid="3">
+                                            <p:txEl>
+                                              <p:pRg st="0" end="0"/>
+                                            </p:txEl>
+                                          </p:spTgt>
+                                        </p:tgtEl>
+                                      </p:cBhvr>
+                                    </p:animEffect>
+                                  </p:childTnLst>
+                                </p:cTn>
+                              </p:par>
+                            </p:childTnLst>
+                          </p:cTn>
+                        </p:par>
+                      </p:childTnLst>
+                    </p:cTn>
+                  </p:par>
+                </p:childTnLst>
+              </p:cTn>
+              <p:prevCondLst>
+                <p:cond evt="onPrev" delay="0">
+                  <p:tgtEl>
+                    <p:sldTgt/>
+                  </p:tgtEl>
+                </p:cond>
+              </p:prevCondLst>
+              <p:nextCondLst>
+                <p:cond evt="onNext" delay="0">
+                  <p:tgtEl>
+                    <p:sldTgt/>
+                  </p:tgtEl>
+                </p:cond>
+              </p:nextCondLst>
+            </p:seq>
+          </p:childTnLst>
+        </p:cTn>
+      </p:par>
+    </p:tnLst>
+    <p:bldLst>
+      <p:bldP spid="2" grpId="0" animBg="1"/>
+      <p:bldP spid="3" grpId="0" uiExpand="1" build="p"/>
+    </p:bldLst>
+  </p:timing>
+</p:sld>
+</file>
+
+<file path=ppt/slides/slide18.xml><?xml version="1.0" encoding="utf-8"?>
+<p:sld xmlns:a="http://schemas.openxmlformats.org/drawingml/2006/main" xmlns:r="http://schemas.openxmlformats.org/officeDocument/2006/relationships" xmlns:p="http://schemas.openxmlformats.org/presentationml/2006/main">
+  <p:cSld>
+    <p:spTree>
+      <p:nvGrpSpPr>
+        <p:cNvPr id="1" name=""/>
+        <p:cNvGrpSpPr/>
+        <p:nvPr/>
+      </p:nvGrpSpPr>
+      <p:grpSpPr>
+        <a:xfrm>
+          <a:off x="0" y="0"/>
+          <a:ext cx="0" cy="0"/>
+          <a:chOff x="0" y="0"/>
+          <a:chExt cx="0" cy="0"/>
+        </a:xfrm>
+      </p:grpSpPr>
+      <p:sp>
+        <p:nvSpPr>
           <p:cNvPr id="15" name="Tijdelijke aanduiding voor tekst 14">
             <a:extLst>
               <a:ext uri="{FF2B5EF4-FFF2-40B4-BE49-F238E27FC236}">
@@ -16043,13 +17058,13 @@
   <p:clrMapOvr>
     <a:masterClrMapping/>
   </p:clrMapOvr>
-  <mc:AlternateContent xmlns:mc="http://schemas.openxmlformats.org/markup-compatibility/2006">
-    <mc:Choice xmlns:p14="http://schemas.microsoft.com/office/powerpoint/2010/main" Requires="p14">
+  <mc:AlternateContent xmlns:mc="http://schemas.openxmlformats.org/markup-compatibility/2006" xmlns:p14="http://schemas.microsoft.com/office/powerpoint/2010/main">
+    <mc:Choice Requires="p14">
       <p:transition spd="med" p14:dur="700">
         <p:fade/>
       </p:transition>
     </mc:Choice>
-    <mc:Fallback>
+    <mc:Fallback xmlns="">
       <p:transition spd="med">
         <p:fade/>
       </p:transition>
@@ -16058,7 +17073,7 @@
 </p:sld>
 </file>
 
-<file path=ppt/slides/slide18.xml><?xml version="1.0" encoding="utf-8"?>
+<file path=ppt/slides/slide19.xml><?xml version="1.0" encoding="utf-8"?>
 <p:sld xmlns:a="http://schemas.openxmlformats.org/drawingml/2006/main" xmlns:r="http://schemas.openxmlformats.org/officeDocument/2006/relationships" xmlns:p="http://schemas.openxmlformats.org/presentationml/2006/main">
   <p:cSld>
     <p:spTree>
@@ -16075,6 +17090,36 @@
           <a:chExt cx="0" cy="0"/>
         </a:xfrm>
       </p:grpSpPr>
+      <p:pic>
+        <p:nvPicPr>
+          <p:cNvPr id="4" name="图片 3">
+            <a:extLst>
+              <a:ext uri="{FF2B5EF4-FFF2-40B4-BE49-F238E27FC236}">
+                <a16:creationId xmlns:a16="http://schemas.microsoft.com/office/drawing/2014/main" id="{09480FF3-B6FC-0395-FEE2-5FAAD120097E}"/>
+              </a:ext>
+            </a:extLst>
+          </p:cNvPr>
+          <p:cNvPicPr>
+            <a:picLocks noChangeAspect="1"/>
+          </p:cNvPicPr>
+          <p:nvPr/>
+        </p:nvPicPr>
+        <p:blipFill>
+          <a:blip r:embed="rId3"/>
+          <a:stretch>
+            <a:fillRect/>
+          </a:stretch>
+        </p:blipFill>
+        <p:spPr>
+          <a:xfrm>
+            <a:off x="134031" y="3750461"/>
+            <a:ext cx="4581271" cy="1212397"/>
+          </a:xfrm>
+          <a:prstGeom prst="rect">
+            <a:avLst/>
+          </a:prstGeom>
+        </p:spPr>
+      </p:pic>
       <p:sp>
         <p:nvSpPr>
           <p:cNvPr id="2" name="Title 1">
@@ -16138,8 +17183,8 @@
         </p:nvSpPr>
         <p:spPr>
           <a:xfrm>
-            <a:off x="698500" y="1028021"/>
-            <a:ext cx="3397250" cy="4847722"/>
+            <a:off x="393699" y="1037534"/>
+            <a:ext cx="3470729" cy="4847722"/>
           </a:xfrm>
         </p:spPr>
         <p:txBody>
@@ -16155,12 +17200,6 @@
               <a:buFont typeface="Arial" panose="020B0604020202020204" pitchFamily="34" charset="0"/>
               <a:buChar char="•"/>
             </a:pPr>
-            <a:r>
-              <a:rPr lang="en-GB" altLang="zh-CN" sz="2400" dirty="0">
-                <a:latin typeface="Arial" panose="020B0604020202020204" pitchFamily="34" charset="0"/>
-              </a:rPr>
-              <a:t>Based on </a:t>
-            </a:r>
             <a:r>
               <a:rPr lang="en-GB" altLang="zh-CN" sz="2400" dirty="0" err="1">
                 <a:latin typeface="Arial" panose="020B0604020202020204" pitchFamily="34" charset="0"/>
@@ -16183,8 +17222,50 @@
               <a:rPr lang="en-GB" altLang="zh-CN" sz="2400" dirty="0">
                 <a:latin typeface="Arial" panose="020B0604020202020204" pitchFamily="34" charset="0"/>
               </a:rPr>
-              <a:t>1080x640 screen size</a:t>
+              <a:t>1080x640 ground size, 10 robots</a:t>
             </a:r>
+          </a:p>
+          <a:p>
+            <a:pPr marL="712788">
+              <a:lnSpc>
+                <a:spcPct val="100000"/>
+              </a:lnSpc>
+              <a:buFont typeface="Arial" panose="020B0604020202020204" pitchFamily="34" charset="0"/>
+              <a:buChar char="•"/>
+            </a:pPr>
+            <a:r>
+              <a:rPr lang="en-GB" altLang="zh-CN" sz="2400" dirty="0">
+                <a:latin typeface="Arial" panose="020B0604020202020204" pitchFamily="34" charset="0"/>
+              </a:rPr>
+              <a:t>10 rounds</a:t>
+            </a:r>
+          </a:p>
+          <a:p>
+            <a:pPr marL="712788">
+              <a:lnSpc>
+                <a:spcPct val="100000"/>
+              </a:lnSpc>
+              <a:buFont typeface="Arial" panose="020B0604020202020204" pitchFamily="34" charset="0"/>
+              <a:buChar char="•"/>
+            </a:pPr>
+            <a:r>
+              <a:rPr lang="en-GB" altLang="zh-CN" sz="2400" dirty="0">
+                <a:latin typeface="Arial" panose="020B0604020202020204" pitchFamily="34" charset="0"/>
+              </a:rPr>
+              <a:t>Metrics: mean square error (MSE)</a:t>
+            </a:r>
+          </a:p>
+          <a:p>
+            <a:pPr marL="712788">
+              <a:lnSpc>
+                <a:spcPct val="100000"/>
+              </a:lnSpc>
+              <a:buFont typeface="Arial" panose="020B0604020202020204" pitchFamily="34" charset="0"/>
+              <a:buChar char="•"/>
+            </a:pPr>
+            <a:endParaRPr lang="en-GB" altLang="zh-CN" sz="2400" dirty="0">
+              <a:latin typeface="Arial" panose="020B0604020202020204" pitchFamily="34" charset="0"/>
+            </a:endParaRPr>
           </a:p>
           <a:p>
             <a:pPr marL="712788">
@@ -16215,7 +17296,7 @@
           <p:nvPr/>
         </p:nvPicPr>
         <p:blipFill>
-          <a:blip r:embed="rId3">
+          <a:blip r:embed="rId4">
             <a:extLst>
               <a:ext uri="{28A0092B-C50C-407E-A947-70E740481C1C}">
                 <a14:useLocalDpi xmlns:a14="http://schemas.microsoft.com/office/drawing/2010/main" val="0"/>
@@ -16422,235 +17503,27 @@
                       </p:childTnLst>
                     </p:cTn>
                   </p:par>
-                </p:childTnLst>
-              </p:cTn>
-              <p:prevCondLst>
-                <p:cond evt="onPrev" delay="0">
-                  <p:tgtEl>
-                    <p:sldTgt/>
-                  </p:tgtEl>
-                </p:cond>
-              </p:prevCondLst>
-              <p:nextCondLst>
-                <p:cond evt="onNext" delay="0">
-                  <p:tgtEl>
-                    <p:sldTgt/>
-                  </p:tgtEl>
-                </p:cond>
-              </p:nextCondLst>
-            </p:seq>
-          </p:childTnLst>
-        </p:cTn>
-      </p:par>
-    </p:tnLst>
-    <p:bldLst>
-      <p:bldP spid="2" grpId="0" animBg="1"/>
-      <p:bldP spid="3" grpId="0" uiExpand="1" build="p"/>
-    </p:bldLst>
-  </p:timing>
-</p:sld>
-</file>
-
-<file path=ppt/slides/slide19.xml><?xml version="1.0" encoding="utf-8"?>
-<p:sld xmlns:a="http://schemas.openxmlformats.org/drawingml/2006/main" xmlns:r="http://schemas.openxmlformats.org/officeDocument/2006/relationships" xmlns:p="http://schemas.openxmlformats.org/presentationml/2006/main">
-  <p:cSld>
-    <p:spTree>
-      <p:nvGrpSpPr>
-        <p:cNvPr id="1" name=""/>
-        <p:cNvGrpSpPr/>
-        <p:nvPr/>
-      </p:nvGrpSpPr>
-      <p:grpSpPr>
-        <a:xfrm>
-          <a:off x="0" y="0"/>
-          <a:ext cx="0" cy="0"/>
-          <a:chOff x="0" y="0"/>
-          <a:chExt cx="0" cy="0"/>
-        </a:xfrm>
-      </p:grpSpPr>
-      <p:sp>
-        <p:nvSpPr>
-          <p:cNvPr id="2" name="Title 1">
-            <a:extLst>
-              <a:ext uri="{FF2B5EF4-FFF2-40B4-BE49-F238E27FC236}">
-                <a16:creationId xmlns:a16="http://schemas.microsoft.com/office/drawing/2014/main" id="{FC23EE60-9574-3A75-9B76-DA940A4BD7BA}"/>
-              </a:ext>
-            </a:extLst>
-          </p:cNvPr>
-          <p:cNvSpPr>
-            <a:spLocks noGrp="1"/>
-          </p:cNvSpPr>
-          <p:nvPr>
-            <p:ph type="title"/>
-          </p:nvPr>
-        </p:nvSpPr>
-        <p:spPr>
-          <a:xfrm>
-            <a:off x="698500" y="147139"/>
-            <a:ext cx="10775071" cy="841255"/>
-          </a:xfrm>
-        </p:spPr>
-        <p:txBody>
-          <a:bodyPr>
-            <a:noAutofit/>
-          </a:bodyPr>
-          <a:lstStyle/>
-          <a:p>
-            <a:r>
-              <a:rPr lang="en-GB" b="0" i="0" dirty="0">
-                <a:effectLst/>
-                <a:latin typeface="Arial" panose="020B0604020202020204" pitchFamily="34" charset="0"/>
-              </a:rPr>
-              <a:t>2. </a:t>
-            </a:r>
-            <a:r>
-              <a:rPr lang="en-GB" altLang="zh-CN" dirty="0">
-                <a:latin typeface="Arial" panose="020B0604020202020204" pitchFamily="34" charset="0"/>
-              </a:rPr>
-              <a:t>Result</a:t>
-            </a:r>
-            <a:endParaRPr lang="en-GB" dirty="0"/>
-          </a:p>
-        </p:txBody>
-      </p:sp>
-      <p:sp>
-        <p:nvSpPr>
-          <p:cNvPr id="3" name="Text Placeholder 2">
-            <a:extLst>
-              <a:ext uri="{FF2B5EF4-FFF2-40B4-BE49-F238E27FC236}">
-                <a16:creationId xmlns:a16="http://schemas.microsoft.com/office/drawing/2014/main" id="{D678EF46-F590-D77C-D3C8-251A4EDE1821}"/>
-              </a:ext>
-            </a:extLst>
-          </p:cNvPr>
-          <p:cNvSpPr>
-            <a:spLocks noGrp="1"/>
-          </p:cNvSpPr>
-          <p:nvPr>
-            <p:ph type="body" idx="1"/>
-          </p:nvPr>
-        </p:nvSpPr>
-        <p:spPr>
-          <a:xfrm>
-            <a:off x="698500" y="1028021"/>
-            <a:ext cx="10773500" cy="459134"/>
-          </a:xfrm>
-        </p:spPr>
-        <p:txBody>
-          <a:bodyPr>
-            <a:normAutofit/>
-          </a:bodyPr>
-          <a:lstStyle/>
-          <a:p>
-            <a:pPr marL="712788">
-              <a:lnSpc>
-                <a:spcPct val="100000"/>
-              </a:lnSpc>
-              <a:buFont typeface="Arial" panose="020B0604020202020204" pitchFamily="34" charset="0"/>
-              <a:buChar char="•"/>
-            </a:pPr>
-            <a:r>
-              <a:rPr lang="en-GB" altLang="zh-CN" sz="2400" dirty="0">
-                <a:latin typeface="Arial" panose="020B0604020202020204" pitchFamily="34" charset="0"/>
-              </a:rPr>
-              <a:t>Based on </a:t>
-            </a:r>
-            <a:r>
-              <a:rPr lang="en-GB" altLang="zh-CN" sz="2400" dirty="0" err="1">
-                <a:latin typeface="Arial" panose="020B0604020202020204" pitchFamily="34" charset="0"/>
-              </a:rPr>
-              <a:t>pygame</a:t>
-            </a:r>
-            <a:endParaRPr lang="en-GB" altLang="zh-CN" sz="2400" dirty="0">
-              <a:latin typeface="Arial" panose="020B0604020202020204" pitchFamily="34" charset="0"/>
-            </a:endParaRPr>
-          </a:p>
-        </p:txBody>
-      </p:sp>
-    </p:spTree>
-    <p:extLst>
-      <p:ext uri="{BB962C8B-B14F-4D97-AF65-F5344CB8AC3E}">
-        <p14:creationId xmlns:p14="http://schemas.microsoft.com/office/powerpoint/2010/main" val="1627089661"/>
-      </p:ext>
-    </p:extLst>
-  </p:cSld>
-  <p:clrMapOvr>
-    <a:masterClrMapping/>
-  </p:clrMapOvr>
-  <p:transition spd="med"/>
-  <p:timing>
-    <p:tnLst>
-      <p:par>
-        <p:cTn id="1" dur="indefinite" restart="never" nodeType="tmRoot">
-          <p:childTnLst>
-            <p:seq concurrent="1" nextAc="seek">
-              <p:cTn id="2" dur="indefinite" nodeType="mainSeq">
-                <p:childTnLst>
                   <p:par>
-                    <p:cTn id="3" fill="hold">
+                    <p:cTn id="17" fill="hold">
                       <p:stCondLst>
                         <p:cond delay="indefinite"/>
                       </p:stCondLst>
                       <p:childTnLst>
                         <p:par>
-                          <p:cTn id="4" fill="hold">
+                          <p:cTn id="18" fill="hold">
                             <p:stCondLst>
                               <p:cond delay="0"/>
                             </p:stCondLst>
                             <p:childTnLst>
                               <p:par>
-                                <p:cTn id="5" presetID="1" presetClass="entr" presetSubtype="0" fill="hold" grpId="0" nodeType="clickEffect">
+                                <p:cTn id="19" presetID="10" presetClass="entr" presetSubtype="0" fill="hold" grpId="0" nodeType="clickEffect">
                                   <p:stCondLst>
                                     <p:cond delay="0"/>
                                   </p:stCondLst>
                                   <p:childTnLst>
                                     <p:set>
                                       <p:cBhvr>
-                                        <p:cTn id="6" dur="1" fill="hold">
-                                          <p:stCondLst>
-                                            <p:cond delay="0"/>
-                                          </p:stCondLst>
-                                        </p:cTn>
-                                        <p:tgtEl>
-                                          <p:spTgt spid="2"/>
-                                        </p:tgtEl>
-                                        <p:attrNameLst>
-                                          <p:attrName>style.visibility</p:attrName>
-                                        </p:attrNameLst>
-                                      </p:cBhvr>
-                                      <p:to>
-                                        <p:strVal val="visible"/>
-                                      </p:to>
-                                    </p:set>
-                                  </p:childTnLst>
-                                </p:cTn>
-                              </p:par>
-                            </p:childTnLst>
-                          </p:cTn>
-                        </p:par>
-                      </p:childTnLst>
-                    </p:cTn>
-                  </p:par>
-                  <p:par>
-                    <p:cTn id="7" fill="hold">
-                      <p:stCondLst>
-                        <p:cond delay="indefinite"/>
-                      </p:stCondLst>
-                      <p:childTnLst>
-                        <p:par>
-                          <p:cTn id="8" fill="hold">
-                            <p:stCondLst>
-                              <p:cond delay="0"/>
-                            </p:stCondLst>
-                            <p:childTnLst>
-                              <p:par>
-                                <p:cTn id="9" presetID="10" presetClass="entr" presetSubtype="0" fill="hold" grpId="0" nodeType="clickEffect">
-                                  <p:stCondLst>
-                                    <p:cond delay="0"/>
-                                  </p:stCondLst>
-                                  <p:childTnLst>
-                                    <p:set>
-                                      <p:cBhvr>
-                                        <p:cTn id="10" dur="1" fill="hold">
+                                        <p:cTn id="20" dur="1" fill="hold">
                                           <p:stCondLst>
                                             <p:cond delay="0"/>
                                           </p:stCondLst>
@@ -16658,7 +17531,7 @@
                                         <p:tgtEl>
                                           <p:spTgt spid="3">
                                             <p:txEl>
-                                              <p:pRg st="0" end="0"/>
+                                              <p:pRg st="2" end="2"/>
                                             </p:txEl>
                                           </p:spTgt>
                                         </p:tgtEl>
@@ -16672,11 +17545,72 @@
                                     </p:set>
                                     <p:animEffect transition="in" filter="fade">
                                       <p:cBhvr>
-                                        <p:cTn id="11" dur="500"/>
+                                        <p:cTn id="21" dur="500"/>
                                         <p:tgtEl>
                                           <p:spTgt spid="3">
                                             <p:txEl>
-                                              <p:pRg st="0" end="0"/>
+                                              <p:pRg st="2" end="2"/>
+                                            </p:txEl>
+                                          </p:spTgt>
+                                        </p:tgtEl>
+                                      </p:cBhvr>
+                                    </p:animEffect>
+                                  </p:childTnLst>
+                                </p:cTn>
+                              </p:par>
+                            </p:childTnLst>
+                          </p:cTn>
+                        </p:par>
+                      </p:childTnLst>
+                    </p:cTn>
+                  </p:par>
+                  <p:par>
+                    <p:cTn id="22" fill="hold">
+                      <p:stCondLst>
+                        <p:cond delay="indefinite"/>
+                      </p:stCondLst>
+                      <p:childTnLst>
+                        <p:par>
+                          <p:cTn id="23" fill="hold">
+                            <p:stCondLst>
+                              <p:cond delay="0"/>
+                            </p:stCondLst>
+                            <p:childTnLst>
+                              <p:par>
+                                <p:cTn id="24" presetID="10" presetClass="entr" presetSubtype="0" fill="hold" grpId="0" nodeType="clickEffect">
+                                  <p:stCondLst>
+                                    <p:cond delay="0"/>
+                                  </p:stCondLst>
+                                  <p:childTnLst>
+                                    <p:set>
+                                      <p:cBhvr>
+                                        <p:cTn id="25" dur="1" fill="hold">
+                                          <p:stCondLst>
+                                            <p:cond delay="0"/>
+                                          </p:stCondLst>
+                                        </p:cTn>
+                                        <p:tgtEl>
+                                          <p:spTgt spid="3">
+                                            <p:txEl>
+                                              <p:pRg st="3" end="3"/>
+                                            </p:txEl>
+                                          </p:spTgt>
+                                        </p:tgtEl>
+                                        <p:attrNameLst>
+                                          <p:attrName>style.visibility</p:attrName>
+                                        </p:attrNameLst>
+                                      </p:cBhvr>
+                                      <p:to>
+                                        <p:strVal val="visible"/>
+                                      </p:to>
+                                    </p:set>
+                                    <p:animEffect transition="in" filter="fade">
+                                      <p:cBhvr>
+                                        <p:cTn id="26" dur="500"/>
+                                        <p:tgtEl>
+                                          <p:spTgt spid="3">
+                                            <p:txEl>
+                                              <p:pRg st="3" end="3"/>
                                             </p:txEl>
                                           </p:spTgt>
                                         </p:tgtEl>
@@ -17275,7 +18209,7 @@
         </p:nvSpPr>
         <p:spPr>
           <a:xfrm>
-            <a:off x="698500" y="924379"/>
+            <a:off x="698500" y="147139"/>
             <a:ext cx="10775071" cy="841255"/>
           </a:xfrm>
         </p:spPr>
@@ -17286,24 +18220,17 @@
           <a:lstStyle/>
           <a:p>
             <a:r>
-              <a:rPr lang="en-GB" dirty="0">
-                <a:latin typeface="Arial" panose="020B0604020202020204" pitchFamily="34" charset="0"/>
-              </a:rPr>
-              <a:t>3</a:t>
-            </a:r>
-            <a:r>
               <a:rPr lang="en-GB" b="0" i="0" dirty="0">
                 <a:effectLst/>
                 <a:latin typeface="Arial" panose="020B0604020202020204" pitchFamily="34" charset="0"/>
               </a:rPr>
-              <a:t>. </a:t>
+              <a:t>2. </a:t>
             </a:r>
             <a:r>
-              <a:rPr lang="en-US" altLang="zh-CN" b="0" i="0" dirty="0">
-                <a:effectLst/>
+              <a:rPr lang="en-GB" altLang="zh-CN" dirty="0">
                 <a:latin typeface="Arial" panose="020B0604020202020204" pitchFamily="34" charset="0"/>
               </a:rPr>
-              <a:t>Next Tasks</a:t>
+              <a:t>Result</a:t>
             </a:r>
             <a:endParaRPr lang="en-GB" dirty="0"/>
           </a:p>
@@ -17327,8 +18254,8 @@
         </p:nvSpPr>
         <p:spPr>
           <a:xfrm>
-            <a:off x="698500" y="1774781"/>
-            <a:ext cx="10773500" cy="4058860"/>
+            <a:off x="698500" y="1028021"/>
+            <a:ext cx="10773500" cy="459134"/>
           </a:xfrm>
         </p:spPr>
         <p:txBody>
@@ -17348,27 +18275,15 @@
               <a:rPr lang="en-GB" altLang="zh-CN" sz="2400" dirty="0">
                 <a:latin typeface="Arial" panose="020B0604020202020204" pitchFamily="34" charset="0"/>
               </a:rPr>
-              <a:t>Implementation on Elisa-3 robots</a:t>
+              <a:t>Metrics: mean square error (MSE)</a:t>
             </a:r>
-          </a:p>
-          <a:p>
-            <a:pPr marL="449263" indent="0">
-              <a:lnSpc>
-                <a:spcPct val="100000"/>
-              </a:lnSpc>
-              <a:buNone/>
-            </a:pPr>
-            <a:endParaRPr lang="en-GB" sz="2400" b="0" i="0" dirty="0">
-              <a:effectLst/>
-              <a:latin typeface="Arial" panose="020B0604020202020204" pitchFamily="34" charset="0"/>
-            </a:endParaRPr>
           </a:p>
         </p:txBody>
       </p:sp>
     </p:spTree>
     <p:extLst>
       <p:ext uri="{BB962C8B-B14F-4D97-AF65-F5344CB8AC3E}">
-        <p14:creationId xmlns:p14="http://schemas.microsoft.com/office/powerpoint/2010/main" val="2251165211"/>
+        <p14:creationId xmlns:p14="http://schemas.microsoft.com/office/powerpoint/2010/main" val="1627089661"/>
       </p:ext>
     </p:extLst>
   </p:cSld>
@@ -17538,6 +18453,361 @@
       </p:grpSpPr>
       <p:sp>
         <p:nvSpPr>
+          <p:cNvPr id="2" name="Title 1">
+            <a:extLst>
+              <a:ext uri="{FF2B5EF4-FFF2-40B4-BE49-F238E27FC236}">
+                <a16:creationId xmlns:a16="http://schemas.microsoft.com/office/drawing/2014/main" id="{FC23EE60-9574-3A75-9B76-DA940A4BD7BA}"/>
+              </a:ext>
+            </a:extLst>
+          </p:cNvPr>
+          <p:cNvSpPr>
+            <a:spLocks noGrp="1"/>
+          </p:cNvSpPr>
+          <p:nvPr>
+            <p:ph type="title"/>
+          </p:nvPr>
+        </p:nvSpPr>
+        <p:spPr>
+          <a:xfrm>
+            <a:off x="698500" y="924379"/>
+            <a:ext cx="10775071" cy="841255"/>
+          </a:xfrm>
+        </p:spPr>
+        <p:txBody>
+          <a:bodyPr>
+            <a:noAutofit/>
+          </a:bodyPr>
+          <a:lstStyle/>
+          <a:p>
+            <a:r>
+              <a:rPr lang="en-GB" dirty="0">
+                <a:latin typeface="Arial" panose="020B0604020202020204" pitchFamily="34" charset="0"/>
+              </a:rPr>
+              <a:t>3</a:t>
+            </a:r>
+            <a:r>
+              <a:rPr lang="en-GB" b="0" i="0" dirty="0">
+                <a:effectLst/>
+                <a:latin typeface="Arial" panose="020B0604020202020204" pitchFamily="34" charset="0"/>
+              </a:rPr>
+              <a:t>. </a:t>
+            </a:r>
+            <a:r>
+              <a:rPr lang="en-US" altLang="zh-CN" b="0" i="0" dirty="0">
+                <a:effectLst/>
+                <a:latin typeface="Arial" panose="020B0604020202020204" pitchFamily="34" charset="0"/>
+              </a:rPr>
+              <a:t>Next Tasks</a:t>
+            </a:r>
+            <a:endParaRPr lang="en-GB" dirty="0"/>
+          </a:p>
+        </p:txBody>
+      </p:sp>
+      <p:sp>
+        <p:nvSpPr>
+          <p:cNvPr id="3" name="Text Placeholder 2">
+            <a:extLst>
+              <a:ext uri="{FF2B5EF4-FFF2-40B4-BE49-F238E27FC236}">
+                <a16:creationId xmlns:a16="http://schemas.microsoft.com/office/drawing/2014/main" id="{D678EF46-F590-D77C-D3C8-251A4EDE1821}"/>
+              </a:ext>
+            </a:extLst>
+          </p:cNvPr>
+          <p:cNvSpPr>
+            <a:spLocks noGrp="1"/>
+          </p:cNvSpPr>
+          <p:nvPr>
+            <p:ph type="body" idx="1"/>
+          </p:nvPr>
+        </p:nvSpPr>
+        <p:spPr>
+          <a:xfrm>
+            <a:off x="698500" y="1774781"/>
+            <a:ext cx="10773500" cy="4058860"/>
+          </a:xfrm>
+        </p:spPr>
+        <p:txBody>
+          <a:bodyPr>
+            <a:normAutofit/>
+          </a:bodyPr>
+          <a:lstStyle/>
+          <a:p>
+            <a:pPr marL="712788">
+              <a:lnSpc>
+                <a:spcPct val="100000"/>
+              </a:lnSpc>
+              <a:buFont typeface="Arial" panose="020B0604020202020204" pitchFamily="34" charset="0"/>
+              <a:buChar char="•"/>
+            </a:pPr>
+            <a:r>
+              <a:rPr lang="en-GB" altLang="zh-CN" sz="2400" dirty="0">
+                <a:latin typeface="Arial" panose="020B0604020202020204" pitchFamily="34" charset="0"/>
+              </a:rPr>
+              <a:t>Implementation on Elisa-3 robots</a:t>
+            </a:r>
+          </a:p>
+          <a:p>
+            <a:pPr marL="712788">
+              <a:lnSpc>
+                <a:spcPct val="100000"/>
+              </a:lnSpc>
+              <a:buFont typeface="Arial" panose="020B0604020202020204" pitchFamily="34" charset="0"/>
+              <a:buChar char="•"/>
+            </a:pPr>
+            <a:r>
+              <a:rPr lang="en-GB" altLang="zh-CN" sz="2400" dirty="0">
+                <a:latin typeface="Arial" panose="020B0604020202020204" pitchFamily="34" charset="0"/>
+              </a:rPr>
+              <a:t>More things</a:t>
+            </a:r>
+          </a:p>
+          <a:p>
+            <a:pPr marL="449263" indent="0">
+              <a:lnSpc>
+                <a:spcPct val="100000"/>
+              </a:lnSpc>
+              <a:buNone/>
+            </a:pPr>
+            <a:endParaRPr lang="en-GB" sz="2400" b="0" i="0" dirty="0">
+              <a:effectLst/>
+              <a:latin typeface="Arial" panose="020B0604020202020204" pitchFamily="34" charset="0"/>
+            </a:endParaRPr>
+          </a:p>
+        </p:txBody>
+      </p:sp>
+    </p:spTree>
+    <p:extLst>
+      <p:ext uri="{BB962C8B-B14F-4D97-AF65-F5344CB8AC3E}">
+        <p14:creationId xmlns:p14="http://schemas.microsoft.com/office/powerpoint/2010/main" val="2251165211"/>
+      </p:ext>
+    </p:extLst>
+  </p:cSld>
+  <p:clrMapOvr>
+    <a:masterClrMapping/>
+  </p:clrMapOvr>
+  <p:transition spd="med"/>
+  <p:timing>
+    <p:tnLst>
+      <p:par>
+        <p:cTn id="1" dur="indefinite" restart="never" nodeType="tmRoot">
+          <p:childTnLst>
+            <p:seq concurrent="1" nextAc="seek">
+              <p:cTn id="2" dur="indefinite" nodeType="mainSeq">
+                <p:childTnLst>
+                  <p:par>
+                    <p:cTn id="3" fill="hold">
+                      <p:stCondLst>
+                        <p:cond delay="indefinite"/>
+                      </p:stCondLst>
+                      <p:childTnLst>
+                        <p:par>
+                          <p:cTn id="4" fill="hold">
+                            <p:stCondLst>
+                              <p:cond delay="0"/>
+                            </p:stCondLst>
+                            <p:childTnLst>
+                              <p:par>
+                                <p:cTn id="5" presetID="1" presetClass="entr" presetSubtype="0" fill="hold" grpId="0" nodeType="clickEffect">
+                                  <p:stCondLst>
+                                    <p:cond delay="0"/>
+                                  </p:stCondLst>
+                                  <p:childTnLst>
+                                    <p:set>
+                                      <p:cBhvr>
+                                        <p:cTn id="6" dur="1" fill="hold">
+                                          <p:stCondLst>
+                                            <p:cond delay="0"/>
+                                          </p:stCondLst>
+                                        </p:cTn>
+                                        <p:tgtEl>
+                                          <p:spTgt spid="2"/>
+                                        </p:tgtEl>
+                                        <p:attrNameLst>
+                                          <p:attrName>style.visibility</p:attrName>
+                                        </p:attrNameLst>
+                                      </p:cBhvr>
+                                      <p:to>
+                                        <p:strVal val="visible"/>
+                                      </p:to>
+                                    </p:set>
+                                  </p:childTnLst>
+                                </p:cTn>
+                              </p:par>
+                            </p:childTnLst>
+                          </p:cTn>
+                        </p:par>
+                      </p:childTnLst>
+                    </p:cTn>
+                  </p:par>
+                  <p:par>
+                    <p:cTn id="7" fill="hold">
+                      <p:stCondLst>
+                        <p:cond delay="indefinite"/>
+                      </p:stCondLst>
+                      <p:childTnLst>
+                        <p:par>
+                          <p:cTn id="8" fill="hold">
+                            <p:stCondLst>
+                              <p:cond delay="0"/>
+                            </p:stCondLst>
+                            <p:childTnLst>
+                              <p:par>
+                                <p:cTn id="9" presetID="10" presetClass="entr" presetSubtype="0" fill="hold" grpId="0" nodeType="clickEffect">
+                                  <p:stCondLst>
+                                    <p:cond delay="0"/>
+                                  </p:stCondLst>
+                                  <p:childTnLst>
+                                    <p:set>
+                                      <p:cBhvr>
+                                        <p:cTn id="10" dur="1" fill="hold">
+                                          <p:stCondLst>
+                                            <p:cond delay="0"/>
+                                          </p:stCondLst>
+                                        </p:cTn>
+                                        <p:tgtEl>
+                                          <p:spTgt spid="3">
+                                            <p:txEl>
+                                              <p:pRg st="0" end="0"/>
+                                            </p:txEl>
+                                          </p:spTgt>
+                                        </p:tgtEl>
+                                        <p:attrNameLst>
+                                          <p:attrName>style.visibility</p:attrName>
+                                        </p:attrNameLst>
+                                      </p:cBhvr>
+                                      <p:to>
+                                        <p:strVal val="visible"/>
+                                      </p:to>
+                                    </p:set>
+                                    <p:animEffect transition="in" filter="fade">
+                                      <p:cBhvr>
+                                        <p:cTn id="11" dur="500"/>
+                                        <p:tgtEl>
+                                          <p:spTgt spid="3">
+                                            <p:txEl>
+                                              <p:pRg st="0" end="0"/>
+                                            </p:txEl>
+                                          </p:spTgt>
+                                        </p:tgtEl>
+                                      </p:cBhvr>
+                                    </p:animEffect>
+                                  </p:childTnLst>
+                                </p:cTn>
+                              </p:par>
+                            </p:childTnLst>
+                          </p:cTn>
+                        </p:par>
+                      </p:childTnLst>
+                    </p:cTn>
+                  </p:par>
+                  <p:par>
+                    <p:cTn id="12" fill="hold">
+                      <p:stCondLst>
+                        <p:cond delay="indefinite"/>
+                      </p:stCondLst>
+                      <p:childTnLst>
+                        <p:par>
+                          <p:cTn id="13" fill="hold">
+                            <p:stCondLst>
+                              <p:cond delay="0"/>
+                            </p:stCondLst>
+                            <p:childTnLst>
+                              <p:par>
+                                <p:cTn id="14" presetID="10" presetClass="entr" presetSubtype="0" fill="hold" grpId="0" nodeType="clickEffect">
+                                  <p:stCondLst>
+                                    <p:cond delay="0"/>
+                                  </p:stCondLst>
+                                  <p:childTnLst>
+                                    <p:set>
+                                      <p:cBhvr>
+                                        <p:cTn id="15" dur="1" fill="hold">
+                                          <p:stCondLst>
+                                            <p:cond delay="0"/>
+                                          </p:stCondLst>
+                                        </p:cTn>
+                                        <p:tgtEl>
+                                          <p:spTgt spid="3">
+                                            <p:txEl>
+                                              <p:pRg st="1" end="1"/>
+                                            </p:txEl>
+                                          </p:spTgt>
+                                        </p:tgtEl>
+                                        <p:attrNameLst>
+                                          <p:attrName>style.visibility</p:attrName>
+                                        </p:attrNameLst>
+                                      </p:cBhvr>
+                                      <p:to>
+                                        <p:strVal val="visible"/>
+                                      </p:to>
+                                    </p:set>
+                                    <p:animEffect transition="in" filter="fade">
+                                      <p:cBhvr>
+                                        <p:cTn id="16" dur="500"/>
+                                        <p:tgtEl>
+                                          <p:spTgt spid="3">
+                                            <p:txEl>
+                                              <p:pRg st="1" end="1"/>
+                                            </p:txEl>
+                                          </p:spTgt>
+                                        </p:tgtEl>
+                                      </p:cBhvr>
+                                    </p:animEffect>
+                                  </p:childTnLst>
+                                </p:cTn>
+                              </p:par>
+                            </p:childTnLst>
+                          </p:cTn>
+                        </p:par>
+                      </p:childTnLst>
+                    </p:cTn>
+                  </p:par>
+                </p:childTnLst>
+              </p:cTn>
+              <p:prevCondLst>
+                <p:cond evt="onPrev" delay="0">
+                  <p:tgtEl>
+                    <p:sldTgt/>
+                  </p:tgtEl>
+                </p:cond>
+              </p:prevCondLst>
+              <p:nextCondLst>
+                <p:cond evt="onNext" delay="0">
+                  <p:tgtEl>
+                    <p:sldTgt/>
+                  </p:tgtEl>
+                </p:cond>
+              </p:nextCondLst>
+            </p:seq>
+          </p:childTnLst>
+        </p:cTn>
+      </p:par>
+    </p:tnLst>
+    <p:bldLst>
+      <p:bldP spid="2" grpId="0" animBg="1"/>
+      <p:bldP spid="3" grpId="0" uiExpand="1" build="p"/>
+    </p:bldLst>
+  </p:timing>
+</p:sld>
+</file>
+
+<file path=ppt/slides/slide22.xml><?xml version="1.0" encoding="utf-8"?>
+<p:sld xmlns:a="http://schemas.openxmlformats.org/drawingml/2006/main" xmlns:r="http://schemas.openxmlformats.org/officeDocument/2006/relationships" xmlns:p="http://schemas.openxmlformats.org/presentationml/2006/main">
+  <p:cSld>
+    <p:spTree>
+      <p:nvGrpSpPr>
+        <p:cNvPr id="1" name=""/>
+        <p:cNvGrpSpPr/>
+        <p:nvPr/>
+      </p:nvGrpSpPr>
+      <p:grpSpPr>
+        <a:xfrm>
+          <a:off x="0" y="0"/>
+          <a:ext cx="0" cy="0"/>
+          <a:chOff x="0" y="0"/>
+          <a:chExt cx="0" cy="0"/>
+        </a:xfrm>
+      </p:grpSpPr>
+      <p:sp>
+        <p:nvSpPr>
           <p:cNvPr id="47" name="Tijdelijke aanduiding voor tekst 46">
             <a:extLst>
               <a:ext uri="{FF2B5EF4-FFF2-40B4-BE49-F238E27FC236}">
@@ -17623,1135 +18893,6 @@
       </p:transition>
     </mc:Fallback>
   </mc:AlternateContent>
-</p:sld>
-</file>
-
-<file path=ppt/slides/slide22.xml><?xml version="1.0" encoding="utf-8"?>
-<p:sld xmlns:a="http://schemas.openxmlformats.org/drawingml/2006/main" xmlns:r="http://schemas.openxmlformats.org/officeDocument/2006/relationships" xmlns:p="http://schemas.openxmlformats.org/presentationml/2006/main">
-  <p:cSld>
-    <p:spTree>
-      <p:nvGrpSpPr>
-        <p:cNvPr id="1" name=""/>
-        <p:cNvGrpSpPr/>
-        <p:nvPr/>
-      </p:nvGrpSpPr>
-      <p:grpSpPr>
-        <a:xfrm>
-          <a:off x="0" y="0"/>
-          <a:ext cx="0" cy="0"/>
-          <a:chOff x="0" y="0"/>
-          <a:chExt cx="0" cy="0"/>
-        </a:xfrm>
-      </p:grpSpPr>
-      <p:sp>
-        <p:nvSpPr>
-          <p:cNvPr id="7" name="Titel 10">
-            <a:extLst>
-              <a:ext uri="{FF2B5EF4-FFF2-40B4-BE49-F238E27FC236}">
-                <a16:creationId xmlns:a16="http://schemas.microsoft.com/office/drawing/2014/main" id="{FDDCA085-00EC-9841-838E-ACD0F36237CD}"/>
-              </a:ext>
-            </a:extLst>
-          </p:cNvPr>
-          <p:cNvSpPr txBox="1">
-            <a:spLocks/>
-          </p:cNvSpPr>
-          <p:nvPr/>
-        </p:nvSpPr>
-        <p:spPr>
-          <a:xfrm>
-            <a:off x="634127" y="523352"/>
-            <a:ext cx="9997686" cy="490401"/>
-          </a:xfrm>
-          <a:prstGeom prst="rect">
-            <a:avLst/>
-          </a:prstGeom>
-        </p:spPr>
-        <p:txBody>
-          <a:bodyPr/>
-          <a:lstStyle>
-            <a:lvl1pPr marL="0" marR="0" indent="0" algn="l" defTabSz="850391" rtl="0" latinLnBrk="0">
-              <a:lnSpc>
-                <a:spcPct val="90000"/>
-              </a:lnSpc>
-              <a:spcBef>
-                <a:spcPts val="0"/>
-              </a:spcBef>
-              <a:spcAft>
-                <a:spcPts val="0"/>
-              </a:spcAft>
-              <a:buClrTx/>
-              <a:buSzTx/>
-              <a:buFontTx/>
-              <a:buNone/>
-              <a:tabLst>
-                <a:tab pos="1155700" algn="l"/>
-              </a:tabLst>
-              <a:defRPr sz="2976" b="0" i="0" u="none" strike="noStrike" cap="none" spc="0" baseline="0">
-                <a:solidFill>
-                  <a:schemeClr val="accent1"/>
-                </a:solidFill>
-                <a:uFillTx/>
-                <a:latin typeface="Roboto Slab Regular Regular"/>
-                <a:ea typeface="Roboto Slab Regular Regular"/>
-                <a:cs typeface="Roboto Slab Regular Regular"/>
-                <a:sym typeface="Roboto Slab Regular Regular"/>
-              </a:defRPr>
-            </a:lvl1pPr>
-            <a:lvl2pPr marL="0" marR="0" indent="0" algn="l" defTabSz="914400" rtl="0" latinLnBrk="0">
-              <a:lnSpc>
-                <a:spcPct val="90000"/>
-              </a:lnSpc>
-              <a:spcBef>
-                <a:spcPts val="0"/>
-              </a:spcBef>
-              <a:spcAft>
-                <a:spcPts val="0"/>
-              </a:spcAft>
-              <a:buClrTx/>
-              <a:buSzTx/>
-              <a:buFontTx/>
-              <a:buNone/>
-              <a:tabLst>
-                <a:tab pos="1244600" algn="l"/>
-              </a:tabLst>
-              <a:defRPr sz="3200" b="0" i="0" u="none" strike="noStrike" cap="none" spc="0" baseline="0">
-                <a:solidFill>
-                  <a:schemeClr val="accent1"/>
-                </a:solidFill>
-                <a:uFillTx/>
-                <a:latin typeface="Roboto Slab Regular Regular"/>
-                <a:ea typeface="Roboto Slab Regular Regular"/>
-                <a:cs typeface="Roboto Slab Regular Regular"/>
-                <a:sym typeface="Roboto Slab Regular Regular"/>
-              </a:defRPr>
-            </a:lvl2pPr>
-            <a:lvl3pPr marL="0" marR="0" indent="0" algn="l" defTabSz="914400" rtl="0" latinLnBrk="0">
-              <a:lnSpc>
-                <a:spcPct val="90000"/>
-              </a:lnSpc>
-              <a:spcBef>
-                <a:spcPts val="0"/>
-              </a:spcBef>
-              <a:spcAft>
-                <a:spcPts val="0"/>
-              </a:spcAft>
-              <a:buClrTx/>
-              <a:buSzTx/>
-              <a:buFontTx/>
-              <a:buNone/>
-              <a:tabLst>
-                <a:tab pos="1244600" algn="l"/>
-              </a:tabLst>
-              <a:defRPr sz="3200" b="0" i="0" u="none" strike="noStrike" cap="none" spc="0" baseline="0">
-                <a:solidFill>
-                  <a:schemeClr val="accent1"/>
-                </a:solidFill>
-                <a:uFillTx/>
-                <a:latin typeface="Roboto Slab Regular Regular"/>
-                <a:ea typeface="Roboto Slab Regular Regular"/>
-                <a:cs typeface="Roboto Slab Regular Regular"/>
-                <a:sym typeface="Roboto Slab Regular Regular"/>
-              </a:defRPr>
-            </a:lvl3pPr>
-            <a:lvl4pPr marL="0" marR="0" indent="0" algn="l" defTabSz="914400" rtl="0" latinLnBrk="0">
-              <a:lnSpc>
-                <a:spcPct val="90000"/>
-              </a:lnSpc>
-              <a:spcBef>
-                <a:spcPts val="0"/>
-              </a:spcBef>
-              <a:spcAft>
-                <a:spcPts val="0"/>
-              </a:spcAft>
-              <a:buClrTx/>
-              <a:buSzTx/>
-              <a:buFontTx/>
-              <a:buNone/>
-              <a:tabLst>
-                <a:tab pos="1244600" algn="l"/>
-              </a:tabLst>
-              <a:defRPr sz="3200" b="0" i="0" u="none" strike="noStrike" cap="none" spc="0" baseline="0">
-                <a:solidFill>
-                  <a:schemeClr val="accent1"/>
-                </a:solidFill>
-                <a:uFillTx/>
-                <a:latin typeface="Roboto Slab Regular Regular"/>
-                <a:ea typeface="Roboto Slab Regular Regular"/>
-                <a:cs typeface="Roboto Slab Regular Regular"/>
-                <a:sym typeface="Roboto Slab Regular Regular"/>
-              </a:defRPr>
-            </a:lvl4pPr>
-            <a:lvl5pPr marL="0" marR="0" indent="0" algn="l" defTabSz="914400" rtl="0" latinLnBrk="0">
-              <a:lnSpc>
-                <a:spcPct val="90000"/>
-              </a:lnSpc>
-              <a:spcBef>
-                <a:spcPts val="0"/>
-              </a:spcBef>
-              <a:spcAft>
-                <a:spcPts val="0"/>
-              </a:spcAft>
-              <a:buClrTx/>
-              <a:buSzTx/>
-              <a:buFontTx/>
-              <a:buNone/>
-              <a:tabLst>
-                <a:tab pos="1244600" algn="l"/>
-              </a:tabLst>
-              <a:defRPr sz="3200" b="0" i="0" u="none" strike="noStrike" cap="none" spc="0" baseline="0">
-                <a:solidFill>
-                  <a:schemeClr val="accent1"/>
-                </a:solidFill>
-                <a:uFillTx/>
-                <a:latin typeface="Roboto Slab Regular Regular"/>
-                <a:ea typeface="Roboto Slab Regular Regular"/>
-                <a:cs typeface="Roboto Slab Regular Regular"/>
-                <a:sym typeface="Roboto Slab Regular Regular"/>
-              </a:defRPr>
-            </a:lvl5pPr>
-            <a:lvl6pPr marL="0" marR="0" indent="0" algn="l" defTabSz="914400" rtl="0" latinLnBrk="0">
-              <a:lnSpc>
-                <a:spcPct val="90000"/>
-              </a:lnSpc>
-              <a:spcBef>
-                <a:spcPts val="0"/>
-              </a:spcBef>
-              <a:spcAft>
-                <a:spcPts val="0"/>
-              </a:spcAft>
-              <a:buClrTx/>
-              <a:buSzTx/>
-              <a:buFontTx/>
-              <a:buNone/>
-              <a:tabLst>
-                <a:tab pos="1244600" algn="l"/>
-              </a:tabLst>
-              <a:defRPr sz="3200" b="0" i="0" u="none" strike="noStrike" cap="none" spc="0" baseline="0">
-                <a:solidFill>
-                  <a:schemeClr val="accent1"/>
-                </a:solidFill>
-                <a:uFillTx/>
-                <a:latin typeface="Roboto Slab Regular Regular"/>
-                <a:ea typeface="Roboto Slab Regular Regular"/>
-                <a:cs typeface="Roboto Slab Regular Regular"/>
-                <a:sym typeface="Roboto Slab Regular Regular"/>
-              </a:defRPr>
-            </a:lvl6pPr>
-            <a:lvl7pPr marL="0" marR="0" indent="0" algn="l" defTabSz="914400" rtl="0" latinLnBrk="0">
-              <a:lnSpc>
-                <a:spcPct val="90000"/>
-              </a:lnSpc>
-              <a:spcBef>
-                <a:spcPts val="0"/>
-              </a:spcBef>
-              <a:spcAft>
-                <a:spcPts val="0"/>
-              </a:spcAft>
-              <a:buClrTx/>
-              <a:buSzTx/>
-              <a:buFontTx/>
-              <a:buNone/>
-              <a:tabLst>
-                <a:tab pos="1244600" algn="l"/>
-              </a:tabLst>
-              <a:defRPr sz="3200" b="0" i="0" u="none" strike="noStrike" cap="none" spc="0" baseline="0">
-                <a:solidFill>
-                  <a:schemeClr val="accent1"/>
-                </a:solidFill>
-                <a:uFillTx/>
-                <a:latin typeface="Roboto Slab Regular Regular"/>
-                <a:ea typeface="Roboto Slab Regular Regular"/>
-                <a:cs typeface="Roboto Slab Regular Regular"/>
-                <a:sym typeface="Roboto Slab Regular Regular"/>
-              </a:defRPr>
-            </a:lvl7pPr>
-            <a:lvl8pPr marL="0" marR="0" indent="0" algn="l" defTabSz="914400" rtl="0" latinLnBrk="0">
-              <a:lnSpc>
-                <a:spcPct val="90000"/>
-              </a:lnSpc>
-              <a:spcBef>
-                <a:spcPts val="0"/>
-              </a:spcBef>
-              <a:spcAft>
-                <a:spcPts val="0"/>
-              </a:spcAft>
-              <a:buClrTx/>
-              <a:buSzTx/>
-              <a:buFontTx/>
-              <a:buNone/>
-              <a:tabLst>
-                <a:tab pos="1244600" algn="l"/>
-              </a:tabLst>
-              <a:defRPr sz="3200" b="0" i="0" u="none" strike="noStrike" cap="none" spc="0" baseline="0">
-                <a:solidFill>
-                  <a:schemeClr val="accent1"/>
-                </a:solidFill>
-                <a:uFillTx/>
-                <a:latin typeface="Roboto Slab Regular Regular"/>
-                <a:ea typeface="Roboto Slab Regular Regular"/>
-                <a:cs typeface="Roboto Slab Regular Regular"/>
-                <a:sym typeface="Roboto Slab Regular Regular"/>
-              </a:defRPr>
-            </a:lvl8pPr>
-            <a:lvl9pPr marL="0" marR="0" indent="0" algn="l" defTabSz="914400" rtl="0" latinLnBrk="0">
-              <a:lnSpc>
-                <a:spcPct val="90000"/>
-              </a:lnSpc>
-              <a:spcBef>
-                <a:spcPts val="0"/>
-              </a:spcBef>
-              <a:spcAft>
-                <a:spcPts val="0"/>
-              </a:spcAft>
-              <a:buClrTx/>
-              <a:buSzTx/>
-              <a:buFontTx/>
-              <a:buNone/>
-              <a:tabLst>
-                <a:tab pos="1244600" algn="l"/>
-              </a:tabLst>
-              <a:defRPr sz="3200" b="0" i="0" u="none" strike="noStrike" cap="none" spc="0" baseline="0">
-                <a:solidFill>
-                  <a:schemeClr val="accent1"/>
-                </a:solidFill>
-                <a:uFillTx/>
-                <a:latin typeface="Roboto Slab Regular Regular"/>
-                <a:ea typeface="Roboto Slab Regular Regular"/>
-                <a:cs typeface="Roboto Slab Regular Regular"/>
-                <a:sym typeface="Roboto Slab Regular Regular"/>
-              </a:defRPr>
-            </a:lvl9pPr>
-          </a:lstStyle>
-          <a:p>
-            <a:pPr hangingPunct="1"/>
-            <a:r>
-              <a:rPr lang="en-GB" dirty="0"/>
-              <a:t>A wide range of research facilities, including:</a:t>
-            </a:r>
-          </a:p>
-        </p:txBody>
-      </p:sp>
-      <p:sp>
-        <p:nvSpPr>
-          <p:cNvPr id="24" name="Afgeronde rechthoek 23">
-            <a:extLst>
-              <a:ext uri="{FF2B5EF4-FFF2-40B4-BE49-F238E27FC236}">
-                <a16:creationId xmlns:a16="http://schemas.microsoft.com/office/drawing/2014/main" id="{37A734F7-5D58-1444-A560-40A897BDAFF3}"/>
-              </a:ext>
-            </a:extLst>
-          </p:cNvPr>
-          <p:cNvSpPr/>
-          <p:nvPr/>
-        </p:nvSpPr>
-        <p:spPr>
-          <a:xfrm>
-            <a:off x="639367" y="1528073"/>
-            <a:ext cx="3108384" cy="2332800"/>
-          </a:xfrm>
-          <a:prstGeom prst="roundRect">
-            <a:avLst>
-              <a:gd name="adj" fmla="val 6379"/>
-            </a:avLst>
-          </a:prstGeom>
-          <a:solidFill>
-            <a:srgbClr val="00A7D6"/>
-          </a:solidFill>
-          <a:ln>
-            <a:noFill/>
-          </a:ln>
-        </p:spPr>
-        <p:style>
-          <a:lnRef idx="1">
-            <a:schemeClr val="accent1"/>
-          </a:lnRef>
-          <a:fillRef idx="3">
-            <a:schemeClr val="accent1"/>
-          </a:fillRef>
-          <a:effectRef idx="2">
-            <a:schemeClr val="accent1"/>
-          </a:effectRef>
-          <a:fontRef idx="minor">
-            <a:schemeClr val="lt1"/>
-          </a:fontRef>
-        </p:style>
-        <p:txBody>
-          <a:bodyPr rtlCol="0" anchor="b"/>
-          <a:lstStyle/>
-          <a:p>
-            <a:pPr algn="ctr"/>
-            <a:endParaRPr lang="nl-NL" sz="2000" dirty="0">
-              <a:latin typeface="Arial" panose="020B0604020202020204" pitchFamily="34" charset="0"/>
-              <a:cs typeface="Arial" panose="020B0604020202020204" pitchFamily="34" charset="0"/>
-            </a:endParaRPr>
-          </a:p>
-          <a:p>
-            <a:pPr algn="ctr"/>
-            <a:endParaRPr lang="nl-NL" sz="2000" dirty="0">
-              <a:latin typeface="Arial" panose="020B0604020202020204" pitchFamily="34" charset="0"/>
-              <a:cs typeface="Arial" panose="020B0604020202020204" pitchFamily="34" charset="0"/>
-            </a:endParaRPr>
-          </a:p>
-          <a:p>
-            <a:pPr algn="ctr"/>
-            <a:endParaRPr lang="nl-NL" sz="2000" dirty="0">
-              <a:latin typeface="Arial" panose="020B0604020202020204" pitchFamily="34" charset="0"/>
-              <a:cs typeface="Arial" panose="020B0604020202020204" pitchFamily="34" charset="0"/>
-            </a:endParaRPr>
-          </a:p>
-          <a:p>
-            <a:pPr algn="ctr"/>
-            <a:endParaRPr lang="nl-NL" sz="2000" dirty="0">
-              <a:latin typeface="Arial" panose="020B0604020202020204" pitchFamily="34" charset="0"/>
-              <a:cs typeface="Arial" panose="020B0604020202020204" pitchFamily="34" charset="0"/>
-            </a:endParaRPr>
-          </a:p>
-          <a:p>
-            <a:pPr algn="ctr"/>
-            <a:endParaRPr lang="nl-NL" sz="2000" dirty="0">
-              <a:latin typeface="Arial" panose="020B0604020202020204" pitchFamily="34" charset="0"/>
-              <a:cs typeface="Arial" panose="020B0604020202020204" pitchFamily="34" charset="0"/>
-            </a:endParaRPr>
-          </a:p>
-          <a:p>
-            <a:endParaRPr lang="nl-NL" dirty="0">
-              <a:latin typeface="Arial" panose="020B0604020202020204" pitchFamily="34" charset="0"/>
-              <a:cs typeface="Arial" panose="020B0604020202020204" pitchFamily="34" charset="0"/>
-            </a:endParaRPr>
-          </a:p>
-          <a:p>
-            <a:r>
-              <a:rPr lang="en-GB" dirty="0" err="1">
-                <a:latin typeface="Arial" panose="020B0604020202020204" pitchFamily="34" charset="0"/>
-                <a:cs typeface="Arial" panose="020B0604020202020204" pitchFamily="34" charset="0"/>
-              </a:rPr>
-              <a:t>QuTech</a:t>
-            </a:r>
-            <a:endParaRPr lang="en-GB" dirty="0">
-              <a:latin typeface="Arial" panose="020B0604020202020204" pitchFamily="34" charset="0"/>
-              <a:cs typeface="Arial" panose="020B0604020202020204" pitchFamily="34" charset="0"/>
-            </a:endParaRPr>
-          </a:p>
-        </p:txBody>
-      </p:sp>
-      <p:pic>
-        <p:nvPicPr>
-          <p:cNvPr id="25" name="Afbeelding 24">
-            <a:extLst>
-              <a:ext uri="{FF2B5EF4-FFF2-40B4-BE49-F238E27FC236}">
-                <a16:creationId xmlns:a16="http://schemas.microsoft.com/office/drawing/2014/main" id="{250DC08E-3969-024C-829B-532A1DB89E0B}"/>
-              </a:ext>
-            </a:extLst>
-          </p:cNvPr>
-          <p:cNvPicPr>
-            <a:picLocks noChangeAspect="1"/>
-          </p:cNvPicPr>
-          <p:nvPr/>
-        </p:nvPicPr>
-        <p:blipFill>
-          <a:blip r:embed="rId2" cstate="screen">
-            <a:extLst>
-              <a:ext uri="{28A0092B-C50C-407E-A947-70E740481C1C}">
-                <a14:useLocalDpi xmlns:a14="http://schemas.microsoft.com/office/drawing/2010/main"/>
-              </a:ext>
-            </a:extLst>
-          </a:blip>
-          <a:stretch>
-            <a:fillRect/>
-          </a:stretch>
-        </p:blipFill>
-        <p:spPr>
-          <a:xfrm>
-            <a:off x="630710" y="1398860"/>
-            <a:ext cx="3111799" cy="2072671"/>
-          </a:xfrm>
-          <a:prstGeom prst="rect">
-            <a:avLst/>
-          </a:prstGeom>
-        </p:spPr>
-      </p:pic>
-      <p:sp>
-        <p:nvSpPr>
-          <p:cNvPr id="26" name="Afgeronde rechthoek 25">
-            <a:extLst>
-              <a:ext uri="{FF2B5EF4-FFF2-40B4-BE49-F238E27FC236}">
-                <a16:creationId xmlns:a16="http://schemas.microsoft.com/office/drawing/2014/main" id="{59542AEA-155B-624A-83C1-9EFB7C011C19}"/>
-              </a:ext>
-            </a:extLst>
-          </p:cNvPr>
-          <p:cNvSpPr/>
-          <p:nvPr/>
-        </p:nvSpPr>
-        <p:spPr>
-          <a:xfrm>
-            <a:off x="4334381" y="1528073"/>
-            <a:ext cx="3120452" cy="2332800"/>
-          </a:xfrm>
-          <a:prstGeom prst="roundRect">
-            <a:avLst>
-              <a:gd name="adj" fmla="val 6379"/>
-            </a:avLst>
-          </a:prstGeom>
-          <a:solidFill>
-            <a:srgbClr val="00A7D6"/>
-          </a:solidFill>
-          <a:ln>
-            <a:noFill/>
-          </a:ln>
-        </p:spPr>
-        <p:style>
-          <a:lnRef idx="1">
-            <a:schemeClr val="accent1"/>
-          </a:lnRef>
-          <a:fillRef idx="3">
-            <a:schemeClr val="accent1"/>
-          </a:fillRef>
-          <a:effectRef idx="2">
-            <a:schemeClr val="accent1"/>
-          </a:effectRef>
-          <a:fontRef idx="minor">
-            <a:schemeClr val="lt1"/>
-          </a:fontRef>
-        </p:style>
-        <p:txBody>
-          <a:bodyPr rtlCol="0" anchor="b"/>
-          <a:lstStyle/>
-          <a:p>
-            <a:pPr algn="ctr"/>
-            <a:endParaRPr lang="nl-NL" sz="2000">
-              <a:latin typeface="Arial" panose="020B0604020202020204" pitchFamily="34" charset="0"/>
-              <a:cs typeface="Arial" panose="020B0604020202020204" pitchFamily="34" charset="0"/>
-            </a:endParaRPr>
-          </a:p>
-          <a:p>
-            <a:pPr algn="ctr"/>
-            <a:endParaRPr lang="nl-NL" sz="2000">
-              <a:latin typeface="Arial" panose="020B0604020202020204" pitchFamily="34" charset="0"/>
-              <a:cs typeface="Arial" panose="020B0604020202020204" pitchFamily="34" charset="0"/>
-            </a:endParaRPr>
-          </a:p>
-          <a:p>
-            <a:pPr algn="ctr"/>
-            <a:endParaRPr lang="nl-NL" sz="2000">
-              <a:latin typeface="Arial" panose="020B0604020202020204" pitchFamily="34" charset="0"/>
-              <a:cs typeface="Arial" panose="020B0604020202020204" pitchFamily="34" charset="0"/>
-            </a:endParaRPr>
-          </a:p>
-          <a:p>
-            <a:pPr algn="ctr"/>
-            <a:endParaRPr lang="nl-NL" sz="2000">
-              <a:latin typeface="Arial" panose="020B0604020202020204" pitchFamily="34" charset="0"/>
-              <a:cs typeface="Arial" panose="020B0604020202020204" pitchFamily="34" charset="0"/>
-            </a:endParaRPr>
-          </a:p>
-          <a:p>
-            <a:pPr algn="ctr"/>
-            <a:endParaRPr lang="nl-NL" sz="2000">
-              <a:latin typeface="Arial" panose="020B0604020202020204" pitchFamily="34" charset="0"/>
-              <a:cs typeface="Arial" panose="020B0604020202020204" pitchFamily="34" charset="0"/>
-            </a:endParaRPr>
-          </a:p>
-          <a:p>
-            <a:endParaRPr lang="nl-NL">
-              <a:latin typeface="Arial" panose="020B0604020202020204" pitchFamily="34" charset="0"/>
-              <a:cs typeface="Arial" panose="020B0604020202020204" pitchFamily="34" charset="0"/>
-            </a:endParaRPr>
-          </a:p>
-          <a:p>
-            <a:r>
-              <a:rPr lang="en-GB">
-                <a:latin typeface="Arial" panose="020B0604020202020204" pitchFamily="34" charset="0"/>
-                <a:cs typeface="Arial" panose="020B0604020202020204" pitchFamily="34" charset="0"/>
-              </a:rPr>
-              <a:t>Reactor Institute</a:t>
-            </a:r>
-          </a:p>
-        </p:txBody>
-      </p:sp>
-      <p:pic>
-        <p:nvPicPr>
-          <p:cNvPr id="27" name="Afbeelding 26" descr="Afbeelding met gras, buiten, lucht, boom&#10;&#10;Automatisch gegenereerde beschrijving">
-            <a:extLst>
-              <a:ext uri="{FF2B5EF4-FFF2-40B4-BE49-F238E27FC236}">
-                <a16:creationId xmlns:a16="http://schemas.microsoft.com/office/drawing/2014/main" id="{D5EDD88A-2198-244C-8583-1E6FAE7F15B5}"/>
-              </a:ext>
-            </a:extLst>
-          </p:cNvPr>
-          <p:cNvPicPr>
-            <a:picLocks noChangeAspect="1"/>
-          </p:cNvPicPr>
-          <p:nvPr/>
-        </p:nvPicPr>
-        <p:blipFill>
-          <a:blip r:embed="rId3" cstate="screen">
-            <a:extLst>
-              <a:ext uri="{28A0092B-C50C-407E-A947-70E740481C1C}">
-                <a14:useLocalDpi xmlns:a14="http://schemas.microsoft.com/office/drawing/2010/main"/>
-              </a:ext>
-            </a:extLst>
-          </a:blip>
-          <a:stretch>
-            <a:fillRect/>
-          </a:stretch>
-        </p:blipFill>
-        <p:spPr>
-          <a:xfrm>
-            <a:off x="4334381" y="1402731"/>
-            <a:ext cx="3120452" cy="2074948"/>
-          </a:xfrm>
-          <a:prstGeom prst="rect">
-            <a:avLst/>
-          </a:prstGeom>
-        </p:spPr>
-      </p:pic>
-      <p:sp>
-        <p:nvSpPr>
-          <p:cNvPr id="28" name="Afgeronde rechthoek 27">
-            <a:extLst>
-              <a:ext uri="{FF2B5EF4-FFF2-40B4-BE49-F238E27FC236}">
-                <a16:creationId xmlns:a16="http://schemas.microsoft.com/office/drawing/2014/main" id="{3370912F-93C5-2C45-A9D3-A44E258FDBE0}"/>
-              </a:ext>
-            </a:extLst>
-          </p:cNvPr>
-          <p:cNvSpPr/>
-          <p:nvPr/>
-        </p:nvSpPr>
-        <p:spPr>
-          <a:xfrm>
-            <a:off x="7939898" y="1534157"/>
-            <a:ext cx="3108384" cy="2332800"/>
-          </a:xfrm>
-          <a:prstGeom prst="roundRect">
-            <a:avLst>
-              <a:gd name="adj" fmla="val 6379"/>
-            </a:avLst>
-          </a:prstGeom>
-          <a:solidFill>
-            <a:srgbClr val="00A7D6"/>
-          </a:solidFill>
-          <a:ln>
-            <a:noFill/>
-          </a:ln>
-        </p:spPr>
-        <p:style>
-          <a:lnRef idx="1">
-            <a:schemeClr val="accent1"/>
-          </a:lnRef>
-          <a:fillRef idx="3">
-            <a:schemeClr val="accent1"/>
-          </a:fillRef>
-          <a:effectRef idx="2">
-            <a:schemeClr val="accent1"/>
-          </a:effectRef>
-          <a:fontRef idx="minor">
-            <a:schemeClr val="lt1"/>
-          </a:fontRef>
-        </p:style>
-        <p:txBody>
-          <a:bodyPr rtlCol="0" anchor="b"/>
-          <a:lstStyle/>
-          <a:p>
-            <a:pPr algn="ctr"/>
-            <a:endParaRPr lang="nl-NL" sz="2000">
-              <a:latin typeface="Arial" panose="020B0604020202020204" pitchFamily="34" charset="0"/>
-              <a:cs typeface="Arial" panose="020B0604020202020204" pitchFamily="34" charset="0"/>
-            </a:endParaRPr>
-          </a:p>
-          <a:p>
-            <a:pPr algn="ctr"/>
-            <a:endParaRPr lang="nl-NL" sz="2000">
-              <a:latin typeface="Arial" panose="020B0604020202020204" pitchFamily="34" charset="0"/>
-              <a:cs typeface="Arial" panose="020B0604020202020204" pitchFamily="34" charset="0"/>
-            </a:endParaRPr>
-          </a:p>
-          <a:p>
-            <a:pPr algn="ctr"/>
-            <a:endParaRPr lang="nl-NL" sz="2000">
-              <a:latin typeface="Arial" panose="020B0604020202020204" pitchFamily="34" charset="0"/>
-              <a:cs typeface="Arial" panose="020B0604020202020204" pitchFamily="34" charset="0"/>
-            </a:endParaRPr>
-          </a:p>
-          <a:p>
-            <a:pPr algn="ctr"/>
-            <a:endParaRPr lang="nl-NL" sz="2000">
-              <a:latin typeface="Arial" panose="020B0604020202020204" pitchFamily="34" charset="0"/>
-              <a:cs typeface="Arial" panose="020B0604020202020204" pitchFamily="34" charset="0"/>
-            </a:endParaRPr>
-          </a:p>
-          <a:p>
-            <a:pPr algn="ctr"/>
-            <a:endParaRPr lang="nl-NL" sz="2000">
-              <a:latin typeface="Arial" panose="020B0604020202020204" pitchFamily="34" charset="0"/>
-              <a:cs typeface="Arial" panose="020B0604020202020204" pitchFamily="34" charset="0"/>
-            </a:endParaRPr>
-          </a:p>
-          <a:p>
-            <a:endParaRPr lang="nl-NL">
-              <a:latin typeface="Arial" panose="020B0604020202020204" pitchFamily="34" charset="0"/>
-              <a:cs typeface="Arial" panose="020B0604020202020204" pitchFamily="34" charset="0"/>
-            </a:endParaRPr>
-          </a:p>
-          <a:p>
-            <a:r>
-              <a:rPr lang="en-GB">
-                <a:latin typeface="Arial" panose="020B0604020202020204" pitchFamily="34" charset="0"/>
-                <a:cs typeface="Arial" panose="020B0604020202020204" pitchFamily="34" charset="0"/>
-              </a:rPr>
-              <a:t>Labs</a:t>
-            </a:r>
-          </a:p>
-        </p:txBody>
-      </p:sp>
-      <p:sp>
-        <p:nvSpPr>
-          <p:cNvPr id="29" name="Afgeronde rechthoek 28">
-            <a:extLst>
-              <a:ext uri="{FF2B5EF4-FFF2-40B4-BE49-F238E27FC236}">
-                <a16:creationId xmlns:a16="http://schemas.microsoft.com/office/drawing/2014/main" id="{7BACAAA6-0BA1-E54C-9CC9-32B51BB1F573}"/>
-              </a:ext>
-            </a:extLst>
-          </p:cNvPr>
-          <p:cNvSpPr/>
-          <p:nvPr/>
-        </p:nvSpPr>
-        <p:spPr>
-          <a:xfrm>
-            <a:off x="634130" y="4188950"/>
-            <a:ext cx="3108384" cy="2332800"/>
-          </a:xfrm>
-          <a:prstGeom prst="roundRect">
-            <a:avLst>
-              <a:gd name="adj" fmla="val 6379"/>
-            </a:avLst>
-          </a:prstGeom>
-          <a:solidFill>
-            <a:srgbClr val="00A7D6"/>
-          </a:solidFill>
-          <a:ln>
-            <a:noFill/>
-          </a:ln>
-        </p:spPr>
-        <p:style>
-          <a:lnRef idx="1">
-            <a:schemeClr val="accent1"/>
-          </a:lnRef>
-          <a:fillRef idx="3">
-            <a:schemeClr val="accent1"/>
-          </a:fillRef>
-          <a:effectRef idx="2">
-            <a:schemeClr val="accent1"/>
-          </a:effectRef>
-          <a:fontRef idx="minor">
-            <a:schemeClr val="lt1"/>
-          </a:fontRef>
-        </p:style>
-        <p:txBody>
-          <a:bodyPr rtlCol="0" anchor="b"/>
-          <a:lstStyle/>
-          <a:p>
-            <a:pPr algn="ctr"/>
-            <a:endParaRPr lang="nl-NL" sz="2000">
-              <a:latin typeface="Arial" panose="020B0604020202020204" pitchFamily="34" charset="0"/>
-              <a:cs typeface="Arial" panose="020B0604020202020204" pitchFamily="34" charset="0"/>
-            </a:endParaRPr>
-          </a:p>
-          <a:p>
-            <a:pPr algn="ctr"/>
-            <a:endParaRPr lang="nl-NL" sz="2000">
-              <a:latin typeface="Arial" panose="020B0604020202020204" pitchFamily="34" charset="0"/>
-              <a:cs typeface="Arial" panose="020B0604020202020204" pitchFamily="34" charset="0"/>
-            </a:endParaRPr>
-          </a:p>
-          <a:p>
-            <a:pPr algn="ctr"/>
-            <a:endParaRPr lang="nl-NL" sz="2000">
-              <a:latin typeface="Arial" panose="020B0604020202020204" pitchFamily="34" charset="0"/>
-              <a:cs typeface="Arial" panose="020B0604020202020204" pitchFamily="34" charset="0"/>
-            </a:endParaRPr>
-          </a:p>
-          <a:p>
-            <a:pPr algn="ctr"/>
-            <a:endParaRPr lang="nl-NL" sz="2000">
-              <a:latin typeface="Arial" panose="020B0604020202020204" pitchFamily="34" charset="0"/>
-              <a:cs typeface="Arial" panose="020B0604020202020204" pitchFamily="34" charset="0"/>
-            </a:endParaRPr>
-          </a:p>
-          <a:p>
-            <a:pPr algn="ctr"/>
-            <a:endParaRPr lang="nl-NL" sz="2000">
-              <a:latin typeface="Arial" panose="020B0604020202020204" pitchFamily="34" charset="0"/>
-              <a:cs typeface="Arial" panose="020B0604020202020204" pitchFamily="34" charset="0"/>
-            </a:endParaRPr>
-          </a:p>
-          <a:p>
-            <a:endParaRPr lang="nl-NL">
-              <a:latin typeface="Arial" panose="020B0604020202020204" pitchFamily="34" charset="0"/>
-              <a:cs typeface="Arial" panose="020B0604020202020204" pitchFamily="34" charset="0"/>
-            </a:endParaRPr>
-          </a:p>
-          <a:p>
-            <a:r>
-              <a:rPr lang="en-GB">
-                <a:latin typeface="Arial" panose="020B0604020202020204" pitchFamily="34" charset="0"/>
-                <a:cs typeface="Arial" panose="020B0604020202020204" pitchFamily="34" charset="0"/>
-              </a:rPr>
-              <a:t>Hexapod</a:t>
-            </a:r>
-          </a:p>
-        </p:txBody>
-      </p:sp>
-      <p:sp>
-        <p:nvSpPr>
-          <p:cNvPr id="30" name="Afgeronde rechthoek 29">
-            <a:extLst>
-              <a:ext uri="{FF2B5EF4-FFF2-40B4-BE49-F238E27FC236}">
-                <a16:creationId xmlns:a16="http://schemas.microsoft.com/office/drawing/2014/main" id="{3659AF29-FECF-204C-8BB4-6082DCB2A6A1}"/>
-              </a:ext>
-            </a:extLst>
-          </p:cNvPr>
-          <p:cNvSpPr/>
-          <p:nvPr/>
-        </p:nvSpPr>
-        <p:spPr>
-          <a:xfrm>
-            <a:off x="4337797" y="4248189"/>
-            <a:ext cx="3117036" cy="2332800"/>
-          </a:xfrm>
-          <a:prstGeom prst="roundRect">
-            <a:avLst>
-              <a:gd name="adj" fmla="val 6379"/>
-            </a:avLst>
-          </a:prstGeom>
-          <a:solidFill>
-            <a:srgbClr val="00A7D6"/>
-          </a:solidFill>
-          <a:ln>
-            <a:noFill/>
-          </a:ln>
-        </p:spPr>
-        <p:style>
-          <a:lnRef idx="1">
-            <a:schemeClr val="accent1"/>
-          </a:lnRef>
-          <a:fillRef idx="3">
-            <a:schemeClr val="accent1"/>
-          </a:fillRef>
-          <a:effectRef idx="2">
-            <a:schemeClr val="accent1"/>
-          </a:effectRef>
-          <a:fontRef idx="minor">
-            <a:schemeClr val="lt1"/>
-          </a:fontRef>
-        </p:style>
-        <p:txBody>
-          <a:bodyPr rtlCol="0" anchor="b"/>
-          <a:lstStyle/>
-          <a:p>
-            <a:pPr algn="ctr"/>
-            <a:endParaRPr lang="nl-NL" sz="2000">
-              <a:latin typeface="Arial" panose="020B0604020202020204" pitchFamily="34" charset="0"/>
-              <a:cs typeface="Arial" panose="020B0604020202020204" pitchFamily="34" charset="0"/>
-            </a:endParaRPr>
-          </a:p>
-          <a:p>
-            <a:pPr algn="ctr"/>
-            <a:endParaRPr lang="nl-NL" sz="2000">
-              <a:latin typeface="Arial" panose="020B0604020202020204" pitchFamily="34" charset="0"/>
-              <a:cs typeface="Arial" panose="020B0604020202020204" pitchFamily="34" charset="0"/>
-            </a:endParaRPr>
-          </a:p>
-          <a:p>
-            <a:pPr algn="ctr"/>
-            <a:endParaRPr lang="nl-NL" sz="2000">
-              <a:latin typeface="Arial" panose="020B0604020202020204" pitchFamily="34" charset="0"/>
-              <a:cs typeface="Arial" panose="020B0604020202020204" pitchFamily="34" charset="0"/>
-            </a:endParaRPr>
-          </a:p>
-          <a:p>
-            <a:pPr algn="ctr"/>
-            <a:endParaRPr lang="nl-NL" sz="2000">
-              <a:latin typeface="Arial" panose="020B0604020202020204" pitchFamily="34" charset="0"/>
-              <a:cs typeface="Arial" panose="020B0604020202020204" pitchFamily="34" charset="0"/>
-            </a:endParaRPr>
-          </a:p>
-          <a:p>
-            <a:pPr algn="ctr"/>
-            <a:endParaRPr lang="nl-NL" sz="2000">
-              <a:latin typeface="Arial" panose="020B0604020202020204" pitchFamily="34" charset="0"/>
-              <a:cs typeface="Arial" panose="020B0604020202020204" pitchFamily="34" charset="0"/>
-            </a:endParaRPr>
-          </a:p>
-          <a:p>
-            <a:endParaRPr lang="nl-NL">
-              <a:latin typeface="Arial" panose="020B0604020202020204" pitchFamily="34" charset="0"/>
-              <a:cs typeface="Arial" panose="020B0604020202020204" pitchFamily="34" charset="0"/>
-            </a:endParaRPr>
-          </a:p>
-          <a:p>
-            <a:r>
-              <a:rPr lang="en-GB">
-                <a:latin typeface="Arial" panose="020B0604020202020204" pitchFamily="34" charset="0"/>
-                <a:cs typeface="Arial" panose="020B0604020202020204" pitchFamily="34" charset="0"/>
-              </a:rPr>
-              <a:t>Wind tunnel</a:t>
-            </a:r>
-          </a:p>
-        </p:txBody>
-      </p:sp>
-      <p:sp>
-        <p:nvSpPr>
-          <p:cNvPr id="37" name="Afgeronde rechthoek 36">
-            <a:extLst>
-              <a:ext uri="{FF2B5EF4-FFF2-40B4-BE49-F238E27FC236}">
-                <a16:creationId xmlns:a16="http://schemas.microsoft.com/office/drawing/2014/main" id="{D204BBAD-AE13-F34B-8963-AC3CC8CE7BA9}"/>
-              </a:ext>
-            </a:extLst>
-          </p:cNvPr>
-          <p:cNvSpPr/>
-          <p:nvPr/>
-        </p:nvSpPr>
-        <p:spPr>
-          <a:xfrm>
-            <a:off x="7943314" y="4248189"/>
-            <a:ext cx="3108384" cy="2332800"/>
-          </a:xfrm>
-          <a:prstGeom prst="roundRect">
-            <a:avLst>
-              <a:gd name="adj" fmla="val 6379"/>
-            </a:avLst>
-          </a:prstGeom>
-          <a:solidFill>
-            <a:srgbClr val="00A7D6"/>
-          </a:solidFill>
-          <a:ln>
-            <a:noFill/>
-          </a:ln>
-        </p:spPr>
-        <p:style>
-          <a:lnRef idx="1">
-            <a:schemeClr val="accent1"/>
-          </a:lnRef>
-          <a:fillRef idx="3">
-            <a:schemeClr val="accent1"/>
-          </a:fillRef>
-          <a:effectRef idx="2">
-            <a:schemeClr val="accent1"/>
-          </a:effectRef>
-          <a:fontRef idx="minor">
-            <a:schemeClr val="lt1"/>
-          </a:fontRef>
-        </p:style>
-        <p:txBody>
-          <a:bodyPr rtlCol="0" anchor="b"/>
-          <a:lstStyle/>
-          <a:p>
-            <a:pPr algn="ctr"/>
-            <a:endParaRPr lang="nl-NL" sz="2000">
-              <a:latin typeface="Arial" panose="020B0604020202020204" pitchFamily="34" charset="0"/>
-              <a:cs typeface="Arial" panose="020B0604020202020204" pitchFamily="34" charset="0"/>
-            </a:endParaRPr>
-          </a:p>
-          <a:p>
-            <a:pPr algn="ctr"/>
-            <a:endParaRPr lang="nl-NL" sz="2000">
-              <a:latin typeface="Arial" panose="020B0604020202020204" pitchFamily="34" charset="0"/>
-              <a:cs typeface="Arial" panose="020B0604020202020204" pitchFamily="34" charset="0"/>
-            </a:endParaRPr>
-          </a:p>
-          <a:p>
-            <a:pPr algn="ctr"/>
-            <a:endParaRPr lang="nl-NL" sz="2000">
-              <a:latin typeface="Arial" panose="020B0604020202020204" pitchFamily="34" charset="0"/>
-              <a:cs typeface="Arial" panose="020B0604020202020204" pitchFamily="34" charset="0"/>
-            </a:endParaRPr>
-          </a:p>
-          <a:p>
-            <a:pPr algn="ctr"/>
-            <a:endParaRPr lang="nl-NL" sz="2000">
-              <a:latin typeface="Arial" panose="020B0604020202020204" pitchFamily="34" charset="0"/>
-              <a:cs typeface="Arial" panose="020B0604020202020204" pitchFamily="34" charset="0"/>
-            </a:endParaRPr>
-          </a:p>
-          <a:p>
-            <a:pPr algn="ctr"/>
-            <a:endParaRPr lang="nl-NL" sz="2000">
-              <a:latin typeface="Arial" panose="020B0604020202020204" pitchFamily="34" charset="0"/>
-              <a:cs typeface="Arial" panose="020B0604020202020204" pitchFamily="34" charset="0"/>
-            </a:endParaRPr>
-          </a:p>
-          <a:p>
-            <a:endParaRPr lang="nl-NL">
-              <a:latin typeface="Arial" panose="020B0604020202020204" pitchFamily="34" charset="0"/>
-              <a:cs typeface="Arial" panose="020B0604020202020204" pitchFamily="34" charset="0"/>
-            </a:endParaRPr>
-          </a:p>
-          <a:p>
-            <a:r>
-              <a:rPr lang="en-GB">
-                <a:latin typeface="Arial" panose="020B0604020202020204" pitchFamily="34" charset="0"/>
-                <a:cs typeface="Arial" panose="020B0604020202020204" pitchFamily="34" charset="0"/>
-              </a:rPr>
-              <a:t>WaterLab</a:t>
-            </a:r>
-          </a:p>
-        </p:txBody>
-      </p:sp>
-      <p:pic>
-        <p:nvPicPr>
-          <p:cNvPr id="39" name="Afbeelding 38" descr="Afbeelding met binnen, plafond, werktafel, verschillende&#10;&#10;Automatisch gegenereerde beschrijving">
-            <a:extLst>
-              <a:ext uri="{FF2B5EF4-FFF2-40B4-BE49-F238E27FC236}">
-                <a16:creationId xmlns:a16="http://schemas.microsoft.com/office/drawing/2014/main" id="{63DFE757-7DF0-3444-9553-F9F1B958C44F}"/>
-              </a:ext>
-            </a:extLst>
-          </p:cNvPr>
-          <p:cNvPicPr>
-            <a:picLocks noChangeAspect="1"/>
-          </p:cNvPicPr>
-          <p:nvPr/>
-        </p:nvPicPr>
-        <p:blipFill>
-          <a:blip r:embed="rId4" cstate="screen">
-            <a:extLst>
-              <a:ext uri="{28A0092B-C50C-407E-A947-70E740481C1C}">
-                <a14:useLocalDpi xmlns:a14="http://schemas.microsoft.com/office/drawing/2010/main"/>
-              </a:ext>
-            </a:extLst>
-          </a:blip>
-          <a:stretch>
-            <a:fillRect/>
-          </a:stretch>
-        </p:blipFill>
-        <p:spPr>
-          <a:xfrm>
-            <a:off x="7943315" y="4148983"/>
-            <a:ext cx="3108383" cy="2072871"/>
-          </a:xfrm>
-          <a:prstGeom prst="rect">
-            <a:avLst/>
-          </a:prstGeom>
-        </p:spPr>
-      </p:pic>
-      <p:pic>
-        <p:nvPicPr>
-          <p:cNvPr id="43" name="Afbeelding 42" descr="Afbeelding met oranje, binnen, werken&#10;&#10;Automatisch gegenereerde beschrijving">
-            <a:extLst>
-              <a:ext uri="{FF2B5EF4-FFF2-40B4-BE49-F238E27FC236}">
-                <a16:creationId xmlns:a16="http://schemas.microsoft.com/office/drawing/2014/main" id="{40590EF7-754F-F840-9484-35C2817897A1}"/>
-              </a:ext>
-            </a:extLst>
-          </p:cNvPr>
-          <p:cNvPicPr>
-            <a:picLocks noChangeAspect="1"/>
-          </p:cNvPicPr>
-          <p:nvPr/>
-        </p:nvPicPr>
-        <p:blipFill>
-          <a:blip r:embed="rId5" cstate="screen">
-            <a:extLst>
-              <a:ext uri="{28A0092B-C50C-407E-A947-70E740481C1C}">
-                <a14:useLocalDpi xmlns:a14="http://schemas.microsoft.com/office/drawing/2010/main"/>
-              </a:ext>
-            </a:extLst>
-          </a:blip>
-          <a:stretch>
-            <a:fillRect/>
-          </a:stretch>
-        </p:blipFill>
-        <p:spPr>
-          <a:xfrm>
-            <a:off x="634127" y="4148983"/>
-            <a:ext cx="3108383" cy="1979135"/>
-          </a:xfrm>
-          <a:prstGeom prst="rect">
-            <a:avLst/>
-          </a:prstGeom>
-        </p:spPr>
-      </p:pic>
-      <p:pic>
-        <p:nvPicPr>
-          <p:cNvPr id="44" name="Afbeelding 43" descr="Afbeelding met binnen, vloer, keuken, werken&#10;&#10;Automatisch gegenereerde beschrijving">
-            <a:extLst>
-              <a:ext uri="{FF2B5EF4-FFF2-40B4-BE49-F238E27FC236}">
-                <a16:creationId xmlns:a16="http://schemas.microsoft.com/office/drawing/2014/main" id="{9D2F8D00-A04E-9A48-8278-C659D52D11E1}"/>
-              </a:ext>
-            </a:extLst>
-          </p:cNvPr>
-          <p:cNvPicPr>
-            <a:picLocks noChangeAspect="1"/>
-          </p:cNvPicPr>
-          <p:nvPr/>
-        </p:nvPicPr>
-        <p:blipFill>
-          <a:blip r:embed="rId6" cstate="screen">
-            <a:extLst>
-              <a:ext uri="{28A0092B-C50C-407E-A947-70E740481C1C}">
-                <a14:useLocalDpi xmlns:a14="http://schemas.microsoft.com/office/drawing/2010/main"/>
-              </a:ext>
-            </a:extLst>
-          </a:blip>
-          <a:stretch>
-            <a:fillRect/>
-          </a:stretch>
-        </p:blipFill>
-        <p:spPr>
-          <a:xfrm>
-            <a:off x="7939898" y="1394984"/>
-            <a:ext cx="3111800" cy="2074948"/>
-          </a:xfrm>
-          <a:prstGeom prst="rect">
-            <a:avLst/>
-          </a:prstGeom>
-        </p:spPr>
-      </p:pic>
-      <p:pic>
-        <p:nvPicPr>
-          <p:cNvPr id="45" name="Afbeelding 44" descr="Afbeelding met groen&#10;&#10;Automatisch gegenereerde beschrijving">
-            <a:extLst>
-              <a:ext uri="{FF2B5EF4-FFF2-40B4-BE49-F238E27FC236}">
-                <a16:creationId xmlns:a16="http://schemas.microsoft.com/office/drawing/2014/main" id="{8236D183-D989-6B4D-9AE1-4EAE233F64B6}"/>
-              </a:ext>
-            </a:extLst>
-          </p:cNvPr>
-          <p:cNvPicPr>
-            <a:picLocks noChangeAspect="1"/>
-          </p:cNvPicPr>
-          <p:nvPr/>
-        </p:nvPicPr>
-        <p:blipFill>
-          <a:blip r:embed="rId7" cstate="screen">
-            <a:extLst>
-              <a:ext uri="{28A0092B-C50C-407E-A947-70E740481C1C}">
-                <a14:useLocalDpi xmlns:a14="http://schemas.microsoft.com/office/drawing/2010/main"/>
-              </a:ext>
-            </a:extLst>
-          </a:blip>
-          <a:stretch>
-            <a:fillRect/>
-          </a:stretch>
-        </p:blipFill>
-        <p:spPr>
-          <a:xfrm>
-            <a:off x="4346450" y="4155067"/>
-            <a:ext cx="3108383" cy="2072255"/>
-          </a:xfrm>
-          <a:prstGeom prst="rect">
-            <a:avLst/>
-          </a:prstGeom>
-        </p:spPr>
-      </p:pic>
-    </p:spTree>
-    <p:extLst>
-      <p:ext uri="{BB962C8B-B14F-4D97-AF65-F5344CB8AC3E}">
-        <p14:creationId xmlns:p14="http://schemas.microsoft.com/office/powerpoint/2010/main" val="1531931628"/>
-      </p:ext>
-    </p:extLst>
-  </p:cSld>
-  <p:clrMapOvr>
-    <a:masterClrMapping/>
-  </p:clrMapOvr>
-  <p:transition spd="slow">
-    <p:fade/>
-  </p:transition>
 </p:sld>
 </file>
 
@@ -19546,7 +19687,7 @@
         </p:blipFill>
         <p:spPr>
           <a:xfrm>
-            <a:off x="2538412" y="4051042"/>
+            <a:off x="3418088" y="4073569"/>
             <a:ext cx="7115175" cy="1924050"/>
           </a:xfrm>
           <a:prstGeom prst="rect">
@@ -20970,7 +21111,7 @@
         </p:nvSpPr>
         <p:spPr>
           <a:xfrm>
-            <a:off x="698500" y="3730902"/>
+            <a:off x="698500" y="3071146"/>
             <a:ext cx="10773500" cy="459134"/>
           </a:xfrm>
           <a:prstGeom prst="rect">
@@ -21263,6 +21404,42 @@
           </a:p>
         </p:txBody>
       </p:sp>
+      <p:pic>
+        <p:nvPicPr>
+          <p:cNvPr id="6" name="图片 5" descr="图形用户界面&#10;&#10;低可信度描述已自动生成">
+            <a:extLst>
+              <a:ext uri="{FF2B5EF4-FFF2-40B4-BE49-F238E27FC236}">
+                <a16:creationId xmlns:a16="http://schemas.microsoft.com/office/drawing/2014/main" id="{C86AA64C-EFFE-5293-5DC6-930AF6D54B79}"/>
+              </a:ext>
+            </a:extLst>
+          </p:cNvPr>
+          <p:cNvPicPr>
+            <a:picLocks noChangeAspect="1"/>
+          </p:cNvPicPr>
+          <p:nvPr/>
+        </p:nvPicPr>
+        <p:blipFill>
+          <a:blip r:embed="rId4">
+            <a:extLst>
+              <a:ext uri="{28A0092B-C50C-407E-A947-70E740481C1C}">
+                <a14:useLocalDpi xmlns:a14="http://schemas.microsoft.com/office/drawing/2010/main" val="0"/>
+              </a:ext>
+            </a:extLst>
+          </a:blip>
+          <a:stretch>
+            <a:fillRect/>
+          </a:stretch>
+        </p:blipFill>
+        <p:spPr>
+          <a:xfrm>
+            <a:off x="3142025" y="3530280"/>
+            <a:ext cx="5886450" cy="2676525"/>
+          </a:xfrm>
+          <a:prstGeom prst="rect">
+            <a:avLst/>
+          </a:prstGeom>
+        </p:spPr>
+      </p:pic>
     </p:spTree>
     <p:extLst>
       <p:ext uri="{BB962C8B-B14F-4D97-AF65-F5344CB8AC3E}">

--- a/paperwork/ppt/Ting_midterm.pptx
+++ b/paperwork/ppt/Ting_midterm.pptx
@@ -1018,6 +1018,32 @@
         <p:txBody>
           <a:bodyPr/>
           <a:lstStyle/>
+          <a:p>
+            <a:r>
+              <a:rPr lang="en-US" altLang="zh-CN" dirty="0"/>
+              <a:t>As mentioned before, the sensor has a dropping rate, for example, the camera will loss track of some robots.</a:t>
+            </a:r>
+          </a:p>
+          <a:p>
+            <a:endParaRPr lang="en-US" dirty="0"/>
+          </a:p>
+          <a:p>
+            <a:r>
+              <a:rPr lang="en-US" dirty="0"/>
+              <a:t>When facing the missing data situation, the only source is the estimation from system dynamic model, so we skip the correction part in the </a:t>
+            </a:r>
+            <a:r>
+              <a:rPr lang="en-US" dirty="0" err="1"/>
+              <a:t>mr</a:t>
+            </a:r>
+            <a:r>
+              <a:rPr lang="en-US" dirty="0"/>
+              <a:t>-EKF.</a:t>
+            </a:r>
+          </a:p>
+          <a:p>
+            <a:endParaRPr lang="en-US" dirty="0"/>
+          </a:p>
           <a:p>
             <a:endParaRPr lang="en-GB" dirty="0"/>
           </a:p>
@@ -2726,7 +2752,7 @@
                 <a:effectLst/>
                 <a:extLst>
                   <a:ext uri="{C572A759-6A51-4108-AA02-DFA0A04FC94B}">
-                    <ma14:wrappingTextBoxFlag xmlns="" xmlns:ma14="http://schemas.microsoft.com/office/mac/drawingml/2011/main" xmlns:a14="http://schemas.microsoft.com/office/drawing/2010/main" xmlns:m="http://schemas.openxmlformats.org/officeDocument/2006/math" val="1"/>
+                    <ma14:wrappingTextBoxFlag xmlns:m="http://schemas.openxmlformats.org/officeDocument/2006/math" xmlns:a14="http://schemas.microsoft.com/office/drawing/2010/main" xmlns:ma14="http://schemas.microsoft.com/office/mac/drawingml/2011/main" xmlns="" val="1"/>
                   </a:ext>
                 </a:extLst>
               </p:spPr>
@@ -2831,7 +2857,7 @@
                 <a:effectLst/>
                 <a:extLst>
                   <a:ext uri="{C572A759-6A51-4108-AA02-DFA0A04FC94B}">
-                    <ma14:wrappingTextBoxFlag xmlns="" xmlns:ma14="http://schemas.microsoft.com/office/mac/drawingml/2011/main" xmlns:a14="http://schemas.microsoft.com/office/drawing/2010/main" xmlns:m="http://schemas.openxmlformats.org/officeDocument/2006/math" val="1"/>
+                    <ma14:wrappingTextBoxFlag xmlns:m="http://schemas.openxmlformats.org/officeDocument/2006/math" xmlns:a14="http://schemas.microsoft.com/office/drawing/2010/main" xmlns:ma14="http://schemas.microsoft.com/office/mac/drawingml/2011/main" xmlns="" val="1"/>
                   </a:ext>
                 </a:extLst>
               </p:spPr>
@@ -2882,7 +2908,7 @@
               <a:effectLst/>
               <a:extLst>
                 <a:ext uri="{C572A759-6A51-4108-AA02-DFA0A04FC94B}">
-                  <ma14:wrappingTextBoxFlag xmlns="" xmlns:ma14="http://schemas.microsoft.com/office/mac/drawingml/2011/main" xmlns:a14="http://schemas.microsoft.com/office/drawing/2010/main" xmlns:m="http://schemas.openxmlformats.org/officeDocument/2006/math" val="1"/>
+                  <ma14:wrappingTextBoxFlag xmlns:m="http://schemas.openxmlformats.org/officeDocument/2006/math" xmlns:a14="http://schemas.microsoft.com/office/drawing/2010/main" xmlns:ma14="http://schemas.microsoft.com/office/mac/drawingml/2011/main" xmlns="" val="1"/>
                 </a:ext>
               </a:extLst>
             </p:spPr>
@@ -2993,7 +3019,7 @@
                 <a:effectLst/>
                 <a:extLst>
                   <a:ext uri="{C572A759-6A51-4108-AA02-DFA0A04FC94B}">
-                    <ma14:wrappingTextBoxFlag xmlns="" xmlns:ma14="http://schemas.microsoft.com/office/mac/drawingml/2011/main" xmlns:a14="http://schemas.microsoft.com/office/drawing/2010/main" xmlns:m="http://schemas.openxmlformats.org/officeDocument/2006/math" val="1"/>
+                    <ma14:wrappingTextBoxFlag xmlns:m="http://schemas.openxmlformats.org/officeDocument/2006/math" xmlns:a14="http://schemas.microsoft.com/office/drawing/2010/main" xmlns:ma14="http://schemas.microsoft.com/office/mac/drawingml/2011/main" xmlns="" val="1"/>
                   </a:ext>
                 </a:extLst>
               </p:spPr>
@@ -3044,7 +3070,7 @@
               <a:effectLst/>
               <a:extLst>
                 <a:ext uri="{C572A759-6A51-4108-AA02-DFA0A04FC94B}">
-                  <ma14:wrappingTextBoxFlag xmlns="" xmlns:ma14="http://schemas.microsoft.com/office/mac/drawingml/2011/main" xmlns:a14="http://schemas.microsoft.com/office/drawing/2010/main" xmlns:m="http://schemas.openxmlformats.org/officeDocument/2006/math" val="1"/>
+                  <ma14:wrappingTextBoxFlag xmlns:m="http://schemas.openxmlformats.org/officeDocument/2006/math" xmlns:a14="http://schemas.microsoft.com/office/drawing/2010/main" xmlns:ma14="http://schemas.microsoft.com/office/mac/drawingml/2011/main" xmlns="" val="1"/>
                 </a:ext>
               </a:extLst>
             </p:spPr>
@@ -3382,7 +3408,7 @@
                 <a:effectLst/>
                 <a:extLst>
                   <a:ext uri="{C572A759-6A51-4108-AA02-DFA0A04FC94B}">
-                    <ma14:wrappingTextBoxFlag xmlns="" xmlns:ma14="http://schemas.microsoft.com/office/mac/drawingml/2011/main" xmlns:a14="http://schemas.microsoft.com/office/drawing/2010/main" xmlns:m="http://schemas.openxmlformats.org/officeDocument/2006/math" val="1"/>
+                    <ma14:wrappingTextBoxFlag xmlns:m="http://schemas.openxmlformats.org/officeDocument/2006/math" xmlns:a14="http://schemas.microsoft.com/office/drawing/2010/main" xmlns:ma14="http://schemas.microsoft.com/office/mac/drawingml/2011/main" xmlns="" val="1"/>
                   </a:ext>
                 </a:extLst>
               </p:spPr>
@@ -4881,7 +4907,7 @@
           </a:ln>
           <a:extLst>
             <a:ext uri="{C572A759-6A51-4108-AA02-DFA0A04FC94B}">
-              <ma14:wrappingTextBoxFlag xmlns="" xmlns:ma14="http://schemas.microsoft.com/office/mac/drawingml/2011/main" xmlns:a14="http://schemas.microsoft.com/office/drawing/2010/main" xmlns:m="http://schemas.openxmlformats.org/officeDocument/2006/math" val="1"/>
+              <ma14:wrappingTextBoxFlag xmlns:m="http://schemas.openxmlformats.org/officeDocument/2006/math" xmlns:a14="http://schemas.microsoft.com/office/drawing/2010/main" xmlns:ma14="http://schemas.microsoft.com/office/mac/drawingml/2011/main" xmlns="" val="1"/>
             </a:ext>
           </a:extLst>
         </p:spPr>
@@ -5155,7 +5181,7 @@
               <a:effectLst/>
               <a:extLst>
                 <a:ext uri="{C572A759-6A51-4108-AA02-DFA0A04FC94B}">
-                  <ma14:wrappingTextBoxFlag xmlns="" xmlns:ma14="http://schemas.microsoft.com/office/mac/drawingml/2011/main" xmlns:a14="http://schemas.microsoft.com/office/drawing/2010/main" xmlns:m="http://schemas.openxmlformats.org/officeDocument/2006/math" val="1"/>
+                  <ma14:wrappingTextBoxFlag xmlns:m="http://schemas.openxmlformats.org/officeDocument/2006/math" xmlns:a14="http://schemas.microsoft.com/office/drawing/2010/main" xmlns:ma14="http://schemas.microsoft.com/office/mac/drawingml/2011/main" xmlns="" val="1"/>
                 </a:ext>
               </a:extLst>
             </p:spPr>
@@ -5260,7 +5286,7 @@
               <a:effectLst/>
               <a:extLst>
                 <a:ext uri="{C572A759-6A51-4108-AA02-DFA0A04FC94B}">
-                  <ma14:wrappingTextBoxFlag xmlns="" xmlns:ma14="http://schemas.microsoft.com/office/mac/drawingml/2011/main" xmlns:a14="http://schemas.microsoft.com/office/drawing/2010/main" xmlns:m="http://schemas.openxmlformats.org/officeDocument/2006/math" val="1"/>
+                  <ma14:wrappingTextBoxFlag xmlns:m="http://schemas.openxmlformats.org/officeDocument/2006/math" xmlns:a14="http://schemas.microsoft.com/office/drawing/2010/main" xmlns:ma14="http://schemas.microsoft.com/office/mac/drawingml/2011/main" xmlns="" val="1"/>
                 </a:ext>
               </a:extLst>
             </p:spPr>
@@ -5311,7 +5337,7 @@
             <a:effectLst/>
             <a:extLst>
               <a:ext uri="{C572A759-6A51-4108-AA02-DFA0A04FC94B}">
-                <ma14:wrappingTextBoxFlag xmlns="" xmlns:ma14="http://schemas.microsoft.com/office/mac/drawingml/2011/main" xmlns:a14="http://schemas.microsoft.com/office/drawing/2010/main" xmlns:m="http://schemas.openxmlformats.org/officeDocument/2006/math" val="1"/>
+                <ma14:wrappingTextBoxFlag xmlns:m="http://schemas.openxmlformats.org/officeDocument/2006/math" xmlns:a14="http://schemas.microsoft.com/office/drawing/2010/main" xmlns:ma14="http://schemas.microsoft.com/office/mac/drawingml/2011/main" xmlns="" val="1"/>
               </a:ext>
             </a:extLst>
           </p:spPr>
@@ -5415,7 +5441,7 @@
               <a:effectLst/>
               <a:extLst>
                 <a:ext uri="{C572A759-6A51-4108-AA02-DFA0A04FC94B}">
-                  <ma14:wrappingTextBoxFlag xmlns="" xmlns:ma14="http://schemas.microsoft.com/office/mac/drawingml/2011/main" xmlns:a14="http://schemas.microsoft.com/office/drawing/2010/main" xmlns:m="http://schemas.openxmlformats.org/officeDocument/2006/math" val="1"/>
+                  <ma14:wrappingTextBoxFlag xmlns:m="http://schemas.openxmlformats.org/officeDocument/2006/math" xmlns:a14="http://schemas.microsoft.com/office/drawing/2010/main" xmlns:ma14="http://schemas.microsoft.com/office/mac/drawingml/2011/main" xmlns="" val="1"/>
                 </a:ext>
               </a:extLst>
             </p:spPr>
@@ -5466,7 +5492,7 @@
             <a:effectLst/>
             <a:extLst>
               <a:ext uri="{C572A759-6A51-4108-AA02-DFA0A04FC94B}">
-                <ma14:wrappingTextBoxFlag xmlns="" xmlns:ma14="http://schemas.microsoft.com/office/mac/drawingml/2011/main" xmlns:a14="http://schemas.microsoft.com/office/drawing/2010/main" xmlns:m="http://schemas.openxmlformats.org/officeDocument/2006/math" val="1"/>
+                <ma14:wrappingTextBoxFlag xmlns:m="http://schemas.openxmlformats.org/officeDocument/2006/math" xmlns:a14="http://schemas.microsoft.com/office/drawing/2010/main" xmlns:ma14="http://schemas.microsoft.com/office/mac/drawingml/2011/main" xmlns="" val="1"/>
               </a:ext>
             </a:extLst>
           </p:spPr>
@@ -7012,7 +7038,7 @@
                 <a:effectLst/>
                 <a:extLst>
                   <a:ext uri="{C572A759-6A51-4108-AA02-DFA0A04FC94B}">
-                    <ma14:wrappingTextBoxFlag xmlns="" xmlns:ma14="http://schemas.microsoft.com/office/mac/drawingml/2011/main" xmlns:a14="http://schemas.microsoft.com/office/drawing/2010/main" xmlns:m="http://schemas.openxmlformats.org/officeDocument/2006/math" val="1"/>
+                    <ma14:wrappingTextBoxFlag xmlns:m="http://schemas.openxmlformats.org/officeDocument/2006/math" xmlns:a14="http://schemas.microsoft.com/office/drawing/2010/main" xmlns:ma14="http://schemas.microsoft.com/office/mac/drawingml/2011/main" xmlns="" val="1"/>
                   </a:ext>
                 </a:extLst>
               </p:spPr>
@@ -7117,7 +7143,7 @@
                 <a:effectLst/>
                 <a:extLst>
                   <a:ext uri="{C572A759-6A51-4108-AA02-DFA0A04FC94B}">
-                    <ma14:wrappingTextBoxFlag xmlns="" xmlns:ma14="http://schemas.microsoft.com/office/mac/drawingml/2011/main" xmlns:a14="http://schemas.microsoft.com/office/drawing/2010/main" xmlns:m="http://schemas.openxmlformats.org/officeDocument/2006/math" val="1"/>
+                    <ma14:wrappingTextBoxFlag xmlns:m="http://schemas.openxmlformats.org/officeDocument/2006/math" xmlns:a14="http://schemas.microsoft.com/office/drawing/2010/main" xmlns:ma14="http://schemas.microsoft.com/office/mac/drawingml/2011/main" xmlns="" val="1"/>
                   </a:ext>
                 </a:extLst>
               </p:spPr>
@@ -7168,7 +7194,7 @@
               <a:effectLst/>
               <a:extLst>
                 <a:ext uri="{C572A759-6A51-4108-AA02-DFA0A04FC94B}">
-                  <ma14:wrappingTextBoxFlag xmlns="" xmlns:ma14="http://schemas.microsoft.com/office/mac/drawingml/2011/main" xmlns:a14="http://schemas.microsoft.com/office/drawing/2010/main" xmlns:m="http://schemas.openxmlformats.org/officeDocument/2006/math" val="1"/>
+                  <ma14:wrappingTextBoxFlag xmlns:m="http://schemas.openxmlformats.org/officeDocument/2006/math" xmlns:a14="http://schemas.microsoft.com/office/drawing/2010/main" xmlns:ma14="http://schemas.microsoft.com/office/mac/drawingml/2011/main" xmlns="" val="1"/>
                 </a:ext>
               </a:extLst>
             </p:spPr>
@@ -7279,7 +7305,7 @@
                 <a:effectLst/>
                 <a:extLst>
                   <a:ext uri="{C572A759-6A51-4108-AA02-DFA0A04FC94B}">
-                    <ma14:wrappingTextBoxFlag xmlns="" xmlns:ma14="http://schemas.microsoft.com/office/mac/drawingml/2011/main" xmlns:a14="http://schemas.microsoft.com/office/drawing/2010/main" xmlns:m="http://schemas.openxmlformats.org/officeDocument/2006/math" val="1"/>
+                    <ma14:wrappingTextBoxFlag xmlns:m="http://schemas.openxmlformats.org/officeDocument/2006/math" xmlns:a14="http://schemas.microsoft.com/office/drawing/2010/main" xmlns:ma14="http://schemas.microsoft.com/office/mac/drawingml/2011/main" xmlns="" val="1"/>
                   </a:ext>
                 </a:extLst>
               </p:spPr>
@@ -7330,7 +7356,7 @@
               <a:effectLst/>
               <a:extLst>
                 <a:ext uri="{C572A759-6A51-4108-AA02-DFA0A04FC94B}">
-                  <ma14:wrappingTextBoxFlag xmlns="" xmlns:ma14="http://schemas.microsoft.com/office/mac/drawingml/2011/main" xmlns:a14="http://schemas.microsoft.com/office/drawing/2010/main" xmlns:m="http://schemas.openxmlformats.org/officeDocument/2006/math" val="1"/>
+                  <ma14:wrappingTextBoxFlag xmlns:m="http://schemas.openxmlformats.org/officeDocument/2006/math" xmlns:a14="http://schemas.microsoft.com/office/drawing/2010/main" xmlns:ma14="http://schemas.microsoft.com/office/mac/drawingml/2011/main" xmlns="" val="1"/>
                 </a:ext>
               </a:extLst>
             </p:spPr>
@@ -7668,7 +7694,7 @@
                 <a:effectLst/>
                 <a:extLst>
                   <a:ext uri="{C572A759-6A51-4108-AA02-DFA0A04FC94B}">
-                    <ma14:wrappingTextBoxFlag xmlns="" xmlns:ma14="http://schemas.microsoft.com/office/mac/drawingml/2011/main" xmlns:a14="http://schemas.microsoft.com/office/drawing/2010/main" xmlns:m="http://schemas.openxmlformats.org/officeDocument/2006/math" val="1"/>
+                    <ma14:wrappingTextBoxFlag xmlns:m="http://schemas.openxmlformats.org/officeDocument/2006/math" xmlns:a14="http://schemas.microsoft.com/office/drawing/2010/main" xmlns:ma14="http://schemas.microsoft.com/office/mac/drawingml/2011/main" xmlns="" val="1"/>
                   </a:ext>
                 </a:extLst>
               </p:spPr>
@@ -11359,7 +11385,7 @@
           </a:ln>
           <a:extLst>
             <a:ext uri="{C572A759-6A51-4108-AA02-DFA0A04FC94B}">
-              <ma14:wrappingTextBoxFlag xmlns:ma14="http://schemas.microsoft.com/office/mac/drawingml/2011/main" xmlns:a14="http://schemas.microsoft.com/office/drawing/2010/main" xmlns:m="http://schemas.openxmlformats.org/officeDocument/2006/math" xmlns="" val="1"/>
+              <ma14:wrappingTextBoxFlag xmlns="" xmlns:m="http://schemas.openxmlformats.org/officeDocument/2006/math" xmlns:a14="http://schemas.microsoft.com/office/drawing/2010/main" xmlns:ma14="http://schemas.microsoft.com/office/mac/drawingml/2011/main" val="1"/>
             </a:ext>
           </a:extLst>
         </p:spPr>
@@ -13246,7 +13272,7 @@
           </a:ln>
           <a:extLst>
             <a:ext uri="{C572A759-6A51-4108-AA02-DFA0A04FC94B}">
-              <ma14:wrappingTextBoxFlag xmlns="" xmlns:ma14="http://schemas.microsoft.com/office/mac/drawingml/2011/main" xmlns:a14="http://schemas.microsoft.com/office/drawing/2010/main" xmlns:m="http://schemas.openxmlformats.org/officeDocument/2006/math" val="1"/>
+              <ma14:wrappingTextBoxFlag xmlns:m="http://schemas.openxmlformats.org/officeDocument/2006/math" xmlns:a14="http://schemas.microsoft.com/office/drawing/2010/main" xmlns:ma14="http://schemas.microsoft.com/office/mac/drawingml/2011/main" xmlns="" val="1"/>
             </a:ext>
           </a:extLst>
         </p:spPr>
@@ -13283,7 +13309,7 @@
           </a:ln>
           <a:extLst>
             <a:ext uri="{C572A759-6A51-4108-AA02-DFA0A04FC94B}">
-              <ma14:wrappingTextBoxFlag xmlns="" xmlns:ma14="http://schemas.microsoft.com/office/mac/drawingml/2011/main" xmlns:a14="http://schemas.microsoft.com/office/drawing/2010/main" xmlns:m="http://schemas.openxmlformats.org/officeDocument/2006/math" val="1"/>
+              <ma14:wrappingTextBoxFlag xmlns:m="http://schemas.openxmlformats.org/officeDocument/2006/math" xmlns:a14="http://schemas.microsoft.com/office/drawing/2010/main" xmlns:ma14="http://schemas.microsoft.com/office/mac/drawingml/2011/main" xmlns="" val="1"/>
             </a:ext>
           </a:extLst>
         </p:spPr>
@@ -14245,7 +14271,7 @@
           </a:prstGeom>
           <a:extLst>
             <a:ext uri="{C572A759-6A51-4108-AA02-DFA0A04FC94B}">
-              <ma14:wrappingTextBoxFlag xmlns="" xmlns:m="http://schemas.openxmlformats.org/officeDocument/2006/math" xmlns:a14="http://schemas.microsoft.com/office/drawing/2010/main" xmlns:ma14="http://schemas.microsoft.com/office/mac/drawingml/2011/main" val="1"/>
+              <ma14:wrappingTextBoxFlag xmlns:ma14="http://schemas.microsoft.com/office/mac/drawingml/2011/main" xmlns:a14="http://schemas.microsoft.com/office/drawing/2010/main" xmlns:m="http://schemas.openxmlformats.org/officeDocument/2006/math" xmlns="" val="1"/>
             </a:ext>
           </a:extLst>
         </p:spPr>
@@ -14281,7 +14307,7 @@
           </a:prstGeom>
           <a:extLst>
             <a:ext uri="{C572A759-6A51-4108-AA02-DFA0A04FC94B}">
-              <ma14:wrappingTextBoxFlag xmlns="" xmlns:m="http://schemas.openxmlformats.org/officeDocument/2006/math" xmlns:a14="http://schemas.microsoft.com/office/drawing/2010/main" xmlns:ma14="http://schemas.microsoft.com/office/mac/drawingml/2011/main" val="1"/>
+              <ma14:wrappingTextBoxFlag xmlns:ma14="http://schemas.microsoft.com/office/mac/drawingml/2011/main" xmlns:a14="http://schemas.microsoft.com/office/drawing/2010/main" xmlns:m="http://schemas.openxmlformats.org/officeDocument/2006/math" xmlns="" val="1"/>
             </a:ext>
           </a:extLst>
         </p:spPr>
@@ -15222,7 +15248,7 @@
           </a:ln>
           <a:extLst>
             <a:ext uri="{C572A759-6A51-4108-AA02-DFA0A04FC94B}">
-              <ma14:wrappingTextBoxFlag xmlns="" xmlns:ma14="http://schemas.microsoft.com/office/mac/drawingml/2011/main" xmlns:a14="http://schemas.microsoft.com/office/drawing/2010/main" xmlns:m="http://schemas.openxmlformats.org/officeDocument/2006/math" val="1"/>
+              <ma14:wrappingTextBoxFlag xmlns:m="http://schemas.openxmlformats.org/officeDocument/2006/math" xmlns:a14="http://schemas.microsoft.com/office/drawing/2010/main" xmlns:ma14="http://schemas.microsoft.com/office/mac/drawingml/2011/main" xmlns="" val="1"/>
             </a:ext>
           </a:extLst>
         </p:spPr>
@@ -17112,7 +17138,7 @@
         </p:blipFill>
         <p:spPr>
           <a:xfrm>
-            <a:off x="134031" y="3750461"/>
+            <a:off x="0" y="4095234"/>
             <a:ext cx="4581271" cy="1212397"/>
           </a:xfrm>
           <a:prstGeom prst="rect">
@@ -17183,8 +17209,8 @@
         </p:nvSpPr>
         <p:spPr>
           <a:xfrm>
-            <a:off x="393699" y="1037534"/>
-            <a:ext cx="3470729" cy="4847722"/>
+            <a:off x="88893" y="1032770"/>
+            <a:ext cx="4006857" cy="3022837"/>
           </a:xfrm>
         </p:spPr>
         <p:txBody>
@@ -17222,7 +17248,19 @@
               <a:rPr lang="en-GB" altLang="zh-CN" sz="2400" dirty="0">
                 <a:latin typeface="Arial" panose="020B0604020202020204" pitchFamily="34" charset="0"/>
               </a:rPr>
-              <a:t>1080x640 ground size, 10 robots</a:t>
+              <a:t>1080x640 ground size, 10 robots, </a:t>
+            </a:r>
+            <a:r>
+              <a:rPr lang="en-GB" altLang="zh-CN" sz="2400" dirty="0" err="1">
+                <a:latin typeface="Arial" panose="020B0604020202020204" pitchFamily="34" charset="0"/>
+              </a:rPr>
+              <a:t>init</a:t>
+            </a:r>
+            <a:r>
+              <a:rPr lang="en-GB" altLang="zh-CN" sz="2400" dirty="0">
+                <a:latin typeface="Arial" panose="020B0604020202020204" pitchFamily="34" charset="0"/>
+              </a:rPr>
+              <a:t> positions are known</a:t>
             </a:r>
           </a:p>
           <a:p>
@@ -17254,18 +17292,6 @@
               </a:rPr>
               <a:t>Metrics: mean square error (MSE)</a:t>
             </a:r>
-          </a:p>
-          <a:p>
-            <a:pPr marL="712788">
-              <a:lnSpc>
-                <a:spcPct val="100000"/>
-              </a:lnSpc>
-              <a:buFont typeface="Arial" panose="020B0604020202020204" pitchFamily="34" charset="0"/>
-              <a:buChar char="•"/>
-            </a:pPr>
-            <a:endParaRPr lang="en-GB" altLang="zh-CN" sz="2400" dirty="0">
-              <a:latin typeface="Arial" panose="020B0604020202020204" pitchFamily="34" charset="0"/>
-            </a:endParaRPr>
           </a:p>
           <a:p>
             <a:pPr marL="712788">
@@ -17847,7 +17873,7 @@
           </a:ln>
           <a:extLst>
             <a:ext uri="{C572A759-6A51-4108-AA02-DFA0A04FC94B}">
-              <ma14:wrappingTextBoxFlag xmlns:ma14="http://schemas.microsoft.com/office/mac/drawingml/2011/main" xmlns:a14="http://schemas.microsoft.com/office/drawing/2010/main" xmlns:m="http://schemas.openxmlformats.org/officeDocument/2006/math" xmlns="" val="1"/>
+              <ma14:wrappingTextBoxFlag xmlns="" xmlns:m="http://schemas.openxmlformats.org/officeDocument/2006/math" xmlns:a14="http://schemas.microsoft.com/office/drawing/2010/main" xmlns:ma14="http://schemas.microsoft.com/office/mac/drawingml/2011/main" val="1"/>
             </a:ext>
           </a:extLst>
         </p:spPr>
@@ -19135,6 +19161,45 @@
               </a:rPr>
               <a:t>How</a:t>
             </a:r>
+          </a:p>
+          <a:p>
+            <a:pPr marL="712788">
+              <a:lnSpc>
+                <a:spcPct val="250000"/>
+              </a:lnSpc>
+              <a:buFont typeface="Arial" panose="020B0604020202020204" pitchFamily="34" charset="0"/>
+              <a:buChar char="•"/>
+            </a:pPr>
+            <a:r>
+              <a:rPr lang="en-US" sz="2400" dirty="0">
+                <a:latin typeface="Arial" panose="020B0604020202020204" pitchFamily="34" charset="0"/>
+              </a:rPr>
+              <a:t>Integrated information from various sources often enhances the estimation accuracy and consequently strengthens the robustness of observations</a:t>
+            </a:r>
+            <a:endParaRPr lang="en-GB" sz="2400" dirty="0">
+              <a:latin typeface="Arial" panose="020B0604020202020204" pitchFamily="34" charset="0"/>
+            </a:endParaRPr>
+          </a:p>
+          <a:p>
+            <a:pPr marL="712788">
+              <a:lnSpc>
+                <a:spcPct val="250000"/>
+              </a:lnSpc>
+              <a:buFont typeface="Arial" panose="020B0604020202020204" pitchFamily="34" charset="0"/>
+              <a:buChar char="•"/>
+            </a:pPr>
+            <a:endParaRPr lang="en-GB" sz="2400" dirty="0">
+              <a:latin typeface="Arial" panose="020B0604020202020204" pitchFamily="34" charset="0"/>
+            </a:endParaRPr>
+          </a:p>
+          <a:p>
+            <a:pPr marL="712788">
+              <a:lnSpc>
+                <a:spcPct val="250000"/>
+              </a:lnSpc>
+              <a:buFont typeface="Arial" panose="020B0604020202020204" pitchFamily="34" charset="0"/>
+              <a:buChar char="•"/>
+            </a:pPr>
             <a:endParaRPr lang="en-GB" sz="2400" dirty="0"/>
           </a:p>
         </p:txBody>
@@ -19250,6 +19315,67 @@
                                           <p:spTgt spid="3">
                                             <p:txEl>
                                               <p:pRg st="0" end="0"/>
+                                            </p:txEl>
+                                          </p:spTgt>
+                                        </p:tgtEl>
+                                      </p:cBhvr>
+                                    </p:animEffect>
+                                  </p:childTnLst>
+                                </p:cTn>
+                              </p:par>
+                            </p:childTnLst>
+                          </p:cTn>
+                        </p:par>
+                      </p:childTnLst>
+                    </p:cTn>
+                  </p:par>
+                  <p:par>
+                    <p:cTn id="12" fill="hold">
+                      <p:stCondLst>
+                        <p:cond delay="indefinite"/>
+                      </p:stCondLst>
+                      <p:childTnLst>
+                        <p:par>
+                          <p:cTn id="13" fill="hold">
+                            <p:stCondLst>
+                              <p:cond delay="0"/>
+                            </p:stCondLst>
+                            <p:childTnLst>
+                              <p:par>
+                                <p:cTn id="14" presetID="10" presetClass="entr" presetSubtype="0" fill="hold" grpId="0" nodeType="clickEffect">
+                                  <p:stCondLst>
+                                    <p:cond delay="0"/>
+                                  </p:stCondLst>
+                                  <p:childTnLst>
+                                    <p:set>
+                                      <p:cBhvr>
+                                        <p:cTn id="15" dur="1" fill="hold">
+                                          <p:stCondLst>
+                                            <p:cond delay="0"/>
+                                          </p:stCondLst>
+                                        </p:cTn>
+                                        <p:tgtEl>
+                                          <p:spTgt spid="3">
+                                            <p:txEl>
+                                              <p:pRg st="1" end="1"/>
+                                            </p:txEl>
+                                          </p:spTgt>
+                                        </p:tgtEl>
+                                        <p:attrNameLst>
+                                          <p:attrName>style.visibility</p:attrName>
+                                        </p:attrNameLst>
+                                      </p:cBhvr>
+                                      <p:to>
+                                        <p:strVal val="visible"/>
+                                      </p:to>
+                                    </p:set>
+                                    <p:animEffect transition="in" filter="fade">
+                                      <p:cBhvr>
+                                        <p:cTn id="16" dur="500"/>
+                                        <p:tgtEl>
+                                          <p:spTgt spid="3">
+                                            <p:txEl>
+                                              <p:pRg st="1" end="1"/>
                                             </p:txEl>
                                           </p:spTgt>
                                         </p:tgtEl>
@@ -19819,7 +19945,7 @@
           </a:ln>
           <a:extLst>
             <a:ext uri="{C572A759-6A51-4108-AA02-DFA0A04FC94B}">
-              <ma14:wrappingTextBoxFlag xmlns="" xmlns:ma14="http://schemas.microsoft.com/office/mac/drawingml/2011/main" xmlns:a14="http://schemas.microsoft.com/office/drawing/2010/main" xmlns:m="http://schemas.openxmlformats.org/officeDocument/2006/math" val="1"/>
+              <ma14:wrappingTextBoxFlag xmlns:m="http://schemas.openxmlformats.org/officeDocument/2006/math" xmlns:a14="http://schemas.microsoft.com/office/drawing/2010/main" xmlns:ma14="http://schemas.microsoft.com/office/mac/drawingml/2011/main" xmlns="" val="1"/>
             </a:ext>
           </a:extLst>
         </p:spPr>
@@ -20460,7 +20586,7 @@
           </a:ln>
           <a:extLst>
             <a:ext uri="{C572A759-6A51-4108-AA02-DFA0A04FC94B}">
-              <ma14:wrappingTextBoxFlag xmlns:m="http://schemas.openxmlformats.org/officeDocument/2006/math" xmlns:a14="http://schemas.microsoft.com/office/drawing/2010/main" xmlns:ma14="http://schemas.microsoft.com/office/mac/drawingml/2011/main" xmlns="" val="1"/>
+              <ma14:wrappingTextBoxFlag xmlns="" xmlns:ma14="http://schemas.microsoft.com/office/mac/drawingml/2011/main" xmlns:a14="http://schemas.microsoft.com/office/drawing/2010/main" xmlns:m="http://schemas.openxmlformats.org/officeDocument/2006/math" val="1"/>
             </a:ext>
           </a:extLst>
         </p:spPr>
@@ -21122,7 +21248,7 @@
           </a:ln>
           <a:extLst>
             <a:ext uri="{C572A759-6A51-4108-AA02-DFA0A04FC94B}">
-              <ma14:wrappingTextBoxFlag xmlns="" xmlns:ma14="http://schemas.microsoft.com/office/mac/drawingml/2011/main" xmlns:a14="http://schemas.microsoft.com/office/drawing/2010/main" xmlns:m="http://schemas.openxmlformats.org/officeDocument/2006/math" val="1"/>
+              <ma14:wrappingTextBoxFlag xmlns:m="http://schemas.openxmlformats.org/officeDocument/2006/math" xmlns:a14="http://schemas.microsoft.com/office/drawing/2010/main" xmlns:ma14="http://schemas.microsoft.com/office/mac/drawingml/2011/main" xmlns="" val="1"/>
             </a:ext>
           </a:extLst>
         </p:spPr>
@@ -23812,25 +23938,6 @@
 </file>
 
 <file path=customXml/item2.xml><?xml version="1.0" encoding="utf-8"?>
-<p:properties xmlns:p="http://schemas.microsoft.com/office/2006/metadata/properties" xmlns:xsi="http://www.w3.org/2001/XMLSchema-instance" xmlns:pc="http://schemas.microsoft.com/office/infopath/2007/PartnerControls">
-  <documentManagement>
-    <SharedWithUsers xmlns="4878a322-d110-404d-8591-8977e4f7768d">
-      <UserInfo>
-        <DisplayName>Lea Stritzke</DisplayName>
-        <AccountId>8695</AccountId>
-        <AccountType/>
-      </UserInfo>
-      <UserInfo>
-        <DisplayName>Cas van Gemeren</DisplayName>
-        <AccountId>8697</AccountId>
-        <AccountType/>
-      </UserInfo>
-    </SharedWithUsers>
-  </documentManagement>
-</p:properties>
-</file>
-
-<file path=customXml/item3.xml><?xml version="1.0" encoding="utf-8"?>
 <ct:contentTypeSchema xmlns:ct="http://schemas.microsoft.com/office/2006/metadata/contentType" xmlns:ma="http://schemas.microsoft.com/office/2006/metadata/properties/metaAttributes" ct:_="" ma:_="" ma:contentTypeName="Document" ma:contentTypeID="0x01010051ED4DCF60591A44AAB3EE560AB47ABB" ma:contentTypeVersion="4" ma:contentTypeDescription="Een nieuw document maken." ma:contentTypeScope="" ma:versionID="82ac3a51116a7e2a5ddbdd1ed37f67c1">
   <xsd:schema xmlns:xsd="http://www.w3.org/2001/XMLSchema" xmlns:xs="http://www.w3.org/2001/XMLSchema" xmlns:p="http://schemas.microsoft.com/office/2006/metadata/properties" xmlns:ns2="0fee4eeb-e725-4e09-a2c6-b2e7e1963b2c" xmlns:ns3="4878a322-d110-404d-8591-8977e4f7768d" targetNamespace="http://schemas.microsoft.com/office/2006/metadata/properties" ma:root="true" ma:fieldsID="d0d60f5b3da63a431ec21b1780a4f539" ns2:_="" ns3:_="">
     <xsd:import namespace="0fee4eeb-e725-4e09-a2c6-b2e7e1963b2c"/>
@@ -23995,6 +24102,25 @@
 </ct:contentTypeSchema>
 </file>
 
+<file path=customXml/item3.xml><?xml version="1.0" encoding="utf-8"?>
+<p:properties xmlns:p="http://schemas.microsoft.com/office/2006/metadata/properties" xmlns:xsi="http://www.w3.org/2001/XMLSchema-instance" xmlns:pc="http://schemas.microsoft.com/office/infopath/2007/PartnerControls">
+  <documentManagement>
+    <SharedWithUsers xmlns="4878a322-d110-404d-8591-8977e4f7768d">
+      <UserInfo>
+        <DisplayName>Lea Stritzke</DisplayName>
+        <AccountId>8695</AccountId>
+        <AccountType/>
+      </UserInfo>
+      <UserInfo>
+        <DisplayName>Cas van Gemeren</DisplayName>
+        <AccountId>8697</AccountId>
+        <AccountType/>
+      </UserInfo>
+    </SharedWithUsers>
+  </documentManagement>
+</p:properties>
+</file>
+
 <file path=customXml/itemProps1.xml><?xml version="1.0" encoding="utf-8"?>
 <ds:datastoreItem xmlns:ds="http://schemas.openxmlformats.org/officeDocument/2006/customXml" ds:itemID="{AA0E60D1-47F0-4938-95EF-8D82199D5953}">
   <ds:schemaRefs>
@@ -24004,23 +24130,6 @@
 </file>
 
 <file path=customXml/itemProps2.xml><?xml version="1.0" encoding="utf-8"?>
-<ds:datastoreItem xmlns:ds="http://schemas.openxmlformats.org/officeDocument/2006/customXml" ds:itemID="{F5C1CCE6-C8A7-4511-AAE7-C62DEFECE697}">
-  <ds:schemaRefs>
-    <ds:schemaRef ds:uri="http://schemas.microsoft.com/office/2006/documentManagement/types"/>
-    <ds:schemaRef ds:uri="http://schemas.microsoft.com/office/infopath/2007/PartnerControls"/>
-    <ds:schemaRef ds:uri="http://www.w3.org/XML/1998/namespace"/>
-    <ds:schemaRef ds:uri="http://purl.org/dc/elements/1.1/"/>
-    <ds:schemaRef ds:uri="4878a322-d110-404d-8591-8977e4f7768d"/>
-    <ds:schemaRef ds:uri="http://purl.org/dc/dcmitype/"/>
-    <ds:schemaRef ds:uri="http://schemas.microsoft.com/office/2006/metadata/properties"/>
-    <ds:schemaRef ds:uri="http://purl.org/dc/terms/"/>
-    <ds:schemaRef ds:uri="http://schemas.openxmlformats.org/package/2006/metadata/core-properties"/>
-    <ds:schemaRef ds:uri="0fee4eeb-e725-4e09-a2c6-b2e7e1963b2c"/>
-  </ds:schemaRefs>
-</ds:datastoreItem>
-</file>
-
-<file path=customXml/itemProps3.xml><?xml version="1.0" encoding="utf-8"?>
 <ds:datastoreItem xmlns:ds="http://schemas.openxmlformats.org/officeDocument/2006/customXml" ds:itemID="{9AEE24FF-1891-44AF-970D-42F00AEE0D7A}">
   <ds:schemaRefs>
     <ds:schemaRef ds:uri="0fee4eeb-e725-4e09-a2c6-b2e7e1963b2c"/>
@@ -24037,4 +24146,21 @@
     <ds:schemaRef ds:uri="http://www.w3.org/2001/XMLSchema"/>
   </ds:schemaRefs>
 </ds:datastoreItem>
+</file>
+
+<file path=customXml/itemProps3.xml><?xml version="1.0" encoding="utf-8"?>
+<ds:datastoreItem xmlns:ds="http://schemas.openxmlformats.org/officeDocument/2006/customXml" ds:itemID="{F5C1CCE6-C8A7-4511-AAE7-C62DEFECE697}">
+  <ds:schemaRefs>
+    <ds:schemaRef ds:uri="http://schemas.microsoft.com/office/2006/documentManagement/types"/>
+    <ds:schemaRef ds:uri="http://schemas.microsoft.com/office/infopath/2007/PartnerControls"/>
+    <ds:schemaRef ds:uri="http://www.w3.org/XML/1998/namespace"/>
+    <ds:schemaRef ds:uri="http://purl.org/dc/elements/1.1/"/>
+    <ds:schemaRef ds:uri="4878a322-d110-404d-8591-8977e4f7768d"/>
+    <ds:schemaRef ds:uri="http://purl.org/dc/dcmitype/"/>
+    <ds:schemaRef ds:uri="http://schemas.microsoft.com/office/2006/metadata/properties"/>
+    <ds:schemaRef ds:uri="http://purl.org/dc/terms/"/>
+    <ds:schemaRef ds:uri="http://schemas.openxmlformats.org/package/2006/metadata/core-properties"/>
+    <ds:schemaRef ds:uri="0fee4eeb-e725-4e09-a2c6-b2e7e1963b2c"/>
+  </ds:schemaRefs>
+</ds:datastoreItem>
 </file>
--- a/paperwork/ppt/Ting_midterm.pptx
+++ b/paperwork/ppt/Ting_midterm.pptx
@@ -5,7 +5,7 @@
     <p:sldMasterId id="2147483648" r:id="rId4"/>
   </p:sldMasterIdLst>
   <p:notesMasterIdLst>
-    <p:notesMasterId r:id="rId27"/>
+    <p:notesMasterId r:id="rId31"/>
   </p:notesMasterIdLst>
   <p:sldIdLst>
     <p:sldId id="687" r:id="rId5"/>
@@ -16,20 +16,24 @@
     <p:sldId id="711" r:id="rId10"/>
     <p:sldId id="709" r:id="rId11"/>
     <p:sldId id="710" r:id="rId12"/>
-    <p:sldId id="712" r:id="rId13"/>
-    <p:sldId id="706" r:id="rId14"/>
-    <p:sldId id="726" r:id="rId15"/>
-    <p:sldId id="715" r:id="rId16"/>
-    <p:sldId id="725" r:id="rId17"/>
-    <p:sldId id="732" r:id="rId18"/>
-    <p:sldId id="728" r:id="rId19"/>
-    <p:sldId id="729" r:id="rId20"/>
-    <p:sldId id="733" r:id="rId21"/>
-    <p:sldId id="719" r:id="rId22"/>
-    <p:sldId id="730" r:id="rId23"/>
-    <p:sldId id="731" r:id="rId24"/>
-    <p:sldId id="724" r:id="rId25"/>
-    <p:sldId id="704" r:id="rId26"/>
+    <p:sldId id="737" r:id="rId13"/>
+    <p:sldId id="735" r:id="rId14"/>
+    <p:sldId id="736" r:id="rId15"/>
+    <p:sldId id="738" r:id="rId16"/>
+    <p:sldId id="712" r:id="rId17"/>
+    <p:sldId id="706" r:id="rId18"/>
+    <p:sldId id="726" r:id="rId19"/>
+    <p:sldId id="715" r:id="rId20"/>
+    <p:sldId id="725" r:id="rId21"/>
+    <p:sldId id="732" r:id="rId22"/>
+    <p:sldId id="728" r:id="rId23"/>
+    <p:sldId id="729" r:id="rId24"/>
+    <p:sldId id="733" r:id="rId25"/>
+    <p:sldId id="719" r:id="rId26"/>
+    <p:sldId id="730" r:id="rId27"/>
+    <p:sldId id="731" r:id="rId28"/>
+    <p:sldId id="724" r:id="rId29"/>
+    <p:sldId id="704" r:id="rId30"/>
   </p:sldIdLst>
   <p:sldSz cx="12192000" cy="6858000"/>
   <p:notesSz cx="6858000" cy="9144000"/>
@@ -605,6 +609,449 @@
       </p:grpSpPr>
       <p:sp>
         <p:nvSpPr>
+          <p:cNvPr id="2" name="Slide Image Placeholder 1"/>
+          <p:cNvSpPr>
+            <a:spLocks noGrp="1" noRot="1" noChangeAspect="1"/>
+          </p:cNvSpPr>
+          <p:nvPr>
+            <p:ph type="sldImg"/>
+          </p:nvPr>
+        </p:nvSpPr>
+        <p:spPr>
+          <a:xfrm>
+            <a:off x="381000" y="685800"/>
+            <a:ext cx="6096000" cy="3429000"/>
+          </a:xfrm>
+        </p:spPr>
+      </p:sp>
+      <p:sp>
+        <p:nvSpPr>
+          <p:cNvPr id="3" name="Notes Placeholder 2"/>
+          <p:cNvSpPr>
+            <a:spLocks noGrp="1"/>
+          </p:cNvSpPr>
+          <p:nvPr>
+            <p:ph type="body" idx="1"/>
+          </p:nvPr>
+        </p:nvSpPr>
+        <p:spPr/>
+        <p:txBody>
+          <a:bodyPr/>
+          <a:lstStyle/>
+          <a:p>
+            <a:r>
+              <a:rPr lang="en-GB" altLang="zh-CN" dirty="0"/>
+              <a:t>However, those cameras are not 100% reliable.</a:t>
+            </a:r>
+          </a:p>
+          <a:p>
+            <a:endParaRPr lang="en-GB" altLang="zh-CN" dirty="0"/>
+          </a:p>
+          <a:p>
+            <a:r>
+              <a:rPr lang="en-GB" altLang="zh-CN" dirty="0"/>
+              <a:t>when objects are too close to each other, the camera can’t identify them, they are merged into one single object, causing some robot being untracked.</a:t>
+            </a:r>
+          </a:p>
+          <a:p>
+            <a:endParaRPr lang="en-GB" altLang="zh-CN" dirty="0"/>
+          </a:p>
+          <a:p>
+            <a:r>
+              <a:rPr lang="en-GB" altLang="zh-CN" dirty="0"/>
+              <a:t>Moreover, data missing sometime happen due to the environment light. And noise is also exists.</a:t>
+            </a:r>
+          </a:p>
+        </p:txBody>
+      </p:sp>
+    </p:spTree>
+    <p:extLst>
+      <p:ext uri="{BB962C8B-B14F-4D97-AF65-F5344CB8AC3E}">
+        <p14:creationId xmlns:p14="http://schemas.microsoft.com/office/powerpoint/2010/main" val="3444079264"/>
+      </p:ext>
+    </p:extLst>
+  </p:cSld>
+  <p:clrMapOvr>
+    <a:masterClrMapping/>
+  </p:clrMapOvr>
+</p:notes>
+</file>
+
+<file path=ppt/notesSlides/notesSlide11.xml><?xml version="1.0" encoding="utf-8"?>
+<p:notes xmlns:a="http://schemas.openxmlformats.org/drawingml/2006/main" xmlns:r="http://schemas.openxmlformats.org/officeDocument/2006/relationships" xmlns:p="http://schemas.openxmlformats.org/presentationml/2006/main">
+  <p:cSld>
+    <p:spTree>
+      <p:nvGrpSpPr>
+        <p:cNvPr id="1" name=""/>
+        <p:cNvGrpSpPr/>
+        <p:nvPr/>
+      </p:nvGrpSpPr>
+      <p:grpSpPr>
+        <a:xfrm>
+          <a:off x="0" y="0"/>
+          <a:ext cx="0" cy="0"/>
+          <a:chOff x="0" y="0"/>
+          <a:chExt cx="0" cy="0"/>
+        </a:xfrm>
+      </p:grpSpPr>
+      <p:sp>
+        <p:nvSpPr>
+          <p:cNvPr id="2" name="Slide Image Placeholder 1"/>
+          <p:cNvSpPr>
+            <a:spLocks noGrp="1" noRot="1" noChangeAspect="1"/>
+          </p:cNvSpPr>
+          <p:nvPr>
+            <p:ph type="sldImg"/>
+          </p:nvPr>
+        </p:nvSpPr>
+        <p:spPr>
+          <a:xfrm>
+            <a:off x="381000" y="685800"/>
+            <a:ext cx="6096000" cy="3429000"/>
+          </a:xfrm>
+        </p:spPr>
+      </p:sp>
+      <p:sp>
+        <p:nvSpPr>
+          <p:cNvPr id="3" name="Notes Placeholder 2"/>
+          <p:cNvSpPr>
+            <a:spLocks noGrp="1"/>
+          </p:cNvSpPr>
+          <p:nvPr>
+            <p:ph type="body" idx="1"/>
+          </p:nvPr>
+        </p:nvSpPr>
+        <p:spPr/>
+        <p:txBody>
+          <a:bodyPr/>
+          <a:lstStyle/>
+          <a:p>
+            <a:r>
+              <a:rPr lang="en-GB" dirty="0"/>
+              <a:t>The real-time information become untracked if objects are too close</a:t>
+            </a:r>
+          </a:p>
+          <a:p>
+            <a:endParaRPr lang="en-GB" dirty="0"/>
+          </a:p>
+          <a:p>
+            <a:endParaRPr lang="en-GB" dirty="0"/>
+          </a:p>
+        </p:txBody>
+      </p:sp>
+    </p:spTree>
+    <p:extLst>
+      <p:ext uri="{BB962C8B-B14F-4D97-AF65-F5344CB8AC3E}">
+        <p14:creationId xmlns:p14="http://schemas.microsoft.com/office/powerpoint/2010/main" val="2254758394"/>
+      </p:ext>
+    </p:extLst>
+  </p:cSld>
+  <p:clrMapOvr>
+    <a:masterClrMapping/>
+  </p:clrMapOvr>
+</p:notes>
+</file>
+
+<file path=ppt/notesSlides/notesSlide12.xml><?xml version="1.0" encoding="utf-8"?>
+<p:notes xmlns:a="http://schemas.openxmlformats.org/drawingml/2006/main" xmlns:r="http://schemas.openxmlformats.org/officeDocument/2006/relationships" xmlns:p="http://schemas.openxmlformats.org/presentationml/2006/main">
+  <p:cSld>
+    <p:spTree>
+      <p:nvGrpSpPr>
+        <p:cNvPr id="1" name=""/>
+        <p:cNvGrpSpPr/>
+        <p:nvPr/>
+      </p:nvGrpSpPr>
+      <p:grpSpPr>
+        <a:xfrm>
+          <a:off x="0" y="0"/>
+          <a:ext cx="0" cy="0"/>
+          <a:chOff x="0" y="0"/>
+          <a:chExt cx="0" cy="0"/>
+        </a:xfrm>
+      </p:grpSpPr>
+      <p:sp>
+        <p:nvSpPr>
+          <p:cNvPr id="2" name="Slide Image Placeholder 1"/>
+          <p:cNvSpPr>
+            <a:spLocks noGrp="1" noRot="1" noChangeAspect="1"/>
+          </p:cNvSpPr>
+          <p:nvPr>
+            <p:ph type="sldImg"/>
+          </p:nvPr>
+        </p:nvSpPr>
+        <p:spPr>
+          <a:xfrm>
+            <a:off x="381000" y="685800"/>
+            <a:ext cx="6096000" cy="3429000"/>
+          </a:xfrm>
+        </p:spPr>
+      </p:sp>
+      <p:sp>
+        <p:nvSpPr>
+          <p:cNvPr id="3" name="Notes Placeholder 2"/>
+          <p:cNvSpPr>
+            <a:spLocks noGrp="1"/>
+          </p:cNvSpPr>
+          <p:nvPr>
+            <p:ph type="body" idx="1"/>
+          </p:nvPr>
+        </p:nvSpPr>
+        <p:spPr/>
+        <p:txBody>
+          <a:bodyPr/>
+          <a:lstStyle/>
+          <a:p>
+            <a:r>
+              <a:rPr lang="en-GB" dirty="0"/>
+              <a:t>The camera noise is relatively small, so the main bias from the camera side is the </a:t>
+            </a:r>
+            <a:r>
+              <a:rPr lang="en-GB"/>
+              <a:t>merging situation.</a:t>
+            </a:r>
+            <a:endParaRPr lang="en-GB" dirty="0"/>
+          </a:p>
+          <a:p>
+            <a:endParaRPr lang="en-GB" dirty="0"/>
+          </a:p>
+          <a:p>
+            <a:endParaRPr lang="en-GB" dirty="0"/>
+          </a:p>
+        </p:txBody>
+      </p:sp>
+    </p:spTree>
+    <p:extLst>
+      <p:ext uri="{BB962C8B-B14F-4D97-AF65-F5344CB8AC3E}">
+        <p14:creationId xmlns:p14="http://schemas.microsoft.com/office/powerpoint/2010/main" val="1511451623"/>
+      </p:ext>
+    </p:extLst>
+  </p:cSld>
+  <p:clrMapOvr>
+    <a:masterClrMapping/>
+  </p:clrMapOvr>
+</p:notes>
+</file>
+
+<file path=ppt/notesSlides/notesSlide13.xml><?xml version="1.0" encoding="utf-8"?>
+<p:notes xmlns:a="http://schemas.openxmlformats.org/drawingml/2006/main" xmlns:r="http://schemas.openxmlformats.org/officeDocument/2006/relationships" xmlns:p="http://schemas.openxmlformats.org/presentationml/2006/main">
+  <p:cSld>
+    <p:spTree>
+      <p:nvGrpSpPr>
+        <p:cNvPr id="1" name=""/>
+        <p:cNvGrpSpPr/>
+        <p:nvPr/>
+      </p:nvGrpSpPr>
+      <p:grpSpPr>
+        <a:xfrm>
+          <a:off x="0" y="0"/>
+          <a:ext cx="0" cy="0"/>
+          <a:chOff x="0" y="0"/>
+          <a:chExt cx="0" cy="0"/>
+        </a:xfrm>
+      </p:grpSpPr>
+      <p:sp>
+        <p:nvSpPr>
+          <p:cNvPr id="2" name="Slide Image Placeholder 1"/>
+          <p:cNvSpPr>
+            <a:spLocks noGrp="1" noRot="1" noChangeAspect="1"/>
+          </p:cNvSpPr>
+          <p:nvPr>
+            <p:ph type="sldImg"/>
+          </p:nvPr>
+        </p:nvSpPr>
+        <p:spPr>
+          <a:xfrm>
+            <a:off x="381000" y="685800"/>
+            <a:ext cx="6096000" cy="3429000"/>
+          </a:xfrm>
+        </p:spPr>
+      </p:sp>
+      <p:sp>
+        <p:nvSpPr>
+          <p:cNvPr id="3" name="Notes Placeholder 2"/>
+          <p:cNvSpPr>
+            <a:spLocks noGrp="1"/>
+          </p:cNvSpPr>
+          <p:nvPr>
+            <p:ph type="body" idx="1"/>
+          </p:nvPr>
+        </p:nvSpPr>
+        <p:spPr/>
+        <p:txBody>
+          <a:bodyPr/>
+          <a:lstStyle/>
+          <a:p>
+            <a:r>
+              <a:rPr lang="en-GB" dirty="0"/>
+              <a:t>Based on above description, we can give the state-space model of the robot, and localization system block diagram.</a:t>
+            </a:r>
+          </a:p>
+          <a:p>
+            <a:endParaRPr lang="en-GB" dirty="0"/>
+          </a:p>
+          <a:p>
+            <a:r>
+              <a:rPr lang="en-GB" dirty="0"/>
+              <a:t>The first line is the state transition function. The second line is the observation function, since we have multiple sensors, the </a:t>
+            </a:r>
+            <a:r>
+              <a:rPr lang="en-GB" dirty="0" err="1"/>
+              <a:t>i</a:t>
+            </a:r>
+            <a:r>
+              <a:rPr lang="en-GB" dirty="0"/>
+              <a:t> stands for the sensor index. </a:t>
+            </a:r>
+          </a:p>
+          <a:p>
+            <a:endParaRPr lang="en-GB" dirty="0"/>
+          </a:p>
+          <a:p>
+            <a:r>
+              <a:rPr lang="en-GB" dirty="0"/>
+              <a:t>The </a:t>
+            </a:r>
+            <a:r>
+              <a:rPr lang="en-GB" dirty="0" err="1"/>
+              <a:t>gamme</a:t>
+            </a:r>
+            <a:r>
+              <a:rPr lang="en-GB" dirty="0"/>
+              <a:t> </a:t>
+            </a:r>
+            <a:r>
+              <a:rPr lang="en-GB" dirty="0" err="1"/>
+              <a:t>i</a:t>
+            </a:r>
+            <a:r>
+              <a:rPr lang="en-GB" dirty="0"/>
+              <a:t> </a:t>
+            </a:r>
+            <a:r>
+              <a:rPr lang="en-US" dirty="0"/>
+              <a:t>of</a:t>
+            </a:r>
+            <a:r>
+              <a:rPr lang="zh-CN" altLang="en-US" dirty="0"/>
+              <a:t> </a:t>
+            </a:r>
+            <a:r>
+              <a:rPr lang="en-US" altLang="zh-CN" dirty="0"/>
+              <a:t>k</a:t>
+            </a:r>
+            <a:r>
+              <a:rPr lang="zh-CN" altLang="en-US" dirty="0"/>
+              <a:t> </a:t>
+            </a:r>
+            <a:r>
+              <a:rPr lang="en-US" altLang="zh-CN" dirty="0"/>
+              <a:t>here</a:t>
+            </a:r>
+            <a:r>
+              <a:rPr lang="zh-CN" altLang="en-US" dirty="0"/>
+              <a:t> </a:t>
+            </a:r>
+            <a:r>
+              <a:rPr lang="en-US" altLang="zh-CN" dirty="0"/>
+              <a:t>is stochastic process, it models</a:t>
+            </a:r>
+            <a:r>
+              <a:rPr lang="zh-CN" altLang="en-US" dirty="0"/>
+              <a:t> </a:t>
+            </a:r>
+            <a:r>
+              <a:rPr lang="en-US" altLang="zh-CN" dirty="0"/>
+              <a:t>the</a:t>
+            </a:r>
+            <a:r>
+              <a:rPr lang="zh-CN" altLang="en-US" dirty="0"/>
+              <a:t> </a:t>
+            </a:r>
+            <a:r>
+              <a:rPr lang="en-US" altLang="zh-CN" dirty="0"/>
+              <a:t>sensor</a:t>
+            </a:r>
+            <a:r>
+              <a:rPr lang="zh-CN" altLang="en-US" dirty="0"/>
+              <a:t> </a:t>
+            </a:r>
+            <a:r>
+              <a:rPr lang="en-US" altLang="zh-CN" dirty="0"/>
+              <a:t>data</a:t>
+            </a:r>
+            <a:r>
+              <a:rPr lang="zh-CN" altLang="en-US" dirty="0"/>
+              <a:t> </a:t>
+            </a:r>
+            <a:r>
+              <a:rPr lang="en-US" altLang="zh-CN" dirty="0"/>
+              <a:t>drop, this factor could be 1 or 0, showing whether the measurement is missing.</a:t>
+            </a:r>
+          </a:p>
+          <a:p>
+            <a:endParaRPr lang="en-US" altLang="zh-CN" dirty="0"/>
+          </a:p>
+          <a:p>
+            <a:r>
+              <a:rPr lang="en-US" altLang="zh-CN" dirty="0"/>
+              <a:t>With this state-space model, we can give the system block diagram, for a given termination, robot will generate control input u(k) through f_1</a:t>
+            </a:r>
+          </a:p>
+          <a:p>
+            <a:endParaRPr lang="en-US" altLang="zh-CN" dirty="0"/>
+          </a:p>
+          <a:p>
+            <a:r>
+              <a:rPr lang="en-US" altLang="zh-CN" dirty="0"/>
+              <a:t>after the execution, the system output, location can be sensed by both odometry and camera. By applying a data fusion technique, we can generate a relatively accurate estimation to create the new control input u(k+1).</a:t>
+            </a:r>
+          </a:p>
+          <a:p>
+            <a:endParaRPr lang="en-US" altLang="zh-CN" dirty="0"/>
+          </a:p>
+          <a:p>
+            <a:endParaRPr lang="en-US" altLang="zh-CN" dirty="0"/>
+          </a:p>
+          <a:p>
+            <a:endParaRPr lang="en-US" dirty="0"/>
+          </a:p>
+          <a:p>
+            <a:endParaRPr lang="en-GB" dirty="0"/>
+          </a:p>
+        </p:txBody>
+      </p:sp>
+    </p:spTree>
+    <p:extLst>
+      <p:ext uri="{BB962C8B-B14F-4D97-AF65-F5344CB8AC3E}">
+        <p14:creationId xmlns:p14="http://schemas.microsoft.com/office/powerpoint/2010/main" val="3439432166"/>
+      </p:ext>
+    </p:extLst>
+  </p:cSld>
+  <p:clrMapOvr>
+    <a:masterClrMapping/>
+  </p:clrMapOvr>
+</p:notes>
+</file>
+
+<file path=ppt/notesSlides/notesSlide14.xml><?xml version="1.0" encoding="utf-8"?>
+<p:notes xmlns:a="http://schemas.openxmlformats.org/drawingml/2006/main" xmlns:r="http://schemas.openxmlformats.org/officeDocument/2006/relationships" xmlns:p="http://schemas.openxmlformats.org/presentationml/2006/main">
+  <p:cSld>
+    <p:spTree>
+      <p:nvGrpSpPr>
+        <p:cNvPr id="1" name=""/>
+        <p:cNvGrpSpPr/>
+        <p:nvPr/>
+      </p:nvGrpSpPr>
+      <p:grpSpPr>
+        <a:xfrm>
+          <a:off x="0" y="0"/>
+          <a:ext cx="0" cy="0"/>
+          <a:chOff x="0" y="0"/>
+          <a:chExt cx="0" cy="0"/>
+        </a:xfrm>
+      </p:grpSpPr>
+      <p:sp>
+        <p:nvSpPr>
           <p:cNvPr id="2" name="Tijdelijke aanduiding voor dia-afbeelding 1"/>
           <p:cNvSpPr>
             <a:spLocks noGrp="1" noRot="1" noChangeAspect="1"/>
@@ -659,7 +1106,7 @@
           <a:p>
             <a:fld id="{EA88A791-D8E8-4C23-A528-EAEB42DC40E7}" type="slidenum">
               <a:rPr lang="nl-NL" smtClean="0"/>
-              <a:t>10</a:t>
+              <a:t>14</a:t>
             </a:fld>
             <a:endParaRPr lang="nl-NL"/>
           </a:p>
@@ -678,7 +1125,7 @@
 </p:notes>
 </file>
 
-<file path=ppt/notesSlides/notesSlide11.xml><?xml version="1.0" encoding="utf-8"?>
+<file path=ppt/notesSlides/notesSlide15.xml><?xml version="1.0" encoding="utf-8"?>
 <p:notes xmlns:a="http://schemas.openxmlformats.org/drawingml/2006/main" xmlns:r="http://schemas.openxmlformats.org/officeDocument/2006/relationships" xmlns:p="http://schemas.openxmlformats.org/presentationml/2006/main">
   <p:cSld>
     <p:spTree>
@@ -774,7 +1221,7 @@
 </p:notes>
 </file>
 
-<file path=ppt/notesSlides/notesSlide12.xml><?xml version="1.0" encoding="utf-8"?>
+<file path=ppt/notesSlides/notesSlide16.xml><?xml version="1.0" encoding="utf-8"?>
 <p:notes xmlns:a="http://schemas.openxmlformats.org/drawingml/2006/main" xmlns:r="http://schemas.openxmlformats.org/officeDocument/2006/relationships" xmlns:p="http://schemas.openxmlformats.org/presentationml/2006/main">
   <p:cSld>
     <p:spTree>
@@ -870,7 +1317,7 @@
 </p:notes>
 </file>
 
-<file path=ppt/notesSlides/notesSlide13.xml><?xml version="1.0" encoding="utf-8"?>
+<file path=ppt/notesSlides/notesSlide17.xml><?xml version="1.0" encoding="utf-8"?>
 <p:notes xmlns:a="http://schemas.openxmlformats.org/drawingml/2006/main" xmlns:r="http://schemas.openxmlformats.org/officeDocument/2006/relationships" xmlns:p="http://schemas.openxmlformats.org/presentationml/2006/main">
   <p:cSld>
     <p:spTree>
@@ -970,7 +1417,7 @@
 </p:notes>
 </file>
 
-<file path=ppt/notesSlides/notesSlide14.xml><?xml version="1.0" encoding="utf-8"?>
+<file path=ppt/notesSlides/notesSlide18.xml><?xml version="1.0" encoding="utf-8"?>
 <p:notes xmlns:a="http://schemas.openxmlformats.org/drawingml/2006/main" xmlns:r="http://schemas.openxmlformats.org/officeDocument/2006/relationships" xmlns:p="http://schemas.openxmlformats.org/presentationml/2006/main">
   <p:cSld>
     <p:spTree>
@@ -1062,7 +1509,7 @@
 </p:notes>
 </file>
 
-<file path=ppt/notesSlides/notesSlide15.xml><?xml version="1.0" encoding="utf-8"?>
+<file path=ppt/notesSlides/notesSlide19.xml><?xml version="1.0" encoding="utf-8"?>
 <p:notes xmlns:a="http://schemas.openxmlformats.org/drawingml/2006/main" xmlns:r="http://schemas.openxmlformats.org/officeDocument/2006/relationships" xmlns:p="http://schemas.openxmlformats.org/presentationml/2006/main">
   <p:cSld>
     <p:spTree>
@@ -1146,376 +1593,6 @@
     <p:extLst>
       <p:ext uri="{BB962C8B-B14F-4D97-AF65-F5344CB8AC3E}">
         <p14:creationId xmlns:p14="http://schemas.microsoft.com/office/powerpoint/2010/main" val="3171354575"/>
-      </p:ext>
-    </p:extLst>
-  </p:cSld>
-  <p:clrMapOvr>
-    <a:masterClrMapping/>
-  </p:clrMapOvr>
-</p:notes>
-</file>
-
-<file path=ppt/notesSlides/notesSlide16.xml><?xml version="1.0" encoding="utf-8"?>
-<p:notes xmlns:a="http://schemas.openxmlformats.org/drawingml/2006/main" xmlns:r="http://schemas.openxmlformats.org/officeDocument/2006/relationships" xmlns:p="http://schemas.openxmlformats.org/presentationml/2006/main">
-  <p:cSld>
-    <p:spTree>
-      <p:nvGrpSpPr>
-        <p:cNvPr id="1" name=""/>
-        <p:cNvGrpSpPr/>
-        <p:nvPr/>
-      </p:nvGrpSpPr>
-      <p:grpSpPr>
-        <a:xfrm>
-          <a:off x="0" y="0"/>
-          <a:ext cx="0" cy="0"/>
-          <a:chOff x="0" y="0"/>
-          <a:chExt cx="0" cy="0"/>
-        </a:xfrm>
-      </p:grpSpPr>
-      <p:sp>
-        <p:nvSpPr>
-          <p:cNvPr id="2" name="Slide Image Placeholder 1"/>
-          <p:cNvSpPr>
-            <a:spLocks noGrp="1" noRot="1" noChangeAspect="1"/>
-          </p:cNvSpPr>
-          <p:nvPr>
-            <p:ph type="sldImg"/>
-          </p:nvPr>
-        </p:nvSpPr>
-        <p:spPr>
-          <a:xfrm>
-            <a:off x="381000" y="685800"/>
-            <a:ext cx="6096000" cy="3429000"/>
-          </a:xfrm>
-        </p:spPr>
-      </p:sp>
-      <p:sp>
-        <p:nvSpPr>
-          <p:cNvPr id="3" name="Notes Placeholder 2"/>
-          <p:cNvSpPr>
-            <a:spLocks noGrp="1"/>
-          </p:cNvSpPr>
-          <p:nvPr>
-            <p:ph type="body" idx="1"/>
-          </p:nvPr>
-        </p:nvSpPr>
-        <p:spPr/>
-        <p:txBody>
-          <a:bodyPr/>
-          <a:lstStyle/>
-          <a:p>
-            <a:r>
-              <a:rPr lang="en-GB" dirty="0"/>
-              <a:t>The alternative is using a Ordered Weighted Averaging operator to combine two estimation</a:t>
-            </a:r>
-          </a:p>
-          <a:p>
-            <a:endParaRPr lang="en-GB" dirty="0"/>
-          </a:p>
-          <a:p>
-            <a:r>
-              <a:rPr lang="en-GB" dirty="0"/>
-              <a:t>The OWA operator will work when both measurement are available. </a:t>
-            </a:r>
-          </a:p>
-        </p:txBody>
-      </p:sp>
-    </p:spTree>
-    <p:extLst>
-      <p:ext uri="{BB962C8B-B14F-4D97-AF65-F5344CB8AC3E}">
-        <p14:creationId xmlns:p14="http://schemas.microsoft.com/office/powerpoint/2010/main" val="2044259201"/>
-      </p:ext>
-    </p:extLst>
-  </p:cSld>
-  <p:clrMapOvr>
-    <a:masterClrMapping/>
-  </p:clrMapOvr>
-</p:notes>
-</file>
-
-<file path=ppt/notesSlides/notesSlide17.xml><?xml version="1.0" encoding="utf-8"?>
-<p:notes xmlns:a="http://schemas.openxmlformats.org/drawingml/2006/main" xmlns:r="http://schemas.openxmlformats.org/officeDocument/2006/relationships" xmlns:p="http://schemas.openxmlformats.org/presentationml/2006/main">
-  <p:cSld>
-    <p:spTree>
-      <p:nvGrpSpPr>
-        <p:cNvPr id="1" name=""/>
-        <p:cNvGrpSpPr/>
-        <p:nvPr/>
-      </p:nvGrpSpPr>
-      <p:grpSpPr>
-        <a:xfrm>
-          <a:off x="0" y="0"/>
-          <a:ext cx="0" cy="0"/>
-          <a:chOff x="0" y="0"/>
-          <a:chExt cx="0" cy="0"/>
-        </a:xfrm>
-      </p:grpSpPr>
-      <p:sp>
-        <p:nvSpPr>
-          <p:cNvPr id="2" name="Slide Image Placeholder 1"/>
-          <p:cNvSpPr>
-            <a:spLocks noGrp="1" noRot="1" noChangeAspect="1"/>
-          </p:cNvSpPr>
-          <p:nvPr>
-            <p:ph type="sldImg"/>
-          </p:nvPr>
-        </p:nvSpPr>
-        <p:spPr>
-          <a:xfrm>
-            <a:off x="381000" y="685800"/>
-            <a:ext cx="6096000" cy="3429000"/>
-          </a:xfrm>
-        </p:spPr>
-      </p:sp>
-      <p:sp>
-        <p:nvSpPr>
-          <p:cNvPr id="3" name="Notes Placeholder 2"/>
-          <p:cNvSpPr>
-            <a:spLocks noGrp="1"/>
-          </p:cNvSpPr>
-          <p:nvPr>
-            <p:ph type="body" idx="1"/>
-          </p:nvPr>
-        </p:nvSpPr>
-        <p:spPr/>
-        <p:txBody>
-          <a:bodyPr/>
-          <a:lstStyle/>
-          <a:p>
-            <a:r>
-              <a:rPr lang="en-GB" dirty="0"/>
-              <a:t>The weight of each branch can be determined using the following way.</a:t>
-            </a:r>
-          </a:p>
-          <a:p>
-            <a:endParaRPr lang="en-GB" dirty="0"/>
-          </a:p>
-          <a:p>
-            <a:r>
-              <a:rPr lang="en-GB" dirty="0"/>
-              <a:t>The main idea of this is if one sensor has larger accumulated error, the weight will decrease.</a:t>
-            </a:r>
-          </a:p>
-          <a:p>
-            <a:endParaRPr lang="en-GB" dirty="0"/>
-          </a:p>
-          <a:p>
-            <a:r>
-              <a:rPr lang="en-GB" dirty="0"/>
-              <a:t>With the OWA style, the estimation may outperform than the estimation made by cascade style, because the error from odometry will grow larger while the camera are more accurate than the odometry.</a:t>
-            </a:r>
-          </a:p>
-          <a:p>
-            <a:endParaRPr lang="en-GB" dirty="0"/>
-          </a:p>
-          <a:p>
-            <a:endParaRPr lang="en-GB" dirty="0"/>
-          </a:p>
-          <a:p>
-            <a:endParaRPr lang="en-GB" dirty="0"/>
-          </a:p>
-        </p:txBody>
-      </p:sp>
-    </p:spTree>
-    <p:extLst>
-      <p:ext uri="{BB962C8B-B14F-4D97-AF65-F5344CB8AC3E}">
-        <p14:creationId xmlns:p14="http://schemas.microsoft.com/office/powerpoint/2010/main" val="653479900"/>
-      </p:ext>
-    </p:extLst>
-  </p:cSld>
-  <p:clrMapOvr>
-    <a:masterClrMapping/>
-  </p:clrMapOvr>
-</p:notes>
-</file>
-
-<file path=ppt/notesSlides/notesSlide18.xml><?xml version="1.0" encoding="utf-8"?>
-<p:notes xmlns:a="http://schemas.openxmlformats.org/drawingml/2006/main" xmlns:r="http://schemas.openxmlformats.org/officeDocument/2006/relationships" xmlns:p="http://schemas.openxmlformats.org/presentationml/2006/main">
-  <p:cSld>
-    <p:spTree>
-      <p:nvGrpSpPr>
-        <p:cNvPr id="1" name=""/>
-        <p:cNvGrpSpPr/>
-        <p:nvPr/>
-      </p:nvGrpSpPr>
-      <p:grpSpPr>
-        <a:xfrm>
-          <a:off x="0" y="0"/>
-          <a:ext cx="0" cy="0"/>
-          <a:chOff x="0" y="0"/>
-          <a:chExt cx="0" cy="0"/>
-        </a:xfrm>
-      </p:grpSpPr>
-      <p:sp>
-        <p:nvSpPr>
-          <p:cNvPr id="2" name="Tijdelijke aanduiding voor dia-afbeelding 1"/>
-          <p:cNvSpPr>
-            <a:spLocks noGrp="1" noRot="1" noChangeAspect="1"/>
-          </p:cNvSpPr>
-          <p:nvPr>
-            <p:ph type="sldImg"/>
-          </p:nvPr>
-        </p:nvSpPr>
-        <p:spPr>
-          <a:xfrm>
-            <a:off x="381000" y="685800"/>
-            <a:ext cx="6096000" cy="3429000"/>
-          </a:xfrm>
-        </p:spPr>
-      </p:sp>
-      <p:sp>
-        <p:nvSpPr>
-          <p:cNvPr id="3" name="Tijdelijke aanduiding voor notities 2"/>
-          <p:cNvSpPr>
-            <a:spLocks noGrp="1"/>
-          </p:cNvSpPr>
-          <p:nvPr>
-            <p:ph type="body" idx="1"/>
-          </p:nvPr>
-        </p:nvSpPr>
-        <p:spPr/>
-        <p:txBody>
-          <a:bodyPr/>
-          <a:lstStyle/>
-          <a:p>
-            <a:r>
-              <a:rPr lang="en-GB" dirty="0"/>
-              <a:t>Based on previous discussion, several experiments were conducted</a:t>
-            </a:r>
-          </a:p>
-        </p:txBody>
-      </p:sp>
-      <p:sp>
-        <p:nvSpPr>
-          <p:cNvPr id="4" name="Tijdelijke aanduiding voor dianummer 3"/>
-          <p:cNvSpPr>
-            <a:spLocks noGrp="1"/>
-          </p:cNvSpPr>
-          <p:nvPr>
-            <p:ph type="sldNum" sz="quarter" idx="5"/>
-          </p:nvPr>
-        </p:nvSpPr>
-        <p:spPr/>
-        <p:txBody>
-          <a:bodyPr/>
-          <a:lstStyle/>
-          <a:p>
-            <a:fld id="{EA88A791-D8E8-4C23-A528-EAEB42DC40E7}" type="slidenum">
-              <a:rPr lang="nl-NL" smtClean="0"/>
-              <a:t>18</a:t>
-            </a:fld>
-            <a:endParaRPr lang="nl-NL"/>
-          </a:p>
-        </p:txBody>
-      </p:sp>
-    </p:spTree>
-    <p:extLst>
-      <p:ext uri="{BB962C8B-B14F-4D97-AF65-F5344CB8AC3E}">
-        <p14:creationId xmlns:p14="http://schemas.microsoft.com/office/powerpoint/2010/main" val="3774953011"/>
-      </p:ext>
-    </p:extLst>
-  </p:cSld>
-  <p:clrMapOvr>
-    <a:masterClrMapping/>
-  </p:clrMapOvr>
-</p:notes>
-</file>
-
-<file path=ppt/notesSlides/notesSlide19.xml><?xml version="1.0" encoding="utf-8"?>
-<p:notes xmlns:a="http://schemas.openxmlformats.org/drawingml/2006/main" xmlns:r="http://schemas.openxmlformats.org/officeDocument/2006/relationships" xmlns:p="http://schemas.openxmlformats.org/presentationml/2006/main">
-  <p:cSld>
-    <p:spTree>
-      <p:nvGrpSpPr>
-        <p:cNvPr id="1" name=""/>
-        <p:cNvGrpSpPr/>
-        <p:nvPr/>
-      </p:nvGrpSpPr>
-      <p:grpSpPr>
-        <a:xfrm>
-          <a:off x="0" y="0"/>
-          <a:ext cx="0" cy="0"/>
-          <a:chOff x="0" y="0"/>
-          <a:chExt cx="0" cy="0"/>
-        </a:xfrm>
-      </p:grpSpPr>
-      <p:sp>
-        <p:nvSpPr>
-          <p:cNvPr id="2" name="Slide Image Placeholder 1"/>
-          <p:cNvSpPr>
-            <a:spLocks noGrp="1" noRot="1" noChangeAspect="1"/>
-          </p:cNvSpPr>
-          <p:nvPr>
-            <p:ph type="sldImg"/>
-          </p:nvPr>
-        </p:nvSpPr>
-        <p:spPr>
-          <a:xfrm>
-            <a:off x="381000" y="685800"/>
-            <a:ext cx="6096000" cy="3429000"/>
-          </a:xfrm>
-        </p:spPr>
-      </p:sp>
-      <p:sp>
-        <p:nvSpPr>
-          <p:cNvPr id="3" name="Notes Placeholder 2"/>
-          <p:cNvSpPr>
-            <a:spLocks noGrp="1"/>
-          </p:cNvSpPr>
-          <p:nvPr>
-            <p:ph type="body" idx="1"/>
-          </p:nvPr>
-        </p:nvSpPr>
-        <p:spPr/>
-        <p:txBody>
-          <a:bodyPr/>
-          <a:lstStyle/>
-          <a:p>
-            <a:r>
-              <a:rPr lang="en-GB" dirty="0"/>
-              <a:t>The simulation is based on </a:t>
-            </a:r>
-            <a:r>
-              <a:rPr lang="en-GB" dirty="0" err="1"/>
-              <a:t>pygame</a:t>
-            </a:r>
-            <a:r>
-              <a:rPr lang="en-GB" dirty="0"/>
-              <a:t> and 10 robots were released, they are far from each other at the beginning, then 10 </a:t>
-            </a:r>
-            <a:r>
-              <a:rPr lang="en-GB" dirty="0" err="1"/>
-              <a:t>sequances</a:t>
-            </a:r>
-            <a:r>
-              <a:rPr lang="en-GB" dirty="0"/>
-              <a:t> of random termination were assigned to each robots.</a:t>
-            </a:r>
-          </a:p>
-          <a:p>
-            <a:endParaRPr lang="en-GB" dirty="0"/>
-          </a:p>
-          <a:p>
-            <a:r>
-              <a:rPr lang="en-US" dirty="0"/>
-              <a:t>The simulation are performed in 10 rounds. </a:t>
-            </a:r>
-          </a:p>
-          <a:p>
-            <a:endParaRPr lang="en-US" dirty="0"/>
-          </a:p>
-          <a:p>
-            <a:r>
-              <a:rPr lang="en-US" dirty="0"/>
-              <a:t>To compare the localization accuracy improvement, we compare the mean square error between estimation and true position of each robot.</a:t>
-            </a:r>
-            <a:endParaRPr lang="en-GB" dirty="0"/>
-          </a:p>
-        </p:txBody>
-      </p:sp>
-    </p:spTree>
-    <p:extLst>
-      <p:ext uri="{BB962C8B-B14F-4D97-AF65-F5344CB8AC3E}">
-        <p14:creationId xmlns:p14="http://schemas.microsoft.com/office/powerpoint/2010/main" val="1181838580"/>
       </p:ext>
     </p:extLst>
   </p:cSld>
@@ -1643,6 +1720,376 @@
           <a:bodyPr/>
           <a:lstStyle/>
           <a:p>
+            <a:r>
+              <a:rPr lang="en-GB" dirty="0"/>
+              <a:t>The alternative is using a Ordered Weighted Averaging operator to combine two estimation</a:t>
+            </a:r>
+          </a:p>
+          <a:p>
+            <a:endParaRPr lang="en-GB" dirty="0"/>
+          </a:p>
+          <a:p>
+            <a:r>
+              <a:rPr lang="en-GB" dirty="0"/>
+              <a:t>The OWA operator will work when both measurement are available. </a:t>
+            </a:r>
+          </a:p>
+        </p:txBody>
+      </p:sp>
+    </p:spTree>
+    <p:extLst>
+      <p:ext uri="{BB962C8B-B14F-4D97-AF65-F5344CB8AC3E}">
+        <p14:creationId xmlns:p14="http://schemas.microsoft.com/office/powerpoint/2010/main" val="2044259201"/>
+      </p:ext>
+    </p:extLst>
+  </p:cSld>
+  <p:clrMapOvr>
+    <a:masterClrMapping/>
+  </p:clrMapOvr>
+</p:notes>
+</file>
+
+<file path=ppt/notesSlides/notesSlide21.xml><?xml version="1.0" encoding="utf-8"?>
+<p:notes xmlns:a="http://schemas.openxmlformats.org/drawingml/2006/main" xmlns:r="http://schemas.openxmlformats.org/officeDocument/2006/relationships" xmlns:p="http://schemas.openxmlformats.org/presentationml/2006/main">
+  <p:cSld>
+    <p:spTree>
+      <p:nvGrpSpPr>
+        <p:cNvPr id="1" name=""/>
+        <p:cNvGrpSpPr/>
+        <p:nvPr/>
+      </p:nvGrpSpPr>
+      <p:grpSpPr>
+        <a:xfrm>
+          <a:off x="0" y="0"/>
+          <a:ext cx="0" cy="0"/>
+          <a:chOff x="0" y="0"/>
+          <a:chExt cx="0" cy="0"/>
+        </a:xfrm>
+      </p:grpSpPr>
+      <p:sp>
+        <p:nvSpPr>
+          <p:cNvPr id="2" name="Slide Image Placeholder 1"/>
+          <p:cNvSpPr>
+            <a:spLocks noGrp="1" noRot="1" noChangeAspect="1"/>
+          </p:cNvSpPr>
+          <p:nvPr>
+            <p:ph type="sldImg"/>
+          </p:nvPr>
+        </p:nvSpPr>
+        <p:spPr>
+          <a:xfrm>
+            <a:off x="381000" y="685800"/>
+            <a:ext cx="6096000" cy="3429000"/>
+          </a:xfrm>
+        </p:spPr>
+      </p:sp>
+      <p:sp>
+        <p:nvSpPr>
+          <p:cNvPr id="3" name="Notes Placeholder 2"/>
+          <p:cNvSpPr>
+            <a:spLocks noGrp="1"/>
+          </p:cNvSpPr>
+          <p:nvPr>
+            <p:ph type="body" idx="1"/>
+          </p:nvPr>
+        </p:nvSpPr>
+        <p:spPr/>
+        <p:txBody>
+          <a:bodyPr/>
+          <a:lstStyle/>
+          <a:p>
+            <a:r>
+              <a:rPr lang="en-GB" dirty="0"/>
+              <a:t>The weight of each branch can be determined using the following way.</a:t>
+            </a:r>
+          </a:p>
+          <a:p>
+            <a:endParaRPr lang="en-GB" dirty="0"/>
+          </a:p>
+          <a:p>
+            <a:r>
+              <a:rPr lang="en-GB" dirty="0"/>
+              <a:t>The main idea of this is if one sensor has larger accumulated error, the weight will decrease.</a:t>
+            </a:r>
+          </a:p>
+          <a:p>
+            <a:endParaRPr lang="en-GB" dirty="0"/>
+          </a:p>
+          <a:p>
+            <a:r>
+              <a:rPr lang="en-GB" dirty="0"/>
+              <a:t>With the OWA style, the estimation may outperform than the estimation made by cascade style, because the error from odometry will grow larger while the camera are more accurate than the odometry.</a:t>
+            </a:r>
+          </a:p>
+          <a:p>
+            <a:endParaRPr lang="en-GB" dirty="0"/>
+          </a:p>
+          <a:p>
+            <a:endParaRPr lang="en-GB" dirty="0"/>
+          </a:p>
+          <a:p>
+            <a:endParaRPr lang="en-GB" dirty="0"/>
+          </a:p>
+        </p:txBody>
+      </p:sp>
+    </p:spTree>
+    <p:extLst>
+      <p:ext uri="{BB962C8B-B14F-4D97-AF65-F5344CB8AC3E}">
+        <p14:creationId xmlns:p14="http://schemas.microsoft.com/office/powerpoint/2010/main" val="653479900"/>
+      </p:ext>
+    </p:extLst>
+  </p:cSld>
+  <p:clrMapOvr>
+    <a:masterClrMapping/>
+  </p:clrMapOvr>
+</p:notes>
+</file>
+
+<file path=ppt/notesSlides/notesSlide22.xml><?xml version="1.0" encoding="utf-8"?>
+<p:notes xmlns:a="http://schemas.openxmlformats.org/drawingml/2006/main" xmlns:r="http://schemas.openxmlformats.org/officeDocument/2006/relationships" xmlns:p="http://schemas.openxmlformats.org/presentationml/2006/main">
+  <p:cSld>
+    <p:spTree>
+      <p:nvGrpSpPr>
+        <p:cNvPr id="1" name=""/>
+        <p:cNvGrpSpPr/>
+        <p:nvPr/>
+      </p:nvGrpSpPr>
+      <p:grpSpPr>
+        <a:xfrm>
+          <a:off x="0" y="0"/>
+          <a:ext cx="0" cy="0"/>
+          <a:chOff x="0" y="0"/>
+          <a:chExt cx="0" cy="0"/>
+        </a:xfrm>
+      </p:grpSpPr>
+      <p:sp>
+        <p:nvSpPr>
+          <p:cNvPr id="2" name="Tijdelijke aanduiding voor dia-afbeelding 1"/>
+          <p:cNvSpPr>
+            <a:spLocks noGrp="1" noRot="1" noChangeAspect="1"/>
+          </p:cNvSpPr>
+          <p:nvPr>
+            <p:ph type="sldImg"/>
+          </p:nvPr>
+        </p:nvSpPr>
+        <p:spPr>
+          <a:xfrm>
+            <a:off x="381000" y="685800"/>
+            <a:ext cx="6096000" cy="3429000"/>
+          </a:xfrm>
+        </p:spPr>
+      </p:sp>
+      <p:sp>
+        <p:nvSpPr>
+          <p:cNvPr id="3" name="Tijdelijke aanduiding voor notities 2"/>
+          <p:cNvSpPr>
+            <a:spLocks noGrp="1"/>
+          </p:cNvSpPr>
+          <p:nvPr>
+            <p:ph type="body" idx="1"/>
+          </p:nvPr>
+        </p:nvSpPr>
+        <p:spPr/>
+        <p:txBody>
+          <a:bodyPr/>
+          <a:lstStyle/>
+          <a:p>
+            <a:r>
+              <a:rPr lang="en-GB" dirty="0"/>
+              <a:t>Based on previous discussion, several experiments were conducted</a:t>
+            </a:r>
+          </a:p>
+        </p:txBody>
+      </p:sp>
+      <p:sp>
+        <p:nvSpPr>
+          <p:cNvPr id="4" name="Tijdelijke aanduiding voor dianummer 3"/>
+          <p:cNvSpPr>
+            <a:spLocks noGrp="1"/>
+          </p:cNvSpPr>
+          <p:nvPr>
+            <p:ph type="sldNum" sz="quarter" idx="5"/>
+          </p:nvPr>
+        </p:nvSpPr>
+        <p:spPr/>
+        <p:txBody>
+          <a:bodyPr/>
+          <a:lstStyle/>
+          <a:p>
+            <a:fld id="{EA88A791-D8E8-4C23-A528-EAEB42DC40E7}" type="slidenum">
+              <a:rPr lang="nl-NL" smtClean="0"/>
+              <a:t>22</a:t>
+            </a:fld>
+            <a:endParaRPr lang="nl-NL"/>
+          </a:p>
+        </p:txBody>
+      </p:sp>
+    </p:spTree>
+    <p:extLst>
+      <p:ext uri="{BB962C8B-B14F-4D97-AF65-F5344CB8AC3E}">
+        <p14:creationId xmlns:p14="http://schemas.microsoft.com/office/powerpoint/2010/main" val="3774953011"/>
+      </p:ext>
+    </p:extLst>
+  </p:cSld>
+  <p:clrMapOvr>
+    <a:masterClrMapping/>
+  </p:clrMapOvr>
+</p:notes>
+</file>
+
+<file path=ppt/notesSlides/notesSlide23.xml><?xml version="1.0" encoding="utf-8"?>
+<p:notes xmlns:a="http://schemas.openxmlformats.org/drawingml/2006/main" xmlns:r="http://schemas.openxmlformats.org/officeDocument/2006/relationships" xmlns:p="http://schemas.openxmlformats.org/presentationml/2006/main">
+  <p:cSld>
+    <p:spTree>
+      <p:nvGrpSpPr>
+        <p:cNvPr id="1" name=""/>
+        <p:cNvGrpSpPr/>
+        <p:nvPr/>
+      </p:nvGrpSpPr>
+      <p:grpSpPr>
+        <a:xfrm>
+          <a:off x="0" y="0"/>
+          <a:ext cx="0" cy="0"/>
+          <a:chOff x="0" y="0"/>
+          <a:chExt cx="0" cy="0"/>
+        </a:xfrm>
+      </p:grpSpPr>
+      <p:sp>
+        <p:nvSpPr>
+          <p:cNvPr id="2" name="Slide Image Placeholder 1"/>
+          <p:cNvSpPr>
+            <a:spLocks noGrp="1" noRot="1" noChangeAspect="1"/>
+          </p:cNvSpPr>
+          <p:nvPr>
+            <p:ph type="sldImg"/>
+          </p:nvPr>
+        </p:nvSpPr>
+        <p:spPr>
+          <a:xfrm>
+            <a:off x="381000" y="685800"/>
+            <a:ext cx="6096000" cy="3429000"/>
+          </a:xfrm>
+        </p:spPr>
+      </p:sp>
+      <p:sp>
+        <p:nvSpPr>
+          <p:cNvPr id="3" name="Notes Placeholder 2"/>
+          <p:cNvSpPr>
+            <a:spLocks noGrp="1"/>
+          </p:cNvSpPr>
+          <p:nvPr>
+            <p:ph type="body" idx="1"/>
+          </p:nvPr>
+        </p:nvSpPr>
+        <p:spPr/>
+        <p:txBody>
+          <a:bodyPr/>
+          <a:lstStyle/>
+          <a:p>
+            <a:r>
+              <a:rPr lang="en-GB" dirty="0"/>
+              <a:t>The simulation is based on </a:t>
+            </a:r>
+            <a:r>
+              <a:rPr lang="en-GB" dirty="0" err="1"/>
+              <a:t>pygame</a:t>
+            </a:r>
+            <a:r>
+              <a:rPr lang="en-GB" dirty="0"/>
+              <a:t> and 10 robots were released, they are far from each other at the beginning, then 10 </a:t>
+            </a:r>
+            <a:r>
+              <a:rPr lang="en-GB" dirty="0" err="1"/>
+              <a:t>sequances</a:t>
+            </a:r>
+            <a:r>
+              <a:rPr lang="en-GB" dirty="0"/>
+              <a:t> of random termination were assigned to each robots.</a:t>
+            </a:r>
+          </a:p>
+          <a:p>
+            <a:endParaRPr lang="en-GB" dirty="0"/>
+          </a:p>
+          <a:p>
+            <a:r>
+              <a:rPr lang="en-US" dirty="0"/>
+              <a:t>The simulation are performed in 10 rounds. </a:t>
+            </a:r>
+          </a:p>
+          <a:p>
+            <a:endParaRPr lang="en-US" dirty="0"/>
+          </a:p>
+          <a:p>
+            <a:r>
+              <a:rPr lang="en-US" dirty="0"/>
+              <a:t>To compare the localization accuracy improvement, we compare the mean square error between estimation and true position of each robot.</a:t>
+            </a:r>
+            <a:endParaRPr lang="en-GB" dirty="0"/>
+          </a:p>
+        </p:txBody>
+      </p:sp>
+    </p:spTree>
+    <p:extLst>
+      <p:ext uri="{BB962C8B-B14F-4D97-AF65-F5344CB8AC3E}">
+        <p14:creationId xmlns:p14="http://schemas.microsoft.com/office/powerpoint/2010/main" val="1181838580"/>
+      </p:ext>
+    </p:extLst>
+  </p:cSld>
+  <p:clrMapOvr>
+    <a:masterClrMapping/>
+  </p:clrMapOvr>
+</p:notes>
+</file>
+
+<file path=ppt/notesSlides/notesSlide24.xml><?xml version="1.0" encoding="utf-8"?>
+<p:notes xmlns:a="http://schemas.openxmlformats.org/drawingml/2006/main" xmlns:r="http://schemas.openxmlformats.org/officeDocument/2006/relationships" xmlns:p="http://schemas.openxmlformats.org/presentationml/2006/main">
+  <p:cSld>
+    <p:spTree>
+      <p:nvGrpSpPr>
+        <p:cNvPr id="1" name=""/>
+        <p:cNvGrpSpPr/>
+        <p:nvPr/>
+      </p:nvGrpSpPr>
+      <p:grpSpPr>
+        <a:xfrm>
+          <a:off x="0" y="0"/>
+          <a:ext cx="0" cy="0"/>
+          <a:chOff x="0" y="0"/>
+          <a:chExt cx="0" cy="0"/>
+        </a:xfrm>
+      </p:grpSpPr>
+      <p:sp>
+        <p:nvSpPr>
+          <p:cNvPr id="2" name="Slide Image Placeholder 1"/>
+          <p:cNvSpPr>
+            <a:spLocks noGrp="1" noRot="1" noChangeAspect="1"/>
+          </p:cNvSpPr>
+          <p:nvPr>
+            <p:ph type="sldImg"/>
+          </p:nvPr>
+        </p:nvSpPr>
+        <p:spPr>
+          <a:xfrm>
+            <a:off x="381000" y="685800"/>
+            <a:ext cx="6096000" cy="3429000"/>
+          </a:xfrm>
+        </p:spPr>
+      </p:sp>
+      <p:sp>
+        <p:nvSpPr>
+          <p:cNvPr id="3" name="Notes Placeholder 2"/>
+          <p:cNvSpPr>
+            <a:spLocks noGrp="1"/>
+          </p:cNvSpPr>
+          <p:nvPr>
+            <p:ph type="body" idx="1"/>
+          </p:nvPr>
+        </p:nvSpPr>
+        <p:spPr/>
+        <p:txBody>
+          <a:bodyPr/>
+          <a:lstStyle/>
+          <a:p>
             <a:endParaRPr lang="en-GB" dirty="0"/>
           </a:p>
           <a:p>
@@ -1663,7 +2110,7 @@
 </p:notes>
 </file>
 
-<file path=ppt/notesSlides/notesSlide21.xml><?xml version="1.0" encoding="utf-8"?>
+<file path=ppt/notesSlides/notesSlide25.xml><?xml version="1.0" encoding="utf-8"?>
 <p:notes xmlns:a="http://schemas.openxmlformats.org/drawingml/2006/main" xmlns:r="http://schemas.openxmlformats.org/officeDocument/2006/relationships" xmlns:p="http://schemas.openxmlformats.org/presentationml/2006/main">
   <p:cSld>
     <p:spTree>
@@ -1732,7 +2179,7 @@
 </p:notes>
 </file>
 
-<file path=ppt/notesSlides/notesSlide22.xml><?xml version="1.0" encoding="utf-8"?>
+<file path=ppt/notesSlides/notesSlide26.xml><?xml version="1.0" encoding="utf-8"?>
 <p:notes xmlns:a="http://schemas.openxmlformats.org/drawingml/2006/main" xmlns:r="http://schemas.openxmlformats.org/officeDocument/2006/relationships" xmlns:p="http://schemas.openxmlformats.org/presentationml/2006/main">
   <p:cSld>
     <p:spTree>
@@ -2321,7 +2768,11 @@
             </a:r>
             <a:r>
               <a:rPr lang="en-GB" dirty="0"/>
-              <a:t> system, as said before, those cameras are not 100% reliable.</a:t>
+              <a:t> system, </a:t>
+            </a:r>
+            <a:r>
+              <a:rPr lang="en-GB" altLang="zh-CN" dirty="0"/>
+              <a:t>utilize the refraction to track the object</a:t>
             </a:r>
           </a:p>
           <a:p>
@@ -2330,25 +2781,11 @@
           <a:p>
             <a:r>
               <a:rPr lang="en-GB" dirty="0"/>
-              <a:t>The </a:t>
-            </a:r>
-            <a:r>
-              <a:rPr lang="en-GB" dirty="0" err="1"/>
-              <a:t>optitrack</a:t>
-            </a:r>
-            <a:r>
-              <a:rPr lang="en-GB" dirty="0"/>
-              <a:t> utilize the refraction to track the object, however, when objects are too close to each other, the camera can’t identify them, they are merged into one single object.</a:t>
+              <a:t>When placing 10 robots, the tracking overview is shown in the right side</a:t>
             </a:r>
           </a:p>
           <a:p>
             <a:endParaRPr lang="en-GB" dirty="0"/>
-          </a:p>
-          <a:p>
-            <a:r>
-              <a:rPr lang="en-GB" dirty="0"/>
-              <a:t>Moreover, data missing sometime happen due to the environment light. And noise is also exists.</a:t>
-            </a:r>
           </a:p>
           <a:p>
             <a:endParaRPr lang="en-GB" dirty="0"/>
@@ -2422,137 +2859,11 @@
           <a:p>
             <a:r>
               <a:rPr lang="en-GB" dirty="0"/>
-              <a:t>Based on above description, we can give the state-space model of the robot, and localization system block diagram.</a:t>
+              <a:t>The real-time measurement can be checked in the software.</a:t>
             </a:r>
           </a:p>
           <a:p>
             <a:endParaRPr lang="en-GB" dirty="0"/>
-          </a:p>
-          <a:p>
-            <a:r>
-              <a:rPr lang="en-GB" dirty="0"/>
-              <a:t>The first line is the state transition function. The second line is the observation function, since we have multiple sensors, the </a:t>
-            </a:r>
-            <a:r>
-              <a:rPr lang="en-GB" dirty="0" err="1"/>
-              <a:t>i</a:t>
-            </a:r>
-            <a:r>
-              <a:rPr lang="en-GB" dirty="0"/>
-              <a:t> stands for the sensor index. </a:t>
-            </a:r>
-          </a:p>
-          <a:p>
-            <a:endParaRPr lang="en-GB" dirty="0"/>
-          </a:p>
-          <a:p>
-            <a:r>
-              <a:rPr lang="en-GB" dirty="0"/>
-              <a:t>The </a:t>
-            </a:r>
-            <a:r>
-              <a:rPr lang="en-GB" dirty="0" err="1"/>
-              <a:t>gamme</a:t>
-            </a:r>
-            <a:r>
-              <a:rPr lang="en-GB" dirty="0"/>
-              <a:t> </a:t>
-            </a:r>
-            <a:r>
-              <a:rPr lang="en-GB" dirty="0" err="1"/>
-              <a:t>i</a:t>
-            </a:r>
-            <a:r>
-              <a:rPr lang="en-GB" dirty="0"/>
-              <a:t> </a:t>
-            </a:r>
-            <a:r>
-              <a:rPr lang="en-US" dirty="0"/>
-              <a:t>of</a:t>
-            </a:r>
-            <a:r>
-              <a:rPr lang="zh-CN" altLang="en-US" dirty="0"/>
-              <a:t> </a:t>
-            </a:r>
-            <a:r>
-              <a:rPr lang="en-US" altLang="zh-CN" dirty="0"/>
-              <a:t>k</a:t>
-            </a:r>
-            <a:r>
-              <a:rPr lang="zh-CN" altLang="en-US" dirty="0"/>
-              <a:t> </a:t>
-            </a:r>
-            <a:r>
-              <a:rPr lang="en-US" altLang="zh-CN" dirty="0"/>
-              <a:t>here</a:t>
-            </a:r>
-            <a:r>
-              <a:rPr lang="zh-CN" altLang="en-US" dirty="0"/>
-              <a:t> </a:t>
-            </a:r>
-            <a:r>
-              <a:rPr lang="en-US" altLang="zh-CN" dirty="0"/>
-              <a:t>is stochastic process, it models</a:t>
-            </a:r>
-            <a:r>
-              <a:rPr lang="zh-CN" altLang="en-US" dirty="0"/>
-              <a:t> </a:t>
-            </a:r>
-            <a:r>
-              <a:rPr lang="en-US" altLang="zh-CN" dirty="0"/>
-              <a:t>the</a:t>
-            </a:r>
-            <a:r>
-              <a:rPr lang="zh-CN" altLang="en-US" dirty="0"/>
-              <a:t> </a:t>
-            </a:r>
-            <a:r>
-              <a:rPr lang="en-US" altLang="zh-CN" dirty="0"/>
-              <a:t>sensor</a:t>
-            </a:r>
-            <a:r>
-              <a:rPr lang="zh-CN" altLang="en-US" dirty="0"/>
-              <a:t> </a:t>
-            </a:r>
-            <a:r>
-              <a:rPr lang="en-US" altLang="zh-CN" dirty="0"/>
-              <a:t>data</a:t>
-            </a:r>
-            <a:r>
-              <a:rPr lang="zh-CN" altLang="en-US" dirty="0"/>
-              <a:t> </a:t>
-            </a:r>
-            <a:r>
-              <a:rPr lang="en-US" altLang="zh-CN" dirty="0"/>
-              <a:t>drop, this factor could be 1 or 0, showing whether the measurement is missing.</a:t>
-            </a:r>
-          </a:p>
-          <a:p>
-            <a:endParaRPr lang="en-US" altLang="zh-CN" dirty="0"/>
-          </a:p>
-          <a:p>
-            <a:r>
-              <a:rPr lang="en-US" altLang="zh-CN" dirty="0"/>
-              <a:t>With this state-space model, we can give the system block diagram, for a given termination, robot will generate control input u(k) through f_1</a:t>
-            </a:r>
-          </a:p>
-          <a:p>
-            <a:endParaRPr lang="en-US" altLang="zh-CN" dirty="0"/>
-          </a:p>
-          <a:p>
-            <a:r>
-              <a:rPr lang="en-US" altLang="zh-CN" dirty="0"/>
-              <a:t>after the execution, the system output, location can be sensed by both odometry and camera. By applying a data fusion technique, we can generate a relatively accurate estimation to create the new control input u(k+1).</a:t>
-            </a:r>
-          </a:p>
-          <a:p>
-            <a:endParaRPr lang="en-US" altLang="zh-CN" dirty="0"/>
-          </a:p>
-          <a:p>
-            <a:endParaRPr lang="en-US" altLang="zh-CN" dirty="0"/>
-          </a:p>
-          <a:p>
-            <a:endParaRPr lang="en-US" dirty="0"/>
           </a:p>
           <a:p>
             <a:endParaRPr lang="en-GB" dirty="0"/>
@@ -2562,7 +2873,7 @@
     </p:spTree>
     <p:extLst>
       <p:ext uri="{BB962C8B-B14F-4D97-AF65-F5344CB8AC3E}">
-        <p14:creationId xmlns:p14="http://schemas.microsoft.com/office/powerpoint/2010/main" val="3439432166"/>
+        <p14:creationId xmlns:p14="http://schemas.microsoft.com/office/powerpoint/2010/main" val="3477340670"/>
       </p:ext>
     </p:extLst>
   </p:cSld>
@@ -2752,7 +3063,7 @@
                 <a:effectLst/>
                 <a:extLst>
                   <a:ext uri="{C572A759-6A51-4108-AA02-DFA0A04FC94B}">
-                    <ma14:wrappingTextBoxFlag xmlns:m="http://schemas.openxmlformats.org/officeDocument/2006/math" xmlns:a14="http://schemas.microsoft.com/office/drawing/2010/main" xmlns:ma14="http://schemas.microsoft.com/office/mac/drawingml/2011/main" xmlns="" val="1"/>
+                    <ma14:wrappingTextBoxFlag xmlns="" xmlns:ma14="http://schemas.microsoft.com/office/mac/drawingml/2011/main" xmlns:a14="http://schemas.microsoft.com/office/drawing/2010/main" xmlns:m="http://schemas.openxmlformats.org/officeDocument/2006/math" val="1"/>
                   </a:ext>
                 </a:extLst>
               </p:spPr>
@@ -2857,7 +3168,7 @@
                 <a:effectLst/>
                 <a:extLst>
                   <a:ext uri="{C572A759-6A51-4108-AA02-DFA0A04FC94B}">
-                    <ma14:wrappingTextBoxFlag xmlns:m="http://schemas.openxmlformats.org/officeDocument/2006/math" xmlns:a14="http://schemas.microsoft.com/office/drawing/2010/main" xmlns:ma14="http://schemas.microsoft.com/office/mac/drawingml/2011/main" xmlns="" val="1"/>
+                    <ma14:wrappingTextBoxFlag xmlns="" xmlns:ma14="http://schemas.microsoft.com/office/mac/drawingml/2011/main" xmlns:a14="http://schemas.microsoft.com/office/drawing/2010/main" xmlns:m="http://schemas.openxmlformats.org/officeDocument/2006/math" val="1"/>
                   </a:ext>
                 </a:extLst>
               </p:spPr>
@@ -2908,7 +3219,7 @@
               <a:effectLst/>
               <a:extLst>
                 <a:ext uri="{C572A759-6A51-4108-AA02-DFA0A04FC94B}">
-                  <ma14:wrappingTextBoxFlag xmlns:m="http://schemas.openxmlformats.org/officeDocument/2006/math" xmlns:a14="http://schemas.microsoft.com/office/drawing/2010/main" xmlns:ma14="http://schemas.microsoft.com/office/mac/drawingml/2011/main" xmlns="" val="1"/>
+                  <ma14:wrappingTextBoxFlag xmlns="" xmlns:ma14="http://schemas.microsoft.com/office/mac/drawingml/2011/main" xmlns:a14="http://schemas.microsoft.com/office/drawing/2010/main" xmlns:m="http://schemas.openxmlformats.org/officeDocument/2006/math" val="1"/>
                 </a:ext>
               </a:extLst>
             </p:spPr>
@@ -3019,7 +3330,7 @@
                 <a:effectLst/>
                 <a:extLst>
                   <a:ext uri="{C572A759-6A51-4108-AA02-DFA0A04FC94B}">
-                    <ma14:wrappingTextBoxFlag xmlns:m="http://schemas.openxmlformats.org/officeDocument/2006/math" xmlns:a14="http://schemas.microsoft.com/office/drawing/2010/main" xmlns:ma14="http://schemas.microsoft.com/office/mac/drawingml/2011/main" xmlns="" val="1"/>
+                    <ma14:wrappingTextBoxFlag xmlns="" xmlns:ma14="http://schemas.microsoft.com/office/mac/drawingml/2011/main" xmlns:a14="http://schemas.microsoft.com/office/drawing/2010/main" xmlns:m="http://schemas.openxmlformats.org/officeDocument/2006/math" val="1"/>
                   </a:ext>
                 </a:extLst>
               </p:spPr>
@@ -3070,7 +3381,7 @@
               <a:effectLst/>
               <a:extLst>
                 <a:ext uri="{C572A759-6A51-4108-AA02-DFA0A04FC94B}">
-                  <ma14:wrappingTextBoxFlag xmlns:m="http://schemas.openxmlformats.org/officeDocument/2006/math" xmlns:a14="http://schemas.microsoft.com/office/drawing/2010/main" xmlns:ma14="http://schemas.microsoft.com/office/mac/drawingml/2011/main" xmlns="" val="1"/>
+                  <ma14:wrappingTextBoxFlag xmlns="" xmlns:ma14="http://schemas.microsoft.com/office/mac/drawingml/2011/main" xmlns:a14="http://schemas.microsoft.com/office/drawing/2010/main" xmlns:m="http://schemas.openxmlformats.org/officeDocument/2006/math" val="1"/>
                 </a:ext>
               </a:extLst>
             </p:spPr>
@@ -3408,7 +3719,7 @@
                 <a:effectLst/>
                 <a:extLst>
                   <a:ext uri="{C572A759-6A51-4108-AA02-DFA0A04FC94B}">
-                    <ma14:wrappingTextBoxFlag xmlns:m="http://schemas.openxmlformats.org/officeDocument/2006/math" xmlns:a14="http://schemas.microsoft.com/office/drawing/2010/main" xmlns:ma14="http://schemas.microsoft.com/office/mac/drawingml/2011/main" xmlns="" val="1"/>
+                    <ma14:wrappingTextBoxFlag xmlns="" xmlns:ma14="http://schemas.microsoft.com/office/mac/drawingml/2011/main" xmlns:a14="http://schemas.microsoft.com/office/drawing/2010/main" xmlns:m="http://schemas.openxmlformats.org/officeDocument/2006/math" val="1"/>
                   </a:ext>
                 </a:extLst>
               </p:spPr>
@@ -4907,7 +5218,7 @@
           </a:ln>
           <a:extLst>
             <a:ext uri="{C572A759-6A51-4108-AA02-DFA0A04FC94B}">
-              <ma14:wrappingTextBoxFlag xmlns:m="http://schemas.openxmlformats.org/officeDocument/2006/math" xmlns:a14="http://schemas.microsoft.com/office/drawing/2010/main" xmlns:ma14="http://schemas.microsoft.com/office/mac/drawingml/2011/main" xmlns="" val="1"/>
+              <ma14:wrappingTextBoxFlag xmlns="" xmlns:ma14="http://schemas.microsoft.com/office/mac/drawingml/2011/main" xmlns:a14="http://schemas.microsoft.com/office/drawing/2010/main" xmlns:m="http://schemas.openxmlformats.org/officeDocument/2006/math" val="1"/>
             </a:ext>
           </a:extLst>
         </p:spPr>
@@ -5181,7 +5492,7 @@
               <a:effectLst/>
               <a:extLst>
                 <a:ext uri="{C572A759-6A51-4108-AA02-DFA0A04FC94B}">
-                  <ma14:wrappingTextBoxFlag xmlns:m="http://schemas.openxmlformats.org/officeDocument/2006/math" xmlns:a14="http://schemas.microsoft.com/office/drawing/2010/main" xmlns:ma14="http://schemas.microsoft.com/office/mac/drawingml/2011/main" xmlns="" val="1"/>
+                  <ma14:wrappingTextBoxFlag xmlns="" xmlns:ma14="http://schemas.microsoft.com/office/mac/drawingml/2011/main" xmlns:a14="http://schemas.microsoft.com/office/drawing/2010/main" xmlns:m="http://schemas.openxmlformats.org/officeDocument/2006/math" val="1"/>
                 </a:ext>
               </a:extLst>
             </p:spPr>
@@ -5286,7 +5597,7 @@
               <a:effectLst/>
               <a:extLst>
                 <a:ext uri="{C572A759-6A51-4108-AA02-DFA0A04FC94B}">
-                  <ma14:wrappingTextBoxFlag xmlns:m="http://schemas.openxmlformats.org/officeDocument/2006/math" xmlns:a14="http://schemas.microsoft.com/office/drawing/2010/main" xmlns:ma14="http://schemas.microsoft.com/office/mac/drawingml/2011/main" xmlns="" val="1"/>
+                  <ma14:wrappingTextBoxFlag xmlns="" xmlns:ma14="http://schemas.microsoft.com/office/mac/drawingml/2011/main" xmlns:a14="http://schemas.microsoft.com/office/drawing/2010/main" xmlns:m="http://schemas.openxmlformats.org/officeDocument/2006/math" val="1"/>
                 </a:ext>
               </a:extLst>
             </p:spPr>
@@ -5337,7 +5648,7 @@
             <a:effectLst/>
             <a:extLst>
               <a:ext uri="{C572A759-6A51-4108-AA02-DFA0A04FC94B}">
-                <ma14:wrappingTextBoxFlag xmlns:m="http://schemas.openxmlformats.org/officeDocument/2006/math" xmlns:a14="http://schemas.microsoft.com/office/drawing/2010/main" xmlns:ma14="http://schemas.microsoft.com/office/mac/drawingml/2011/main" xmlns="" val="1"/>
+                <ma14:wrappingTextBoxFlag xmlns="" xmlns:ma14="http://schemas.microsoft.com/office/mac/drawingml/2011/main" xmlns:a14="http://schemas.microsoft.com/office/drawing/2010/main" xmlns:m="http://schemas.openxmlformats.org/officeDocument/2006/math" val="1"/>
               </a:ext>
             </a:extLst>
           </p:spPr>
@@ -5441,7 +5752,7 @@
               <a:effectLst/>
               <a:extLst>
                 <a:ext uri="{C572A759-6A51-4108-AA02-DFA0A04FC94B}">
-                  <ma14:wrappingTextBoxFlag xmlns:m="http://schemas.openxmlformats.org/officeDocument/2006/math" xmlns:a14="http://schemas.microsoft.com/office/drawing/2010/main" xmlns:ma14="http://schemas.microsoft.com/office/mac/drawingml/2011/main" xmlns="" val="1"/>
+                  <ma14:wrappingTextBoxFlag xmlns="" xmlns:ma14="http://schemas.microsoft.com/office/mac/drawingml/2011/main" xmlns:a14="http://schemas.microsoft.com/office/drawing/2010/main" xmlns:m="http://schemas.openxmlformats.org/officeDocument/2006/math" val="1"/>
                 </a:ext>
               </a:extLst>
             </p:spPr>
@@ -5492,7 +5803,7 @@
             <a:effectLst/>
             <a:extLst>
               <a:ext uri="{C572A759-6A51-4108-AA02-DFA0A04FC94B}">
-                <ma14:wrappingTextBoxFlag xmlns:m="http://schemas.openxmlformats.org/officeDocument/2006/math" xmlns:a14="http://schemas.microsoft.com/office/drawing/2010/main" xmlns:ma14="http://schemas.microsoft.com/office/mac/drawingml/2011/main" xmlns="" val="1"/>
+                <ma14:wrappingTextBoxFlag xmlns="" xmlns:ma14="http://schemas.microsoft.com/office/mac/drawingml/2011/main" xmlns:a14="http://schemas.microsoft.com/office/drawing/2010/main" xmlns:m="http://schemas.openxmlformats.org/officeDocument/2006/math" val="1"/>
               </a:ext>
             </a:extLst>
           </p:spPr>
@@ -7038,7 +7349,7 @@
                 <a:effectLst/>
                 <a:extLst>
                   <a:ext uri="{C572A759-6A51-4108-AA02-DFA0A04FC94B}">
-                    <ma14:wrappingTextBoxFlag xmlns:m="http://schemas.openxmlformats.org/officeDocument/2006/math" xmlns:a14="http://schemas.microsoft.com/office/drawing/2010/main" xmlns:ma14="http://schemas.microsoft.com/office/mac/drawingml/2011/main" xmlns="" val="1"/>
+                    <ma14:wrappingTextBoxFlag xmlns="" xmlns:ma14="http://schemas.microsoft.com/office/mac/drawingml/2011/main" xmlns:a14="http://schemas.microsoft.com/office/drawing/2010/main" xmlns:m="http://schemas.openxmlformats.org/officeDocument/2006/math" val="1"/>
                   </a:ext>
                 </a:extLst>
               </p:spPr>
@@ -7143,7 +7454,7 @@
                 <a:effectLst/>
                 <a:extLst>
                   <a:ext uri="{C572A759-6A51-4108-AA02-DFA0A04FC94B}">
-                    <ma14:wrappingTextBoxFlag xmlns:m="http://schemas.openxmlformats.org/officeDocument/2006/math" xmlns:a14="http://schemas.microsoft.com/office/drawing/2010/main" xmlns:ma14="http://schemas.microsoft.com/office/mac/drawingml/2011/main" xmlns="" val="1"/>
+                    <ma14:wrappingTextBoxFlag xmlns="" xmlns:ma14="http://schemas.microsoft.com/office/mac/drawingml/2011/main" xmlns:a14="http://schemas.microsoft.com/office/drawing/2010/main" xmlns:m="http://schemas.openxmlformats.org/officeDocument/2006/math" val="1"/>
                   </a:ext>
                 </a:extLst>
               </p:spPr>
@@ -7194,7 +7505,7 @@
               <a:effectLst/>
               <a:extLst>
                 <a:ext uri="{C572A759-6A51-4108-AA02-DFA0A04FC94B}">
-                  <ma14:wrappingTextBoxFlag xmlns:m="http://schemas.openxmlformats.org/officeDocument/2006/math" xmlns:a14="http://schemas.microsoft.com/office/drawing/2010/main" xmlns:ma14="http://schemas.microsoft.com/office/mac/drawingml/2011/main" xmlns="" val="1"/>
+                  <ma14:wrappingTextBoxFlag xmlns="" xmlns:ma14="http://schemas.microsoft.com/office/mac/drawingml/2011/main" xmlns:a14="http://schemas.microsoft.com/office/drawing/2010/main" xmlns:m="http://schemas.openxmlformats.org/officeDocument/2006/math" val="1"/>
                 </a:ext>
               </a:extLst>
             </p:spPr>
@@ -7305,7 +7616,7 @@
                 <a:effectLst/>
                 <a:extLst>
                   <a:ext uri="{C572A759-6A51-4108-AA02-DFA0A04FC94B}">
-                    <ma14:wrappingTextBoxFlag xmlns:m="http://schemas.openxmlformats.org/officeDocument/2006/math" xmlns:a14="http://schemas.microsoft.com/office/drawing/2010/main" xmlns:ma14="http://schemas.microsoft.com/office/mac/drawingml/2011/main" xmlns="" val="1"/>
+                    <ma14:wrappingTextBoxFlag xmlns="" xmlns:ma14="http://schemas.microsoft.com/office/mac/drawingml/2011/main" xmlns:a14="http://schemas.microsoft.com/office/drawing/2010/main" xmlns:m="http://schemas.openxmlformats.org/officeDocument/2006/math" val="1"/>
                   </a:ext>
                 </a:extLst>
               </p:spPr>
@@ -7356,7 +7667,7 @@
               <a:effectLst/>
               <a:extLst>
                 <a:ext uri="{C572A759-6A51-4108-AA02-DFA0A04FC94B}">
-                  <ma14:wrappingTextBoxFlag xmlns:m="http://schemas.openxmlformats.org/officeDocument/2006/math" xmlns:a14="http://schemas.microsoft.com/office/drawing/2010/main" xmlns:ma14="http://schemas.microsoft.com/office/mac/drawingml/2011/main" xmlns="" val="1"/>
+                  <ma14:wrappingTextBoxFlag xmlns="" xmlns:ma14="http://schemas.microsoft.com/office/mac/drawingml/2011/main" xmlns:a14="http://schemas.microsoft.com/office/drawing/2010/main" xmlns:m="http://schemas.openxmlformats.org/officeDocument/2006/math" val="1"/>
                 </a:ext>
               </a:extLst>
             </p:spPr>
@@ -7694,7 +8005,7 @@
                 <a:effectLst/>
                 <a:extLst>
                   <a:ext uri="{C572A759-6A51-4108-AA02-DFA0A04FC94B}">
-                    <ma14:wrappingTextBoxFlag xmlns:m="http://schemas.openxmlformats.org/officeDocument/2006/math" xmlns:a14="http://schemas.microsoft.com/office/drawing/2010/main" xmlns:ma14="http://schemas.microsoft.com/office/mac/drawingml/2011/main" xmlns="" val="1"/>
+                    <ma14:wrappingTextBoxFlag xmlns="" xmlns:ma14="http://schemas.microsoft.com/office/mac/drawingml/2011/main" xmlns:a14="http://schemas.microsoft.com/office/drawing/2010/main" xmlns:m="http://schemas.openxmlformats.org/officeDocument/2006/math" val="1"/>
                   </a:ext>
                 </a:extLst>
               </p:spPr>
@@ -11385,7 +11696,7 @@
           </a:ln>
           <a:extLst>
             <a:ext uri="{C572A759-6A51-4108-AA02-DFA0A04FC94B}">
-              <ma14:wrappingTextBoxFlag xmlns="" xmlns:m="http://schemas.openxmlformats.org/officeDocument/2006/math" xmlns:a14="http://schemas.microsoft.com/office/drawing/2010/main" xmlns:ma14="http://schemas.microsoft.com/office/mac/drawingml/2011/main" val="1"/>
+              <ma14:wrappingTextBoxFlag xmlns:ma14="http://schemas.microsoft.com/office/mac/drawingml/2011/main" xmlns:a14="http://schemas.microsoft.com/office/drawing/2010/main" xmlns:m="http://schemas.openxmlformats.org/officeDocument/2006/math" xmlns="" val="1"/>
             </a:ext>
           </a:extLst>
         </p:spPr>
@@ -13272,7 +13583,7 @@
           </a:ln>
           <a:extLst>
             <a:ext uri="{C572A759-6A51-4108-AA02-DFA0A04FC94B}">
-              <ma14:wrappingTextBoxFlag xmlns:m="http://schemas.openxmlformats.org/officeDocument/2006/math" xmlns:a14="http://schemas.microsoft.com/office/drawing/2010/main" xmlns:ma14="http://schemas.microsoft.com/office/mac/drawingml/2011/main" xmlns="" val="1"/>
+              <ma14:wrappingTextBoxFlag xmlns="" xmlns:ma14="http://schemas.microsoft.com/office/mac/drawingml/2011/main" xmlns:a14="http://schemas.microsoft.com/office/drawing/2010/main" xmlns:m="http://schemas.openxmlformats.org/officeDocument/2006/math" val="1"/>
             </a:ext>
           </a:extLst>
         </p:spPr>
@@ -13309,7 +13620,7 @@
           </a:ln>
           <a:extLst>
             <a:ext uri="{C572A759-6A51-4108-AA02-DFA0A04FC94B}">
-              <ma14:wrappingTextBoxFlag xmlns:m="http://schemas.openxmlformats.org/officeDocument/2006/math" xmlns:a14="http://schemas.microsoft.com/office/drawing/2010/main" xmlns:ma14="http://schemas.microsoft.com/office/mac/drawingml/2011/main" xmlns="" val="1"/>
+              <ma14:wrappingTextBoxFlag xmlns="" xmlns:ma14="http://schemas.microsoft.com/office/mac/drawingml/2011/main" xmlns:a14="http://schemas.microsoft.com/office/drawing/2010/main" xmlns:m="http://schemas.openxmlformats.org/officeDocument/2006/math" val="1"/>
             </a:ext>
           </a:extLst>
         </p:spPr>
@@ -14271,7 +14582,7 @@
           </a:prstGeom>
           <a:extLst>
             <a:ext uri="{C572A759-6A51-4108-AA02-DFA0A04FC94B}">
-              <ma14:wrappingTextBoxFlag xmlns:ma14="http://schemas.microsoft.com/office/mac/drawingml/2011/main" xmlns:a14="http://schemas.microsoft.com/office/drawing/2010/main" xmlns:m="http://schemas.openxmlformats.org/officeDocument/2006/math" xmlns="" val="1"/>
+              <ma14:wrappingTextBoxFlag xmlns="" xmlns:m="http://schemas.openxmlformats.org/officeDocument/2006/math" xmlns:a14="http://schemas.microsoft.com/office/drawing/2010/main" xmlns:ma14="http://schemas.microsoft.com/office/mac/drawingml/2011/main" val="1"/>
             </a:ext>
           </a:extLst>
         </p:spPr>
@@ -14307,7 +14618,7 @@
           </a:prstGeom>
           <a:extLst>
             <a:ext uri="{C572A759-6A51-4108-AA02-DFA0A04FC94B}">
-              <ma14:wrappingTextBoxFlag xmlns:ma14="http://schemas.microsoft.com/office/mac/drawingml/2011/main" xmlns:a14="http://schemas.microsoft.com/office/drawing/2010/main" xmlns:m="http://schemas.openxmlformats.org/officeDocument/2006/math" xmlns="" val="1"/>
+              <ma14:wrappingTextBoxFlag xmlns="" xmlns:m="http://schemas.openxmlformats.org/officeDocument/2006/math" xmlns:a14="http://schemas.microsoft.com/office/drawing/2010/main" xmlns:ma14="http://schemas.microsoft.com/office/mac/drawingml/2011/main" val="1"/>
             </a:ext>
           </a:extLst>
         </p:spPr>
@@ -14345,6 +14656,1943 @@
 </file>
 
 <file path=ppt/slides/slide10.xml><?xml version="1.0" encoding="utf-8"?>
+<p:sld xmlns:a="http://schemas.openxmlformats.org/drawingml/2006/main" xmlns:r="http://schemas.openxmlformats.org/officeDocument/2006/relationships" xmlns:p="http://schemas.openxmlformats.org/presentationml/2006/main">
+  <p:cSld>
+    <p:spTree>
+      <p:nvGrpSpPr>
+        <p:cNvPr id="1" name=""/>
+        <p:cNvGrpSpPr/>
+        <p:nvPr/>
+      </p:nvGrpSpPr>
+      <p:grpSpPr>
+        <a:xfrm>
+          <a:off x="0" y="0"/>
+          <a:ext cx="0" cy="0"/>
+          <a:chOff x="0" y="0"/>
+          <a:chExt cx="0" cy="0"/>
+        </a:xfrm>
+      </p:grpSpPr>
+      <p:sp>
+        <p:nvSpPr>
+          <p:cNvPr id="2" name="Title 1">
+            <a:extLst>
+              <a:ext uri="{FF2B5EF4-FFF2-40B4-BE49-F238E27FC236}">
+                <a16:creationId xmlns:a16="http://schemas.microsoft.com/office/drawing/2014/main" id="{FC23EE60-9574-3A75-9B76-DA940A4BD7BA}"/>
+              </a:ext>
+            </a:extLst>
+          </p:cNvPr>
+          <p:cNvSpPr>
+            <a:spLocks noGrp="1"/>
+          </p:cNvSpPr>
+          <p:nvPr>
+            <p:ph type="title"/>
+          </p:nvPr>
+        </p:nvSpPr>
+        <p:spPr>
+          <a:xfrm>
+            <a:off x="698500" y="173264"/>
+            <a:ext cx="10775071" cy="841255"/>
+          </a:xfrm>
+        </p:spPr>
+        <p:txBody>
+          <a:bodyPr>
+            <a:noAutofit/>
+          </a:bodyPr>
+          <a:lstStyle/>
+          <a:p>
+            <a:r>
+              <a:rPr lang="en-GB" b="0" i="0" dirty="0">
+                <a:effectLst/>
+                <a:latin typeface="Arial" panose="020B0604020202020204" pitchFamily="34" charset="0"/>
+              </a:rPr>
+              <a:t>3. </a:t>
+            </a:r>
+            <a:r>
+              <a:rPr lang="en-GB" dirty="0" err="1">
+                <a:latin typeface="Arial" panose="020B0604020202020204" pitchFamily="34" charset="0"/>
+              </a:rPr>
+              <a:t>Optitrack</a:t>
+            </a:r>
+            <a:r>
+              <a:rPr lang="en-GB" dirty="0">
+                <a:latin typeface="Arial" panose="020B0604020202020204" pitchFamily="34" charset="0"/>
+              </a:rPr>
+              <a:t> System</a:t>
+            </a:r>
+            <a:endParaRPr lang="en-GB" dirty="0"/>
+          </a:p>
+        </p:txBody>
+      </p:sp>
+      <p:sp>
+        <p:nvSpPr>
+          <p:cNvPr id="3" name="Text Placeholder 2">
+            <a:extLst>
+              <a:ext uri="{FF2B5EF4-FFF2-40B4-BE49-F238E27FC236}">
+                <a16:creationId xmlns:a16="http://schemas.microsoft.com/office/drawing/2014/main" id="{D678EF46-F590-D77C-D3C8-251A4EDE1821}"/>
+              </a:ext>
+            </a:extLst>
+          </p:cNvPr>
+          <p:cNvSpPr>
+            <a:spLocks noGrp="1"/>
+          </p:cNvSpPr>
+          <p:nvPr>
+            <p:ph type="body" idx="1"/>
+          </p:nvPr>
+        </p:nvSpPr>
+        <p:spPr>
+          <a:xfrm>
+            <a:off x="698500" y="618021"/>
+            <a:ext cx="10773500" cy="459134"/>
+          </a:xfrm>
+        </p:spPr>
+        <p:txBody>
+          <a:bodyPr>
+            <a:normAutofit/>
+          </a:bodyPr>
+          <a:lstStyle/>
+          <a:p>
+            <a:pPr marL="712788">
+              <a:lnSpc>
+                <a:spcPct val="100000"/>
+              </a:lnSpc>
+              <a:buFont typeface="Arial" panose="020B0604020202020204" pitchFamily="34" charset="0"/>
+              <a:buChar char="•"/>
+            </a:pPr>
+            <a:r>
+              <a:rPr lang="en-GB" sz="2400" b="0" i="0" dirty="0">
+                <a:effectLst/>
+                <a:latin typeface="Arial" panose="020B0604020202020204" pitchFamily="34" charset="0"/>
+              </a:rPr>
+              <a:t>Merging</a:t>
+            </a:r>
+          </a:p>
+        </p:txBody>
+      </p:sp>
+      <p:pic>
+        <p:nvPicPr>
+          <p:cNvPr id="5" name="图片 4" descr="电脑游戏的截图&#10;&#10;描述已自动生成">
+            <a:extLst>
+              <a:ext uri="{FF2B5EF4-FFF2-40B4-BE49-F238E27FC236}">
+                <a16:creationId xmlns:a16="http://schemas.microsoft.com/office/drawing/2014/main" id="{41F6C2DD-5C10-2362-6353-2AF95294CF5F}"/>
+              </a:ext>
+            </a:extLst>
+          </p:cNvPr>
+          <p:cNvPicPr>
+            <a:picLocks noChangeAspect="1"/>
+          </p:cNvPicPr>
+          <p:nvPr/>
+        </p:nvPicPr>
+        <p:blipFill>
+          <a:blip r:embed="rId3">
+            <a:extLst>
+              <a:ext uri="{28A0092B-C50C-407E-A947-70E740481C1C}">
+                <a14:useLocalDpi xmlns:a14="http://schemas.microsoft.com/office/drawing/2010/main" val="0"/>
+              </a:ext>
+            </a:extLst>
+          </a:blip>
+          <a:stretch>
+            <a:fillRect/>
+          </a:stretch>
+        </p:blipFill>
+        <p:spPr>
+          <a:xfrm>
+            <a:off x="0" y="1077154"/>
+            <a:ext cx="12192000" cy="5780845"/>
+          </a:xfrm>
+          <a:prstGeom prst="rect">
+            <a:avLst/>
+          </a:prstGeom>
+        </p:spPr>
+      </p:pic>
+      <p:pic>
+        <p:nvPicPr>
+          <p:cNvPr id="8" name="图片 7" descr="建筑的门口&#10;&#10;中度可信度描述已自动生成">
+            <a:extLst>
+              <a:ext uri="{FF2B5EF4-FFF2-40B4-BE49-F238E27FC236}">
+                <a16:creationId xmlns:a16="http://schemas.microsoft.com/office/drawing/2014/main" id="{25ACFA8C-884A-FB9B-22E1-B2F6F2F733EE}"/>
+              </a:ext>
+            </a:extLst>
+          </p:cNvPr>
+          <p:cNvPicPr>
+            <a:picLocks noChangeAspect="1"/>
+          </p:cNvPicPr>
+          <p:nvPr/>
+        </p:nvPicPr>
+        <p:blipFill rotWithShape="1">
+          <a:blip r:embed="rId4" cstate="print">
+            <a:extLst>
+              <a:ext uri="{28A0092B-C50C-407E-A947-70E740481C1C}">
+                <a14:useLocalDpi xmlns:a14="http://schemas.microsoft.com/office/drawing/2010/main" val="0"/>
+              </a:ext>
+            </a:extLst>
+          </a:blip>
+          <a:srcRect l="15707" t="265" b="-1"/>
+          <a:stretch/>
+        </p:blipFill>
+        <p:spPr>
+          <a:xfrm rot="5400000">
+            <a:off x="-325477" y="1402629"/>
+            <a:ext cx="5780847" cy="5129893"/>
+          </a:xfrm>
+          <a:prstGeom prst="rect">
+            <a:avLst/>
+          </a:prstGeom>
+        </p:spPr>
+      </p:pic>
+      <p:sp>
+        <p:nvSpPr>
+          <p:cNvPr id="9" name="矩形 8">
+            <a:extLst>
+              <a:ext uri="{FF2B5EF4-FFF2-40B4-BE49-F238E27FC236}">
+                <a16:creationId xmlns:a16="http://schemas.microsoft.com/office/drawing/2014/main" id="{EB9444B3-5FB8-D6E7-9EE1-40EA3C35D579}"/>
+              </a:ext>
+            </a:extLst>
+          </p:cNvPr>
+          <p:cNvSpPr/>
+          <p:nvPr/>
+        </p:nvSpPr>
+        <p:spPr>
+          <a:xfrm>
+            <a:off x="1719943" y="4008435"/>
+            <a:ext cx="1175657" cy="822139"/>
+          </a:xfrm>
+          <a:prstGeom prst="rect">
+            <a:avLst/>
+          </a:prstGeom>
+          <a:noFill/>
+          <a:ln w="76200" cap="flat">
+            <a:solidFill>
+              <a:srgbClr val="FF0000"/>
+            </a:solidFill>
+            <a:prstDash val="solid"/>
+            <a:miter lim="800000"/>
+          </a:ln>
+          <a:effectLst/>
+          <a:sp3d/>
+        </p:spPr>
+        <p:style>
+          <a:lnRef idx="0">
+            <a:scrgbClr r="0" g="0" b="0"/>
+          </a:lnRef>
+          <a:fillRef idx="0">
+            <a:scrgbClr r="0" g="0" b="0"/>
+          </a:fillRef>
+          <a:effectRef idx="0">
+            <a:scrgbClr r="0" g="0" b="0"/>
+          </a:effectRef>
+          <a:fontRef idx="none"/>
+        </p:style>
+        <p:txBody>
+          <a:bodyPr rot="0" spcFirstLastPara="1" vertOverflow="overflow" horzOverflow="overflow" vert="horz" wrap="square" lIns="45719" tIns="45719" rIns="45719" bIns="45719" numCol="1" spcCol="38100" rtlCol="0" anchor="ctr">
+            <a:spAutoFit/>
+          </a:bodyPr>
+          <a:lstStyle/>
+          <a:p>
+            <a:pPr marL="0" marR="0" indent="0" algn="l" defTabSz="914400" rtl="0" fontAlgn="auto" latinLnBrk="0" hangingPunct="0">
+              <a:lnSpc>
+                <a:spcPct val="100000"/>
+              </a:lnSpc>
+              <a:spcBef>
+                <a:spcPts val="0"/>
+              </a:spcBef>
+              <a:spcAft>
+                <a:spcPts val="0"/>
+              </a:spcAft>
+              <a:buClrTx/>
+              <a:buSzTx/>
+              <a:buFontTx/>
+              <a:buNone/>
+              <a:tabLst/>
+            </a:pPr>
+            <a:endParaRPr kumimoji="0" lang="zh-CN" altLang="en-US" sz="1800" b="0" i="0" u="none" strike="noStrike" cap="none" spc="0" normalizeH="0" baseline="0">
+              <a:ln>
+                <a:noFill/>
+              </a:ln>
+              <a:solidFill>
+                <a:srgbClr val="000000"/>
+              </a:solidFill>
+              <a:effectLst/>
+              <a:uFillTx/>
+              <a:latin typeface="Arial"/>
+              <a:ea typeface="Arial"/>
+              <a:cs typeface="Arial"/>
+              <a:sym typeface="Arial"/>
+            </a:endParaRPr>
+          </a:p>
+        </p:txBody>
+      </p:sp>
+      <p:sp>
+        <p:nvSpPr>
+          <p:cNvPr id="13" name="矩形 12">
+            <a:extLst>
+              <a:ext uri="{FF2B5EF4-FFF2-40B4-BE49-F238E27FC236}">
+                <a16:creationId xmlns:a16="http://schemas.microsoft.com/office/drawing/2014/main" id="{F6F9E58B-7BBE-0BFE-A408-31E89A4D22DC}"/>
+              </a:ext>
+            </a:extLst>
+          </p:cNvPr>
+          <p:cNvSpPr/>
+          <p:nvPr/>
+        </p:nvSpPr>
+        <p:spPr>
+          <a:xfrm>
+            <a:off x="6262007" y="3845149"/>
+            <a:ext cx="1175657" cy="822139"/>
+          </a:xfrm>
+          <a:prstGeom prst="rect">
+            <a:avLst/>
+          </a:prstGeom>
+          <a:noFill/>
+          <a:ln w="76200" cap="flat">
+            <a:solidFill>
+              <a:srgbClr val="FF0000"/>
+            </a:solidFill>
+            <a:prstDash val="solid"/>
+            <a:miter lim="800000"/>
+          </a:ln>
+          <a:effectLst/>
+          <a:sp3d/>
+        </p:spPr>
+        <p:style>
+          <a:lnRef idx="0">
+            <a:scrgbClr r="0" g="0" b="0"/>
+          </a:lnRef>
+          <a:fillRef idx="0">
+            <a:scrgbClr r="0" g="0" b="0"/>
+          </a:fillRef>
+          <a:effectRef idx="0">
+            <a:scrgbClr r="0" g="0" b="0"/>
+          </a:effectRef>
+          <a:fontRef idx="none"/>
+        </p:style>
+        <p:txBody>
+          <a:bodyPr rot="0" spcFirstLastPara="1" vertOverflow="overflow" horzOverflow="overflow" vert="horz" wrap="square" lIns="45719" tIns="45719" rIns="45719" bIns="45719" numCol="1" spcCol="38100" rtlCol="0" anchor="ctr">
+            <a:spAutoFit/>
+          </a:bodyPr>
+          <a:lstStyle/>
+          <a:p>
+            <a:pPr marL="0" marR="0" indent="0" algn="l" defTabSz="914400" rtl="0" fontAlgn="auto" latinLnBrk="0" hangingPunct="0">
+              <a:lnSpc>
+                <a:spcPct val="100000"/>
+              </a:lnSpc>
+              <a:spcBef>
+                <a:spcPts val="0"/>
+              </a:spcBef>
+              <a:spcAft>
+                <a:spcPts val="0"/>
+              </a:spcAft>
+              <a:buClrTx/>
+              <a:buSzTx/>
+              <a:buFontTx/>
+              <a:buNone/>
+              <a:tabLst/>
+            </a:pPr>
+            <a:endParaRPr kumimoji="0" lang="zh-CN" altLang="en-US" sz="1800" b="0" i="0" u="none" strike="noStrike" cap="none" spc="0" normalizeH="0" baseline="0">
+              <a:ln>
+                <a:noFill/>
+              </a:ln>
+              <a:solidFill>
+                <a:srgbClr val="000000"/>
+              </a:solidFill>
+              <a:effectLst/>
+              <a:uFillTx/>
+              <a:latin typeface="Arial"/>
+              <a:ea typeface="Arial"/>
+              <a:cs typeface="Arial"/>
+              <a:sym typeface="Arial"/>
+            </a:endParaRPr>
+          </a:p>
+        </p:txBody>
+      </p:sp>
+    </p:spTree>
+    <p:extLst>
+      <p:ext uri="{BB962C8B-B14F-4D97-AF65-F5344CB8AC3E}">
+        <p14:creationId xmlns:p14="http://schemas.microsoft.com/office/powerpoint/2010/main" val="2100229647"/>
+      </p:ext>
+    </p:extLst>
+  </p:cSld>
+  <p:clrMapOvr>
+    <a:masterClrMapping/>
+  </p:clrMapOvr>
+  <p:transition spd="med"/>
+  <p:timing>
+    <p:tnLst>
+      <p:par>
+        <p:cTn id="1" dur="indefinite" restart="never" nodeType="tmRoot">
+          <p:childTnLst>
+            <p:seq concurrent="1" nextAc="seek">
+              <p:cTn id="2" dur="indefinite" nodeType="mainSeq">
+                <p:childTnLst>
+                  <p:par>
+                    <p:cTn id="3" fill="hold">
+                      <p:stCondLst>
+                        <p:cond delay="indefinite"/>
+                      </p:stCondLst>
+                      <p:childTnLst>
+                        <p:par>
+                          <p:cTn id="4" fill="hold">
+                            <p:stCondLst>
+                              <p:cond delay="0"/>
+                            </p:stCondLst>
+                            <p:childTnLst>
+                              <p:par>
+                                <p:cTn id="5" presetID="1" presetClass="entr" presetSubtype="0" fill="hold" grpId="0" nodeType="clickEffect">
+                                  <p:stCondLst>
+                                    <p:cond delay="0"/>
+                                  </p:stCondLst>
+                                  <p:childTnLst>
+                                    <p:set>
+                                      <p:cBhvr>
+                                        <p:cTn id="6" dur="1" fill="hold">
+                                          <p:stCondLst>
+                                            <p:cond delay="0"/>
+                                          </p:stCondLst>
+                                        </p:cTn>
+                                        <p:tgtEl>
+                                          <p:spTgt spid="2"/>
+                                        </p:tgtEl>
+                                        <p:attrNameLst>
+                                          <p:attrName>style.visibility</p:attrName>
+                                        </p:attrNameLst>
+                                      </p:cBhvr>
+                                      <p:to>
+                                        <p:strVal val="visible"/>
+                                      </p:to>
+                                    </p:set>
+                                  </p:childTnLst>
+                                </p:cTn>
+                              </p:par>
+                            </p:childTnLst>
+                          </p:cTn>
+                        </p:par>
+                      </p:childTnLst>
+                    </p:cTn>
+                  </p:par>
+                  <p:par>
+                    <p:cTn id="7" fill="hold">
+                      <p:stCondLst>
+                        <p:cond delay="indefinite"/>
+                      </p:stCondLst>
+                      <p:childTnLst>
+                        <p:par>
+                          <p:cTn id="8" fill="hold">
+                            <p:stCondLst>
+                              <p:cond delay="0"/>
+                            </p:stCondLst>
+                            <p:childTnLst>
+                              <p:par>
+                                <p:cTn id="9" presetID="10" presetClass="entr" presetSubtype="0" fill="hold" grpId="0" nodeType="clickEffect">
+                                  <p:stCondLst>
+                                    <p:cond delay="0"/>
+                                  </p:stCondLst>
+                                  <p:childTnLst>
+                                    <p:set>
+                                      <p:cBhvr>
+                                        <p:cTn id="10" dur="1" fill="hold">
+                                          <p:stCondLst>
+                                            <p:cond delay="0"/>
+                                          </p:stCondLst>
+                                        </p:cTn>
+                                        <p:tgtEl>
+                                          <p:spTgt spid="3">
+                                            <p:txEl>
+                                              <p:pRg st="0" end="0"/>
+                                            </p:txEl>
+                                          </p:spTgt>
+                                        </p:tgtEl>
+                                        <p:attrNameLst>
+                                          <p:attrName>style.visibility</p:attrName>
+                                        </p:attrNameLst>
+                                      </p:cBhvr>
+                                      <p:to>
+                                        <p:strVal val="visible"/>
+                                      </p:to>
+                                    </p:set>
+                                    <p:animEffect transition="in" filter="fade">
+                                      <p:cBhvr>
+                                        <p:cTn id="11" dur="500"/>
+                                        <p:tgtEl>
+                                          <p:spTgt spid="3">
+                                            <p:txEl>
+                                              <p:pRg st="0" end="0"/>
+                                            </p:txEl>
+                                          </p:spTgt>
+                                        </p:tgtEl>
+                                      </p:cBhvr>
+                                    </p:animEffect>
+                                  </p:childTnLst>
+                                </p:cTn>
+                              </p:par>
+                            </p:childTnLst>
+                          </p:cTn>
+                        </p:par>
+                      </p:childTnLst>
+                    </p:cTn>
+                  </p:par>
+                </p:childTnLst>
+              </p:cTn>
+              <p:prevCondLst>
+                <p:cond evt="onPrev" delay="0">
+                  <p:tgtEl>
+                    <p:sldTgt/>
+                  </p:tgtEl>
+                </p:cond>
+              </p:prevCondLst>
+              <p:nextCondLst>
+                <p:cond evt="onNext" delay="0">
+                  <p:tgtEl>
+                    <p:sldTgt/>
+                  </p:tgtEl>
+                </p:cond>
+              </p:nextCondLst>
+            </p:seq>
+          </p:childTnLst>
+        </p:cTn>
+      </p:par>
+    </p:tnLst>
+    <p:bldLst>
+      <p:bldP spid="2" grpId="0" animBg="1"/>
+      <p:bldP spid="3" grpId="0" uiExpand="1" build="p"/>
+    </p:bldLst>
+  </p:timing>
+</p:sld>
+</file>
+
+<file path=ppt/slides/slide11.xml><?xml version="1.0" encoding="utf-8"?>
+<p:sld xmlns:a="http://schemas.openxmlformats.org/drawingml/2006/main" xmlns:r="http://schemas.openxmlformats.org/officeDocument/2006/relationships" xmlns:p="http://schemas.openxmlformats.org/presentationml/2006/main">
+  <p:cSld>
+    <p:spTree>
+      <p:nvGrpSpPr>
+        <p:cNvPr id="1" name=""/>
+        <p:cNvGrpSpPr/>
+        <p:nvPr/>
+      </p:nvGrpSpPr>
+      <p:grpSpPr>
+        <a:xfrm>
+          <a:off x="0" y="0"/>
+          <a:ext cx="0" cy="0"/>
+          <a:chOff x="0" y="0"/>
+          <a:chExt cx="0" cy="0"/>
+        </a:xfrm>
+      </p:grpSpPr>
+      <p:sp>
+        <p:nvSpPr>
+          <p:cNvPr id="2" name="Title 1">
+            <a:extLst>
+              <a:ext uri="{FF2B5EF4-FFF2-40B4-BE49-F238E27FC236}">
+                <a16:creationId xmlns:a16="http://schemas.microsoft.com/office/drawing/2014/main" id="{FC23EE60-9574-3A75-9B76-DA940A4BD7BA}"/>
+              </a:ext>
+            </a:extLst>
+          </p:cNvPr>
+          <p:cNvSpPr>
+            <a:spLocks noGrp="1"/>
+          </p:cNvSpPr>
+          <p:nvPr>
+            <p:ph type="title"/>
+          </p:nvPr>
+        </p:nvSpPr>
+        <p:spPr>
+          <a:xfrm>
+            <a:off x="698500" y="173264"/>
+            <a:ext cx="10775071" cy="841255"/>
+          </a:xfrm>
+        </p:spPr>
+        <p:txBody>
+          <a:bodyPr>
+            <a:noAutofit/>
+          </a:bodyPr>
+          <a:lstStyle/>
+          <a:p>
+            <a:r>
+              <a:rPr lang="en-GB" b="0" i="0" dirty="0">
+                <a:effectLst/>
+                <a:latin typeface="Arial" panose="020B0604020202020204" pitchFamily="34" charset="0"/>
+              </a:rPr>
+              <a:t>3. </a:t>
+            </a:r>
+            <a:r>
+              <a:rPr lang="en-GB" dirty="0" err="1">
+                <a:latin typeface="Arial" panose="020B0604020202020204" pitchFamily="34" charset="0"/>
+              </a:rPr>
+              <a:t>Optitrack</a:t>
+            </a:r>
+            <a:r>
+              <a:rPr lang="en-GB" dirty="0">
+                <a:latin typeface="Arial" panose="020B0604020202020204" pitchFamily="34" charset="0"/>
+              </a:rPr>
+              <a:t> System</a:t>
+            </a:r>
+            <a:endParaRPr lang="en-GB" dirty="0"/>
+          </a:p>
+        </p:txBody>
+      </p:sp>
+      <p:sp>
+        <p:nvSpPr>
+          <p:cNvPr id="3" name="Text Placeholder 2">
+            <a:extLst>
+              <a:ext uri="{FF2B5EF4-FFF2-40B4-BE49-F238E27FC236}">
+                <a16:creationId xmlns:a16="http://schemas.microsoft.com/office/drawing/2014/main" id="{D678EF46-F590-D77C-D3C8-251A4EDE1821}"/>
+              </a:ext>
+            </a:extLst>
+          </p:cNvPr>
+          <p:cNvSpPr>
+            <a:spLocks noGrp="1"/>
+          </p:cNvSpPr>
+          <p:nvPr>
+            <p:ph type="body" idx="1"/>
+          </p:nvPr>
+        </p:nvSpPr>
+        <p:spPr>
+          <a:xfrm>
+            <a:off x="698500" y="618021"/>
+            <a:ext cx="10773500" cy="459134"/>
+          </a:xfrm>
+        </p:spPr>
+        <p:txBody>
+          <a:bodyPr>
+            <a:normAutofit/>
+          </a:bodyPr>
+          <a:lstStyle/>
+          <a:p>
+            <a:pPr marL="712788">
+              <a:lnSpc>
+                <a:spcPct val="100000"/>
+              </a:lnSpc>
+              <a:buFont typeface="Arial" panose="020B0604020202020204" pitchFamily="34" charset="0"/>
+              <a:buChar char="•"/>
+            </a:pPr>
+            <a:r>
+              <a:rPr lang="en-GB" sz="2400" b="0" i="0" dirty="0">
+                <a:effectLst/>
+                <a:latin typeface="Arial" panose="020B0604020202020204" pitchFamily="34" charset="0"/>
+              </a:rPr>
+              <a:t>Merging</a:t>
+            </a:r>
+          </a:p>
+        </p:txBody>
+      </p:sp>
+      <p:pic>
+        <p:nvPicPr>
+          <p:cNvPr id="5" name="图片 4" descr="电脑游戏的截图&#10;&#10;描述已自动生成">
+            <a:extLst>
+              <a:ext uri="{FF2B5EF4-FFF2-40B4-BE49-F238E27FC236}">
+                <a16:creationId xmlns:a16="http://schemas.microsoft.com/office/drawing/2014/main" id="{41F6C2DD-5C10-2362-6353-2AF95294CF5F}"/>
+              </a:ext>
+            </a:extLst>
+          </p:cNvPr>
+          <p:cNvPicPr>
+            <a:picLocks noChangeAspect="1"/>
+          </p:cNvPicPr>
+          <p:nvPr/>
+        </p:nvPicPr>
+        <p:blipFill>
+          <a:blip r:embed="rId3">
+            <a:extLst>
+              <a:ext uri="{28A0092B-C50C-407E-A947-70E740481C1C}">
+                <a14:useLocalDpi xmlns:a14="http://schemas.microsoft.com/office/drawing/2010/main" val="0"/>
+              </a:ext>
+            </a:extLst>
+          </a:blip>
+          <a:stretch>
+            <a:fillRect/>
+          </a:stretch>
+        </p:blipFill>
+        <p:spPr>
+          <a:xfrm>
+            <a:off x="0" y="1077154"/>
+            <a:ext cx="12192000" cy="5780845"/>
+          </a:xfrm>
+          <a:prstGeom prst="rect">
+            <a:avLst/>
+          </a:prstGeom>
+        </p:spPr>
+      </p:pic>
+      <p:sp>
+        <p:nvSpPr>
+          <p:cNvPr id="13" name="矩形 12">
+            <a:extLst>
+              <a:ext uri="{FF2B5EF4-FFF2-40B4-BE49-F238E27FC236}">
+                <a16:creationId xmlns:a16="http://schemas.microsoft.com/office/drawing/2014/main" id="{F6F9E58B-7BBE-0BFE-A408-31E89A4D22DC}"/>
+              </a:ext>
+            </a:extLst>
+          </p:cNvPr>
+          <p:cNvSpPr/>
+          <p:nvPr/>
+        </p:nvSpPr>
+        <p:spPr>
+          <a:xfrm>
+            <a:off x="6262007" y="3845149"/>
+            <a:ext cx="1175657" cy="822139"/>
+          </a:xfrm>
+          <a:prstGeom prst="rect">
+            <a:avLst/>
+          </a:prstGeom>
+          <a:noFill/>
+          <a:ln w="76200" cap="flat">
+            <a:solidFill>
+              <a:srgbClr val="FF0000"/>
+            </a:solidFill>
+            <a:prstDash val="solid"/>
+            <a:miter lim="800000"/>
+          </a:ln>
+          <a:effectLst/>
+          <a:sp3d/>
+        </p:spPr>
+        <p:style>
+          <a:lnRef idx="0">
+            <a:scrgbClr r="0" g="0" b="0"/>
+          </a:lnRef>
+          <a:fillRef idx="0">
+            <a:scrgbClr r="0" g="0" b="0"/>
+          </a:fillRef>
+          <a:effectRef idx="0">
+            <a:scrgbClr r="0" g="0" b="0"/>
+          </a:effectRef>
+          <a:fontRef idx="none"/>
+        </p:style>
+        <p:txBody>
+          <a:bodyPr rot="0" spcFirstLastPara="1" vertOverflow="overflow" horzOverflow="overflow" vert="horz" wrap="square" lIns="45719" tIns="45719" rIns="45719" bIns="45719" numCol="1" spcCol="38100" rtlCol="0" anchor="ctr">
+            <a:spAutoFit/>
+          </a:bodyPr>
+          <a:lstStyle/>
+          <a:p>
+            <a:pPr marL="0" marR="0" indent="0" algn="l" defTabSz="914400" rtl="0" fontAlgn="auto" latinLnBrk="0" hangingPunct="0">
+              <a:lnSpc>
+                <a:spcPct val="100000"/>
+              </a:lnSpc>
+              <a:spcBef>
+                <a:spcPts val="0"/>
+              </a:spcBef>
+              <a:spcAft>
+                <a:spcPts val="0"/>
+              </a:spcAft>
+              <a:buClrTx/>
+              <a:buSzTx/>
+              <a:buFontTx/>
+              <a:buNone/>
+              <a:tabLst/>
+            </a:pPr>
+            <a:endParaRPr kumimoji="0" lang="zh-CN" altLang="en-US" sz="1800" b="0" i="0" u="none" strike="noStrike" cap="none" spc="0" normalizeH="0" baseline="0">
+              <a:ln>
+                <a:noFill/>
+              </a:ln>
+              <a:solidFill>
+                <a:srgbClr val="000000"/>
+              </a:solidFill>
+              <a:effectLst/>
+              <a:uFillTx/>
+              <a:latin typeface="Arial"/>
+              <a:ea typeface="Arial"/>
+              <a:cs typeface="Arial"/>
+              <a:sym typeface="Arial"/>
+            </a:endParaRPr>
+          </a:p>
+        </p:txBody>
+      </p:sp>
+      <p:sp>
+        <p:nvSpPr>
+          <p:cNvPr id="4" name="矩形 3">
+            <a:extLst>
+              <a:ext uri="{FF2B5EF4-FFF2-40B4-BE49-F238E27FC236}">
+                <a16:creationId xmlns:a16="http://schemas.microsoft.com/office/drawing/2014/main" id="{FA921C5C-3320-2894-B618-14840A432F4A}"/>
+              </a:ext>
+            </a:extLst>
+          </p:cNvPr>
+          <p:cNvSpPr/>
+          <p:nvPr/>
+        </p:nvSpPr>
+        <p:spPr>
+          <a:xfrm flipV="1">
+            <a:off x="578757" y="4950727"/>
+            <a:ext cx="1489529" cy="45719"/>
+          </a:xfrm>
+          <a:prstGeom prst="rect">
+            <a:avLst/>
+          </a:prstGeom>
+          <a:noFill/>
+          <a:ln w="76200" cap="flat">
+            <a:solidFill>
+              <a:srgbClr val="FF0000"/>
+            </a:solidFill>
+            <a:prstDash val="solid"/>
+            <a:miter lim="800000"/>
+          </a:ln>
+          <a:effectLst/>
+          <a:sp3d/>
+        </p:spPr>
+        <p:style>
+          <a:lnRef idx="0">
+            <a:scrgbClr r="0" g="0" b="0"/>
+          </a:lnRef>
+          <a:fillRef idx="0">
+            <a:scrgbClr r="0" g="0" b="0"/>
+          </a:fillRef>
+          <a:effectRef idx="0">
+            <a:scrgbClr r="0" g="0" b="0"/>
+          </a:effectRef>
+          <a:fontRef idx="none"/>
+        </p:style>
+        <p:txBody>
+          <a:bodyPr rot="0" spcFirstLastPara="1" vertOverflow="overflow" horzOverflow="overflow" vert="horz" wrap="square" lIns="45719" tIns="45719" rIns="45719" bIns="45719" numCol="1" spcCol="38100" rtlCol="0" anchor="ctr">
+            <a:spAutoFit/>
+          </a:bodyPr>
+          <a:lstStyle/>
+          <a:p>
+            <a:pPr marL="0" marR="0" indent="0" algn="l" defTabSz="914400" rtl="0" fontAlgn="auto" latinLnBrk="0" hangingPunct="0">
+              <a:lnSpc>
+                <a:spcPct val="100000"/>
+              </a:lnSpc>
+              <a:spcBef>
+                <a:spcPts val="0"/>
+              </a:spcBef>
+              <a:spcAft>
+                <a:spcPts val="0"/>
+              </a:spcAft>
+              <a:buClrTx/>
+              <a:buSzTx/>
+              <a:buFontTx/>
+              <a:buNone/>
+              <a:tabLst/>
+            </a:pPr>
+            <a:endParaRPr kumimoji="0" lang="zh-CN" altLang="en-US" sz="1800" b="0" i="0" u="none" strike="noStrike" cap="none" spc="0" normalizeH="0" baseline="0">
+              <a:ln>
+                <a:noFill/>
+              </a:ln>
+              <a:solidFill>
+                <a:srgbClr val="000000"/>
+              </a:solidFill>
+              <a:effectLst/>
+              <a:uFillTx/>
+              <a:latin typeface="Arial"/>
+              <a:ea typeface="Arial"/>
+              <a:cs typeface="Arial"/>
+              <a:sym typeface="Arial"/>
+            </a:endParaRPr>
+          </a:p>
+        </p:txBody>
+      </p:sp>
+    </p:spTree>
+    <p:extLst>
+      <p:ext uri="{BB962C8B-B14F-4D97-AF65-F5344CB8AC3E}">
+        <p14:creationId xmlns:p14="http://schemas.microsoft.com/office/powerpoint/2010/main" val="2769353862"/>
+      </p:ext>
+    </p:extLst>
+  </p:cSld>
+  <p:clrMapOvr>
+    <a:masterClrMapping/>
+  </p:clrMapOvr>
+  <p:transition spd="med"/>
+  <p:timing>
+    <p:tnLst>
+      <p:par>
+        <p:cTn id="1" dur="indefinite" restart="never" nodeType="tmRoot">
+          <p:childTnLst>
+            <p:seq concurrent="1" nextAc="seek">
+              <p:cTn id="2" dur="indefinite" nodeType="mainSeq">
+                <p:childTnLst>
+                  <p:par>
+                    <p:cTn id="3" fill="hold">
+                      <p:stCondLst>
+                        <p:cond delay="indefinite"/>
+                      </p:stCondLst>
+                      <p:childTnLst>
+                        <p:par>
+                          <p:cTn id="4" fill="hold">
+                            <p:stCondLst>
+                              <p:cond delay="0"/>
+                            </p:stCondLst>
+                            <p:childTnLst>
+                              <p:par>
+                                <p:cTn id="5" presetID="1" presetClass="entr" presetSubtype="0" fill="hold" grpId="0" nodeType="clickEffect">
+                                  <p:stCondLst>
+                                    <p:cond delay="0"/>
+                                  </p:stCondLst>
+                                  <p:childTnLst>
+                                    <p:set>
+                                      <p:cBhvr>
+                                        <p:cTn id="6" dur="1" fill="hold">
+                                          <p:stCondLst>
+                                            <p:cond delay="0"/>
+                                          </p:stCondLst>
+                                        </p:cTn>
+                                        <p:tgtEl>
+                                          <p:spTgt spid="2"/>
+                                        </p:tgtEl>
+                                        <p:attrNameLst>
+                                          <p:attrName>style.visibility</p:attrName>
+                                        </p:attrNameLst>
+                                      </p:cBhvr>
+                                      <p:to>
+                                        <p:strVal val="visible"/>
+                                      </p:to>
+                                    </p:set>
+                                  </p:childTnLst>
+                                </p:cTn>
+                              </p:par>
+                            </p:childTnLst>
+                          </p:cTn>
+                        </p:par>
+                      </p:childTnLst>
+                    </p:cTn>
+                  </p:par>
+                  <p:par>
+                    <p:cTn id="7" fill="hold">
+                      <p:stCondLst>
+                        <p:cond delay="indefinite"/>
+                      </p:stCondLst>
+                      <p:childTnLst>
+                        <p:par>
+                          <p:cTn id="8" fill="hold">
+                            <p:stCondLst>
+                              <p:cond delay="0"/>
+                            </p:stCondLst>
+                            <p:childTnLst>
+                              <p:par>
+                                <p:cTn id="9" presetID="10" presetClass="entr" presetSubtype="0" fill="hold" grpId="0" nodeType="clickEffect">
+                                  <p:stCondLst>
+                                    <p:cond delay="0"/>
+                                  </p:stCondLst>
+                                  <p:childTnLst>
+                                    <p:set>
+                                      <p:cBhvr>
+                                        <p:cTn id="10" dur="1" fill="hold">
+                                          <p:stCondLst>
+                                            <p:cond delay="0"/>
+                                          </p:stCondLst>
+                                        </p:cTn>
+                                        <p:tgtEl>
+                                          <p:spTgt spid="3">
+                                            <p:txEl>
+                                              <p:pRg st="0" end="0"/>
+                                            </p:txEl>
+                                          </p:spTgt>
+                                        </p:tgtEl>
+                                        <p:attrNameLst>
+                                          <p:attrName>style.visibility</p:attrName>
+                                        </p:attrNameLst>
+                                      </p:cBhvr>
+                                      <p:to>
+                                        <p:strVal val="visible"/>
+                                      </p:to>
+                                    </p:set>
+                                    <p:animEffect transition="in" filter="fade">
+                                      <p:cBhvr>
+                                        <p:cTn id="11" dur="500"/>
+                                        <p:tgtEl>
+                                          <p:spTgt spid="3">
+                                            <p:txEl>
+                                              <p:pRg st="0" end="0"/>
+                                            </p:txEl>
+                                          </p:spTgt>
+                                        </p:tgtEl>
+                                      </p:cBhvr>
+                                    </p:animEffect>
+                                  </p:childTnLst>
+                                </p:cTn>
+                              </p:par>
+                            </p:childTnLst>
+                          </p:cTn>
+                        </p:par>
+                      </p:childTnLst>
+                    </p:cTn>
+                  </p:par>
+                </p:childTnLst>
+              </p:cTn>
+              <p:prevCondLst>
+                <p:cond evt="onPrev" delay="0">
+                  <p:tgtEl>
+                    <p:sldTgt/>
+                  </p:tgtEl>
+                </p:cond>
+              </p:prevCondLst>
+              <p:nextCondLst>
+                <p:cond evt="onNext" delay="0">
+                  <p:tgtEl>
+                    <p:sldTgt/>
+                  </p:tgtEl>
+                </p:cond>
+              </p:nextCondLst>
+            </p:seq>
+          </p:childTnLst>
+        </p:cTn>
+      </p:par>
+    </p:tnLst>
+    <p:bldLst>
+      <p:bldP spid="2" grpId="0" animBg="1"/>
+      <p:bldP spid="3" grpId="0" uiExpand="1" build="p"/>
+    </p:bldLst>
+  </p:timing>
+</p:sld>
+</file>
+
+<file path=ppt/slides/slide12.xml><?xml version="1.0" encoding="utf-8"?>
+<p:sld xmlns:a="http://schemas.openxmlformats.org/drawingml/2006/main" xmlns:r="http://schemas.openxmlformats.org/officeDocument/2006/relationships" xmlns:p="http://schemas.openxmlformats.org/presentationml/2006/main">
+  <p:cSld>
+    <p:spTree>
+      <p:nvGrpSpPr>
+        <p:cNvPr id="1" name=""/>
+        <p:cNvGrpSpPr/>
+        <p:nvPr/>
+      </p:nvGrpSpPr>
+      <p:grpSpPr>
+        <a:xfrm>
+          <a:off x="0" y="0"/>
+          <a:ext cx="0" cy="0"/>
+          <a:chOff x="0" y="0"/>
+          <a:chExt cx="0" cy="0"/>
+        </a:xfrm>
+      </p:grpSpPr>
+      <p:sp>
+        <p:nvSpPr>
+          <p:cNvPr id="2" name="Title 1">
+            <a:extLst>
+              <a:ext uri="{FF2B5EF4-FFF2-40B4-BE49-F238E27FC236}">
+                <a16:creationId xmlns:a16="http://schemas.microsoft.com/office/drawing/2014/main" id="{FC23EE60-9574-3A75-9B76-DA940A4BD7BA}"/>
+              </a:ext>
+            </a:extLst>
+          </p:cNvPr>
+          <p:cNvSpPr>
+            <a:spLocks noGrp="1"/>
+          </p:cNvSpPr>
+          <p:nvPr>
+            <p:ph type="title"/>
+          </p:nvPr>
+        </p:nvSpPr>
+        <p:spPr>
+          <a:xfrm>
+            <a:off x="698500" y="173264"/>
+            <a:ext cx="10775071" cy="841255"/>
+          </a:xfrm>
+        </p:spPr>
+        <p:txBody>
+          <a:bodyPr>
+            <a:noAutofit/>
+          </a:bodyPr>
+          <a:lstStyle/>
+          <a:p>
+            <a:r>
+              <a:rPr lang="en-GB" b="0" i="0" dirty="0">
+                <a:effectLst/>
+                <a:latin typeface="Arial" panose="020B0604020202020204" pitchFamily="34" charset="0"/>
+              </a:rPr>
+              <a:t>3. </a:t>
+            </a:r>
+            <a:r>
+              <a:rPr lang="en-GB" dirty="0" err="1">
+                <a:latin typeface="Arial" panose="020B0604020202020204" pitchFamily="34" charset="0"/>
+              </a:rPr>
+              <a:t>Optitrack</a:t>
+            </a:r>
+            <a:r>
+              <a:rPr lang="en-GB" dirty="0">
+                <a:latin typeface="Arial" panose="020B0604020202020204" pitchFamily="34" charset="0"/>
+              </a:rPr>
+              <a:t> System</a:t>
+            </a:r>
+            <a:endParaRPr lang="en-GB" dirty="0"/>
+          </a:p>
+        </p:txBody>
+      </p:sp>
+      <p:sp>
+        <p:nvSpPr>
+          <p:cNvPr id="3" name="Text Placeholder 2">
+            <a:extLst>
+              <a:ext uri="{FF2B5EF4-FFF2-40B4-BE49-F238E27FC236}">
+                <a16:creationId xmlns:a16="http://schemas.microsoft.com/office/drawing/2014/main" id="{D678EF46-F590-D77C-D3C8-251A4EDE1821}"/>
+              </a:ext>
+            </a:extLst>
+          </p:cNvPr>
+          <p:cNvSpPr>
+            <a:spLocks noGrp="1"/>
+          </p:cNvSpPr>
+          <p:nvPr>
+            <p:ph type="body" idx="1"/>
+          </p:nvPr>
+        </p:nvSpPr>
+        <p:spPr>
+          <a:xfrm>
+            <a:off x="698500" y="618021"/>
+            <a:ext cx="10773500" cy="459134"/>
+          </a:xfrm>
+        </p:spPr>
+        <p:txBody>
+          <a:bodyPr>
+            <a:normAutofit/>
+          </a:bodyPr>
+          <a:lstStyle/>
+          <a:p>
+            <a:pPr marL="712788">
+              <a:lnSpc>
+                <a:spcPct val="100000"/>
+              </a:lnSpc>
+              <a:buFont typeface="Arial" panose="020B0604020202020204" pitchFamily="34" charset="0"/>
+              <a:buChar char="•"/>
+            </a:pPr>
+            <a:r>
+              <a:rPr lang="en-GB" sz="2400" b="0" i="0" dirty="0">
+                <a:effectLst/>
+                <a:latin typeface="Arial" panose="020B0604020202020204" pitchFamily="34" charset="0"/>
+              </a:rPr>
+              <a:t>Noise</a:t>
+            </a:r>
+          </a:p>
+        </p:txBody>
+      </p:sp>
+    </p:spTree>
+    <p:extLst>
+      <p:ext uri="{BB962C8B-B14F-4D97-AF65-F5344CB8AC3E}">
+        <p14:creationId xmlns:p14="http://schemas.microsoft.com/office/powerpoint/2010/main" val="4017139159"/>
+      </p:ext>
+    </p:extLst>
+  </p:cSld>
+  <p:clrMapOvr>
+    <a:masterClrMapping/>
+  </p:clrMapOvr>
+  <p:transition spd="med"/>
+  <p:timing>
+    <p:tnLst>
+      <p:par>
+        <p:cTn id="1" dur="indefinite" restart="never" nodeType="tmRoot">
+          <p:childTnLst>
+            <p:seq concurrent="1" nextAc="seek">
+              <p:cTn id="2" dur="indefinite" nodeType="mainSeq">
+                <p:childTnLst>
+                  <p:par>
+                    <p:cTn id="3" fill="hold">
+                      <p:stCondLst>
+                        <p:cond delay="indefinite"/>
+                      </p:stCondLst>
+                      <p:childTnLst>
+                        <p:par>
+                          <p:cTn id="4" fill="hold">
+                            <p:stCondLst>
+                              <p:cond delay="0"/>
+                            </p:stCondLst>
+                            <p:childTnLst>
+                              <p:par>
+                                <p:cTn id="5" presetID="1" presetClass="entr" presetSubtype="0" fill="hold" grpId="0" nodeType="clickEffect">
+                                  <p:stCondLst>
+                                    <p:cond delay="0"/>
+                                  </p:stCondLst>
+                                  <p:childTnLst>
+                                    <p:set>
+                                      <p:cBhvr>
+                                        <p:cTn id="6" dur="1" fill="hold">
+                                          <p:stCondLst>
+                                            <p:cond delay="0"/>
+                                          </p:stCondLst>
+                                        </p:cTn>
+                                        <p:tgtEl>
+                                          <p:spTgt spid="2"/>
+                                        </p:tgtEl>
+                                        <p:attrNameLst>
+                                          <p:attrName>style.visibility</p:attrName>
+                                        </p:attrNameLst>
+                                      </p:cBhvr>
+                                      <p:to>
+                                        <p:strVal val="visible"/>
+                                      </p:to>
+                                    </p:set>
+                                  </p:childTnLst>
+                                </p:cTn>
+                              </p:par>
+                            </p:childTnLst>
+                          </p:cTn>
+                        </p:par>
+                      </p:childTnLst>
+                    </p:cTn>
+                  </p:par>
+                  <p:par>
+                    <p:cTn id="7" fill="hold">
+                      <p:stCondLst>
+                        <p:cond delay="indefinite"/>
+                      </p:stCondLst>
+                      <p:childTnLst>
+                        <p:par>
+                          <p:cTn id="8" fill="hold">
+                            <p:stCondLst>
+                              <p:cond delay="0"/>
+                            </p:stCondLst>
+                            <p:childTnLst>
+                              <p:par>
+                                <p:cTn id="9" presetID="10" presetClass="entr" presetSubtype="0" fill="hold" grpId="0" nodeType="clickEffect">
+                                  <p:stCondLst>
+                                    <p:cond delay="0"/>
+                                  </p:stCondLst>
+                                  <p:childTnLst>
+                                    <p:set>
+                                      <p:cBhvr>
+                                        <p:cTn id="10" dur="1" fill="hold">
+                                          <p:stCondLst>
+                                            <p:cond delay="0"/>
+                                          </p:stCondLst>
+                                        </p:cTn>
+                                        <p:tgtEl>
+                                          <p:spTgt spid="3">
+                                            <p:txEl>
+                                              <p:pRg st="0" end="0"/>
+                                            </p:txEl>
+                                          </p:spTgt>
+                                        </p:tgtEl>
+                                        <p:attrNameLst>
+                                          <p:attrName>style.visibility</p:attrName>
+                                        </p:attrNameLst>
+                                      </p:cBhvr>
+                                      <p:to>
+                                        <p:strVal val="visible"/>
+                                      </p:to>
+                                    </p:set>
+                                    <p:animEffect transition="in" filter="fade">
+                                      <p:cBhvr>
+                                        <p:cTn id="11" dur="500"/>
+                                        <p:tgtEl>
+                                          <p:spTgt spid="3">
+                                            <p:txEl>
+                                              <p:pRg st="0" end="0"/>
+                                            </p:txEl>
+                                          </p:spTgt>
+                                        </p:tgtEl>
+                                      </p:cBhvr>
+                                    </p:animEffect>
+                                  </p:childTnLst>
+                                </p:cTn>
+                              </p:par>
+                            </p:childTnLst>
+                          </p:cTn>
+                        </p:par>
+                      </p:childTnLst>
+                    </p:cTn>
+                  </p:par>
+                </p:childTnLst>
+              </p:cTn>
+              <p:prevCondLst>
+                <p:cond evt="onPrev" delay="0">
+                  <p:tgtEl>
+                    <p:sldTgt/>
+                  </p:tgtEl>
+                </p:cond>
+              </p:prevCondLst>
+              <p:nextCondLst>
+                <p:cond evt="onNext" delay="0">
+                  <p:tgtEl>
+                    <p:sldTgt/>
+                  </p:tgtEl>
+                </p:cond>
+              </p:nextCondLst>
+            </p:seq>
+          </p:childTnLst>
+        </p:cTn>
+      </p:par>
+    </p:tnLst>
+    <p:bldLst>
+      <p:bldP spid="2" grpId="0" animBg="1"/>
+      <p:bldP spid="3" grpId="0" uiExpand="1" build="p"/>
+    </p:bldLst>
+  </p:timing>
+</p:sld>
+</file>
+
+<file path=ppt/slides/slide13.xml><?xml version="1.0" encoding="utf-8"?>
+<p:sld xmlns:a="http://schemas.openxmlformats.org/drawingml/2006/main" xmlns:r="http://schemas.openxmlformats.org/officeDocument/2006/relationships" xmlns:p="http://schemas.openxmlformats.org/presentationml/2006/main">
+  <p:cSld>
+    <p:spTree>
+      <p:nvGrpSpPr>
+        <p:cNvPr id="1" name=""/>
+        <p:cNvGrpSpPr/>
+        <p:nvPr/>
+      </p:nvGrpSpPr>
+      <p:grpSpPr>
+        <a:xfrm>
+          <a:off x="0" y="0"/>
+          <a:ext cx="0" cy="0"/>
+          <a:chOff x="0" y="0"/>
+          <a:chExt cx="0" cy="0"/>
+        </a:xfrm>
+      </p:grpSpPr>
+      <p:pic>
+        <p:nvPicPr>
+          <p:cNvPr id="8" name="图片 7">
+            <a:extLst>
+              <a:ext uri="{FF2B5EF4-FFF2-40B4-BE49-F238E27FC236}">
+                <a16:creationId xmlns:a16="http://schemas.microsoft.com/office/drawing/2014/main" id="{A803B37F-7D12-F4D1-9062-5B865B7F7FC1}"/>
+              </a:ext>
+            </a:extLst>
+          </p:cNvPr>
+          <p:cNvPicPr>
+            <a:picLocks noChangeAspect="1"/>
+          </p:cNvPicPr>
+          <p:nvPr/>
+        </p:nvPicPr>
+        <p:blipFill>
+          <a:blip r:embed="rId3"/>
+          <a:stretch>
+            <a:fillRect/>
+          </a:stretch>
+        </p:blipFill>
+        <p:spPr>
+          <a:xfrm>
+            <a:off x="3065825" y="1904527"/>
+            <a:ext cx="6038850" cy="1219200"/>
+          </a:xfrm>
+          <a:prstGeom prst="rect">
+            <a:avLst/>
+          </a:prstGeom>
+        </p:spPr>
+      </p:pic>
+      <p:sp>
+        <p:nvSpPr>
+          <p:cNvPr id="2" name="Title 1">
+            <a:extLst>
+              <a:ext uri="{FF2B5EF4-FFF2-40B4-BE49-F238E27FC236}">
+                <a16:creationId xmlns:a16="http://schemas.microsoft.com/office/drawing/2014/main" id="{FC23EE60-9574-3A75-9B76-DA940A4BD7BA}"/>
+              </a:ext>
+            </a:extLst>
+          </p:cNvPr>
+          <p:cNvSpPr>
+            <a:spLocks noGrp="1"/>
+          </p:cNvSpPr>
+          <p:nvPr>
+            <p:ph type="title"/>
+          </p:nvPr>
+        </p:nvSpPr>
+        <p:spPr>
+          <a:xfrm>
+            <a:off x="698500" y="924379"/>
+            <a:ext cx="10775071" cy="841255"/>
+          </a:xfrm>
+        </p:spPr>
+        <p:txBody>
+          <a:bodyPr>
+            <a:noAutofit/>
+          </a:bodyPr>
+          <a:lstStyle/>
+          <a:p>
+            <a:r>
+              <a:rPr lang="en-GB" b="0" i="0" dirty="0">
+                <a:effectLst/>
+                <a:latin typeface="Arial" panose="020B0604020202020204" pitchFamily="34" charset="0"/>
+              </a:rPr>
+              <a:t>4. State-space model &amp; </a:t>
+            </a:r>
+            <a:r>
+              <a:rPr lang="en-GB" dirty="0">
+                <a:latin typeface="Arial" panose="020B0604020202020204" pitchFamily="34" charset="0"/>
+              </a:rPr>
+              <a:t>System Block Diagram</a:t>
+            </a:r>
+            <a:endParaRPr lang="en-GB" dirty="0"/>
+          </a:p>
+        </p:txBody>
+      </p:sp>
+      <p:sp>
+        <p:nvSpPr>
+          <p:cNvPr id="3" name="Text Placeholder 2">
+            <a:extLst>
+              <a:ext uri="{FF2B5EF4-FFF2-40B4-BE49-F238E27FC236}">
+                <a16:creationId xmlns:a16="http://schemas.microsoft.com/office/drawing/2014/main" id="{D678EF46-F590-D77C-D3C8-251A4EDE1821}"/>
+              </a:ext>
+            </a:extLst>
+          </p:cNvPr>
+          <p:cNvSpPr>
+            <a:spLocks noGrp="1"/>
+          </p:cNvSpPr>
+          <p:nvPr>
+            <p:ph type="body" idx="1"/>
+          </p:nvPr>
+        </p:nvSpPr>
+        <p:spPr>
+          <a:xfrm>
+            <a:off x="698500" y="1774781"/>
+            <a:ext cx="10773500" cy="459134"/>
+          </a:xfrm>
+        </p:spPr>
+        <p:txBody>
+          <a:bodyPr>
+            <a:normAutofit/>
+          </a:bodyPr>
+          <a:lstStyle/>
+          <a:p>
+            <a:pPr marL="712788">
+              <a:lnSpc>
+                <a:spcPct val="100000"/>
+              </a:lnSpc>
+              <a:buFont typeface="Arial" panose="020B0604020202020204" pitchFamily="34" charset="0"/>
+              <a:buChar char="•"/>
+            </a:pPr>
+            <a:r>
+              <a:rPr lang="en-GB" altLang="zh-CN" sz="2400" dirty="0">
+                <a:latin typeface="Arial" panose="020B0604020202020204" pitchFamily="34" charset="0"/>
+              </a:rPr>
+              <a:t>State-space model </a:t>
+            </a:r>
+            <a:endParaRPr lang="en-GB" sz="2400" b="0" i="0" dirty="0">
+              <a:effectLst/>
+              <a:latin typeface="Arial" panose="020B0604020202020204" pitchFamily="34" charset="0"/>
+            </a:endParaRPr>
+          </a:p>
+        </p:txBody>
+      </p:sp>
+      <p:sp>
+        <p:nvSpPr>
+          <p:cNvPr id="4" name="Text Placeholder 2">
+            <a:extLst>
+              <a:ext uri="{FF2B5EF4-FFF2-40B4-BE49-F238E27FC236}">
+                <a16:creationId xmlns:a16="http://schemas.microsoft.com/office/drawing/2014/main" id="{83FBB87D-18A7-E914-0257-64262AC4A4A4}"/>
+              </a:ext>
+            </a:extLst>
+          </p:cNvPr>
+          <p:cNvSpPr txBox="1">
+            <a:spLocks/>
+          </p:cNvSpPr>
+          <p:nvPr/>
+        </p:nvSpPr>
+        <p:spPr>
+          <a:xfrm>
+            <a:off x="698500" y="3071146"/>
+            <a:ext cx="10773500" cy="459134"/>
+          </a:xfrm>
+          <a:prstGeom prst="rect">
+            <a:avLst/>
+          </a:prstGeom>
+          <a:ln w="12700">
+            <a:miter lim="400000"/>
+          </a:ln>
+          <a:extLst>
+            <a:ext uri="{C572A759-6A51-4108-AA02-DFA0A04FC94B}">
+              <ma14:wrappingTextBoxFlag xmlns="" xmlns:ma14="http://schemas.microsoft.com/office/mac/drawingml/2011/main" xmlns:a14="http://schemas.microsoft.com/office/drawing/2010/main" xmlns:m="http://schemas.openxmlformats.org/officeDocument/2006/math" val="1"/>
+            </a:ext>
+          </a:extLst>
+        </p:spPr>
+        <p:txBody>
+          <a:bodyPr lIns="0" tIns="0" rIns="0" bIns="0">
+            <a:normAutofit/>
+          </a:bodyPr>
+          <a:lstStyle>
+            <a:lvl1pPr marL="263525" marR="0" indent="-263525" algn="l" defTabSz="719137" rtl="0" latinLnBrk="0">
+              <a:lnSpc>
+                <a:spcPct val="90000"/>
+              </a:lnSpc>
+              <a:spcBef>
+                <a:spcPts val="1200"/>
+              </a:spcBef>
+              <a:spcAft>
+                <a:spcPts val="0"/>
+              </a:spcAft>
+              <a:buClr>
+                <a:schemeClr val="accent1"/>
+              </a:buClr>
+              <a:buSzPct val="100000"/>
+              <a:buFontTx/>
+              <a:buChar char="▪"/>
+              <a:tabLst/>
+              <a:defRPr sz="1600" b="0" i="0" u="none" strike="noStrike" cap="none" spc="0" baseline="0">
+                <a:solidFill>
+                  <a:srgbClr val="000000"/>
+                </a:solidFill>
+                <a:uFillTx/>
+                <a:latin typeface="Arial"/>
+                <a:ea typeface="Arial"/>
+                <a:cs typeface="Arial"/>
+                <a:sym typeface="Arial"/>
+              </a:defRPr>
+            </a:lvl1pPr>
+            <a:lvl2pPr marL="538162" marR="0" indent="-274638" algn="l" defTabSz="719137" rtl="0" latinLnBrk="0">
+              <a:lnSpc>
+                <a:spcPct val="90000"/>
+              </a:lnSpc>
+              <a:spcBef>
+                <a:spcPts val="1200"/>
+              </a:spcBef>
+              <a:spcAft>
+                <a:spcPts val="0"/>
+              </a:spcAft>
+              <a:buClr>
+                <a:schemeClr val="accent1"/>
+              </a:buClr>
+              <a:buSzPct val="100000"/>
+              <a:buFontTx/>
+              <a:buChar char="▪"/>
+              <a:tabLst/>
+              <a:defRPr sz="1600" b="0" i="0" u="none" strike="noStrike" cap="none" spc="0" baseline="0">
+                <a:solidFill>
+                  <a:srgbClr val="000000"/>
+                </a:solidFill>
+                <a:uFillTx/>
+                <a:latin typeface="Arial"/>
+                <a:ea typeface="Arial"/>
+                <a:cs typeface="Arial"/>
+                <a:sym typeface="Arial"/>
+              </a:defRPr>
+            </a:lvl2pPr>
+            <a:lvl3pPr marL="0" marR="0" indent="0" algn="l" defTabSz="719137" rtl="0" latinLnBrk="0">
+              <a:lnSpc>
+                <a:spcPct val="90000"/>
+              </a:lnSpc>
+              <a:spcBef>
+                <a:spcPts val="1200"/>
+              </a:spcBef>
+              <a:spcAft>
+                <a:spcPts val="0"/>
+              </a:spcAft>
+              <a:buClr>
+                <a:schemeClr val="accent1"/>
+              </a:buClr>
+              <a:buSzTx/>
+              <a:buFont typeface="Wingdings"/>
+              <a:buNone/>
+              <a:tabLst/>
+              <a:defRPr sz="1600" b="0" i="0" u="none" strike="noStrike" cap="none" spc="0" baseline="0">
+                <a:solidFill>
+                  <a:srgbClr val="000000"/>
+                </a:solidFill>
+                <a:uFillTx/>
+                <a:latin typeface="Arial"/>
+                <a:ea typeface="Arial"/>
+                <a:cs typeface="Arial"/>
+                <a:sym typeface="Arial"/>
+              </a:defRPr>
+            </a:lvl3pPr>
+            <a:lvl4pPr marL="0" marR="0" indent="0" algn="l" defTabSz="719137" rtl="0" latinLnBrk="0">
+              <a:lnSpc>
+                <a:spcPct val="90000"/>
+              </a:lnSpc>
+              <a:spcBef>
+                <a:spcPts val="1200"/>
+              </a:spcBef>
+              <a:spcAft>
+                <a:spcPts val="0"/>
+              </a:spcAft>
+              <a:buClr>
+                <a:schemeClr val="accent1"/>
+              </a:buClr>
+              <a:buSzTx/>
+              <a:buFont typeface="Wingdings"/>
+              <a:buNone/>
+              <a:tabLst/>
+              <a:defRPr sz="1600" b="0" i="0" u="none" strike="noStrike" cap="none" spc="0" baseline="0">
+                <a:solidFill>
+                  <a:srgbClr val="000000"/>
+                </a:solidFill>
+                <a:uFillTx/>
+                <a:latin typeface="Arial"/>
+                <a:ea typeface="Arial"/>
+                <a:cs typeface="Arial"/>
+                <a:sym typeface="Arial"/>
+              </a:defRPr>
+            </a:lvl4pPr>
+            <a:lvl5pPr marL="263525" marR="0" indent="-263525" algn="l" defTabSz="719137" rtl="0" latinLnBrk="0">
+              <a:lnSpc>
+                <a:spcPct val="90000"/>
+              </a:lnSpc>
+              <a:spcBef>
+                <a:spcPts val="1200"/>
+              </a:spcBef>
+              <a:spcAft>
+                <a:spcPts val="0"/>
+              </a:spcAft>
+              <a:buClr>
+                <a:schemeClr val="accent1"/>
+              </a:buClr>
+              <a:buSzPct val="100000"/>
+              <a:buFont typeface="Wingdings"/>
+              <a:buAutoNum type="arabicPeriod"/>
+              <a:tabLst/>
+              <a:defRPr sz="1600" b="0" i="0" u="none" strike="noStrike" cap="none" spc="0" baseline="0">
+                <a:solidFill>
+                  <a:srgbClr val="000000"/>
+                </a:solidFill>
+                <a:uFillTx/>
+                <a:latin typeface="Arial"/>
+                <a:ea typeface="Arial"/>
+                <a:cs typeface="Arial"/>
+                <a:sym typeface="Arial"/>
+              </a:defRPr>
+            </a:lvl5pPr>
+            <a:lvl6pPr marL="538162" marR="0" indent="-276225" algn="l" defTabSz="719137" rtl="0" latinLnBrk="0">
+              <a:lnSpc>
+                <a:spcPct val="90000"/>
+              </a:lnSpc>
+              <a:spcBef>
+                <a:spcPts val="1200"/>
+              </a:spcBef>
+              <a:spcAft>
+                <a:spcPts val="0"/>
+              </a:spcAft>
+              <a:buClr>
+                <a:schemeClr val="accent1"/>
+              </a:buClr>
+              <a:buSzPct val="100000"/>
+              <a:buFont typeface="Wingdings"/>
+              <a:buAutoNum type="alphaLcPeriod"/>
+              <a:tabLst/>
+              <a:defRPr sz="1600" b="0" i="0" u="none" strike="noStrike" cap="none" spc="0" baseline="0">
+                <a:solidFill>
+                  <a:srgbClr val="000000"/>
+                </a:solidFill>
+                <a:uFillTx/>
+                <a:latin typeface="Arial"/>
+                <a:ea typeface="Arial"/>
+                <a:cs typeface="Arial"/>
+                <a:sym typeface="Arial"/>
+              </a:defRPr>
+            </a:lvl6pPr>
+            <a:lvl7pPr marL="538162" marR="0" indent="-276225" algn="l" defTabSz="719137" rtl="0" latinLnBrk="0">
+              <a:lnSpc>
+                <a:spcPct val="90000"/>
+              </a:lnSpc>
+              <a:spcBef>
+                <a:spcPts val="1200"/>
+              </a:spcBef>
+              <a:spcAft>
+                <a:spcPts val="0"/>
+              </a:spcAft>
+              <a:buClr>
+                <a:schemeClr val="accent1"/>
+              </a:buClr>
+              <a:buSzPct val="100000"/>
+              <a:buFontTx/>
+              <a:buChar char="▪"/>
+              <a:tabLst/>
+              <a:defRPr sz="1600" b="0" i="0" u="none" strike="noStrike" cap="none" spc="0" baseline="0">
+                <a:solidFill>
+                  <a:srgbClr val="000000"/>
+                </a:solidFill>
+                <a:uFillTx/>
+                <a:latin typeface="Arial"/>
+                <a:ea typeface="Arial"/>
+                <a:cs typeface="Arial"/>
+                <a:sym typeface="Arial"/>
+              </a:defRPr>
+            </a:lvl7pPr>
+            <a:lvl8pPr marL="0" marR="0" indent="0" algn="l" defTabSz="719137" rtl="0" latinLnBrk="0">
+              <a:lnSpc>
+                <a:spcPct val="90000"/>
+              </a:lnSpc>
+              <a:spcBef>
+                <a:spcPts val="1200"/>
+              </a:spcBef>
+              <a:spcAft>
+                <a:spcPts val="0"/>
+              </a:spcAft>
+              <a:buClr>
+                <a:schemeClr val="accent1"/>
+              </a:buClr>
+              <a:buSzTx/>
+              <a:buFont typeface="Wingdings"/>
+              <a:buNone/>
+              <a:tabLst/>
+              <a:defRPr sz="1600" b="0" i="0" u="none" strike="noStrike" cap="none" spc="0" baseline="0">
+                <a:solidFill>
+                  <a:srgbClr val="000000"/>
+                </a:solidFill>
+                <a:uFillTx/>
+                <a:latin typeface="Arial"/>
+                <a:ea typeface="Arial"/>
+                <a:cs typeface="Arial"/>
+                <a:sym typeface="Arial"/>
+              </a:defRPr>
+            </a:lvl8pPr>
+            <a:lvl9pPr marL="0" marR="0" indent="0" algn="l" defTabSz="719137" rtl="0" latinLnBrk="0">
+              <a:lnSpc>
+                <a:spcPct val="90000"/>
+              </a:lnSpc>
+              <a:spcBef>
+                <a:spcPts val="1200"/>
+              </a:spcBef>
+              <a:spcAft>
+                <a:spcPts val="0"/>
+              </a:spcAft>
+              <a:buClr>
+                <a:schemeClr val="accent1"/>
+              </a:buClr>
+              <a:buSzTx/>
+              <a:buFont typeface="Wingdings"/>
+              <a:buNone/>
+              <a:tabLst/>
+              <a:defRPr sz="1600" b="0" i="0" u="none" strike="noStrike" cap="none" spc="0" baseline="0">
+                <a:solidFill>
+                  <a:srgbClr val="000000"/>
+                </a:solidFill>
+                <a:uFillTx/>
+                <a:latin typeface="Arial"/>
+                <a:ea typeface="Arial"/>
+                <a:cs typeface="Arial"/>
+                <a:sym typeface="Arial"/>
+              </a:defRPr>
+            </a:lvl9pPr>
+          </a:lstStyle>
+          <a:p>
+            <a:pPr marL="712788" hangingPunct="1">
+              <a:lnSpc>
+                <a:spcPct val="100000"/>
+              </a:lnSpc>
+              <a:buFont typeface="Arial" panose="020B0604020202020204" pitchFamily="34" charset="0"/>
+              <a:buChar char="•"/>
+            </a:pPr>
+            <a:r>
+              <a:rPr lang="en-GB" altLang="zh-CN" sz="2400" dirty="0">
+                <a:latin typeface="Arial" panose="020B0604020202020204" pitchFamily="34" charset="0"/>
+              </a:rPr>
+              <a:t>System Block Diagram</a:t>
+            </a:r>
+            <a:endParaRPr lang="en-GB" sz="2400" dirty="0">
+              <a:latin typeface="Arial" panose="020B0604020202020204" pitchFamily="34" charset="0"/>
+            </a:endParaRPr>
+          </a:p>
+        </p:txBody>
+      </p:sp>
+      <p:pic>
+        <p:nvPicPr>
+          <p:cNvPr id="6" name="图片 5" descr="图形用户界面&#10;&#10;低可信度描述已自动生成">
+            <a:extLst>
+              <a:ext uri="{FF2B5EF4-FFF2-40B4-BE49-F238E27FC236}">
+                <a16:creationId xmlns:a16="http://schemas.microsoft.com/office/drawing/2014/main" id="{C86AA64C-EFFE-5293-5DC6-930AF6D54B79}"/>
+              </a:ext>
+            </a:extLst>
+          </p:cNvPr>
+          <p:cNvPicPr>
+            <a:picLocks noChangeAspect="1"/>
+          </p:cNvPicPr>
+          <p:nvPr/>
+        </p:nvPicPr>
+        <p:blipFill>
+          <a:blip r:embed="rId4">
+            <a:extLst>
+              <a:ext uri="{28A0092B-C50C-407E-A947-70E740481C1C}">
+                <a14:useLocalDpi xmlns:a14="http://schemas.microsoft.com/office/drawing/2010/main" val="0"/>
+              </a:ext>
+            </a:extLst>
+          </a:blip>
+          <a:stretch>
+            <a:fillRect/>
+          </a:stretch>
+        </p:blipFill>
+        <p:spPr>
+          <a:xfrm>
+            <a:off x="3142025" y="3530280"/>
+            <a:ext cx="5886450" cy="2676525"/>
+          </a:xfrm>
+          <a:prstGeom prst="rect">
+            <a:avLst/>
+          </a:prstGeom>
+        </p:spPr>
+      </p:pic>
+    </p:spTree>
+    <p:extLst>
+      <p:ext uri="{BB962C8B-B14F-4D97-AF65-F5344CB8AC3E}">
+        <p14:creationId xmlns:p14="http://schemas.microsoft.com/office/powerpoint/2010/main" val="882822159"/>
+      </p:ext>
+    </p:extLst>
+  </p:cSld>
+  <p:clrMapOvr>
+    <a:masterClrMapping/>
+  </p:clrMapOvr>
+  <p:transition spd="med"/>
+  <p:timing>
+    <p:tnLst>
+      <p:par>
+        <p:cTn id="1" dur="indefinite" restart="never" nodeType="tmRoot">
+          <p:childTnLst>
+            <p:seq concurrent="1" nextAc="seek">
+              <p:cTn id="2" dur="indefinite" nodeType="mainSeq">
+                <p:childTnLst>
+                  <p:par>
+                    <p:cTn id="3" fill="hold">
+                      <p:stCondLst>
+                        <p:cond delay="indefinite"/>
+                      </p:stCondLst>
+                      <p:childTnLst>
+                        <p:par>
+                          <p:cTn id="4" fill="hold">
+                            <p:stCondLst>
+                              <p:cond delay="0"/>
+                            </p:stCondLst>
+                            <p:childTnLst>
+                              <p:par>
+                                <p:cTn id="5" presetID="1" presetClass="entr" presetSubtype="0" fill="hold" grpId="0" nodeType="clickEffect">
+                                  <p:stCondLst>
+                                    <p:cond delay="0"/>
+                                  </p:stCondLst>
+                                  <p:childTnLst>
+                                    <p:set>
+                                      <p:cBhvr>
+                                        <p:cTn id="6" dur="1" fill="hold">
+                                          <p:stCondLst>
+                                            <p:cond delay="0"/>
+                                          </p:stCondLst>
+                                        </p:cTn>
+                                        <p:tgtEl>
+                                          <p:spTgt spid="2"/>
+                                        </p:tgtEl>
+                                        <p:attrNameLst>
+                                          <p:attrName>style.visibility</p:attrName>
+                                        </p:attrNameLst>
+                                      </p:cBhvr>
+                                      <p:to>
+                                        <p:strVal val="visible"/>
+                                      </p:to>
+                                    </p:set>
+                                  </p:childTnLst>
+                                </p:cTn>
+                              </p:par>
+                            </p:childTnLst>
+                          </p:cTn>
+                        </p:par>
+                      </p:childTnLst>
+                    </p:cTn>
+                  </p:par>
+                  <p:par>
+                    <p:cTn id="7" fill="hold">
+                      <p:stCondLst>
+                        <p:cond delay="indefinite"/>
+                      </p:stCondLst>
+                      <p:childTnLst>
+                        <p:par>
+                          <p:cTn id="8" fill="hold">
+                            <p:stCondLst>
+                              <p:cond delay="0"/>
+                            </p:stCondLst>
+                            <p:childTnLst>
+                              <p:par>
+                                <p:cTn id="9" presetID="10" presetClass="entr" presetSubtype="0" fill="hold" grpId="0" nodeType="clickEffect">
+                                  <p:stCondLst>
+                                    <p:cond delay="0"/>
+                                  </p:stCondLst>
+                                  <p:childTnLst>
+                                    <p:set>
+                                      <p:cBhvr>
+                                        <p:cTn id="10" dur="1" fill="hold">
+                                          <p:stCondLst>
+                                            <p:cond delay="0"/>
+                                          </p:stCondLst>
+                                        </p:cTn>
+                                        <p:tgtEl>
+                                          <p:spTgt spid="3">
+                                            <p:txEl>
+                                              <p:pRg st="0" end="0"/>
+                                            </p:txEl>
+                                          </p:spTgt>
+                                        </p:tgtEl>
+                                        <p:attrNameLst>
+                                          <p:attrName>style.visibility</p:attrName>
+                                        </p:attrNameLst>
+                                      </p:cBhvr>
+                                      <p:to>
+                                        <p:strVal val="visible"/>
+                                      </p:to>
+                                    </p:set>
+                                    <p:animEffect transition="in" filter="fade">
+                                      <p:cBhvr>
+                                        <p:cTn id="11" dur="500"/>
+                                        <p:tgtEl>
+                                          <p:spTgt spid="3">
+                                            <p:txEl>
+                                              <p:pRg st="0" end="0"/>
+                                            </p:txEl>
+                                          </p:spTgt>
+                                        </p:tgtEl>
+                                      </p:cBhvr>
+                                    </p:animEffect>
+                                  </p:childTnLst>
+                                </p:cTn>
+                              </p:par>
+                            </p:childTnLst>
+                          </p:cTn>
+                        </p:par>
+                      </p:childTnLst>
+                    </p:cTn>
+                  </p:par>
+                  <p:par>
+                    <p:cTn id="12" fill="hold">
+                      <p:stCondLst>
+                        <p:cond delay="indefinite"/>
+                      </p:stCondLst>
+                      <p:childTnLst>
+                        <p:par>
+                          <p:cTn id="13" fill="hold">
+                            <p:stCondLst>
+                              <p:cond delay="0"/>
+                            </p:stCondLst>
+                            <p:childTnLst>
+                              <p:par>
+                                <p:cTn id="14" presetID="10" presetClass="entr" presetSubtype="0" fill="hold" grpId="0" nodeType="clickEffect">
+                                  <p:stCondLst>
+                                    <p:cond delay="0"/>
+                                  </p:stCondLst>
+                                  <p:childTnLst>
+                                    <p:set>
+                                      <p:cBhvr>
+                                        <p:cTn id="15" dur="1" fill="hold">
+                                          <p:stCondLst>
+                                            <p:cond delay="0"/>
+                                          </p:stCondLst>
+                                        </p:cTn>
+                                        <p:tgtEl>
+                                          <p:spTgt spid="4">
+                                            <p:txEl>
+                                              <p:pRg st="0" end="0"/>
+                                            </p:txEl>
+                                          </p:spTgt>
+                                        </p:tgtEl>
+                                        <p:attrNameLst>
+                                          <p:attrName>style.visibility</p:attrName>
+                                        </p:attrNameLst>
+                                      </p:cBhvr>
+                                      <p:to>
+                                        <p:strVal val="visible"/>
+                                      </p:to>
+                                    </p:set>
+                                    <p:animEffect transition="in" filter="fade">
+                                      <p:cBhvr>
+                                        <p:cTn id="16" dur="500"/>
+                                        <p:tgtEl>
+                                          <p:spTgt spid="4">
+                                            <p:txEl>
+                                              <p:pRg st="0" end="0"/>
+                                            </p:txEl>
+                                          </p:spTgt>
+                                        </p:tgtEl>
+                                      </p:cBhvr>
+                                    </p:animEffect>
+                                  </p:childTnLst>
+                                </p:cTn>
+                              </p:par>
+                            </p:childTnLst>
+                          </p:cTn>
+                        </p:par>
+                      </p:childTnLst>
+                    </p:cTn>
+                  </p:par>
+                </p:childTnLst>
+              </p:cTn>
+              <p:prevCondLst>
+                <p:cond evt="onPrev" delay="0">
+                  <p:tgtEl>
+                    <p:sldTgt/>
+                  </p:tgtEl>
+                </p:cond>
+              </p:prevCondLst>
+              <p:nextCondLst>
+                <p:cond evt="onNext" delay="0">
+                  <p:tgtEl>
+                    <p:sldTgt/>
+                  </p:tgtEl>
+                </p:cond>
+              </p:nextCondLst>
+            </p:seq>
+          </p:childTnLst>
+        </p:cTn>
+      </p:par>
+    </p:tnLst>
+    <p:bldLst>
+      <p:bldP spid="2" grpId="0" animBg="1"/>
+      <p:bldP spid="3" grpId="0" uiExpand="1" build="p"/>
+      <p:bldP spid="4" grpId="0" uiExpand="1" build="p"/>
+    </p:bldLst>
+  </p:timing>
+</p:sld>
+</file>
+
+<file path=ppt/slides/slide14.xml><?xml version="1.0" encoding="utf-8"?>
 <p:sld xmlns:a="http://schemas.openxmlformats.org/drawingml/2006/main" xmlns:r="http://schemas.openxmlformats.org/officeDocument/2006/relationships" xmlns:p="http://schemas.openxmlformats.org/presentationml/2006/main">
   <p:cSld>
     <p:spTree>
@@ -14489,7 +16737,7 @@
 </p:sld>
 </file>
 
-<file path=ppt/slides/slide11.xml><?xml version="1.0" encoding="utf-8"?>
+<file path=ppt/slides/slide15.xml><?xml version="1.0" encoding="utf-8"?>
 <p:sld xmlns:a="http://schemas.openxmlformats.org/drawingml/2006/main" xmlns:r="http://schemas.openxmlformats.org/officeDocument/2006/relationships" xmlns:p="http://schemas.openxmlformats.org/presentationml/2006/main">
   <p:cSld>
     <p:spTree>
@@ -14673,7 +16921,7 @@
 </p:sld>
 </file>
 
-<file path=ppt/slides/slide12.xml><?xml version="1.0" encoding="utf-8"?>
+<file path=ppt/slides/slide16.xml><?xml version="1.0" encoding="utf-8"?>
 <p:sld xmlns:a="http://schemas.openxmlformats.org/drawingml/2006/main" xmlns:r="http://schemas.openxmlformats.org/officeDocument/2006/relationships" xmlns:p="http://schemas.openxmlformats.org/presentationml/2006/main">
   <p:cSld>
     <p:spTree>
@@ -15021,7 +17269,7 @@
 </p:sld>
 </file>
 
-<file path=ppt/slides/slide13.xml><?xml version="1.0" encoding="utf-8"?>
+<file path=ppt/slides/slide17.xml><?xml version="1.0" encoding="utf-8"?>
 <p:sld xmlns:a="http://schemas.openxmlformats.org/drawingml/2006/main" xmlns:r="http://schemas.openxmlformats.org/officeDocument/2006/relationships" xmlns:p="http://schemas.openxmlformats.org/presentationml/2006/main">
   <p:cSld>
     <p:spTree>
@@ -15248,7 +17496,7 @@
           </a:ln>
           <a:extLst>
             <a:ext uri="{C572A759-6A51-4108-AA02-DFA0A04FC94B}">
-              <ma14:wrappingTextBoxFlag xmlns:m="http://schemas.openxmlformats.org/officeDocument/2006/math" xmlns:a14="http://schemas.microsoft.com/office/drawing/2010/main" xmlns:ma14="http://schemas.microsoft.com/office/mac/drawingml/2011/main" xmlns="" val="1"/>
+              <ma14:wrappingTextBoxFlag xmlns="" xmlns:ma14="http://schemas.microsoft.com/office/mac/drawingml/2011/main" xmlns:a14="http://schemas.microsoft.com/office/drawing/2010/main" xmlns:m="http://schemas.openxmlformats.org/officeDocument/2006/math" val="1"/>
             </a:ext>
           </a:extLst>
         </p:spPr>
@@ -15746,7 +17994,7 @@
 </p:sld>
 </file>
 
-<file path=ppt/slides/slide14.xml><?xml version="1.0" encoding="utf-8"?>
+<file path=ppt/slides/slide18.xml><?xml version="1.0" encoding="utf-8"?>
 <p:sld xmlns:a="http://schemas.openxmlformats.org/drawingml/2006/main" xmlns:r="http://schemas.openxmlformats.org/officeDocument/2006/relationships" xmlns:p="http://schemas.openxmlformats.org/presentationml/2006/main">
   <p:cSld>
     <p:spTree>
@@ -16040,7 +18288,7 @@
 </p:sld>
 </file>
 
-<file path=ppt/slides/slide15.xml><?xml version="1.0" encoding="utf-8"?>
+<file path=ppt/slides/slide19.xml><?xml version="1.0" encoding="utf-8"?>
 <p:sld xmlns:a="http://schemas.openxmlformats.org/drawingml/2006/main" xmlns:r="http://schemas.openxmlformats.org/officeDocument/2006/relationships" xmlns:p="http://schemas.openxmlformats.org/presentationml/2006/main">
   <p:cSld>
     <p:spTree>
@@ -16348,7 +18596,527 @@
 </p:sld>
 </file>
 
-<file path=ppt/slides/slide16.xml><?xml version="1.0" encoding="utf-8"?>
+<file path=ppt/slides/slide2.xml><?xml version="1.0" encoding="utf-8"?>
+<p:sld xmlns:a="http://schemas.openxmlformats.org/drawingml/2006/main" xmlns:r="http://schemas.openxmlformats.org/officeDocument/2006/relationships" xmlns:p="http://schemas.openxmlformats.org/presentationml/2006/main">
+  <p:cSld>
+    <p:spTree>
+      <p:nvGrpSpPr>
+        <p:cNvPr id="1" name=""/>
+        <p:cNvGrpSpPr/>
+        <p:nvPr/>
+      </p:nvGrpSpPr>
+      <p:grpSpPr>
+        <a:xfrm>
+          <a:off x="0" y="0"/>
+          <a:ext cx="0" cy="0"/>
+          <a:chOff x="0" y="0"/>
+          <a:chExt cx="0" cy="0"/>
+        </a:xfrm>
+      </p:grpSpPr>
+      <p:sp>
+        <p:nvSpPr>
+          <p:cNvPr id="3168" name="Vertical Text Placeholder 18"/>
+          <p:cNvSpPr txBox="1">
+            <a:spLocks noGrp="1"/>
+          </p:cNvSpPr>
+          <p:nvPr>
+            <p:ph type="body" idx="1"/>
+          </p:nvPr>
+        </p:nvSpPr>
+        <p:spPr>
+          <a:xfrm>
+            <a:off x="698498" y="718513"/>
+            <a:ext cx="10798176" cy="5229851"/>
+          </a:xfrm>
+          <a:prstGeom prst="rect">
+            <a:avLst/>
+          </a:prstGeom>
+        </p:spPr>
+        <p:txBody>
+          <a:bodyPr anchor="t"/>
+          <a:lstStyle/>
+          <a:p>
+            <a:pPr marL="446088" algn="l">
+              <a:lnSpc>
+                <a:spcPct val="100000"/>
+              </a:lnSpc>
+              <a:defRPr>
+                <a:solidFill>
+                  <a:schemeClr val="accent1"/>
+                </a:solidFill>
+              </a:defRPr>
+            </a:pPr>
+            <a:r>
+              <a:rPr lang="en-GB" sz="3200" dirty="0">
+                <a:latin typeface="Times New Roman" panose="02020603050405020304" pitchFamily="18" charset="0"/>
+                <a:cs typeface="Times New Roman" panose="02020603050405020304" pitchFamily="18" charset="0"/>
+              </a:rPr>
+              <a:t>Outlines</a:t>
+            </a:r>
+          </a:p>
+          <a:p>
+            <a:pPr marL="2243138" indent="-898525" algn="l">
+              <a:lnSpc>
+                <a:spcPct val="200000"/>
+              </a:lnSpc>
+              <a:buFont typeface="+mj-lt"/>
+              <a:buAutoNum type="arabicPeriod"/>
+              <a:defRPr>
+                <a:solidFill>
+                  <a:schemeClr val="accent1"/>
+                </a:solidFill>
+              </a:defRPr>
+            </a:pPr>
+            <a:r>
+              <a:rPr lang="en-US" altLang="zh-CN" sz="3000" dirty="0">
+                <a:solidFill>
+                  <a:schemeClr val="tx1"/>
+                </a:solidFill>
+                <a:latin typeface="Times New Roman" panose="02020603050405020304" pitchFamily="18" charset="0"/>
+                <a:cs typeface="Times New Roman" panose="02020603050405020304" pitchFamily="18" charset="0"/>
+              </a:rPr>
+              <a:t>Research questions</a:t>
+            </a:r>
+            <a:endParaRPr lang="en-GB" sz="3000" dirty="0">
+              <a:solidFill>
+                <a:schemeClr val="tx1"/>
+              </a:solidFill>
+              <a:latin typeface="Times New Roman" panose="02020603050405020304" pitchFamily="18" charset="0"/>
+              <a:cs typeface="Times New Roman" panose="02020603050405020304" pitchFamily="18" charset="0"/>
+            </a:endParaRPr>
+          </a:p>
+          <a:p>
+            <a:pPr marL="2243138" indent="-898525" algn="l">
+              <a:lnSpc>
+                <a:spcPct val="200000"/>
+              </a:lnSpc>
+              <a:buFont typeface="+mj-lt"/>
+              <a:buAutoNum type="arabicPeriod"/>
+              <a:defRPr>
+                <a:solidFill>
+                  <a:schemeClr val="accent1"/>
+                </a:solidFill>
+              </a:defRPr>
+            </a:pPr>
+            <a:r>
+              <a:rPr lang="en-GB" sz="3000" dirty="0">
+                <a:solidFill>
+                  <a:schemeClr val="tx1"/>
+                </a:solidFill>
+                <a:latin typeface="Times New Roman" panose="02020603050405020304" pitchFamily="18" charset="0"/>
+                <a:cs typeface="Times New Roman" panose="02020603050405020304" pitchFamily="18" charset="0"/>
+              </a:rPr>
+              <a:t>System Description</a:t>
+            </a:r>
+          </a:p>
+          <a:p>
+            <a:pPr marL="2243138" indent="-898525" algn="l">
+              <a:lnSpc>
+                <a:spcPct val="200000"/>
+              </a:lnSpc>
+              <a:buFont typeface="+mj-lt"/>
+              <a:buAutoNum type="arabicPeriod"/>
+              <a:defRPr>
+                <a:solidFill>
+                  <a:schemeClr val="accent1"/>
+                </a:solidFill>
+              </a:defRPr>
+            </a:pPr>
+            <a:r>
+              <a:rPr lang="en-GB" sz="3000" dirty="0">
+                <a:solidFill>
+                  <a:schemeClr val="tx1"/>
+                </a:solidFill>
+                <a:latin typeface="Times New Roman" panose="02020603050405020304" pitchFamily="18" charset="0"/>
+                <a:cs typeface="Times New Roman" panose="02020603050405020304" pitchFamily="18" charset="0"/>
+              </a:rPr>
+              <a:t>Sensor Data Fusion</a:t>
+            </a:r>
+          </a:p>
+          <a:p>
+            <a:pPr marL="2243138" indent="-898525" algn="l">
+              <a:lnSpc>
+                <a:spcPct val="200000"/>
+              </a:lnSpc>
+              <a:buFont typeface="+mj-lt"/>
+              <a:buAutoNum type="arabicPeriod"/>
+              <a:defRPr>
+                <a:solidFill>
+                  <a:schemeClr val="accent1"/>
+                </a:solidFill>
+              </a:defRPr>
+            </a:pPr>
+            <a:r>
+              <a:rPr lang="en-US" altLang="zh-CN" sz="3000" dirty="0">
+                <a:solidFill>
+                  <a:schemeClr val="tx1"/>
+                </a:solidFill>
+                <a:latin typeface="Times New Roman" panose="02020603050405020304" pitchFamily="18" charset="0"/>
+                <a:cs typeface="Times New Roman" panose="02020603050405020304" pitchFamily="18" charset="0"/>
+              </a:rPr>
+              <a:t>Simulations &amp; Next Tasks</a:t>
+            </a:r>
+            <a:endParaRPr lang="en-GB" sz="3000" dirty="0">
+              <a:solidFill>
+                <a:schemeClr val="tx1"/>
+              </a:solidFill>
+              <a:latin typeface="Times New Roman" panose="02020603050405020304" pitchFamily="18" charset="0"/>
+              <a:cs typeface="Times New Roman" panose="02020603050405020304" pitchFamily="18" charset="0"/>
+            </a:endParaRPr>
+          </a:p>
+        </p:txBody>
+      </p:sp>
+      <p:sp>
+        <p:nvSpPr>
+          <p:cNvPr id="3170" name="Tijdelijke aanduiding voor dianummer 5"/>
+          <p:cNvSpPr txBox="1">
+            <a:spLocks noGrp="1"/>
+          </p:cNvSpPr>
+          <p:nvPr>
+            <p:ph type="sldNum" sz="quarter" idx="2"/>
+          </p:nvPr>
+        </p:nvSpPr>
+        <p:spPr>
+          <a:xfrm>
+            <a:off x="11289785" y="6246130"/>
+            <a:ext cx="182216" cy="172815"/>
+          </a:xfrm>
+          <a:prstGeom prst="rect">
+            <a:avLst/>
+          </a:prstGeom>
+          <a:ln w="12700">
+            <a:miter lim="400000"/>
+          </a:ln>
+          <a:extLst>
+            <a:ext uri="{C572A759-6A51-4108-AA02-DFA0A04FC94B}">
+              <ma14:wrappingTextBoxFlag xmlns:ma14="http://schemas.microsoft.com/office/mac/drawingml/2011/main" xmlns:a14="http://schemas.microsoft.com/office/drawing/2010/main" xmlns:m="http://schemas.openxmlformats.org/officeDocument/2006/math" xmlns="" val="1"/>
+            </a:ext>
+          </a:extLst>
+        </p:spPr>
+        <p:txBody>
+          <a:bodyPr wrap="none" lIns="0" tIns="0" rIns="0" bIns="0" anchor="ctr">
+            <a:spAutoFit/>
+          </a:bodyPr>
+          <a:lstStyle>
+            <a:defPPr marL="0" marR="0" indent="0" algn="l" defTabSz="914400" rtl="0" fontAlgn="auto" latinLnBrk="1" hangingPunct="0">
+              <a:lnSpc>
+                <a:spcPct val="100000"/>
+              </a:lnSpc>
+              <a:spcBef>
+                <a:spcPts val="0"/>
+              </a:spcBef>
+              <a:spcAft>
+                <a:spcPts val="0"/>
+              </a:spcAft>
+              <a:buClrTx/>
+              <a:buSzTx/>
+              <a:buFontTx/>
+              <a:buNone/>
+              <a:tabLst/>
+              <a:defRPr kumimoji="0" sz="1800" b="0" i="0" u="none" strike="noStrike" cap="none" spc="0" normalizeH="0" baseline="0">
+                <a:ln>
+                  <a:noFill/>
+                </a:ln>
+                <a:solidFill>
+                  <a:srgbClr val="000000"/>
+                </a:solidFill>
+                <a:effectLst/>
+                <a:uFillTx/>
+              </a:defRPr>
+            </a:defPPr>
+            <a:lvl1pPr marL="0" marR="0" indent="0" algn="r" defTabSz="914400" rtl="0" fontAlgn="auto" latinLnBrk="0" hangingPunct="0">
+              <a:lnSpc>
+                <a:spcPct val="100000"/>
+              </a:lnSpc>
+              <a:spcBef>
+                <a:spcPts val="0"/>
+              </a:spcBef>
+              <a:spcAft>
+                <a:spcPts val="0"/>
+              </a:spcAft>
+              <a:buClrTx/>
+              <a:buSzTx/>
+              <a:buFontTx/>
+              <a:buNone/>
+              <a:tabLst/>
+              <a:defRPr kumimoji="0" sz="1200" b="0" i="0" u="none" strike="noStrike" cap="none" spc="0" normalizeH="0" baseline="0">
+                <a:ln>
+                  <a:noFill/>
+                </a:ln>
+                <a:solidFill>
+                  <a:srgbClr val="A6A6A6"/>
+                </a:solidFill>
+                <a:effectLst/>
+                <a:uFillTx/>
+                <a:latin typeface="Arial"/>
+                <a:ea typeface="Arial"/>
+                <a:cs typeface="Arial"/>
+                <a:sym typeface="Arial"/>
+              </a:defRPr>
+            </a:lvl1pPr>
+            <a:lvl2pPr marL="0" marR="0" indent="457200" algn="l" defTabSz="914400" rtl="0" fontAlgn="auto" latinLnBrk="0" hangingPunct="0">
+              <a:lnSpc>
+                <a:spcPct val="100000"/>
+              </a:lnSpc>
+              <a:spcBef>
+                <a:spcPts val="0"/>
+              </a:spcBef>
+              <a:spcAft>
+                <a:spcPts val="0"/>
+              </a:spcAft>
+              <a:buClrTx/>
+              <a:buSzTx/>
+              <a:buFontTx/>
+              <a:buNone/>
+              <a:tabLst/>
+              <a:defRPr kumimoji="0" sz="1800" b="0" i="0" u="none" strike="noStrike" cap="none" spc="0" normalizeH="0" baseline="0">
+                <a:ln>
+                  <a:noFill/>
+                </a:ln>
+                <a:solidFill>
+                  <a:srgbClr val="000000"/>
+                </a:solidFill>
+                <a:effectLst/>
+                <a:uFillTx/>
+                <a:latin typeface="Arial"/>
+                <a:ea typeface="Arial"/>
+                <a:cs typeface="Arial"/>
+                <a:sym typeface="Arial"/>
+              </a:defRPr>
+            </a:lvl2pPr>
+            <a:lvl3pPr marL="0" marR="0" indent="914400" algn="l" defTabSz="914400" rtl="0" fontAlgn="auto" latinLnBrk="0" hangingPunct="0">
+              <a:lnSpc>
+                <a:spcPct val="100000"/>
+              </a:lnSpc>
+              <a:spcBef>
+                <a:spcPts val="0"/>
+              </a:spcBef>
+              <a:spcAft>
+                <a:spcPts val="0"/>
+              </a:spcAft>
+              <a:buClrTx/>
+              <a:buSzTx/>
+              <a:buFontTx/>
+              <a:buNone/>
+              <a:tabLst/>
+              <a:defRPr kumimoji="0" sz="1800" b="0" i="0" u="none" strike="noStrike" cap="none" spc="0" normalizeH="0" baseline="0">
+                <a:ln>
+                  <a:noFill/>
+                </a:ln>
+                <a:solidFill>
+                  <a:srgbClr val="000000"/>
+                </a:solidFill>
+                <a:effectLst/>
+                <a:uFillTx/>
+                <a:latin typeface="Arial"/>
+                <a:ea typeface="Arial"/>
+                <a:cs typeface="Arial"/>
+                <a:sym typeface="Arial"/>
+              </a:defRPr>
+            </a:lvl3pPr>
+            <a:lvl4pPr marL="0" marR="0" indent="1371600" algn="l" defTabSz="914400" rtl="0" fontAlgn="auto" latinLnBrk="0" hangingPunct="0">
+              <a:lnSpc>
+                <a:spcPct val="100000"/>
+              </a:lnSpc>
+              <a:spcBef>
+                <a:spcPts val="0"/>
+              </a:spcBef>
+              <a:spcAft>
+                <a:spcPts val="0"/>
+              </a:spcAft>
+              <a:buClrTx/>
+              <a:buSzTx/>
+              <a:buFontTx/>
+              <a:buNone/>
+              <a:tabLst/>
+              <a:defRPr kumimoji="0" sz="1800" b="0" i="0" u="none" strike="noStrike" cap="none" spc="0" normalizeH="0" baseline="0">
+                <a:ln>
+                  <a:noFill/>
+                </a:ln>
+                <a:solidFill>
+                  <a:srgbClr val="000000"/>
+                </a:solidFill>
+                <a:effectLst/>
+                <a:uFillTx/>
+                <a:latin typeface="Arial"/>
+                <a:ea typeface="Arial"/>
+                <a:cs typeface="Arial"/>
+                <a:sym typeface="Arial"/>
+              </a:defRPr>
+            </a:lvl4pPr>
+            <a:lvl5pPr marL="0" marR="0" indent="1828800" algn="l" defTabSz="914400" rtl="0" fontAlgn="auto" latinLnBrk="0" hangingPunct="0">
+              <a:lnSpc>
+                <a:spcPct val="100000"/>
+              </a:lnSpc>
+              <a:spcBef>
+                <a:spcPts val="0"/>
+              </a:spcBef>
+              <a:spcAft>
+                <a:spcPts val="0"/>
+              </a:spcAft>
+              <a:buClrTx/>
+              <a:buSzTx/>
+              <a:buFontTx/>
+              <a:buNone/>
+              <a:tabLst/>
+              <a:defRPr kumimoji="0" sz="1800" b="0" i="0" u="none" strike="noStrike" cap="none" spc="0" normalizeH="0" baseline="0">
+                <a:ln>
+                  <a:noFill/>
+                </a:ln>
+                <a:solidFill>
+                  <a:srgbClr val="000000"/>
+                </a:solidFill>
+                <a:effectLst/>
+                <a:uFillTx/>
+                <a:latin typeface="Arial"/>
+                <a:ea typeface="Arial"/>
+                <a:cs typeface="Arial"/>
+                <a:sym typeface="Arial"/>
+              </a:defRPr>
+            </a:lvl5pPr>
+            <a:lvl6pPr marL="0" marR="0" indent="2286000" algn="l" defTabSz="914400" rtl="0" fontAlgn="auto" latinLnBrk="0" hangingPunct="0">
+              <a:lnSpc>
+                <a:spcPct val="100000"/>
+              </a:lnSpc>
+              <a:spcBef>
+                <a:spcPts val="0"/>
+              </a:spcBef>
+              <a:spcAft>
+                <a:spcPts val="0"/>
+              </a:spcAft>
+              <a:buClrTx/>
+              <a:buSzTx/>
+              <a:buFontTx/>
+              <a:buNone/>
+              <a:tabLst/>
+              <a:defRPr kumimoji="0" sz="1800" b="0" i="0" u="none" strike="noStrike" cap="none" spc="0" normalizeH="0" baseline="0">
+                <a:ln>
+                  <a:noFill/>
+                </a:ln>
+                <a:solidFill>
+                  <a:srgbClr val="000000"/>
+                </a:solidFill>
+                <a:effectLst/>
+                <a:uFillTx/>
+                <a:latin typeface="Arial"/>
+                <a:ea typeface="Arial"/>
+                <a:cs typeface="Arial"/>
+                <a:sym typeface="Arial"/>
+              </a:defRPr>
+            </a:lvl6pPr>
+            <a:lvl7pPr marL="0" marR="0" indent="2743200" algn="l" defTabSz="914400" rtl="0" fontAlgn="auto" latinLnBrk="0" hangingPunct="0">
+              <a:lnSpc>
+                <a:spcPct val="100000"/>
+              </a:lnSpc>
+              <a:spcBef>
+                <a:spcPts val="0"/>
+              </a:spcBef>
+              <a:spcAft>
+                <a:spcPts val="0"/>
+              </a:spcAft>
+              <a:buClrTx/>
+              <a:buSzTx/>
+              <a:buFontTx/>
+              <a:buNone/>
+              <a:tabLst/>
+              <a:defRPr kumimoji="0" sz="1800" b="0" i="0" u="none" strike="noStrike" cap="none" spc="0" normalizeH="0" baseline="0">
+                <a:ln>
+                  <a:noFill/>
+                </a:ln>
+                <a:solidFill>
+                  <a:srgbClr val="000000"/>
+                </a:solidFill>
+                <a:effectLst/>
+                <a:uFillTx/>
+                <a:latin typeface="Arial"/>
+                <a:ea typeface="Arial"/>
+                <a:cs typeface="Arial"/>
+                <a:sym typeface="Arial"/>
+              </a:defRPr>
+            </a:lvl7pPr>
+            <a:lvl8pPr marL="0" marR="0" indent="3200400" algn="l" defTabSz="914400" rtl="0" fontAlgn="auto" latinLnBrk="0" hangingPunct="0">
+              <a:lnSpc>
+                <a:spcPct val="100000"/>
+              </a:lnSpc>
+              <a:spcBef>
+                <a:spcPts val="0"/>
+              </a:spcBef>
+              <a:spcAft>
+                <a:spcPts val="0"/>
+              </a:spcAft>
+              <a:buClrTx/>
+              <a:buSzTx/>
+              <a:buFontTx/>
+              <a:buNone/>
+              <a:tabLst/>
+              <a:defRPr kumimoji="0" sz="1800" b="0" i="0" u="none" strike="noStrike" cap="none" spc="0" normalizeH="0" baseline="0">
+                <a:ln>
+                  <a:noFill/>
+                </a:ln>
+                <a:solidFill>
+                  <a:srgbClr val="000000"/>
+                </a:solidFill>
+                <a:effectLst/>
+                <a:uFillTx/>
+                <a:latin typeface="Arial"/>
+                <a:ea typeface="Arial"/>
+                <a:cs typeface="Arial"/>
+                <a:sym typeface="Arial"/>
+              </a:defRPr>
+            </a:lvl8pPr>
+            <a:lvl9pPr marL="0" marR="0" indent="3657600" algn="l" defTabSz="914400" rtl="0" fontAlgn="auto" latinLnBrk="0" hangingPunct="0">
+              <a:lnSpc>
+                <a:spcPct val="100000"/>
+              </a:lnSpc>
+              <a:spcBef>
+                <a:spcPts val="0"/>
+              </a:spcBef>
+              <a:spcAft>
+                <a:spcPts val="0"/>
+              </a:spcAft>
+              <a:buClrTx/>
+              <a:buSzTx/>
+              <a:buFontTx/>
+              <a:buNone/>
+              <a:tabLst/>
+              <a:defRPr kumimoji="0" sz="1800" b="0" i="0" u="none" strike="noStrike" cap="none" spc="0" normalizeH="0" baseline="0">
+                <a:ln>
+                  <a:noFill/>
+                </a:ln>
+                <a:solidFill>
+                  <a:srgbClr val="000000"/>
+                </a:solidFill>
+                <a:effectLst/>
+                <a:uFillTx/>
+                <a:latin typeface="Arial"/>
+                <a:ea typeface="Arial"/>
+                <a:cs typeface="Arial"/>
+                <a:sym typeface="Arial"/>
+              </a:defRPr>
+            </a:lvl9pPr>
+          </a:lstStyle>
+          <a:p>
+            <a:fld id="{86CB4B4D-7CA3-9044-876B-883B54F8677D}" type="slidenum">
+              <a:rPr lang="en-US" altLang="zh-CN" smtClean="0"/>
+              <a:pPr/>
+              <a:t>2</a:t>
+            </a:fld>
+            <a:endParaRPr/>
+          </a:p>
+        </p:txBody>
+      </p:sp>
+    </p:spTree>
+  </p:cSld>
+  <p:clrMapOvr>
+    <a:masterClrMapping/>
+  </p:clrMapOvr>
+  <p:transition spd="slow">
+    <p:fade/>
+  </p:transition>
+</p:sld>
+</file>
+
+<file path=ppt/slides/slide20.xml><?xml version="1.0" encoding="utf-8"?>
 <p:sld xmlns:a="http://schemas.openxmlformats.org/drawingml/2006/main" xmlns:r="http://schemas.openxmlformats.org/officeDocument/2006/relationships" xmlns:p="http://schemas.openxmlformats.org/presentationml/2006/main">
   <p:cSld>
     <p:spTree>
@@ -16656,7 +19424,7 @@
 </p:sld>
 </file>
 
-<file path=ppt/slides/slide17.xml><?xml version="1.0" encoding="utf-8"?>
+<file path=ppt/slides/slide21.xml><?xml version="1.0" encoding="utf-8"?>
 <p:sld xmlns:a="http://schemas.openxmlformats.org/drawingml/2006/main" xmlns:r="http://schemas.openxmlformats.org/officeDocument/2006/relationships" xmlns:p="http://schemas.openxmlformats.org/presentationml/2006/main">
   <p:cSld>
     <p:spTree>
@@ -16958,7 +19726,7 @@
 </p:sld>
 </file>
 
-<file path=ppt/slides/slide18.xml><?xml version="1.0" encoding="utf-8"?>
+<file path=ppt/slides/slide22.xml><?xml version="1.0" encoding="utf-8"?>
 <p:sld xmlns:a="http://schemas.openxmlformats.org/drawingml/2006/main" xmlns:r="http://schemas.openxmlformats.org/officeDocument/2006/relationships" xmlns:p="http://schemas.openxmlformats.org/presentationml/2006/main">
   <p:cSld>
     <p:spTree>
@@ -17099,7 +19867,7 @@
 </p:sld>
 </file>
 
-<file path=ppt/slides/slide19.xml><?xml version="1.0" encoding="utf-8"?>
+<file path=ppt/slides/slide23.xml><?xml version="1.0" encoding="utf-8"?>
 <p:sld xmlns:a="http://schemas.openxmlformats.org/drawingml/2006/main" xmlns:r="http://schemas.openxmlformats.org/officeDocument/2006/relationships" xmlns:p="http://schemas.openxmlformats.org/presentationml/2006/main">
   <p:cSld>
     <p:spTree>
@@ -17680,527 +20448,7 @@
 </p:sld>
 </file>
 
-<file path=ppt/slides/slide2.xml><?xml version="1.0" encoding="utf-8"?>
-<p:sld xmlns:a="http://schemas.openxmlformats.org/drawingml/2006/main" xmlns:r="http://schemas.openxmlformats.org/officeDocument/2006/relationships" xmlns:p="http://schemas.openxmlformats.org/presentationml/2006/main">
-  <p:cSld>
-    <p:spTree>
-      <p:nvGrpSpPr>
-        <p:cNvPr id="1" name=""/>
-        <p:cNvGrpSpPr/>
-        <p:nvPr/>
-      </p:nvGrpSpPr>
-      <p:grpSpPr>
-        <a:xfrm>
-          <a:off x="0" y="0"/>
-          <a:ext cx="0" cy="0"/>
-          <a:chOff x="0" y="0"/>
-          <a:chExt cx="0" cy="0"/>
-        </a:xfrm>
-      </p:grpSpPr>
-      <p:sp>
-        <p:nvSpPr>
-          <p:cNvPr id="3168" name="Vertical Text Placeholder 18"/>
-          <p:cNvSpPr txBox="1">
-            <a:spLocks noGrp="1"/>
-          </p:cNvSpPr>
-          <p:nvPr>
-            <p:ph type="body" idx="1"/>
-          </p:nvPr>
-        </p:nvSpPr>
-        <p:spPr>
-          <a:xfrm>
-            <a:off x="698498" y="718513"/>
-            <a:ext cx="10798176" cy="5229851"/>
-          </a:xfrm>
-          <a:prstGeom prst="rect">
-            <a:avLst/>
-          </a:prstGeom>
-        </p:spPr>
-        <p:txBody>
-          <a:bodyPr anchor="t"/>
-          <a:lstStyle/>
-          <a:p>
-            <a:pPr marL="446088" algn="l">
-              <a:lnSpc>
-                <a:spcPct val="100000"/>
-              </a:lnSpc>
-              <a:defRPr>
-                <a:solidFill>
-                  <a:schemeClr val="accent1"/>
-                </a:solidFill>
-              </a:defRPr>
-            </a:pPr>
-            <a:r>
-              <a:rPr lang="en-GB" sz="3200" dirty="0">
-                <a:latin typeface="Times New Roman" panose="02020603050405020304" pitchFamily="18" charset="0"/>
-                <a:cs typeface="Times New Roman" panose="02020603050405020304" pitchFamily="18" charset="0"/>
-              </a:rPr>
-              <a:t>Outlines</a:t>
-            </a:r>
-          </a:p>
-          <a:p>
-            <a:pPr marL="2243138" indent="-898525" algn="l">
-              <a:lnSpc>
-                <a:spcPct val="200000"/>
-              </a:lnSpc>
-              <a:buFont typeface="+mj-lt"/>
-              <a:buAutoNum type="arabicPeriod"/>
-              <a:defRPr>
-                <a:solidFill>
-                  <a:schemeClr val="accent1"/>
-                </a:solidFill>
-              </a:defRPr>
-            </a:pPr>
-            <a:r>
-              <a:rPr lang="en-US" altLang="zh-CN" sz="3000" dirty="0">
-                <a:solidFill>
-                  <a:schemeClr val="tx1"/>
-                </a:solidFill>
-                <a:latin typeface="Times New Roman" panose="02020603050405020304" pitchFamily="18" charset="0"/>
-                <a:cs typeface="Times New Roman" panose="02020603050405020304" pitchFamily="18" charset="0"/>
-              </a:rPr>
-              <a:t>Research questions</a:t>
-            </a:r>
-            <a:endParaRPr lang="en-GB" sz="3000" dirty="0">
-              <a:solidFill>
-                <a:schemeClr val="tx1"/>
-              </a:solidFill>
-              <a:latin typeface="Times New Roman" panose="02020603050405020304" pitchFamily="18" charset="0"/>
-              <a:cs typeface="Times New Roman" panose="02020603050405020304" pitchFamily="18" charset="0"/>
-            </a:endParaRPr>
-          </a:p>
-          <a:p>
-            <a:pPr marL="2243138" indent="-898525" algn="l">
-              <a:lnSpc>
-                <a:spcPct val="200000"/>
-              </a:lnSpc>
-              <a:buFont typeface="+mj-lt"/>
-              <a:buAutoNum type="arabicPeriod"/>
-              <a:defRPr>
-                <a:solidFill>
-                  <a:schemeClr val="accent1"/>
-                </a:solidFill>
-              </a:defRPr>
-            </a:pPr>
-            <a:r>
-              <a:rPr lang="en-GB" sz="3000" dirty="0">
-                <a:solidFill>
-                  <a:schemeClr val="tx1"/>
-                </a:solidFill>
-                <a:latin typeface="Times New Roman" panose="02020603050405020304" pitchFamily="18" charset="0"/>
-                <a:cs typeface="Times New Roman" panose="02020603050405020304" pitchFamily="18" charset="0"/>
-              </a:rPr>
-              <a:t>System Description</a:t>
-            </a:r>
-          </a:p>
-          <a:p>
-            <a:pPr marL="2243138" indent="-898525" algn="l">
-              <a:lnSpc>
-                <a:spcPct val="200000"/>
-              </a:lnSpc>
-              <a:buFont typeface="+mj-lt"/>
-              <a:buAutoNum type="arabicPeriod"/>
-              <a:defRPr>
-                <a:solidFill>
-                  <a:schemeClr val="accent1"/>
-                </a:solidFill>
-              </a:defRPr>
-            </a:pPr>
-            <a:r>
-              <a:rPr lang="en-GB" sz="3000" dirty="0">
-                <a:solidFill>
-                  <a:schemeClr val="tx1"/>
-                </a:solidFill>
-                <a:latin typeface="Times New Roman" panose="02020603050405020304" pitchFamily="18" charset="0"/>
-                <a:cs typeface="Times New Roman" panose="02020603050405020304" pitchFamily="18" charset="0"/>
-              </a:rPr>
-              <a:t>Sensor Data Fusion</a:t>
-            </a:r>
-          </a:p>
-          <a:p>
-            <a:pPr marL="2243138" indent="-898525" algn="l">
-              <a:lnSpc>
-                <a:spcPct val="200000"/>
-              </a:lnSpc>
-              <a:buFont typeface="+mj-lt"/>
-              <a:buAutoNum type="arabicPeriod"/>
-              <a:defRPr>
-                <a:solidFill>
-                  <a:schemeClr val="accent1"/>
-                </a:solidFill>
-              </a:defRPr>
-            </a:pPr>
-            <a:r>
-              <a:rPr lang="en-US" altLang="zh-CN" sz="3000" dirty="0">
-                <a:solidFill>
-                  <a:schemeClr val="tx1"/>
-                </a:solidFill>
-                <a:latin typeface="Times New Roman" panose="02020603050405020304" pitchFamily="18" charset="0"/>
-                <a:cs typeface="Times New Roman" panose="02020603050405020304" pitchFamily="18" charset="0"/>
-              </a:rPr>
-              <a:t>Simulations &amp; Next Tasks</a:t>
-            </a:r>
-            <a:endParaRPr lang="en-GB" sz="3000" dirty="0">
-              <a:solidFill>
-                <a:schemeClr val="tx1"/>
-              </a:solidFill>
-              <a:latin typeface="Times New Roman" panose="02020603050405020304" pitchFamily="18" charset="0"/>
-              <a:cs typeface="Times New Roman" panose="02020603050405020304" pitchFamily="18" charset="0"/>
-            </a:endParaRPr>
-          </a:p>
-        </p:txBody>
-      </p:sp>
-      <p:sp>
-        <p:nvSpPr>
-          <p:cNvPr id="3170" name="Tijdelijke aanduiding voor dianummer 5"/>
-          <p:cNvSpPr txBox="1">
-            <a:spLocks noGrp="1"/>
-          </p:cNvSpPr>
-          <p:nvPr>
-            <p:ph type="sldNum" sz="quarter" idx="2"/>
-          </p:nvPr>
-        </p:nvSpPr>
-        <p:spPr>
-          <a:xfrm>
-            <a:off x="11289785" y="6246130"/>
-            <a:ext cx="182216" cy="172815"/>
-          </a:xfrm>
-          <a:prstGeom prst="rect">
-            <a:avLst/>
-          </a:prstGeom>
-          <a:ln w="12700">
-            <a:miter lim="400000"/>
-          </a:ln>
-          <a:extLst>
-            <a:ext uri="{C572A759-6A51-4108-AA02-DFA0A04FC94B}">
-              <ma14:wrappingTextBoxFlag xmlns="" xmlns:m="http://schemas.openxmlformats.org/officeDocument/2006/math" xmlns:a14="http://schemas.microsoft.com/office/drawing/2010/main" xmlns:ma14="http://schemas.microsoft.com/office/mac/drawingml/2011/main" val="1"/>
-            </a:ext>
-          </a:extLst>
-        </p:spPr>
-        <p:txBody>
-          <a:bodyPr wrap="none" lIns="0" tIns="0" rIns="0" bIns="0" anchor="ctr">
-            <a:spAutoFit/>
-          </a:bodyPr>
-          <a:lstStyle>
-            <a:defPPr marL="0" marR="0" indent="0" algn="l" defTabSz="914400" rtl="0" fontAlgn="auto" latinLnBrk="1" hangingPunct="0">
-              <a:lnSpc>
-                <a:spcPct val="100000"/>
-              </a:lnSpc>
-              <a:spcBef>
-                <a:spcPts val="0"/>
-              </a:spcBef>
-              <a:spcAft>
-                <a:spcPts val="0"/>
-              </a:spcAft>
-              <a:buClrTx/>
-              <a:buSzTx/>
-              <a:buFontTx/>
-              <a:buNone/>
-              <a:tabLst/>
-              <a:defRPr kumimoji="0" sz="1800" b="0" i="0" u="none" strike="noStrike" cap="none" spc="0" normalizeH="0" baseline="0">
-                <a:ln>
-                  <a:noFill/>
-                </a:ln>
-                <a:solidFill>
-                  <a:srgbClr val="000000"/>
-                </a:solidFill>
-                <a:effectLst/>
-                <a:uFillTx/>
-              </a:defRPr>
-            </a:defPPr>
-            <a:lvl1pPr marL="0" marR="0" indent="0" algn="r" defTabSz="914400" rtl="0" fontAlgn="auto" latinLnBrk="0" hangingPunct="0">
-              <a:lnSpc>
-                <a:spcPct val="100000"/>
-              </a:lnSpc>
-              <a:spcBef>
-                <a:spcPts val="0"/>
-              </a:spcBef>
-              <a:spcAft>
-                <a:spcPts val="0"/>
-              </a:spcAft>
-              <a:buClrTx/>
-              <a:buSzTx/>
-              <a:buFontTx/>
-              <a:buNone/>
-              <a:tabLst/>
-              <a:defRPr kumimoji="0" sz="1200" b="0" i="0" u="none" strike="noStrike" cap="none" spc="0" normalizeH="0" baseline="0">
-                <a:ln>
-                  <a:noFill/>
-                </a:ln>
-                <a:solidFill>
-                  <a:srgbClr val="A6A6A6"/>
-                </a:solidFill>
-                <a:effectLst/>
-                <a:uFillTx/>
-                <a:latin typeface="Arial"/>
-                <a:ea typeface="Arial"/>
-                <a:cs typeface="Arial"/>
-                <a:sym typeface="Arial"/>
-              </a:defRPr>
-            </a:lvl1pPr>
-            <a:lvl2pPr marL="0" marR="0" indent="457200" algn="l" defTabSz="914400" rtl="0" fontAlgn="auto" latinLnBrk="0" hangingPunct="0">
-              <a:lnSpc>
-                <a:spcPct val="100000"/>
-              </a:lnSpc>
-              <a:spcBef>
-                <a:spcPts val="0"/>
-              </a:spcBef>
-              <a:spcAft>
-                <a:spcPts val="0"/>
-              </a:spcAft>
-              <a:buClrTx/>
-              <a:buSzTx/>
-              <a:buFontTx/>
-              <a:buNone/>
-              <a:tabLst/>
-              <a:defRPr kumimoji="0" sz="1800" b="0" i="0" u="none" strike="noStrike" cap="none" spc="0" normalizeH="0" baseline="0">
-                <a:ln>
-                  <a:noFill/>
-                </a:ln>
-                <a:solidFill>
-                  <a:srgbClr val="000000"/>
-                </a:solidFill>
-                <a:effectLst/>
-                <a:uFillTx/>
-                <a:latin typeface="Arial"/>
-                <a:ea typeface="Arial"/>
-                <a:cs typeface="Arial"/>
-                <a:sym typeface="Arial"/>
-              </a:defRPr>
-            </a:lvl2pPr>
-            <a:lvl3pPr marL="0" marR="0" indent="914400" algn="l" defTabSz="914400" rtl="0" fontAlgn="auto" latinLnBrk="0" hangingPunct="0">
-              <a:lnSpc>
-                <a:spcPct val="100000"/>
-              </a:lnSpc>
-              <a:spcBef>
-                <a:spcPts val="0"/>
-              </a:spcBef>
-              <a:spcAft>
-                <a:spcPts val="0"/>
-              </a:spcAft>
-              <a:buClrTx/>
-              <a:buSzTx/>
-              <a:buFontTx/>
-              <a:buNone/>
-              <a:tabLst/>
-              <a:defRPr kumimoji="0" sz="1800" b="0" i="0" u="none" strike="noStrike" cap="none" spc="0" normalizeH="0" baseline="0">
-                <a:ln>
-                  <a:noFill/>
-                </a:ln>
-                <a:solidFill>
-                  <a:srgbClr val="000000"/>
-                </a:solidFill>
-                <a:effectLst/>
-                <a:uFillTx/>
-                <a:latin typeface="Arial"/>
-                <a:ea typeface="Arial"/>
-                <a:cs typeface="Arial"/>
-                <a:sym typeface="Arial"/>
-              </a:defRPr>
-            </a:lvl3pPr>
-            <a:lvl4pPr marL="0" marR="0" indent="1371600" algn="l" defTabSz="914400" rtl="0" fontAlgn="auto" latinLnBrk="0" hangingPunct="0">
-              <a:lnSpc>
-                <a:spcPct val="100000"/>
-              </a:lnSpc>
-              <a:spcBef>
-                <a:spcPts val="0"/>
-              </a:spcBef>
-              <a:spcAft>
-                <a:spcPts val="0"/>
-              </a:spcAft>
-              <a:buClrTx/>
-              <a:buSzTx/>
-              <a:buFontTx/>
-              <a:buNone/>
-              <a:tabLst/>
-              <a:defRPr kumimoji="0" sz="1800" b="0" i="0" u="none" strike="noStrike" cap="none" spc="0" normalizeH="0" baseline="0">
-                <a:ln>
-                  <a:noFill/>
-                </a:ln>
-                <a:solidFill>
-                  <a:srgbClr val="000000"/>
-                </a:solidFill>
-                <a:effectLst/>
-                <a:uFillTx/>
-                <a:latin typeface="Arial"/>
-                <a:ea typeface="Arial"/>
-                <a:cs typeface="Arial"/>
-                <a:sym typeface="Arial"/>
-              </a:defRPr>
-            </a:lvl4pPr>
-            <a:lvl5pPr marL="0" marR="0" indent="1828800" algn="l" defTabSz="914400" rtl="0" fontAlgn="auto" latinLnBrk="0" hangingPunct="0">
-              <a:lnSpc>
-                <a:spcPct val="100000"/>
-              </a:lnSpc>
-              <a:spcBef>
-                <a:spcPts val="0"/>
-              </a:spcBef>
-              <a:spcAft>
-                <a:spcPts val="0"/>
-              </a:spcAft>
-              <a:buClrTx/>
-              <a:buSzTx/>
-              <a:buFontTx/>
-              <a:buNone/>
-              <a:tabLst/>
-              <a:defRPr kumimoji="0" sz="1800" b="0" i="0" u="none" strike="noStrike" cap="none" spc="0" normalizeH="0" baseline="0">
-                <a:ln>
-                  <a:noFill/>
-                </a:ln>
-                <a:solidFill>
-                  <a:srgbClr val="000000"/>
-                </a:solidFill>
-                <a:effectLst/>
-                <a:uFillTx/>
-                <a:latin typeface="Arial"/>
-                <a:ea typeface="Arial"/>
-                <a:cs typeface="Arial"/>
-                <a:sym typeface="Arial"/>
-              </a:defRPr>
-            </a:lvl5pPr>
-            <a:lvl6pPr marL="0" marR="0" indent="2286000" algn="l" defTabSz="914400" rtl="0" fontAlgn="auto" latinLnBrk="0" hangingPunct="0">
-              <a:lnSpc>
-                <a:spcPct val="100000"/>
-              </a:lnSpc>
-              <a:spcBef>
-                <a:spcPts val="0"/>
-              </a:spcBef>
-              <a:spcAft>
-                <a:spcPts val="0"/>
-              </a:spcAft>
-              <a:buClrTx/>
-              <a:buSzTx/>
-              <a:buFontTx/>
-              <a:buNone/>
-              <a:tabLst/>
-              <a:defRPr kumimoji="0" sz="1800" b="0" i="0" u="none" strike="noStrike" cap="none" spc="0" normalizeH="0" baseline="0">
-                <a:ln>
-                  <a:noFill/>
-                </a:ln>
-                <a:solidFill>
-                  <a:srgbClr val="000000"/>
-                </a:solidFill>
-                <a:effectLst/>
-                <a:uFillTx/>
-                <a:latin typeface="Arial"/>
-                <a:ea typeface="Arial"/>
-                <a:cs typeface="Arial"/>
-                <a:sym typeface="Arial"/>
-              </a:defRPr>
-            </a:lvl6pPr>
-            <a:lvl7pPr marL="0" marR="0" indent="2743200" algn="l" defTabSz="914400" rtl="0" fontAlgn="auto" latinLnBrk="0" hangingPunct="0">
-              <a:lnSpc>
-                <a:spcPct val="100000"/>
-              </a:lnSpc>
-              <a:spcBef>
-                <a:spcPts val="0"/>
-              </a:spcBef>
-              <a:spcAft>
-                <a:spcPts val="0"/>
-              </a:spcAft>
-              <a:buClrTx/>
-              <a:buSzTx/>
-              <a:buFontTx/>
-              <a:buNone/>
-              <a:tabLst/>
-              <a:defRPr kumimoji="0" sz="1800" b="0" i="0" u="none" strike="noStrike" cap="none" spc="0" normalizeH="0" baseline="0">
-                <a:ln>
-                  <a:noFill/>
-                </a:ln>
-                <a:solidFill>
-                  <a:srgbClr val="000000"/>
-                </a:solidFill>
-                <a:effectLst/>
-                <a:uFillTx/>
-                <a:latin typeface="Arial"/>
-                <a:ea typeface="Arial"/>
-                <a:cs typeface="Arial"/>
-                <a:sym typeface="Arial"/>
-              </a:defRPr>
-            </a:lvl7pPr>
-            <a:lvl8pPr marL="0" marR="0" indent="3200400" algn="l" defTabSz="914400" rtl="0" fontAlgn="auto" latinLnBrk="0" hangingPunct="0">
-              <a:lnSpc>
-                <a:spcPct val="100000"/>
-              </a:lnSpc>
-              <a:spcBef>
-                <a:spcPts val="0"/>
-              </a:spcBef>
-              <a:spcAft>
-                <a:spcPts val="0"/>
-              </a:spcAft>
-              <a:buClrTx/>
-              <a:buSzTx/>
-              <a:buFontTx/>
-              <a:buNone/>
-              <a:tabLst/>
-              <a:defRPr kumimoji="0" sz="1800" b="0" i="0" u="none" strike="noStrike" cap="none" spc="0" normalizeH="0" baseline="0">
-                <a:ln>
-                  <a:noFill/>
-                </a:ln>
-                <a:solidFill>
-                  <a:srgbClr val="000000"/>
-                </a:solidFill>
-                <a:effectLst/>
-                <a:uFillTx/>
-                <a:latin typeface="Arial"/>
-                <a:ea typeface="Arial"/>
-                <a:cs typeface="Arial"/>
-                <a:sym typeface="Arial"/>
-              </a:defRPr>
-            </a:lvl8pPr>
-            <a:lvl9pPr marL="0" marR="0" indent="3657600" algn="l" defTabSz="914400" rtl="0" fontAlgn="auto" latinLnBrk="0" hangingPunct="0">
-              <a:lnSpc>
-                <a:spcPct val="100000"/>
-              </a:lnSpc>
-              <a:spcBef>
-                <a:spcPts val="0"/>
-              </a:spcBef>
-              <a:spcAft>
-                <a:spcPts val="0"/>
-              </a:spcAft>
-              <a:buClrTx/>
-              <a:buSzTx/>
-              <a:buFontTx/>
-              <a:buNone/>
-              <a:tabLst/>
-              <a:defRPr kumimoji="0" sz="1800" b="0" i="0" u="none" strike="noStrike" cap="none" spc="0" normalizeH="0" baseline="0">
-                <a:ln>
-                  <a:noFill/>
-                </a:ln>
-                <a:solidFill>
-                  <a:srgbClr val="000000"/>
-                </a:solidFill>
-                <a:effectLst/>
-                <a:uFillTx/>
-                <a:latin typeface="Arial"/>
-                <a:ea typeface="Arial"/>
-                <a:cs typeface="Arial"/>
-                <a:sym typeface="Arial"/>
-              </a:defRPr>
-            </a:lvl9pPr>
-          </a:lstStyle>
-          <a:p>
-            <a:fld id="{86CB4B4D-7CA3-9044-876B-883B54F8677D}" type="slidenum">
-              <a:rPr lang="en-US" altLang="zh-CN" smtClean="0"/>
-              <a:pPr/>
-              <a:t>2</a:t>
-            </a:fld>
-            <a:endParaRPr/>
-          </a:p>
-        </p:txBody>
-      </p:sp>
-    </p:spTree>
-  </p:cSld>
-  <p:clrMapOvr>
-    <a:masterClrMapping/>
-  </p:clrMapOvr>
-  <p:transition spd="slow">
-    <p:fade/>
-  </p:transition>
-</p:sld>
-</file>
-
-<file path=ppt/slides/slide20.xml><?xml version="1.0" encoding="utf-8"?>
+<file path=ppt/slides/slide24.xml><?xml version="1.0" encoding="utf-8"?>
 <p:sld xmlns:a="http://schemas.openxmlformats.org/drawingml/2006/main" xmlns:r="http://schemas.openxmlformats.org/officeDocument/2006/relationships" xmlns:p="http://schemas.openxmlformats.org/presentationml/2006/main">
   <p:cSld>
     <p:spTree>
@@ -18460,7 +20708,7 @@
 </p:sld>
 </file>
 
-<file path=ppt/slides/slide21.xml><?xml version="1.0" encoding="utf-8"?>
+<file path=ppt/slides/slide25.xml><?xml version="1.0" encoding="utf-8"?>
 <p:sld xmlns:a="http://schemas.openxmlformats.org/drawingml/2006/main" xmlns:r="http://schemas.openxmlformats.org/officeDocument/2006/relationships" xmlns:p="http://schemas.openxmlformats.org/presentationml/2006/main">
   <p:cSld>
     <p:spTree>
@@ -18815,7 +21063,7 @@
 </p:sld>
 </file>
 
-<file path=ppt/slides/slide22.xml><?xml version="1.0" encoding="utf-8"?>
+<file path=ppt/slides/slide26.xml><?xml version="1.0" encoding="utf-8"?>
 <p:sld xmlns:a="http://schemas.openxmlformats.org/drawingml/2006/main" xmlns:r="http://schemas.openxmlformats.org/officeDocument/2006/relationships" xmlns:p="http://schemas.openxmlformats.org/presentationml/2006/main">
   <p:cSld>
     <p:spTree>
@@ -19945,7 +22193,7 @@
           </a:ln>
           <a:extLst>
             <a:ext uri="{C572A759-6A51-4108-AA02-DFA0A04FC94B}">
-              <ma14:wrappingTextBoxFlag xmlns:m="http://schemas.openxmlformats.org/officeDocument/2006/math" xmlns:a14="http://schemas.microsoft.com/office/drawing/2010/main" xmlns:ma14="http://schemas.microsoft.com/office/mac/drawingml/2011/main" xmlns="" val="1"/>
+              <ma14:wrappingTextBoxFlag xmlns="" xmlns:ma14="http://schemas.microsoft.com/office/mac/drawingml/2011/main" xmlns:a14="http://schemas.microsoft.com/office/drawing/2010/main" xmlns:m="http://schemas.openxmlformats.org/officeDocument/2006/math" val="1"/>
             </a:ext>
           </a:extLst>
         </p:spPr>
@@ -20478,7 +22726,7 @@
         </p:nvSpPr>
         <p:spPr>
           <a:xfrm>
-            <a:off x="698500" y="924379"/>
+            <a:off x="698500" y="173264"/>
             <a:ext cx="10775071" cy="841255"/>
           </a:xfrm>
         </p:spPr>
@@ -20529,7 +22777,7 @@
         </p:nvSpPr>
         <p:spPr>
           <a:xfrm>
-            <a:off x="698500" y="1774781"/>
+            <a:off x="698500" y="618021"/>
             <a:ext cx="10773500" cy="459134"/>
           </a:xfrm>
         </p:spPr>
@@ -20547,324 +22795,86 @@
               <a:buChar char="•"/>
             </a:pPr>
             <a:r>
-              <a:rPr lang="en-GB" altLang="zh-CN" sz="2400" dirty="0">
+              <a:rPr lang="en-GB" sz="2400" b="0" i="0" dirty="0">
+                <a:effectLst/>
                 <a:latin typeface="Arial" panose="020B0604020202020204" pitchFamily="34" charset="0"/>
               </a:rPr>
-              <a:t>Merging</a:t>
+              <a:t>Overview</a:t>
             </a:r>
-            <a:endParaRPr lang="en-GB" sz="2400" b="0" i="0" dirty="0">
-              <a:effectLst/>
-              <a:latin typeface="Arial" panose="020B0604020202020204" pitchFamily="34" charset="0"/>
-            </a:endParaRPr>
           </a:p>
         </p:txBody>
       </p:sp>
-      <p:sp>
-        <p:nvSpPr>
-          <p:cNvPr id="4" name="Text Placeholder 2">
+      <p:pic>
+        <p:nvPicPr>
+          <p:cNvPr id="10" name="图片 9" descr="电脑游戏的截图&#10;&#10;描述已自动生成">
             <a:extLst>
               <a:ext uri="{FF2B5EF4-FFF2-40B4-BE49-F238E27FC236}">
-                <a16:creationId xmlns:a16="http://schemas.microsoft.com/office/drawing/2014/main" id="{83FBB87D-18A7-E914-0257-64262AC4A4A4}"/>
+                <a16:creationId xmlns:a16="http://schemas.microsoft.com/office/drawing/2014/main" id="{EABB7539-45D6-70CF-31F0-510B121B73E4}"/>
               </a:ext>
             </a:extLst>
           </p:cNvPr>
-          <p:cNvSpPr txBox="1">
-            <a:spLocks/>
-          </p:cNvSpPr>
+          <p:cNvPicPr>
+            <a:picLocks noChangeAspect="1"/>
+          </p:cNvPicPr>
           <p:nvPr/>
-        </p:nvSpPr>
+        </p:nvPicPr>
+        <p:blipFill>
+          <a:blip r:embed="rId3">
+            <a:extLst>
+              <a:ext uri="{28A0092B-C50C-407E-A947-70E740481C1C}">
+                <a14:useLocalDpi xmlns:a14="http://schemas.microsoft.com/office/drawing/2010/main" val="0"/>
+              </a:ext>
+            </a:extLst>
+          </a:blip>
+          <a:stretch>
+            <a:fillRect/>
+          </a:stretch>
+        </p:blipFill>
         <p:spPr>
           <a:xfrm>
-            <a:off x="698500" y="3730902"/>
-            <a:ext cx="10773500" cy="459134"/>
+            <a:off x="137702" y="1077155"/>
+            <a:ext cx="12192000" cy="5780845"/>
           </a:xfrm>
           <a:prstGeom prst="rect">
             <a:avLst/>
           </a:prstGeom>
-          <a:ln w="12700">
-            <a:miter lim="400000"/>
-          </a:ln>
-          <a:extLst>
-            <a:ext uri="{C572A759-6A51-4108-AA02-DFA0A04FC94B}">
-              <ma14:wrappingTextBoxFlag xmlns="" xmlns:ma14="http://schemas.microsoft.com/office/mac/drawingml/2011/main" xmlns:a14="http://schemas.microsoft.com/office/drawing/2010/main" xmlns:m="http://schemas.openxmlformats.org/officeDocument/2006/math" val="1"/>
-            </a:ext>
-          </a:extLst>
         </p:spPr>
-        <p:txBody>
-          <a:bodyPr lIns="0" tIns="0" rIns="0" bIns="0">
-            <a:normAutofit/>
-          </a:bodyPr>
-          <a:lstStyle>
-            <a:lvl1pPr marL="263525" marR="0" indent="-263525" algn="l" defTabSz="719137" rtl="0" latinLnBrk="0">
-              <a:lnSpc>
-                <a:spcPct val="90000"/>
-              </a:lnSpc>
-              <a:spcBef>
-                <a:spcPts val="1200"/>
-              </a:spcBef>
-              <a:spcAft>
-                <a:spcPts val="0"/>
-              </a:spcAft>
-              <a:buClr>
-                <a:schemeClr val="accent1"/>
-              </a:buClr>
-              <a:buSzPct val="100000"/>
-              <a:buFontTx/>
-              <a:buChar char="▪"/>
-              <a:tabLst/>
-              <a:defRPr sz="1600" b="0" i="0" u="none" strike="noStrike" cap="none" spc="0" baseline="0">
-                <a:solidFill>
-                  <a:srgbClr val="000000"/>
-                </a:solidFill>
-                <a:uFillTx/>
-                <a:latin typeface="Arial"/>
-                <a:ea typeface="Arial"/>
-                <a:cs typeface="Arial"/>
-                <a:sym typeface="Arial"/>
-              </a:defRPr>
-            </a:lvl1pPr>
-            <a:lvl2pPr marL="538162" marR="0" indent="-274638" algn="l" defTabSz="719137" rtl="0" latinLnBrk="0">
-              <a:lnSpc>
-                <a:spcPct val="90000"/>
-              </a:lnSpc>
-              <a:spcBef>
-                <a:spcPts val="1200"/>
-              </a:spcBef>
-              <a:spcAft>
-                <a:spcPts val="0"/>
-              </a:spcAft>
-              <a:buClr>
-                <a:schemeClr val="accent1"/>
-              </a:buClr>
-              <a:buSzPct val="100000"/>
-              <a:buFontTx/>
-              <a:buChar char="▪"/>
-              <a:tabLst/>
-              <a:defRPr sz="1600" b="0" i="0" u="none" strike="noStrike" cap="none" spc="0" baseline="0">
-                <a:solidFill>
-                  <a:srgbClr val="000000"/>
-                </a:solidFill>
-                <a:uFillTx/>
-                <a:latin typeface="Arial"/>
-                <a:ea typeface="Arial"/>
-                <a:cs typeface="Arial"/>
-                <a:sym typeface="Arial"/>
-              </a:defRPr>
-            </a:lvl2pPr>
-            <a:lvl3pPr marL="0" marR="0" indent="0" algn="l" defTabSz="719137" rtl="0" latinLnBrk="0">
-              <a:lnSpc>
-                <a:spcPct val="90000"/>
-              </a:lnSpc>
-              <a:spcBef>
-                <a:spcPts val="1200"/>
-              </a:spcBef>
-              <a:spcAft>
-                <a:spcPts val="0"/>
-              </a:spcAft>
-              <a:buClr>
-                <a:schemeClr val="accent1"/>
-              </a:buClr>
-              <a:buSzTx/>
-              <a:buFont typeface="Wingdings"/>
-              <a:buNone/>
-              <a:tabLst/>
-              <a:defRPr sz="1600" b="0" i="0" u="none" strike="noStrike" cap="none" spc="0" baseline="0">
-                <a:solidFill>
-                  <a:srgbClr val="000000"/>
-                </a:solidFill>
-                <a:uFillTx/>
-                <a:latin typeface="Arial"/>
-                <a:ea typeface="Arial"/>
-                <a:cs typeface="Arial"/>
-                <a:sym typeface="Arial"/>
-              </a:defRPr>
-            </a:lvl3pPr>
-            <a:lvl4pPr marL="0" marR="0" indent="0" algn="l" defTabSz="719137" rtl="0" latinLnBrk="0">
-              <a:lnSpc>
-                <a:spcPct val="90000"/>
-              </a:lnSpc>
-              <a:spcBef>
-                <a:spcPts val="1200"/>
-              </a:spcBef>
-              <a:spcAft>
-                <a:spcPts val="0"/>
-              </a:spcAft>
-              <a:buClr>
-                <a:schemeClr val="accent1"/>
-              </a:buClr>
-              <a:buSzTx/>
-              <a:buFont typeface="Wingdings"/>
-              <a:buNone/>
-              <a:tabLst/>
-              <a:defRPr sz="1600" b="0" i="0" u="none" strike="noStrike" cap="none" spc="0" baseline="0">
-                <a:solidFill>
-                  <a:srgbClr val="000000"/>
-                </a:solidFill>
-                <a:uFillTx/>
-                <a:latin typeface="Arial"/>
-                <a:ea typeface="Arial"/>
-                <a:cs typeface="Arial"/>
-                <a:sym typeface="Arial"/>
-              </a:defRPr>
-            </a:lvl4pPr>
-            <a:lvl5pPr marL="263525" marR="0" indent="-263525" algn="l" defTabSz="719137" rtl="0" latinLnBrk="0">
-              <a:lnSpc>
-                <a:spcPct val="90000"/>
-              </a:lnSpc>
-              <a:spcBef>
-                <a:spcPts val="1200"/>
-              </a:spcBef>
-              <a:spcAft>
-                <a:spcPts val="0"/>
-              </a:spcAft>
-              <a:buClr>
-                <a:schemeClr val="accent1"/>
-              </a:buClr>
-              <a:buSzPct val="100000"/>
-              <a:buFont typeface="Wingdings"/>
-              <a:buAutoNum type="arabicPeriod"/>
-              <a:tabLst/>
-              <a:defRPr sz="1600" b="0" i="0" u="none" strike="noStrike" cap="none" spc="0" baseline="0">
-                <a:solidFill>
-                  <a:srgbClr val="000000"/>
-                </a:solidFill>
-                <a:uFillTx/>
-                <a:latin typeface="Arial"/>
-                <a:ea typeface="Arial"/>
-                <a:cs typeface="Arial"/>
-                <a:sym typeface="Arial"/>
-              </a:defRPr>
-            </a:lvl5pPr>
-            <a:lvl6pPr marL="538162" marR="0" indent="-276225" algn="l" defTabSz="719137" rtl="0" latinLnBrk="0">
-              <a:lnSpc>
-                <a:spcPct val="90000"/>
-              </a:lnSpc>
-              <a:spcBef>
-                <a:spcPts val="1200"/>
-              </a:spcBef>
-              <a:spcAft>
-                <a:spcPts val="0"/>
-              </a:spcAft>
-              <a:buClr>
-                <a:schemeClr val="accent1"/>
-              </a:buClr>
-              <a:buSzPct val="100000"/>
-              <a:buFont typeface="Wingdings"/>
-              <a:buAutoNum type="alphaLcPeriod"/>
-              <a:tabLst/>
-              <a:defRPr sz="1600" b="0" i="0" u="none" strike="noStrike" cap="none" spc="0" baseline="0">
-                <a:solidFill>
-                  <a:srgbClr val="000000"/>
-                </a:solidFill>
-                <a:uFillTx/>
-                <a:latin typeface="Arial"/>
-                <a:ea typeface="Arial"/>
-                <a:cs typeface="Arial"/>
-                <a:sym typeface="Arial"/>
-              </a:defRPr>
-            </a:lvl6pPr>
-            <a:lvl7pPr marL="538162" marR="0" indent="-276225" algn="l" defTabSz="719137" rtl="0" latinLnBrk="0">
-              <a:lnSpc>
-                <a:spcPct val="90000"/>
-              </a:lnSpc>
-              <a:spcBef>
-                <a:spcPts val="1200"/>
-              </a:spcBef>
-              <a:spcAft>
-                <a:spcPts val="0"/>
-              </a:spcAft>
-              <a:buClr>
-                <a:schemeClr val="accent1"/>
-              </a:buClr>
-              <a:buSzPct val="100000"/>
-              <a:buFontTx/>
-              <a:buChar char="▪"/>
-              <a:tabLst/>
-              <a:defRPr sz="1600" b="0" i="0" u="none" strike="noStrike" cap="none" spc="0" baseline="0">
-                <a:solidFill>
-                  <a:srgbClr val="000000"/>
-                </a:solidFill>
-                <a:uFillTx/>
-                <a:latin typeface="Arial"/>
-                <a:ea typeface="Arial"/>
-                <a:cs typeface="Arial"/>
-                <a:sym typeface="Arial"/>
-              </a:defRPr>
-            </a:lvl7pPr>
-            <a:lvl8pPr marL="0" marR="0" indent="0" algn="l" defTabSz="719137" rtl="0" latinLnBrk="0">
-              <a:lnSpc>
-                <a:spcPct val="90000"/>
-              </a:lnSpc>
-              <a:spcBef>
-                <a:spcPts val="1200"/>
-              </a:spcBef>
-              <a:spcAft>
-                <a:spcPts val="0"/>
-              </a:spcAft>
-              <a:buClr>
-                <a:schemeClr val="accent1"/>
-              </a:buClr>
-              <a:buSzTx/>
-              <a:buFont typeface="Wingdings"/>
-              <a:buNone/>
-              <a:tabLst/>
-              <a:defRPr sz="1600" b="0" i="0" u="none" strike="noStrike" cap="none" spc="0" baseline="0">
-                <a:solidFill>
-                  <a:srgbClr val="000000"/>
-                </a:solidFill>
-                <a:uFillTx/>
-                <a:latin typeface="Arial"/>
-                <a:ea typeface="Arial"/>
-                <a:cs typeface="Arial"/>
-                <a:sym typeface="Arial"/>
-              </a:defRPr>
-            </a:lvl8pPr>
-            <a:lvl9pPr marL="0" marR="0" indent="0" algn="l" defTabSz="719137" rtl="0" latinLnBrk="0">
-              <a:lnSpc>
-                <a:spcPct val="90000"/>
-              </a:lnSpc>
-              <a:spcBef>
-                <a:spcPts val="1200"/>
-              </a:spcBef>
-              <a:spcAft>
-                <a:spcPts val="0"/>
-              </a:spcAft>
-              <a:buClr>
-                <a:schemeClr val="accent1"/>
-              </a:buClr>
-              <a:buSzTx/>
-              <a:buFont typeface="Wingdings"/>
-              <a:buNone/>
-              <a:tabLst/>
-              <a:defRPr sz="1600" b="0" i="0" u="none" strike="noStrike" cap="none" spc="0" baseline="0">
-                <a:solidFill>
-                  <a:srgbClr val="000000"/>
-                </a:solidFill>
-                <a:uFillTx/>
-                <a:latin typeface="Arial"/>
-                <a:ea typeface="Arial"/>
-                <a:cs typeface="Arial"/>
-                <a:sym typeface="Arial"/>
-              </a:defRPr>
-            </a:lvl9pPr>
-          </a:lstStyle>
-          <a:p>
-            <a:pPr marL="712788" hangingPunct="1">
-              <a:lnSpc>
-                <a:spcPct val="100000"/>
-              </a:lnSpc>
-              <a:buFont typeface="Arial" panose="020B0604020202020204" pitchFamily="34" charset="0"/>
-              <a:buChar char="•"/>
-            </a:pPr>
-            <a:r>
-              <a:rPr lang="en-GB" sz="2400" dirty="0">
-                <a:latin typeface="Arial" panose="020B0604020202020204" pitchFamily="34" charset="0"/>
-              </a:rPr>
-              <a:t>Data missing &amp; noise</a:t>
-            </a:r>
-          </a:p>
-        </p:txBody>
-      </p:sp>
+      </p:pic>
+      <p:pic>
+        <p:nvPicPr>
+          <p:cNvPr id="6" name="图片 5" descr="图片包含 游戏机, 男人, 站, 雨&#10;&#10;描述已自动生成">
+            <a:extLst>
+              <a:ext uri="{FF2B5EF4-FFF2-40B4-BE49-F238E27FC236}">
+                <a16:creationId xmlns:a16="http://schemas.microsoft.com/office/drawing/2014/main" id="{311B9F98-8BBD-A1A5-8371-6DFEFD519565}"/>
+              </a:ext>
+            </a:extLst>
+          </p:cNvPr>
+          <p:cNvPicPr>
+            <a:picLocks noChangeAspect="1"/>
+          </p:cNvPicPr>
+          <p:nvPr/>
+        </p:nvPicPr>
+        <p:blipFill rotWithShape="1">
+          <a:blip r:embed="rId4" cstate="print">
+            <a:extLst>
+              <a:ext uri="{28A0092B-C50C-407E-A947-70E740481C1C}">
+                <a14:useLocalDpi xmlns:a14="http://schemas.microsoft.com/office/drawing/2010/main" val="0"/>
+              </a:ext>
+            </a:extLst>
+          </a:blip>
+          <a:srcRect l="9524" t="265" r="17143"/>
+          <a:stretch/>
+        </p:blipFill>
+        <p:spPr>
+          <a:xfrm rot="5400000">
+            <a:off x="-325476" y="1402631"/>
+            <a:ext cx="5780845" cy="5129893"/>
+          </a:xfrm>
+          <a:prstGeom prst="rect">
+            <a:avLst/>
+          </a:prstGeom>
+        </p:spPr>
+      </p:pic>
     </p:spTree>
     <p:extLst>
       <p:ext uri="{BB962C8B-B14F-4D97-AF65-F5344CB8AC3E}">
@@ -20990,67 +23000,6 @@
                       </p:childTnLst>
                     </p:cTn>
                   </p:par>
-                  <p:par>
-                    <p:cTn id="12" fill="hold">
-                      <p:stCondLst>
-                        <p:cond delay="indefinite"/>
-                      </p:stCondLst>
-                      <p:childTnLst>
-                        <p:par>
-                          <p:cTn id="13" fill="hold">
-                            <p:stCondLst>
-                              <p:cond delay="0"/>
-                            </p:stCondLst>
-                            <p:childTnLst>
-                              <p:par>
-                                <p:cTn id="14" presetID="10" presetClass="entr" presetSubtype="0" fill="hold" grpId="0" nodeType="clickEffect">
-                                  <p:stCondLst>
-                                    <p:cond delay="0"/>
-                                  </p:stCondLst>
-                                  <p:childTnLst>
-                                    <p:set>
-                                      <p:cBhvr>
-                                        <p:cTn id="15" dur="1" fill="hold">
-                                          <p:stCondLst>
-                                            <p:cond delay="0"/>
-                                          </p:stCondLst>
-                                        </p:cTn>
-                                        <p:tgtEl>
-                                          <p:spTgt spid="4">
-                                            <p:txEl>
-                                              <p:pRg st="0" end="0"/>
-                                            </p:txEl>
-                                          </p:spTgt>
-                                        </p:tgtEl>
-                                        <p:attrNameLst>
-                                          <p:attrName>style.visibility</p:attrName>
-                                        </p:attrNameLst>
-                                      </p:cBhvr>
-                                      <p:to>
-                                        <p:strVal val="visible"/>
-                                      </p:to>
-                                    </p:set>
-                                    <p:animEffect transition="in" filter="fade">
-                                      <p:cBhvr>
-                                        <p:cTn id="16" dur="500"/>
-                                        <p:tgtEl>
-                                          <p:spTgt spid="4">
-                                            <p:txEl>
-                                              <p:pRg st="0" end="0"/>
-                                            </p:txEl>
-                                          </p:spTgt>
-                                        </p:tgtEl>
-                                      </p:cBhvr>
-                                    </p:animEffect>
-                                  </p:childTnLst>
-                                </p:cTn>
-                              </p:par>
-                            </p:childTnLst>
-                          </p:cTn>
-                        </p:par>
-                      </p:childTnLst>
-                    </p:cTn>
-                  </p:par>
                 </p:childTnLst>
               </p:cTn>
               <p:prevCondLst>
@@ -21075,7 +23024,6 @@
     <p:bldLst>
       <p:bldP spid="2" grpId="0" animBg="1"/>
       <p:bldP spid="3" grpId="0" uiExpand="1" build="p"/>
-      <p:bldP spid="4" grpId="0" uiExpand="1" build="p"/>
     </p:bldLst>
   </p:timing>
 </p:sld>
@@ -21098,36 +23046,6 @@
           <a:chExt cx="0" cy="0"/>
         </a:xfrm>
       </p:grpSpPr>
-      <p:pic>
-        <p:nvPicPr>
-          <p:cNvPr id="8" name="图片 7">
-            <a:extLst>
-              <a:ext uri="{FF2B5EF4-FFF2-40B4-BE49-F238E27FC236}">
-                <a16:creationId xmlns:a16="http://schemas.microsoft.com/office/drawing/2014/main" id="{A803B37F-7D12-F4D1-9062-5B865B7F7FC1}"/>
-              </a:ext>
-            </a:extLst>
-          </p:cNvPr>
-          <p:cNvPicPr>
-            <a:picLocks noChangeAspect="1"/>
-          </p:cNvPicPr>
-          <p:nvPr/>
-        </p:nvPicPr>
-        <p:blipFill>
-          <a:blip r:embed="rId3"/>
-          <a:stretch>
-            <a:fillRect/>
-          </a:stretch>
-        </p:blipFill>
-        <p:spPr>
-          <a:xfrm>
-            <a:off x="3065825" y="1904527"/>
-            <a:ext cx="6038850" cy="1219200"/>
-          </a:xfrm>
-          <a:prstGeom prst="rect">
-            <a:avLst/>
-          </a:prstGeom>
-        </p:spPr>
-      </p:pic>
       <p:sp>
         <p:nvSpPr>
           <p:cNvPr id="2" name="Title 1">
@@ -21146,7 +23064,7 @@
         </p:nvSpPr>
         <p:spPr>
           <a:xfrm>
-            <a:off x="698500" y="924379"/>
+            <a:off x="698500" y="173264"/>
             <a:ext cx="10775071" cy="841255"/>
           </a:xfrm>
         </p:spPr>
@@ -21161,13 +23079,19 @@
                 <a:effectLst/>
                 <a:latin typeface="Arial" panose="020B0604020202020204" pitchFamily="34" charset="0"/>
               </a:rPr>
-              <a:t>4. State-space model &amp; </a:t>
+              <a:t>3. </a:t>
+            </a:r>
+            <a:r>
+              <a:rPr lang="en-GB" dirty="0" err="1">
+                <a:latin typeface="Arial" panose="020B0604020202020204" pitchFamily="34" charset="0"/>
+              </a:rPr>
+              <a:t>Optitrack</a:t>
             </a:r>
             <a:r>
               <a:rPr lang="en-GB" dirty="0">
                 <a:latin typeface="Arial" panose="020B0604020202020204" pitchFamily="34" charset="0"/>
               </a:rPr>
-              <a:t>System Block Diagram</a:t>
+              <a:t> System</a:t>
             </a:r>
             <a:endParaRPr lang="en-GB" dirty="0"/>
           </a:p>
@@ -21191,7 +23115,7 @@
         </p:nvSpPr>
         <p:spPr>
           <a:xfrm>
-            <a:off x="698500" y="1774781"/>
+            <a:off x="698500" y="618021"/>
             <a:ext cx="10773500" cy="459134"/>
           </a:xfrm>
         </p:spPr>
@@ -21209,333 +23133,21 @@
               <a:buChar char="•"/>
             </a:pPr>
             <a:r>
-              <a:rPr lang="en-GB" altLang="zh-CN" sz="2400" dirty="0">
+              <a:rPr lang="en-GB" sz="2400" b="0" i="0" dirty="0">
+                <a:effectLst/>
                 <a:latin typeface="Arial" panose="020B0604020202020204" pitchFamily="34" charset="0"/>
               </a:rPr>
-              <a:t>State-space model </a:t>
+              <a:t>Overview</a:t>
             </a:r>
-            <a:endParaRPr lang="en-GB" sz="2400" b="0" i="0" dirty="0">
-              <a:effectLst/>
-              <a:latin typeface="Arial" panose="020B0604020202020204" pitchFamily="34" charset="0"/>
-            </a:endParaRPr>
-          </a:p>
-        </p:txBody>
-      </p:sp>
-      <p:sp>
-        <p:nvSpPr>
-          <p:cNvPr id="4" name="Text Placeholder 2">
-            <a:extLst>
-              <a:ext uri="{FF2B5EF4-FFF2-40B4-BE49-F238E27FC236}">
-                <a16:creationId xmlns:a16="http://schemas.microsoft.com/office/drawing/2014/main" id="{83FBB87D-18A7-E914-0257-64262AC4A4A4}"/>
-              </a:ext>
-            </a:extLst>
-          </p:cNvPr>
-          <p:cNvSpPr txBox="1">
-            <a:spLocks/>
-          </p:cNvSpPr>
-          <p:nvPr/>
-        </p:nvSpPr>
-        <p:spPr>
-          <a:xfrm>
-            <a:off x="698500" y="3071146"/>
-            <a:ext cx="10773500" cy="459134"/>
-          </a:xfrm>
-          <a:prstGeom prst="rect">
-            <a:avLst/>
-          </a:prstGeom>
-          <a:ln w="12700">
-            <a:miter lim="400000"/>
-          </a:ln>
-          <a:extLst>
-            <a:ext uri="{C572A759-6A51-4108-AA02-DFA0A04FC94B}">
-              <ma14:wrappingTextBoxFlag xmlns:m="http://schemas.openxmlformats.org/officeDocument/2006/math" xmlns:a14="http://schemas.microsoft.com/office/drawing/2010/main" xmlns:ma14="http://schemas.microsoft.com/office/mac/drawingml/2011/main" xmlns="" val="1"/>
-            </a:ext>
-          </a:extLst>
-        </p:spPr>
-        <p:txBody>
-          <a:bodyPr lIns="0" tIns="0" rIns="0" bIns="0">
-            <a:normAutofit/>
-          </a:bodyPr>
-          <a:lstStyle>
-            <a:lvl1pPr marL="263525" marR="0" indent="-263525" algn="l" defTabSz="719137" rtl="0" latinLnBrk="0">
-              <a:lnSpc>
-                <a:spcPct val="90000"/>
-              </a:lnSpc>
-              <a:spcBef>
-                <a:spcPts val="1200"/>
-              </a:spcBef>
-              <a:spcAft>
-                <a:spcPts val="0"/>
-              </a:spcAft>
-              <a:buClr>
-                <a:schemeClr val="accent1"/>
-              </a:buClr>
-              <a:buSzPct val="100000"/>
-              <a:buFontTx/>
-              <a:buChar char="▪"/>
-              <a:tabLst/>
-              <a:defRPr sz="1600" b="0" i="0" u="none" strike="noStrike" cap="none" spc="0" baseline="0">
-                <a:solidFill>
-                  <a:srgbClr val="000000"/>
-                </a:solidFill>
-                <a:uFillTx/>
-                <a:latin typeface="Arial"/>
-                <a:ea typeface="Arial"/>
-                <a:cs typeface="Arial"/>
-                <a:sym typeface="Arial"/>
-              </a:defRPr>
-            </a:lvl1pPr>
-            <a:lvl2pPr marL="538162" marR="0" indent="-274638" algn="l" defTabSz="719137" rtl="0" latinLnBrk="0">
-              <a:lnSpc>
-                <a:spcPct val="90000"/>
-              </a:lnSpc>
-              <a:spcBef>
-                <a:spcPts val="1200"/>
-              </a:spcBef>
-              <a:spcAft>
-                <a:spcPts val="0"/>
-              </a:spcAft>
-              <a:buClr>
-                <a:schemeClr val="accent1"/>
-              </a:buClr>
-              <a:buSzPct val="100000"/>
-              <a:buFontTx/>
-              <a:buChar char="▪"/>
-              <a:tabLst/>
-              <a:defRPr sz="1600" b="0" i="0" u="none" strike="noStrike" cap="none" spc="0" baseline="0">
-                <a:solidFill>
-                  <a:srgbClr val="000000"/>
-                </a:solidFill>
-                <a:uFillTx/>
-                <a:latin typeface="Arial"/>
-                <a:ea typeface="Arial"/>
-                <a:cs typeface="Arial"/>
-                <a:sym typeface="Arial"/>
-              </a:defRPr>
-            </a:lvl2pPr>
-            <a:lvl3pPr marL="0" marR="0" indent="0" algn="l" defTabSz="719137" rtl="0" latinLnBrk="0">
-              <a:lnSpc>
-                <a:spcPct val="90000"/>
-              </a:lnSpc>
-              <a:spcBef>
-                <a:spcPts val="1200"/>
-              </a:spcBef>
-              <a:spcAft>
-                <a:spcPts val="0"/>
-              </a:spcAft>
-              <a:buClr>
-                <a:schemeClr val="accent1"/>
-              </a:buClr>
-              <a:buSzTx/>
-              <a:buFont typeface="Wingdings"/>
-              <a:buNone/>
-              <a:tabLst/>
-              <a:defRPr sz="1600" b="0" i="0" u="none" strike="noStrike" cap="none" spc="0" baseline="0">
-                <a:solidFill>
-                  <a:srgbClr val="000000"/>
-                </a:solidFill>
-                <a:uFillTx/>
-                <a:latin typeface="Arial"/>
-                <a:ea typeface="Arial"/>
-                <a:cs typeface="Arial"/>
-                <a:sym typeface="Arial"/>
-              </a:defRPr>
-            </a:lvl3pPr>
-            <a:lvl4pPr marL="0" marR="0" indent="0" algn="l" defTabSz="719137" rtl="0" latinLnBrk="0">
-              <a:lnSpc>
-                <a:spcPct val="90000"/>
-              </a:lnSpc>
-              <a:spcBef>
-                <a:spcPts val="1200"/>
-              </a:spcBef>
-              <a:spcAft>
-                <a:spcPts val="0"/>
-              </a:spcAft>
-              <a:buClr>
-                <a:schemeClr val="accent1"/>
-              </a:buClr>
-              <a:buSzTx/>
-              <a:buFont typeface="Wingdings"/>
-              <a:buNone/>
-              <a:tabLst/>
-              <a:defRPr sz="1600" b="0" i="0" u="none" strike="noStrike" cap="none" spc="0" baseline="0">
-                <a:solidFill>
-                  <a:srgbClr val="000000"/>
-                </a:solidFill>
-                <a:uFillTx/>
-                <a:latin typeface="Arial"/>
-                <a:ea typeface="Arial"/>
-                <a:cs typeface="Arial"/>
-                <a:sym typeface="Arial"/>
-              </a:defRPr>
-            </a:lvl4pPr>
-            <a:lvl5pPr marL="263525" marR="0" indent="-263525" algn="l" defTabSz="719137" rtl="0" latinLnBrk="0">
-              <a:lnSpc>
-                <a:spcPct val="90000"/>
-              </a:lnSpc>
-              <a:spcBef>
-                <a:spcPts val="1200"/>
-              </a:spcBef>
-              <a:spcAft>
-                <a:spcPts val="0"/>
-              </a:spcAft>
-              <a:buClr>
-                <a:schemeClr val="accent1"/>
-              </a:buClr>
-              <a:buSzPct val="100000"/>
-              <a:buFont typeface="Wingdings"/>
-              <a:buAutoNum type="arabicPeriod"/>
-              <a:tabLst/>
-              <a:defRPr sz="1600" b="0" i="0" u="none" strike="noStrike" cap="none" spc="0" baseline="0">
-                <a:solidFill>
-                  <a:srgbClr val="000000"/>
-                </a:solidFill>
-                <a:uFillTx/>
-                <a:latin typeface="Arial"/>
-                <a:ea typeface="Arial"/>
-                <a:cs typeface="Arial"/>
-                <a:sym typeface="Arial"/>
-              </a:defRPr>
-            </a:lvl5pPr>
-            <a:lvl6pPr marL="538162" marR="0" indent="-276225" algn="l" defTabSz="719137" rtl="0" latinLnBrk="0">
-              <a:lnSpc>
-                <a:spcPct val="90000"/>
-              </a:lnSpc>
-              <a:spcBef>
-                <a:spcPts val="1200"/>
-              </a:spcBef>
-              <a:spcAft>
-                <a:spcPts val="0"/>
-              </a:spcAft>
-              <a:buClr>
-                <a:schemeClr val="accent1"/>
-              </a:buClr>
-              <a:buSzPct val="100000"/>
-              <a:buFont typeface="Wingdings"/>
-              <a:buAutoNum type="alphaLcPeriod"/>
-              <a:tabLst/>
-              <a:defRPr sz="1600" b="0" i="0" u="none" strike="noStrike" cap="none" spc="0" baseline="0">
-                <a:solidFill>
-                  <a:srgbClr val="000000"/>
-                </a:solidFill>
-                <a:uFillTx/>
-                <a:latin typeface="Arial"/>
-                <a:ea typeface="Arial"/>
-                <a:cs typeface="Arial"/>
-                <a:sym typeface="Arial"/>
-              </a:defRPr>
-            </a:lvl6pPr>
-            <a:lvl7pPr marL="538162" marR="0" indent="-276225" algn="l" defTabSz="719137" rtl="0" latinLnBrk="0">
-              <a:lnSpc>
-                <a:spcPct val="90000"/>
-              </a:lnSpc>
-              <a:spcBef>
-                <a:spcPts val="1200"/>
-              </a:spcBef>
-              <a:spcAft>
-                <a:spcPts val="0"/>
-              </a:spcAft>
-              <a:buClr>
-                <a:schemeClr val="accent1"/>
-              </a:buClr>
-              <a:buSzPct val="100000"/>
-              <a:buFontTx/>
-              <a:buChar char="▪"/>
-              <a:tabLst/>
-              <a:defRPr sz="1600" b="0" i="0" u="none" strike="noStrike" cap="none" spc="0" baseline="0">
-                <a:solidFill>
-                  <a:srgbClr val="000000"/>
-                </a:solidFill>
-                <a:uFillTx/>
-                <a:latin typeface="Arial"/>
-                <a:ea typeface="Arial"/>
-                <a:cs typeface="Arial"/>
-                <a:sym typeface="Arial"/>
-              </a:defRPr>
-            </a:lvl7pPr>
-            <a:lvl8pPr marL="0" marR="0" indent="0" algn="l" defTabSz="719137" rtl="0" latinLnBrk="0">
-              <a:lnSpc>
-                <a:spcPct val="90000"/>
-              </a:lnSpc>
-              <a:spcBef>
-                <a:spcPts val="1200"/>
-              </a:spcBef>
-              <a:spcAft>
-                <a:spcPts val="0"/>
-              </a:spcAft>
-              <a:buClr>
-                <a:schemeClr val="accent1"/>
-              </a:buClr>
-              <a:buSzTx/>
-              <a:buFont typeface="Wingdings"/>
-              <a:buNone/>
-              <a:tabLst/>
-              <a:defRPr sz="1600" b="0" i="0" u="none" strike="noStrike" cap="none" spc="0" baseline="0">
-                <a:solidFill>
-                  <a:srgbClr val="000000"/>
-                </a:solidFill>
-                <a:uFillTx/>
-                <a:latin typeface="Arial"/>
-                <a:ea typeface="Arial"/>
-                <a:cs typeface="Arial"/>
-                <a:sym typeface="Arial"/>
-              </a:defRPr>
-            </a:lvl8pPr>
-            <a:lvl9pPr marL="0" marR="0" indent="0" algn="l" defTabSz="719137" rtl="0" latinLnBrk="0">
-              <a:lnSpc>
-                <a:spcPct val="90000"/>
-              </a:lnSpc>
-              <a:spcBef>
-                <a:spcPts val="1200"/>
-              </a:spcBef>
-              <a:spcAft>
-                <a:spcPts val="0"/>
-              </a:spcAft>
-              <a:buClr>
-                <a:schemeClr val="accent1"/>
-              </a:buClr>
-              <a:buSzTx/>
-              <a:buFont typeface="Wingdings"/>
-              <a:buNone/>
-              <a:tabLst/>
-              <a:defRPr sz="1600" b="0" i="0" u="none" strike="noStrike" cap="none" spc="0" baseline="0">
-                <a:solidFill>
-                  <a:srgbClr val="000000"/>
-                </a:solidFill>
-                <a:uFillTx/>
-                <a:latin typeface="Arial"/>
-                <a:ea typeface="Arial"/>
-                <a:cs typeface="Arial"/>
-                <a:sym typeface="Arial"/>
-              </a:defRPr>
-            </a:lvl9pPr>
-          </a:lstStyle>
-          <a:p>
-            <a:pPr marL="712788" hangingPunct="1">
-              <a:lnSpc>
-                <a:spcPct val="100000"/>
-              </a:lnSpc>
-              <a:buFont typeface="Arial" panose="020B0604020202020204" pitchFamily="34" charset="0"/>
-              <a:buChar char="•"/>
-            </a:pPr>
-            <a:r>
-              <a:rPr lang="en-GB" altLang="zh-CN" sz="2400" dirty="0">
-                <a:latin typeface="Arial" panose="020B0604020202020204" pitchFamily="34" charset="0"/>
-              </a:rPr>
-              <a:t>System Block Diagram</a:t>
-            </a:r>
-            <a:endParaRPr lang="en-GB" sz="2400" dirty="0">
-              <a:latin typeface="Arial" panose="020B0604020202020204" pitchFamily="34" charset="0"/>
-            </a:endParaRPr>
           </a:p>
         </p:txBody>
       </p:sp>
       <p:pic>
         <p:nvPicPr>
-          <p:cNvPr id="6" name="图片 5" descr="图形用户界面&#10;&#10;低可信度描述已自动生成">
+          <p:cNvPr id="10" name="图片 9" descr="电脑游戏的截图&#10;&#10;描述已自动生成">
             <a:extLst>
               <a:ext uri="{FF2B5EF4-FFF2-40B4-BE49-F238E27FC236}">
-                <a16:creationId xmlns:a16="http://schemas.microsoft.com/office/drawing/2014/main" id="{C86AA64C-EFFE-5293-5DC6-930AF6D54B79}"/>
+                <a16:creationId xmlns:a16="http://schemas.microsoft.com/office/drawing/2014/main" id="{EABB7539-45D6-70CF-31F0-510B121B73E4}"/>
               </a:ext>
             </a:extLst>
           </p:cNvPr>
@@ -21545,7 +23157,7 @@
           <p:nvPr/>
         </p:nvPicPr>
         <p:blipFill>
-          <a:blip r:embed="rId4">
+          <a:blip r:embed="rId3">
             <a:extLst>
               <a:ext uri="{28A0092B-C50C-407E-A947-70E740481C1C}">
                 <a14:useLocalDpi xmlns:a14="http://schemas.microsoft.com/office/drawing/2010/main" val="0"/>
@@ -21558,8 +23170,8 @@
         </p:blipFill>
         <p:spPr>
           <a:xfrm>
-            <a:off x="3142025" y="3530280"/>
-            <a:ext cx="5886450" cy="2676525"/>
+            <a:off x="137702" y="1077155"/>
+            <a:ext cx="12192000" cy="5780845"/>
           </a:xfrm>
           <a:prstGeom prst="rect">
             <a:avLst/>
@@ -21569,7 +23181,7 @@
     </p:spTree>
     <p:extLst>
       <p:ext uri="{BB962C8B-B14F-4D97-AF65-F5344CB8AC3E}">
-        <p14:creationId xmlns:p14="http://schemas.microsoft.com/office/powerpoint/2010/main" val="882822159"/>
+        <p14:creationId xmlns:p14="http://schemas.microsoft.com/office/powerpoint/2010/main" val="3444712056"/>
       </p:ext>
     </p:extLst>
   </p:cSld>
@@ -21691,67 +23303,6 @@
                       </p:childTnLst>
                     </p:cTn>
                   </p:par>
-                  <p:par>
-                    <p:cTn id="12" fill="hold">
-                      <p:stCondLst>
-                        <p:cond delay="indefinite"/>
-                      </p:stCondLst>
-                      <p:childTnLst>
-                        <p:par>
-                          <p:cTn id="13" fill="hold">
-                            <p:stCondLst>
-                              <p:cond delay="0"/>
-                            </p:stCondLst>
-                            <p:childTnLst>
-                              <p:par>
-                                <p:cTn id="14" presetID="10" presetClass="entr" presetSubtype="0" fill="hold" grpId="0" nodeType="clickEffect">
-                                  <p:stCondLst>
-                                    <p:cond delay="0"/>
-                                  </p:stCondLst>
-                                  <p:childTnLst>
-                                    <p:set>
-                                      <p:cBhvr>
-                                        <p:cTn id="15" dur="1" fill="hold">
-                                          <p:stCondLst>
-                                            <p:cond delay="0"/>
-                                          </p:stCondLst>
-                                        </p:cTn>
-                                        <p:tgtEl>
-                                          <p:spTgt spid="4">
-                                            <p:txEl>
-                                              <p:pRg st="0" end="0"/>
-                                            </p:txEl>
-                                          </p:spTgt>
-                                        </p:tgtEl>
-                                        <p:attrNameLst>
-                                          <p:attrName>style.visibility</p:attrName>
-                                        </p:attrNameLst>
-                                      </p:cBhvr>
-                                      <p:to>
-                                        <p:strVal val="visible"/>
-                                      </p:to>
-                                    </p:set>
-                                    <p:animEffect transition="in" filter="fade">
-                                      <p:cBhvr>
-                                        <p:cTn id="16" dur="500"/>
-                                        <p:tgtEl>
-                                          <p:spTgt spid="4">
-                                            <p:txEl>
-                                              <p:pRg st="0" end="0"/>
-                                            </p:txEl>
-                                          </p:spTgt>
-                                        </p:tgtEl>
-                                      </p:cBhvr>
-                                    </p:animEffect>
-                                  </p:childTnLst>
-                                </p:cTn>
-                              </p:par>
-                            </p:childTnLst>
-                          </p:cTn>
-                        </p:par>
-                      </p:childTnLst>
-                    </p:cTn>
-                  </p:par>
                 </p:childTnLst>
               </p:cTn>
               <p:prevCondLst>
@@ -21776,7 +23327,6 @@
     <p:bldLst>
       <p:bldP spid="2" grpId="0" animBg="1"/>
       <p:bldP spid="3" grpId="0" uiExpand="1" build="p"/>
-      <p:bldP spid="4" grpId="0" uiExpand="1" build="p"/>
     </p:bldLst>
   </p:timing>
 </p:sld>
@@ -23929,15 +25479,6 @@
 </file>
 
 <file path=customXml/item1.xml><?xml version="1.0" encoding="utf-8"?>
-<?mso-contentType ?>
-<FormTemplates xmlns="http://schemas.microsoft.com/sharepoint/v3/contenttype/forms">
-  <Display>DocumentLibraryForm</Display>
-  <Edit>DocumentLibraryForm</Edit>
-  <New>DocumentLibraryForm</New>
-</FormTemplates>
-</file>
-
-<file path=customXml/item2.xml><?xml version="1.0" encoding="utf-8"?>
 <ct:contentTypeSchema xmlns:ct="http://schemas.microsoft.com/office/2006/metadata/contentType" xmlns:ma="http://schemas.microsoft.com/office/2006/metadata/properties/metaAttributes" ct:_="" ma:_="" ma:contentTypeName="Document" ma:contentTypeID="0x01010051ED4DCF60591A44AAB3EE560AB47ABB" ma:contentTypeVersion="4" ma:contentTypeDescription="Een nieuw document maken." ma:contentTypeScope="" ma:versionID="82ac3a51116a7e2a5ddbdd1ed37f67c1">
   <xsd:schema xmlns:xsd="http://www.w3.org/2001/XMLSchema" xmlns:xs="http://www.w3.org/2001/XMLSchema" xmlns:p="http://schemas.microsoft.com/office/2006/metadata/properties" xmlns:ns2="0fee4eeb-e725-4e09-a2c6-b2e7e1963b2c" xmlns:ns3="4878a322-d110-404d-8591-8977e4f7768d" targetNamespace="http://schemas.microsoft.com/office/2006/metadata/properties" ma:root="true" ma:fieldsID="d0d60f5b3da63a431ec21b1780a4f539" ns2:_="" ns3:_="">
     <xsd:import namespace="0fee4eeb-e725-4e09-a2c6-b2e7e1963b2c"/>
@@ -24102,6 +25643,15 @@
 </ct:contentTypeSchema>
 </file>
 
+<file path=customXml/item2.xml><?xml version="1.0" encoding="utf-8"?>
+<?mso-contentType ?>
+<FormTemplates xmlns="http://schemas.microsoft.com/sharepoint/v3/contenttype/forms">
+  <Display>DocumentLibraryForm</Display>
+  <Edit>DocumentLibraryForm</Edit>
+  <New>DocumentLibraryForm</New>
+</FormTemplates>
+</file>
+
 <file path=customXml/item3.xml><?xml version="1.0" encoding="utf-8"?>
 <p:properties xmlns:p="http://schemas.microsoft.com/office/2006/metadata/properties" xmlns:xsi="http://www.w3.org/2001/XMLSchema-instance" xmlns:pc="http://schemas.microsoft.com/office/infopath/2007/PartnerControls">
   <documentManagement>
@@ -24122,14 +25672,6 @@
 </file>
 
 <file path=customXml/itemProps1.xml><?xml version="1.0" encoding="utf-8"?>
-<ds:datastoreItem xmlns:ds="http://schemas.openxmlformats.org/officeDocument/2006/customXml" ds:itemID="{AA0E60D1-47F0-4938-95EF-8D82199D5953}">
-  <ds:schemaRefs>
-    <ds:schemaRef ds:uri="http://schemas.microsoft.com/sharepoint/v3/contenttype/forms"/>
-  </ds:schemaRefs>
-</ds:datastoreItem>
-</file>
-
-<file path=customXml/itemProps2.xml><?xml version="1.0" encoding="utf-8"?>
 <ds:datastoreItem xmlns:ds="http://schemas.openxmlformats.org/officeDocument/2006/customXml" ds:itemID="{9AEE24FF-1891-44AF-970D-42F00AEE0D7A}">
   <ds:schemaRefs>
     <ds:schemaRef ds:uri="0fee4eeb-e725-4e09-a2c6-b2e7e1963b2c"/>
@@ -24144,6 +25686,14 @@
     <ds:schemaRef ds:uri="http://schemas.microsoft.com/office/infopath/2007/PartnerControls"/>
     <ds:schemaRef ds:uri="http://schemas.openxmlformats.org/package/2006/metadata/core-properties"/>
     <ds:schemaRef ds:uri="http://www.w3.org/2001/XMLSchema"/>
+  </ds:schemaRefs>
+</ds:datastoreItem>
+</file>
+
+<file path=customXml/itemProps2.xml><?xml version="1.0" encoding="utf-8"?>
+<ds:datastoreItem xmlns:ds="http://schemas.openxmlformats.org/officeDocument/2006/customXml" ds:itemID="{AA0E60D1-47F0-4938-95EF-8D82199D5953}">
+  <ds:schemaRefs>
+    <ds:schemaRef ds:uri="http://schemas.microsoft.com/sharepoint/v3/contenttype/forms"/>
   </ds:schemaRefs>
 </ds:datastoreItem>
 </file>

--- a/paperwork/ppt/Ting_midterm.pptx
+++ b/paperwork/ppt/Ting_midterm.pptx
@@ -570,10 +570,34 @@
           <a:bodyPr/>
           <a:lstStyle/>
           <a:p>
+            <a:pPr marL="0" marR="0" lvl="0" indent="0" defTabSz="914400" eaLnBrk="1" fontAlgn="auto" latinLnBrk="0" hangingPunct="1">
+              <a:lnSpc>
+                <a:spcPct val="100000"/>
+              </a:lnSpc>
+              <a:spcBef>
+                <a:spcPts val="0"/>
+              </a:spcBef>
+              <a:spcAft>
+                <a:spcPts val="0"/>
+              </a:spcAft>
+              <a:buClrTx/>
+              <a:buSzTx/>
+              <a:buFontTx/>
+              <a:buNone/>
+              <a:tabLst/>
+              <a:defRPr/>
+            </a:pPr>
             <a:r>
               <a:rPr lang="nl-NL" dirty="0"/>
-              <a:t>Hi everyone, my name is Yiting LI, this is my midterm presentation about my thesis, the indoor localization with multi-rate kalman filter</a:t>
-            </a:r>
+              <a:t>Hi everyone, my name is Yiting LI, this is my midterm presentation about my thesis, </a:t>
+            </a:r>
+            <a:r>
+              <a:rPr lang="en-US" altLang="zh-CN" sz="1200" dirty="0"/>
+              <a:t>Indoor Localization with Multi-Rate Extended Kalman Filtering</a:t>
+            </a:r>
+          </a:p>
+          <a:p>
+            <a:endParaRPr lang="nl-NL" dirty="0"/>
           </a:p>
         </p:txBody>
       </p:sp>
@@ -656,12 +680,6 @@
           <a:p>
             <a:endParaRPr lang="en-GB" altLang="zh-CN" dirty="0"/>
           </a:p>
-          <a:p>
-            <a:r>
-              <a:rPr lang="en-GB" altLang="zh-CN" dirty="0"/>
-              <a:t>Moreover, data missing sometime happen due to the environment light. And noise is also exists.</a:t>
-            </a:r>
-          </a:p>
         </p:txBody>
       </p:sp>
     </p:spTree>
@@ -727,14 +745,9 @@
           <a:lstStyle/>
           <a:p>
             <a:r>
-              <a:rPr lang="en-GB" dirty="0"/>
-              <a:t>The real-time information become untracked if objects are too close</a:t>
-            </a:r>
-          </a:p>
-          <a:p>
-            <a:endParaRPr lang="en-GB" dirty="0"/>
-          </a:p>
-          <a:p>
+              <a:rPr lang="en-GB" altLang="zh-CN" dirty="0"/>
+              <a:t>Moreover, data missing sometime happen due to the environment light. </a:t>
+            </a:r>
             <a:endParaRPr lang="en-GB" dirty="0"/>
           </a:p>
         </p:txBody>
@@ -803,13 +816,8 @@
           <a:p>
             <a:r>
               <a:rPr lang="en-GB" dirty="0"/>
-              <a:t>The camera noise is relatively small, so the main bias from the camera side is the </a:t>
-            </a:r>
-            <a:r>
-              <a:rPr lang="en-GB"/>
-              <a:t>merging situation.</a:t>
-            </a:r>
-            <a:endParaRPr lang="en-GB" dirty="0"/>
+              <a:t>The camera noise is relatively small, so the main bias from the camera side is the merging situation.</a:t>
+            </a:r>
           </a:p>
           <a:p>
             <a:endParaRPr lang="en-GB" dirty="0"/>
@@ -1392,7 +1400,7 @@
               <a:rPr lang="en-US" altLang="zh-CN" sz="1200" dirty="0">
                 <a:latin typeface="Arial" panose="020B0604020202020204" pitchFamily="34" charset="0"/>
               </a:rPr>
-              <a:t>covariance matrix of the block noise </a:t>
+              <a:t>covariance matrix Q(k) of the block noise </a:t>
             </a:r>
             <a:endParaRPr lang="en-GB" dirty="0"/>
           </a:p>
@@ -1400,7 +1408,10 @@
             <a:endParaRPr lang="en-GB" dirty="0"/>
           </a:p>
           <a:p>
-            <a:endParaRPr lang="en-GB" dirty="0"/>
+            <a:r>
+              <a:rPr lang="en-GB" dirty="0"/>
+              <a:t>Then we can substitute the AM and QM to the algorithm</a:t>
+            </a:r>
           </a:p>
         </p:txBody>
       </p:sp>
@@ -1653,7 +1664,15 @@
           <a:p>
             <a:r>
               <a:rPr lang="en-GB" dirty="0"/>
-              <a:t>The presentation will be given in 4 parts: </a:t>
+              <a:t>Im </a:t>
+            </a:r>
+            <a:r>
+              <a:rPr lang="en-GB" dirty="0" err="1"/>
+              <a:t>gonna</a:t>
+            </a:r>
+            <a:r>
+              <a:rPr lang="en-GB" dirty="0"/>
+              <a:t> divide the presentation into 4 parts</a:t>
             </a:r>
           </a:p>
         </p:txBody>
@@ -1818,7 +1837,7 @@
           <a:p>
             <a:r>
               <a:rPr lang="en-GB" dirty="0"/>
-              <a:t>With the OWA style, the estimation may outperform than the estimation made by cascade style, because the error from odometry will grow larger while the camera are more accurate than the odometry.</a:t>
+              <a:t>With the OWA style, the estimation may outperform than the estimation made by cascade style, because the error from odometry will grow larger while the camera are more accurate than the odometry. So the adaptive OWA operator might behave better than cascade style.</a:t>
             </a:r>
           </a:p>
           <a:p>
@@ -1996,15 +2015,7 @@
             </a:r>
             <a:r>
               <a:rPr lang="en-GB" dirty="0"/>
-              <a:t> and 10 robots were released, they are far from each other at the beginning, then 10 </a:t>
-            </a:r>
-            <a:r>
-              <a:rPr lang="en-GB" dirty="0" err="1"/>
-              <a:t>sequances</a:t>
-            </a:r>
-            <a:r>
-              <a:rPr lang="en-GB" dirty="0"/>
-              <a:t> of random termination were assigned to each robots.</a:t>
+              <a:t> and 10 robots were released, they are far from each other at the beginning, we are assuming they know their initial state, then they moving randomly</a:t>
             </a:r>
           </a:p>
           <a:p>
@@ -2013,7 +2024,7 @@
           <a:p>
             <a:r>
               <a:rPr lang="en-US" dirty="0"/>
-              <a:t>The simulation are performed in 10 rounds. </a:t>
+              <a:t>The simulation are performed in Monte Carlo style, but due to limitation only 10 rounds are performed here. </a:t>
             </a:r>
           </a:p>
           <a:p>
@@ -2389,8 +2400,65 @@
           <a:p>
             <a:r>
               <a:rPr lang="en-GB" dirty="0"/>
-              <a:t>Definitions are important. The entry point for the question is the morphology, thus the shapes of ideal hierarchy networks</a:t>
-            </a:r>
+              <a:t>The main idea of the topic is how can we make the robot localizes itself better inside the room with certain sensors. If we set the coordination and heading angle as the state vector, the problem becomes a state estimation problem.</a:t>
+            </a:r>
+          </a:p>
+          <a:p>
+            <a:endParaRPr lang="en-GB" dirty="0"/>
+          </a:p>
+          <a:p>
+            <a:r>
+              <a:rPr lang="en-GB" dirty="0"/>
+              <a:t>Meanwhile, lots of sensors are available for the state estimation task, </a:t>
+            </a:r>
+            <a:r>
+              <a:rPr lang="en-US" altLang="zh-CN" sz="1200" dirty="0">
+                <a:latin typeface="Arial" panose="020B0604020202020204" pitchFamily="34" charset="0"/>
+              </a:rPr>
+              <a:t>but information is not always trustful, those measurement sometimes is absent, or with drift or wrong reading, </a:t>
+            </a:r>
+            <a:r>
+              <a:rPr lang="en-GB" altLang="zh-CN" sz="1200" dirty="0">
+                <a:latin typeface="Arial" panose="020B0604020202020204" pitchFamily="34" charset="0"/>
+              </a:rPr>
+              <a:t>moreover</a:t>
+            </a:r>
+            <a:r>
+              <a:rPr lang="en-GB" dirty="0"/>
+              <a:t> they are coming in different rate. How can we make full use of them?</a:t>
+            </a:r>
+          </a:p>
+          <a:p>
+            <a:endParaRPr lang="en-GB" dirty="0"/>
+          </a:p>
+          <a:p>
+            <a:r>
+              <a:rPr lang="en-US" altLang="zh-CN" sz="1200" dirty="0">
+                <a:latin typeface="Arial" panose="020B0604020202020204" pitchFamily="34" charset="0"/>
+              </a:rPr>
+              <a:t>Data fusion methods such as Kalman filter have been widely applied for state estimations, Integrated information from various sources often reduces the effect of biased measurement, therefore, often enhances the estimation accuracy.</a:t>
+            </a:r>
+          </a:p>
+          <a:p>
+            <a:endParaRPr lang="en-US" altLang="zh-CN" sz="1200" dirty="0">
+              <a:latin typeface="Arial" panose="020B0604020202020204" pitchFamily="34" charset="0"/>
+            </a:endParaRPr>
+          </a:p>
+          <a:p>
+            <a:r>
+              <a:rPr lang="en-US" altLang="zh-CN" sz="1200" dirty="0">
+                <a:latin typeface="Arial" panose="020B0604020202020204" pitchFamily="34" charset="0"/>
+              </a:rPr>
+              <a:t>So the main task is to based on data fusion method to construct an indoor localization architecture with multi-rate sensors and missing or biased measurement</a:t>
+            </a:r>
+          </a:p>
+          <a:p>
+            <a:endParaRPr lang="en-US" sz="1200" dirty="0">
+              <a:latin typeface="Arial" panose="020B0604020202020204" pitchFamily="34" charset="0"/>
+            </a:endParaRPr>
+          </a:p>
+          <a:p>
+            <a:endParaRPr lang="en-GB" dirty="0"/>
           </a:p>
         </p:txBody>
       </p:sp>
@@ -2456,7 +2524,10 @@
           <a:bodyPr/>
           <a:lstStyle/>
           <a:p>
-            <a:endParaRPr lang="en-GB"/>
+            <a:r>
+              <a:rPr lang="en-GB" dirty="0"/>
+              <a:t>The next part, I will give the system model</a:t>
+            </a:r>
           </a:p>
         </p:txBody>
       </p:sp>
@@ -2547,7 +2618,24 @@
           <a:p>
             <a:r>
               <a:rPr lang="en-GB" dirty="0"/>
-              <a:t>Robots have multiple sensors, some are set on the robot such as odometry, laser scanner, other are global sensors, like GNSS, camera. </a:t>
+              <a:t>First is the multi-sensor diagram</a:t>
+            </a:r>
+          </a:p>
+          <a:p>
+            <a:endParaRPr lang="en-GB" dirty="0"/>
+          </a:p>
+          <a:p>
+            <a:r>
+              <a:rPr lang="en-GB" dirty="0"/>
+              <a:t>Robots have multiple sensors, odometry, laser scanner, or </a:t>
+            </a:r>
+            <a:r>
+              <a:rPr lang="en-GB" altLang="zh-CN" dirty="0"/>
+              <a:t>camera, </a:t>
+            </a:r>
+            <a:r>
+              <a:rPr lang="en-GB" dirty="0"/>
+              <a:t>GNSS. In this task, we have odometry and camera.</a:t>
             </a:r>
           </a:p>
           <a:p>
@@ -2564,7 +2652,15 @@
             </a:r>
             <a:r>
               <a:rPr lang="en-GB" dirty="0"/>
-              <a:t>is 1, and the period of red arrow is the camera, due to the communication, we might make it slower than </a:t>
+              <a:t>is 1, and the red arrow is the camera, due to the communication </a:t>
+            </a:r>
+            <a:r>
+              <a:rPr lang="en-GB" dirty="0" err="1"/>
+              <a:t>limiation</a:t>
+            </a:r>
+            <a:r>
+              <a:rPr lang="en-GB" dirty="0"/>
+              <a:t>, we might make it slower than </a:t>
             </a:r>
             <a:r>
               <a:rPr lang="en-GB" altLang="zh-CN" dirty="0"/>
@@ -2581,7 +2677,7 @@
           <a:p>
             <a:r>
               <a:rPr lang="en-GB" dirty="0"/>
-              <a:t>Even more, sensor’s reading might got lost, this behaviour will be modelled later.</a:t>
+              <a:t>// Even more, sensor’s reading might got lost, this behaviour will be modelled later.</a:t>
             </a:r>
           </a:p>
         </p:txBody>
@@ -2668,7 +2764,7 @@
           <a:p>
             <a:r>
               <a:rPr lang="en-GB" dirty="0"/>
-              <a:t>The w stands for the noise in state transition, which is assumed as a zero-mean white noise, and unrelated with each other. Their covariance can be measurement through multiple experiments.</a:t>
+              <a:t>The w stands for the noise in state transition, which is assumed as a zero-mean white noise, and unrelated with each other. </a:t>
             </a:r>
           </a:p>
           <a:p>
@@ -2859,7 +2955,7 @@
           <a:p>
             <a:r>
               <a:rPr lang="en-GB" dirty="0"/>
-              <a:t>The real-time measurement can be checked in the software.</a:t>
+              <a:t>All the robot are tracked successful by the camera.</a:t>
             </a:r>
           </a:p>
           <a:p>
@@ -3063,7 +3159,7 @@
                 <a:effectLst/>
                 <a:extLst>
                   <a:ext uri="{C572A759-6A51-4108-AA02-DFA0A04FC94B}">
-                    <ma14:wrappingTextBoxFlag xmlns="" xmlns:ma14="http://schemas.microsoft.com/office/mac/drawingml/2011/main" xmlns:a14="http://schemas.microsoft.com/office/drawing/2010/main" xmlns:m="http://schemas.openxmlformats.org/officeDocument/2006/math" val="1"/>
+                    <ma14:wrappingTextBoxFlag xmlns:m="http://schemas.openxmlformats.org/officeDocument/2006/math" xmlns:a14="http://schemas.microsoft.com/office/drawing/2010/main" xmlns:ma14="http://schemas.microsoft.com/office/mac/drawingml/2011/main" xmlns="" val="1"/>
                   </a:ext>
                 </a:extLst>
               </p:spPr>
@@ -3168,7 +3264,7 @@
                 <a:effectLst/>
                 <a:extLst>
                   <a:ext uri="{C572A759-6A51-4108-AA02-DFA0A04FC94B}">
-                    <ma14:wrappingTextBoxFlag xmlns="" xmlns:ma14="http://schemas.microsoft.com/office/mac/drawingml/2011/main" xmlns:a14="http://schemas.microsoft.com/office/drawing/2010/main" xmlns:m="http://schemas.openxmlformats.org/officeDocument/2006/math" val="1"/>
+                    <ma14:wrappingTextBoxFlag xmlns:m="http://schemas.openxmlformats.org/officeDocument/2006/math" xmlns:a14="http://schemas.microsoft.com/office/drawing/2010/main" xmlns:ma14="http://schemas.microsoft.com/office/mac/drawingml/2011/main" xmlns="" val="1"/>
                   </a:ext>
                 </a:extLst>
               </p:spPr>
@@ -3219,7 +3315,7 @@
               <a:effectLst/>
               <a:extLst>
                 <a:ext uri="{C572A759-6A51-4108-AA02-DFA0A04FC94B}">
-                  <ma14:wrappingTextBoxFlag xmlns="" xmlns:ma14="http://schemas.microsoft.com/office/mac/drawingml/2011/main" xmlns:a14="http://schemas.microsoft.com/office/drawing/2010/main" xmlns:m="http://schemas.openxmlformats.org/officeDocument/2006/math" val="1"/>
+                  <ma14:wrappingTextBoxFlag xmlns:m="http://schemas.openxmlformats.org/officeDocument/2006/math" xmlns:a14="http://schemas.microsoft.com/office/drawing/2010/main" xmlns:ma14="http://schemas.microsoft.com/office/mac/drawingml/2011/main" xmlns="" val="1"/>
                 </a:ext>
               </a:extLst>
             </p:spPr>
@@ -3330,7 +3426,7 @@
                 <a:effectLst/>
                 <a:extLst>
                   <a:ext uri="{C572A759-6A51-4108-AA02-DFA0A04FC94B}">
-                    <ma14:wrappingTextBoxFlag xmlns="" xmlns:ma14="http://schemas.microsoft.com/office/mac/drawingml/2011/main" xmlns:a14="http://schemas.microsoft.com/office/drawing/2010/main" xmlns:m="http://schemas.openxmlformats.org/officeDocument/2006/math" val="1"/>
+                    <ma14:wrappingTextBoxFlag xmlns:m="http://schemas.openxmlformats.org/officeDocument/2006/math" xmlns:a14="http://schemas.microsoft.com/office/drawing/2010/main" xmlns:ma14="http://schemas.microsoft.com/office/mac/drawingml/2011/main" xmlns="" val="1"/>
                   </a:ext>
                 </a:extLst>
               </p:spPr>
@@ -3381,7 +3477,7 @@
               <a:effectLst/>
               <a:extLst>
                 <a:ext uri="{C572A759-6A51-4108-AA02-DFA0A04FC94B}">
-                  <ma14:wrappingTextBoxFlag xmlns="" xmlns:ma14="http://schemas.microsoft.com/office/mac/drawingml/2011/main" xmlns:a14="http://schemas.microsoft.com/office/drawing/2010/main" xmlns:m="http://schemas.openxmlformats.org/officeDocument/2006/math" val="1"/>
+                  <ma14:wrappingTextBoxFlag xmlns:m="http://schemas.openxmlformats.org/officeDocument/2006/math" xmlns:a14="http://schemas.microsoft.com/office/drawing/2010/main" xmlns:ma14="http://schemas.microsoft.com/office/mac/drawingml/2011/main" xmlns="" val="1"/>
                 </a:ext>
               </a:extLst>
             </p:spPr>
@@ -3719,7 +3815,7 @@
                 <a:effectLst/>
                 <a:extLst>
                   <a:ext uri="{C572A759-6A51-4108-AA02-DFA0A04FC94B}">
-                    <ma14:wrappingTextBoxFlag xmlns="" xmlns:ma14="http://schemas.microsoft.com/office/mac/drawingml/2011/main" xmlns:a14="http://schemas.microsoft.com/office/drawing/2010/main" xmlns:m="http://schemas.openxmlformats.org/officeDocument/2006/math" val="1"/>
+                    <ma14:wrappingTextBoxFlag xmlns:m="http://schemas.openxmlformats.org/officeDocument/2006/math" xmlns:a14="http://schemas.microsoft.com/office/drawing/2010/main" xmlns:ma14="http://schemas.microsoft.com/office/mac/drawingml/2011/main" xmlns="" val="1"/>
                   </a:ext>
                 </a:extLst>
               </p:spPr>
@@ -5218,7 +5314,7 @@
           </a:ln>
           <a:extLst>
             <a:ext uri="{C572A759-6A51-4108-AA02-DFA0A04FC94B}">
-              <ma14:wrappingTextBoxFlag xmlns="" xmlns:ma14="http://schemas.microsoft.com/office/mac/drawingml/2011/main" xmlns:a14="http://schemas.microsoft.com/office/drawing/2010/main" xmlns:m="http://schemas.openxmlformats.org/officeDocument/2006/math" val="1"/>
+              <ma14:wrappingTextBoxFlag xmlns:m="http://schemas.openxmlformats.org/officeDocument/2006/math" xmlns:a14="http://schemas.microsoft.com/office/drawing/2010/main" xmlns:ma14="http://schemas.microsoft.com/office/mac/drawingml/2011/main" xmlns="" val="1"/>
             </a:ext>
           </a:extLst>
         </p:spPr>
@@ -5492,7 +5588,7 @@
               <a:effectLst/>
               <a:extLst>
                 <a:ext uri="{C572A759-6A51-4108-AA02-DFA0A04FC94B}">
-                  <ma14:wrappingTextBoxFlag xmlns="" xmlns:ma14="http://schemas.microsoft.com/office/mac/drawingml/2011/main" xmlns:a14="http://schemas.microsoft.com/office/drawing/2010/main" xmlns:m="http://schemas.openxmlformats.org/officeDocument/2006/math" val="1"/>
+                  <ma14:wrappingTextBoxFlag xmlns:m="http://schemas.openxmlformats.org/officeDocument/2006/math" xmlns:a14="http://schemas.microsoft.com/office/drawing/2010/main" xmlns:ma14="http://schemas.microsoft.com/office/mac/drawingml/2011/main" xmlns="" val="1"/>
                 </a:ext>
               </a:extLst>
             </p:spPr>
@@ -5597,7 +5693,7 @@
               <a:effectLst/>
               <a:extLst>
                 <a:ext uri="{C572A759-6A51-4108-AA02-DFA0A04FC94B}">
-                  <ma14:wrappingTextBoxFlag xmlns="" xmlns:ma14="http://schemas.microsoft.com/office/mac/drawingml/2011/main" xmlns:a14="http://schemas.microsoft.com/office/drawing/2010/main" xmlns:m="http://schemas.openxmlformats.org/officeDocument/2006/math" val="1"/>
+                  <ma14:wrappingTextBoxFlag xmlns:m="http://schemas.openxmlformats.org/officeDocument/2006/math" xmlns:a14="http://schemas.microsoft.com/office/drawing/2010/main" xmlns:ma14="http://schemas.microsoft.com/office/mac/drawingml/2011/main" xmlns="" val="1"/>
                 </a:ext>
               </a:extLst>
             </p:spPr>
@@ -5648,7 +5744,7 @@
             <a:effectLst/>
             <a:extLst>
               <a:ext uri="{C572A759-6A51-4108-AA02-DFA0A04FC94B}">
-                <ma14:wrappingTextBoxFlag xmlns="" xmlns:ma14="http://schemas.microsoft.com/office/mac/drawingml/2011/main" xmlns:a14="http://schemas.microsoft.com/office/drawing/2010/main" xmlns:m="http://schemas.openxmlformats.org/officeDocument/2006/math" val="1"/>
+                <ma14:wrappingTextBoxFlag xmlns:m="http://schemas.openxmlformats.org/officeDocument/2006/math" xmlns:a14="http://schemas.microsoft.com/office/drawing/2010/main" xmlns:ma14="http://schemas.microsoft.com/office/mac/drawingml/2011/main" xmlns="" val="1"/>
               </a:ext>
             </a:extLst>
           </p:spPr>
@@ -5752,7 +5848,7 @@
               <a:effectLst/>
               <a:extLst>
                 <a:ext uri="{C572A759-6A51-4108-AA02-DFA0A04FC94B}">
-                  <ma14:wrappingTextBoxFlag xmlns="" xmlns:ma14="http://schemas.microsoft.com/office/mac/drawingml/2011/main" xmlns:a14="http://schemas.microsoft.com/office/drawing/2010/main" xmlns:m="http://schemas.openxmlformats.org/officeDocument/2006/math" val="1"/>
+                  <ma14:wrappingTextBoxFlag xmlns:m="http://schemas.openxmlformats.org/officeDocument/2006/math" xmlns:a14="http://schemas.microsoft.com/office/drawing/2010/main" xmlns:ma14="http://schemas.microsoft.com/office/mac/drawingml/2011/main" xmlns="" val="1"/>
                 </a:ext>
               </a:extLst>
             </p:spPr>
@@ -5803,7 +5899,7 @@
             <a:effectLst/>
             <a:extLst>
               <a:ext uri="{C572A759-6A51-4108-AA02-DFA0A04FC94B}">
-                <ma14:wrappingTextBoxFlag xmlns="" xmlns:ma14="http://schemas.microsoft.com/office/mac/drawingml/2011/main" xmlns:a14="http://schemas.microsoft.com/office/drawing/2010/main" xmlns:m="http://schemas.openxmlformats.org/officeDocument/2006/math" val="1"/>
+                <ma14:wrappingTextBoxFlag xmlns:m="http://schemas.openxmlformats.org/officeDocument/2006/math" xmlns:a14="http://schemas.microsoft.com/office/drawing/2010/main" xmlns:ma14="http://schemas.microsoft.com/office/mac/drawingml/2011/main" xmlns="" val="1"/>
               </a:ext>
             </a:extLst>
           </p:spPr>
@@ -7349,7 +7445,7 @@
                 <a:effectLst/>
                 <a:extLst>
                   <a:ext uri="{C572A759-6A51-4108-AA02-DFA0A04FC94B}">
-                    <ma14:wrappingTextBoxFlag xmlns="" xmlns:ma14="http://schemas.microsoft.com/office/mac/drawingml/2011/main" xmlns:a14="http://schemas.microsoft.com/office/drawing/2010/main" xmlns:m="http://schemas.openxmlformats.org/officeDocument/2006/math" val="1"/>
+                    <ma14:wrappingTextBoxFlag xmlns:m="http://schemas.openxmlformats.org/officeDocument/2006/math" xmlns:a14="http://schemas.microsoft.com/office/drawing/2010/main" xmlns:ma14="http://schemas.microsoft.com/office/mac/drawingml/2011/main" xmlns="" val="1"/>
                   </a:ext>
                 </a:extLst>
               </p:spPr>
@@ -7454,7 +7550,7 @@
                 <a:effectLst/>
                 <a:extLst>
                   <a:ext uri="{C572A759-6A51-4108-AA02-DFA0A04FC94B}">
-                    <ma14:wrappingTextBoxFlag xmlns="" xmlns:ma14="http://schemas.microsoft.com/office/mac/drawingml/2011/main" xmlns:a14="http://schemas.microsoft.com/office/drawing/2010/main" xmlns:m="http://schemas.openxmlformats.org/officeDocument/2006/math" val="1"/>
+                    <ma14:wrappingTextBoxFlag xmlns:m="http://schemas.openxmlformats.org/officeDocument/2006/math" xmlns:a14="http://schemas.microsoft.com/office/drawing/2010/main" xmlns:ma14="http://schemas.microsoft.com/office/mac/drawingml/2011/main" xmlns="" val="1"/>
                   </a:ext>
                 </a:extLst>
               </p:spPr>
@@ -7505,7 +7601,7 @@
               <a:effectLst/>
               <a:extLst>
                 <a:ext uri="{C572A759-6A51-4108-AA02-DFA0A04FC94B}">
-                  <ma14:wrappingTextBoxFlag xmlns="" xmlns:ma14="http://schemas.microsoft.com/office/mac/drawingml/2011/main" xmlns:a14="http://schemas.microsoft.com/office/drawing/2010/main" xmlns:m="http://schemas.openxmlformats.org/officeDocument/2006/math" val="1"/>
+                  <ma14:wrappingTextBoxFlag xmlns:m="http://schemas.openxmlformats.org/officeDocument/2006/math" xmlns:a14="http://schemas.microsoft.com/office/drawing/2010/main" xmlns:ma14="http://schemas.microsoft.com/office/mac/drawingml/2011/main" xmlns="" val="1"/>
                 </a:ext>
               </a:extLst>
             </p:spPr>
@@ -7616,7 +7712,7 @@
                 <a:effectLst/>
                 <a:extLst>
                   <a:ext uri="{C572A759-6A51-4108-AA02-DFA0A04FC94B}">
-                    <ma14:wrappingTextBoxFlag xmlns="" xmlns:ma14="http://schemas.microsoft.com/office/mac/drawingml/2011/main" xmlns:a14="http://schemas.microsoft.com/office/drawing/2010/main" xmlns:m="http://schemas.openxmlformats.org/officeDocument/2006/math" val="1"/>
+                    <ma14:wrappingTextBoxFlag xmlns:m="http://schemas.openxmlformats.org/officeDocument/2006/math" xmlns:a14="http://schemas.microsoft.com/office/drawing/2010/main" xmlns:ma14="http://schemas.microsoft.com/office/mac/drawingml/2011/main" xmlns="" val="1"/>
                   </a:ext>
                 </a:extLst>
               </p:spPr>
@@ -7667,7 +7763,7 @@
               <a:effectLst/>
               <a:extLst>
                 <a:ext uri="{C572A759-6A51-4108-AA02-DFA0A04FC94B}">
-                  <ma14:wrappingTextBoxFlag xmlns="" xmlns:ma14="http://schemas.microsoft.com/office/mac/drawingml/2011/main" xmlns:a14="http://schemas.microsoft.com/office/drawing/2010/main" xmlns:m="http://schemas.openxmlformats.org/officeDocument/2006/math" val="1"/>
+                  <ma14:wrappingTextBoxFlag xmlns:m="http://schemas.openxmlformats.org/officeDocument/2006/math" xmlns:a14="http://schemas.microsoft.com/office/drawing/2010/main" xmlns:ma14="http://schemas.microsoft.com/office/mac/drawingml/2011/main" xmlns="" val="1"/>
                 </a:ext>
               </a:extLst>
             </p:spPr>
@@ -8005,7 +8101,7 @@
                 <a:effectLst/>
                 <a:extLst>
                   <a:ext uri="{C572A759-6A51-4108-AA02-DFA0A04FC94B}">
-                    <ma14:wrappingTextBoxFlag xmlns="" xmlns:ma14="http://schemas.microsoft.com/office/mac/drawingml/2011/main" xmlns:a14="http://schemas.microsoft.com/office/drawing/2010/main" xmlns:m="http://schemas.openxmlformats.org/officeDocument/2006/math" val="1"/>
+                    <ma14:wrappingTextBoxFlag xmlns:m="http://schemas.openxmlformats.org/officeDocument/2006/math" xmlns:a14="http://schemas.microsoft.com/office/drawing/2010/main" xmlns:ma14="http://schemas.microsoft.com/office/mac/drawingml/2011/main" xmlns="" val="1"/>
                   </a:ext>
                 </a:extLst>
               </p:spPr>
@@ -11696,7 +11792,7 @@
           </a:ln>
           <a:extLst>
             <a:ext uri="{C572A759-6A51-4108-AA02-DFA0A04FC94B}">
-              <ma14:wrappingTextBoxFlag xmlns:ma14="http://schemas.microsoft.com/office/mac/drawingml/2011/main" xmlns:a14="http://schemas.microsoft.com/office/drawing/2010/main" xmlns:m="http://schemas.openxmlformats.org/officeDocument/2006/math" xmlns="" val="1"/>
+              <ma14:wrappingTextBoxFlag xmlns="" xmlns:m="http://schemas.openxmlformats.org/officeDocument/2006/math" xmlns:a14="http://schemas.microsoft.com/office/drawing/2010/main" xmlns:ma14="http://schemas.microsoft.com/office/mac/drawingml/2011/main" val="1"/>
             </a:ext>
           </a:extLst>
         </p:spPr>
@@ -13583,7 +13679,7 @@
           </a:ln>
           <a:extLst>
             <a:ext uri="{C572A759-6A51-4108-AA02-DFA0A04FC94B}">
-              <ma14:wrappingTextBoxFlag xmlns="" xmlns:ma14="http://schemas.microsoft.com/office/mac/drawingml/2011/main" xmlns:a14="http://schemas.microsoft.com/office/drawing/2010/main" xmlns:m="http://schemas.openxmlformats.org/officeDocument/2006/math" val="1"/>
+              <ma14:wrappingTextBoxFlag xmlns:m="http://schemas.openxmlformats.org/officeDocument/2006/math" xmlns:a14="http://schemas.microsoft.com/office/drawing/2010/main" xmlns:ma14="http://schemas.microsoft.com/office/mac/drawingml/2011/main" xmlns="" val="1"/>
             </a:ext>
           </a:extLst>
         </p:spPr>
@@ -13620,7 +13716,7 @@
           </a:ln>
           <a:extLst>
             <a:ext uri="{C572A759-6A51-4108-AA02-DFA0A04FC94B}">
-              <ma14:wrappingTextBoxFlag xmlns="" xmlns:ma14="http://schemas.microsoft.com/office/mac/drawingml/2011/main" xmlns:a14="http://schemas.microsoft.com/office/drawing/2010/main" xmlns:m="http://schemas.openxmlformats.org/officeDocument/2006/math" val="1"/>
+              <ma14:wrappingTextBoxFlag xmlns:m="http://schemas.openxmlformats.org/officeDocument/2006/math" xmlns:a14="http://schemas.microsoft.com/office/drawing/2010/main" xmlns:ma14="http://schemas.microsoft.com/office/mac/drawingml/2011/main" xmlns="" val="1"/>
             </a:ext>
           </a:extLst>
         </p:spPr>
@@ -14582,7 +14678,7 @@
           </a:prstGeom>
           <a:extLst>
             <a:ext uri="{C572A759-6A51-4108-AA02-DFA0A04FC94B}">
-              <ma14:wrappingTextBoxFlag xmlns="" xmlns:m="http://schemas.openxmlformats.org/officeDocument/2006/math" xmlns:a14="http://schemas.microsoft.com/office/drawing/2010/main" xmlns:ma14="http://schemas.microsoft.com/office/mac/drawingml/2011/main" val="1"/>
+              <ma14:wrappingTextBoxFlag xmlns:ma14="http://schemas.microsoft.com/office/mac/drawingml/2011/main" xmlns:a14="http://schemas.microsoft.com/office/drawing/2010/main" xmlns:m="http://schemas.openxmlformats.org/officeDocument/2006/math" xmlns="" val="1"/>
             </a:ext>
           </a:extLst>
         </p:spPr>
@@ -14618,7 +14714,7 @@
           </a:prstGeom>
           <a:extLst>
             <a:ext uri="{C572A759-6A51-4108-AA02-DFA0A04FC94B}">
-              <ma14:wrappingTextBoxFlag xmlns="" xmlns:m="http://schemas.openxmlformats.org/officeDocument/2006/math" xmlns:a14="http://schemas.microsoft.com/office/drawing/2010/main" xmlns:ma14="http://schemas.microsoft.com/office/mac/drawingml/2011/main" val="1"/>
+              <ma14:wrappingTextBoxFlag xmlns:ma14="http://schemas.microsoft.com/office/mac/drawingml/2011/main" xmlns:a14="http://schemas.microsoft.com/office/drawing/2010/main" xmlns:m="http://schemas.openxmlformats.org/officeDocument/2006/math" xmlns="" val="1"/>
             </a:ext>
           </a:extLst>
         </p:spPr>
@@ -15014,146 +15110,6 @@
     <a:masterClrMapping/>
   </p:clrMapOvr>
   <p:transition spd="med"/>
-  <p:timing>
-    <p:tnLst>
-      <p:par>
-        <p:cTn id="1" dur="indefinite" restart="never" nodeType="tmRoot">
-          <p:childTnLst>
-            <p:seq concurrent="1" nextAc="seek">
-              <p:cTn id="2" dur="indefinite" nodeType="mainSeq">
-                <p:childTnLst>
-                  <p:par>
-                    <p:cTn id="3" fill="hold">
-                      <p:stCondLst>
-                        <p:cond delay="indefinite"/>
-                      </p:stCondLst>
-                      <p:childTnLst>
-                        <p:par>
-                          <p:cTn id="4" fill="hold">
-                            <p:stCondLst>
-                              <p:cond delay="0"/>
-                            </p:stCondLst>
-                            <p:childTnLst>
-                              <p:par>
-                                <p:cTn id="5" presetID="1" presetClass="entr" presetSubtype="0" fill="hold" grpId="0" nodeType="clickEffect">
-                                  <p:stCondLst>
-                                    <p:cond delay="0"/>
-                                  </p:stCondLst>
-                                  <p:childTnLst>
-                                    <p:set>
-                                      <p:cBhvr>
-                                        <p:cTn id="6" dur="1" fill="hold">
-                                          <p:stCondLst>
-                                            <p:cond delay="0"/>
-                                          </p:stCondLst>
-                                        </p:cTn>
-                                        <p:tgtEl>
-                                          <p:spTgt spid="2"/>
-                                        </p:tgtEl>
-                                        <p:attrNameLst>
-                                          <p:attrName>style.visibility</p:attrName>
-                                        </p:attrNameLst>
-                                      </p:cBhvr>
-                                      <p:to>
-                                        <p:strVal val="visible"/>
-                                      </p:to>
-                                    </p:set>
-                                  </p:childTnLst>
-                                </p:cTn>
-                              </p:par>
-                            </p:childTnLst>
-                          </p:cTn>
-                        </p:par>
-                      </p:childTnLst>
-                    </p:cTn>
-                  </p:par>
-                  <p:par>
-                    <p:cTn id="7" fill="hold">
-                      <p:stCondLst>
-                        <p:cond delay="indefinite"/>
-                      </p:stCondLst>
-                      <p:childTnLst>
-                        <p:par>
-                          <p:cTn id="8" fill="hold">
-                            <p:stCondLst>
-                              <p:cond delay="0"/>
-                            </p:stCondLst>
-                            <p:childTnLst>
-                              <p:par>
-                                <p:cTn id="9" presetID="10" presetClass="entr" presetSubtype="0" fill="hold" grpId="0" nodeType="clickEffect">
-                                  <p:stCondLst>
-                                    <p:cond delay="0"/>
-                                  </p:stCondLst>
-                                  <p:childTnLst>
-                                    <p:set>
-                                      <p:cBhvr>
-                                        <p:cTn id="10" dur="1" fill="hold">
-                                          <p:stCondLst>
-                                            <p:cond delay="0"/>
-                                          </p:stCondLst>
-                                        </p:cTn>
-                                        <p:tgtEl>
-                                          <p:spTgt spid="3">
-                                            <p:txEl>
-                                              <p:pRg st="0" end="0"/>
-                                            </p:txEl>
-                                          </p:spTgt>
-                                        </p:tgtEl>
-                                        <p:attrNameLst>
-                                          <p:attrName>style.visibility</p:attrName>
-                                        </p:attrNameLst>
-                                      </p:cBhvr>
-                                      <p:to>
-                                        <p:strVal val="visible"/>
-                                      </p:to>
-                                    </p:set>
-                                    <p:animEffect transition="in" filter="fade">
-                                      <p:cBhvr>
-                                        <p:cTn id="11" dur="500"/>
-                                        <p:tgtEl>
-                                          <p:spTgt spid="3">
-                                            <p:txEl>
-                                              <p:pRg st="0" end="0"/>
-                                            </p:txEl>
-                                          </p:spTgt>
-                                        </p:tgtEl>
-                                      </p:cBhvr>
-                                    </p:animEffect>
-                                  </p:childTnLst>
-                                </p:cTn>
-                              </p:par>
-                            </p:childTnLst>
-                          </p:cTn>
-                        </p:par>
-                      </p:childTnLst>
-                    </p:cTn>
-                  </p:par>
-                </p:childTnLst>
-              </p:cTn>
-              <p:prevCondLst>
-                <p:cond evt="onPrev" delay="0">
-                  <p:tgtEl>
-                    <p:sldTgt/>
-                  </p:tgtEl>
-                </p:cond>
-              </p:prevCondLst>
-              <p:nextCondLst>
-                <p:cond evt="onNext" delay="0">
-                  <p:tgtEl>
-                    <p:sldTgt/>
-                  </p:tgtEl>
-                </p:cond>
-              </p:nextCondLst>
-            </p:seq>
-          </p:childTnLst>
-        </p:cTn>
-      </p:par>
-    </p:tnLst>
-    <p:bldLst>
-      <p:bldP spid="2" grpId="0" animBg="1"/>
-      <p:bldP spid="3" grpId="0" uiExpand="1" build="p"/>
-    </p:bldLst>
-  </p:timing>
 </p:sld>
 </file>
 
@@ -15481,146 +15437,6 @@
     <a:masterClrMapping/>
   </p:clrMapOvr>
   <p:transition spd="med"/>
-  <p:timing>
-    <p:tnLst>
-      <p:par>
-        <p:cTn id="1" dur="indefinite" restart="never" nodeType="tmRoot">
-          <p:childTnLst>
-            <p:seq concurrent="1" nextAc="seek">
-              <p:cTn id="2" dur="indefinite" nodeType="mainSeq">
-                <p:childTnLst>
-                  <p:par>
-                    <p:cTn id="3" fill="hold">
-                      <p:stCondLst>
-                        <p:cond delay="indefinite"/>
-                      </p:stCondLst>
-                      <p:childTnLst>
-                        <p:par>
-                          <p:cTn id="4" fill="hold">
-                            <p:stCondLst>
-                              <p:cond delay="0"/>
-                            </p:stCondLst>
-                            <p:childTnLst>
-                              <p:par>
-                                <p:cTn id="5" presetID="1" presetClass="entr" presetSubtype="0" fill="hold" grpId="0" nodeType="clickEffect">
-                                  <p:stCondLst>
-                                    <p:cond delay="0"/>
-                                  </p:stCondLst>
-                                  <p:childTnLst>
-                                    <p:set>
-                                      <p:cBhvr>
-                                        <p:cTn id="6" dur="1" fill="hold">
-                                          <p:stCondLst>
-                                            <p:cond delay="0"/>
-                                          </p:stCondLst>
-                                        </p:cTn>
-                                        <p:tgtEl>
-                                          <p:spTgt spid="2"/>
-                                        </p:tgtEl>
-                                        <p:attrNameLst>
-                                          <p:attrName>style.visibility</p:attrName>
-                                        </p:attrNameLst>
-                                      </p:cBhvr>
-                                      <p:to>
-                                        <p:strVal val="visible"/>
-                                      </p:to>
-                                    </p:set>
-                                  </p:childTnLst>
-                                </p:cTn>
-                              </p:par>
-                            </p:childTnLst>
-                          </p:cTn>
-                        </p:par>
-                      </p:childTnLst>
-                    </p:cTn>
-                  </p:par>
-                  <p:par>
-                    <p:cTn id="7" fill="hold">
-                      <p:stCondLst>
-                        <p:cond delay="indefinite"/>
-                      </p:stCondLst>
-                      <p:childTnLst>
-                        <p:par>
-                          <p:cTn id="8" fill="hold">
-                            <p:stCondLst>
-                              <p:cond delay="0"/>
-                            </p:stCondLst>
-                            <p:childTnLst>
-                              <p:par>
-                                <p:cTn id="9" presetID="10" presetClass="entr" presetSubtype="0" fill="hold" grpId="0" nodeType="clickEffect">
-                                  <p:stCondLst>
-                                    <p:cond delay="0"/>
-                                  </p:stCondLst>
-                                  <p:childTnLst>
-                                    <p:set>
-                                      <p:cBhvr>
-                                        <p:cTn id="10" dur="1" fill="hold">
-                                          <p:stCondLst>
-                                            <p:cond delay="0"/>
-                                          </p:stCondLst>
-                                        </p:cTn>
-                                        <p:tgtEl>
-                                          <p:spTgt spid="3">
-                                            <p:txEl>
-                                              <p:pRg st="0" end="0"/>
-                                            </p:txEl>
-                                          </p:spTgt>
-                                        </p:tgtEl>
-                                        <p:attrNameLst>
-                                          <p:attrName>style.visibility</p:attrName>
-                                        </p:attrNameLst>
-                                      </p:cBhvr>
-                                      <p:to>
-                                        <p:strVal val="visible"/>
-                                      </p:to>
-                                    </p:set>
-                                    <p:animEffect transition="in" filter="fade">
-                                      <p:cBhvr>
-                                        <p:cTn id="11" dur="500"/>
-                                        <p:tgtEl>
-                                          <p:spTgt spid="3">
-                                            <p:txEl>
-                                              <p:pRg st="0" end="0"/>
-                                            </p:txEl>
-                                          </p:spTgt>
-                                        </p:tgtEl>
-                                      </p:cBhvr>
-                                    </p:animEffect>
-                                  </p:childTnLst>
-                                </p:cTn>
-                              </p:par>
-                            </p:childTnLst>
-                          </p:cTn>
-                        </p:par>
-                      </p:childTnLst>
-                    </p:cTn>
-                  </p:par>
-                </p:childTnLst>
-              </p:cTn>
-              <p:prevCondLst>
-                <p:cond evt="onPrev" delay="0">
-                  <p:tgtEl>
-                    <p:sldTgt/>
-                  </p:tgtEl>
-                </p:cond>
-              </p:prevCondLst>
-              <p:nextCondLst>
-                <p:cond evt="onNext" delay="0">
-                  <p:tgtEl>
-                    <p:sldTgt/>
-                  </p:tgtEl>
-                </p:cond>
-              </p:nextCondLst>
-            </p:seq>
-          </p:childTnLst>
-        </p:cTn>
-      </p:par>
-    </p:tnLst>
-    <p:bldLst>
-      <p:bldP spid="2" grpId="0" animBg="1"/>
-      <p:bldP spid="3" grpId="0" uiExpand="1" build="p"/>
-    </p:bldLst>
-  </p:timing>
 </p:sld>
 </file>
 
@@ -15737,6 +15553,42 @@
           </a:p>
         </p:txBody>
       </p:sp>
+      <p:pic>
+        <p:nvPicPr>
+          <p:cNvPr id="7" name="图片 6" descr="图表, 散点图&#10;&#10;描述已自动生成">
+            <a:extLst>
+              <a:ext uri="{FF2B5EF4-FFF2-40B4-BE49-F238E27FC236}">
+                <a16:creationId xmlns:a16="http://schemas.microsoft.com/office/drawing/2014/main" id="{BE3CBE87-4084-C781-DE4A-DB8638EC54D0}"/>
+              </a:ext>
+            </a:extLst>
+          </p:cNvPr>
+          <p:cNvPicPr>
+            <a:picLocks noChangeAspect="1"/>
+          </p:cNvPicPr>
+          <p:nvPr/>
+        </p:nvPicPr>
+        <p:blipFill>
+          <a:blip r:embed="rId3">
+            <a:extLst>
+              <a:ext uri="{28A0092B-C50C-407E-A947-70E740481C1C}">
+                <a14:useLocalDpi xmlns:a14="http://schemas.microsoft.com/office/drawing/2010/main" val="0"/>
+              </a:ext>
+            </a:extLst>
+          </a:blip>
+          <a:stretch>
+            <a:fillRect/>
+          </a:stretch>
+        </p:blipFill>
+        <p:spPr>
+          <a:xfrm>
+            <a:off x="2438857" y="686143"/>
+            <a:ext cx="7314286" cy="5485714"/>
+          </a:xfrm>
+          <a:prstGeom prst="rect">
+            <a:avLst/>
+          </a:prstGeom>
+        </p:spPr>
+      </p:pic>
     </p:spTree>
     <p:extLst>
       <p:ext uri="{BB962C8B-B14F-4D97-AF65-F5344CB8AC3E}">
@@ -15748,146 +15600,6 @@
     <a:masterClrMapping/>
   </p:clrMapOvr>
   <p:transition spd="med"/>
-  <p:timing>
-    <p:tnLst>
-      <p:par>
-        <p:cTn id="1" dur="indefinite" restart="never" nodeType="tmRoot">
-          <p:childTnLst>
-            <p:seq concurrent="1" nextAc="seek">
-              <p:cTn id="2" dur="indefinite" nodeType="mainSeq">
-                <p:childTnLst>
-                  <p:par>
-                    <p:cTn id="3" fill="hold">
-                      <p:stCondLst>
-                        <p:cond delay="indefinite"/>
-                      </p:stCondLst>
-                      <p:childTnLst>
-                        <p:par>
-                          <p:cTn id="4" fill="hold">
-                            <p:stCondLst>
-                              <p:cond delay="0"/>
-                            </p:stCondLst>
-                            <p:childTnLst>
-                              <p:par>
-                                <p:cTn id="5" presetID="1" presetClass="entr" presetSubtype="0" fill="hold" grpId="0" nodeType="clickEffect">
-                                  <p:stCondLst>
-                                    <p:cond delay="0"/>
-                                  </p:stCondLst>
-                                  <p:childTnLst>
-                                    <p:set>
-                                      <p:cBhvr>
-                                        <p:cTn id="6" dur="1" fill="hold">
-                                          <p:stCondLst>
-                                            <p:cond delay="0"/>
-                                          </p:stCondLst>
-                                        </p:cTn>
-                                        <p:tgtEl>
-                                          <p:spTgt spid="2"/>
-                                        </p:tgtEl>
-                                        <p:attrNameLst>
-                                          <p:attrName>style.visibility</p:attrName>
-                                        </p:attrNameLst>
-                                      </p:cBhvr>
-                                      <p:to>
-                                        <p:strVal val="visible"/>
-                                      </p:to>
-                                    </p:set>
-                                  </p:childTnLst>
-                                </p:cTn>
-                              </p:par>
-                            </p:childTnLst>
-                          </p:cTn>
-                        </p:par>
-                      </p:childTnLst>
-                    </p:cTn>
-                  </p:par>
-                  <p:par>
-                    <p:cTn id="7" fill="hold">
-                      <p:stCondLst>
-                        <p:cond delay="indefinite"/>
-                      </p:stCondLst>
-                      <p:childTnLst>
-                        <p:par>
-                          <p:cTn id="8" fill="hold">
-                            <p:stCondLst>
-                              <p:cond delay="0"/>
-                            </p:stCondLst>
-                            <p:childTnLst>
-                              <p:par>
-                                <p:cTn id="9" presetID="10" presetClass="entr" presetSubtype="0" fill="hold" grpId="0" nodeType="clickEffect">
-                                  <p:stCondLst>
-                                    <p:cond delay="0"/>
-                                  </p:stCondLst>
-                                  <p:childTnLst>
-                                    <p:set>
-                                      <p:cBhvr>
-                                        <p:cTn id="10" dur="1" fill="hold">
-                                          <p:stCondLst>
-                                            <p:cond delay="0"/>
-                                          </p:stCondLst>
-                                        </p:cTn>
-                                        <p:tgtEl>
-                                          <p:spTgt spid="3">
-                                            <p:txEl>
-                                              <p:pRg st="0" end="0"/>
-                                            </p:txEl>
-                                          </p:spTgt>
-                                        </p:tgtEl>
-                                        <p:attrNameLst>
-                                          <p:attrName>style.visibility</p:attrName>
-                                        </p:attrNameLst>
-                                      </p:cBhvr>
-                                      <p:to>
-                                        <p:strVal val="visible"/>
-                                      </p:to>
-                                    </p:set>
-                                    <p:animEffect transition="in" filter="fade">
-                                      <p:cBhvr>
-                                        <p:cTn id="11" dur="500"/>
-                                        <p:tgtEl>
-                                          <p:spTgt spid="3">
-                                            <p:txEl>
-                                              <p:pRg st="0" end="0"/>
-                                            </p:txEl>
-                                          </p:spTgt>
-                                        </p:tgtEl>
-                                      </p:cBhvr>
-                                    </p:animEffect>
-                                  </p:childTnLst>
-                                </p:cTn>
-                              </p:par>
-                            </p:childTnLst>
-                          </p:cTn>
-                        </p:par>
-                      </p:childTnLst>
-                    </p:cTn>
-                  </p:par>
-                </p:childTnLst>
-              </p:cTn>
-              <p:prevCondLst>
-                <p:cond evt="onPrev" delay="0">
-                  <p:tgtEl>
-                    <p:sldTgt/>
-                  </p:tgtEl>
-                </p:cond>
-              </p:prevCondLst>
-              <p:nextCondLst>
-                <p:cond evt="onNext" delay="0">
-                  <p:tgtEl>
-                    <p:sldTgt/>
-                  </p:tgtEl>
-                </p:cond>
-              </p:nextCondLst>
-            </p:seq>
-          </p:childTnLst>
-        </p:cTn>
-      </p:par>
-    </p:tnLst>
-    <p:bldLst>
-      <p:bldP spid="2" grpId="0" animBg="1"/>
-      <p:bldP spid="3" grpId="0" uiExpand="1" build="p"/>
-    </p:bldLst>
-  </p:timing>
 </p:sld>
 </file>
 
@@ -16058,7 +15770,7 @@
           </a:ln>
           <a:extLst>
             <a:ext uri="{C572A759-6A51-4108-AA02-DFA0A04FC94B}">
-              <ma14:wrappingTextBoxFlag xmlns="" xmlns:ma14="http://schemas.microsoft.com/office/mac/drawingml/2011/main" xmlns:a14="http://schemas.microsoft.com/office/drawing/2010/main" xmlns:m="http://schemas.openxmlformats.org/officeDocument/2006/math" val="1"/>
+              <ma14:wrappingTextBoxFlag xmlns:m="http://schemas.openxmlformats.org/officeDocument/2006/math" xmlns:a14="http://schemas.microsoft.com/office/drawing/2010/main" xmlns:ma14="http://schemas.microsoft.com/office/mac/drawingml/2011/main" xmlns="" val="1"/>
             </a:ext>
           </a:extLst>
         </p:spPr>
@@ -16387,208 +16099,6 @@
     <a:masterClrMapping/>
   </p:clrMapOvr>
   <p:transition spd="med"/>
-  <p:timing>
-    <p:tnLst>
-      <p:par>
-        <p:cTn id="1" dur="indefinite" restart="never" nodeType="tmRoot">
-          <p:childTnLst>
-            <p:seq concurrent="1" nextAc="seek">
-              <p:cTn id="2" dur="indefinite" nodeType="mainSeq">
-                <p:childTnLst>
-                  <p:par>
-                    <p:cTn id="3" fill="hold">
-                      <p:stCondLst>
-                        <p:cond delay="indefinite"/>
-                      </p:stCondLst>
-                      <p:childTnLst>
-                        <p:par>
-                          <p:cTn id="4" fill="hold">
-                            <p:stCondLst>
-                              <p:cond delay="0"/>
-                            </p:stCondLst>
-                            <p:childTnLst>
-                              <p:par>
-                                <p:cTn id="5" presetID="1" presetClass="entr" presetSubtype="0" fill="hold" grpId="0" nodeType="clickEffect">
-                                  <p:stCondLst>
-                                    <p:cond delay="0"/>
-                                  </p:stCondLst>
-                                  <p:childTnLst>
-                                    <p:set>
-                                      <p:cBhvr>
-                                        <p:cTn id="6" dur="1" fill="hold">
-                                          <p:stCondLst>
-                                            <p:cond delay="0"/>
-                                          </p:stCondLst>
-                                        </p:cTn>
-                                        <p:tgtEl>
-                                          <p:spTgt spid="2"/>
-                                        </p:tgtEl>
-                                        <p:attrNameLst>
-                                          <p:attrName>style.visibility</p:attrName>
-                                        </p:attrNameLst>
-                                      </p:cBhvr>
-                                      <p:to>
-                                        <p:strVal val="visible"/>
-                                      </p:to>
-                                    </p:set>
-                                  </p:childTnLst>
-                                </p:cTn>
-                              </p:par>
-                            </p:childTnLst>
-                          </p:cTn>
-                        </p:par>
-                      </p:childTnLst>
-                    </p:cTn>
-                  </p:par>
-                  <p:par>
-                    <p:cTn id="7" fill="hold">
-                      <p:stCondLst>
-                        <p:cond delay="indefinite"/>
-                      </p:stCondLst>
-                      <p:childTnLst>
-                        <p:par>
-                          <p:cTn id="8" fill="hold">
-                            <p:stCondLst>
-                              <p:cond delay="0"/>
-                            </p:stCondLst>
-                            <p:childTnLst>
-                              <p:par>
-                                <p:cTn id="9" presetID="10" presetClass="entr" presetSubtype="0" fill="hold" grpId="0" nodeType="clickEffect">
-                                  <p:stCondLst>
-                                    <p:cond delay="0"/>
-                                  </p:stCondLst>
-                                  <p:childTnLst>
-                                    <p:set>
-                                      <p:cBhvr>
-                                        <p:cTn id="10" dur="1" fill="hold">
-                                          <p:stCondLst>
-                                            <p:cond delay="0"/>
-                                          </p:stCondLst>
-                                        </p:cTn>
-                                        <p:tgtEl>
-                                          <p:spTgt spid="3">
-                                            <p:txEl>
-                                              <p:pRg st="0" end="0"/>
-                                            </p:txEl>
-                                          </p:spTgt>
-                                        </p:tgtEl>
-                                        <p:attrNameLst>
-                                          <p:attrName>style.visibility</p:attrName>
-                                        </p:attrNameLst>
-                                      </p:cBhvr>
-                                      <p:to>
-                                        <p:strVal val="visible"/>
-                                      </p:to>
-                                    </p:set>
-                                    <p:animEffect transition="in" filter="fade">
-                                      <p:cBhvr>
-                                        <p:cTn id="11" dur="500"/>
-                                        <p:tgtEl>
-                                          <p:spTgt spid="3">
-                                            <p:txEl>
-                                              <p:pRg st="0" end="0"/>
-                                            </p:txEl>
-                                          </p:spTgt>
-                                        </p:tgtEl>
-                                      </p:cBhvr>
-                                    </p:animEffect>
-                                  </p:childTnLst>
-                                </p:cTn>
-                              </p:par>
-                            </p:childTnLst>
-                          </p:cTn>
-                        </p:par>
-                      </p:childTnLst>
-                    </p:cTn>
-                  </p:par>
-                  <p:par>
-                    <p:cTn id="12" fill="hold">
-                      <p:stCondLst>
-                        <p:cond delay="indefinite"/>
-                      </p:stCondLst>
-                      <p:childTnLst>
-                        <p:par>
-                          <p:cTn id="13" fill="hold">
-                            <p:stCondLst>
-                              <p:cond delay="0"/>
-                            </p:stCondLst>
-                            <p:childTnLst>
-                              <p:par>
-                                <p:cTn id="14" presetID="10" presetClass="entr" presetSubtype="0" fill="hold" grpId="0" nodeType="clickEffect">
-                                  <p:stCondLst>
-                                    <p:cond delay="0"/>
-                                  </p:stCondLst>
-                                  <p:childTnLst>
-                                    <p:set>
-                                      <p:cBhvr>
-                                        <p:cTn id="15" dur="1" fill="hold">
-                                          <p:stCondLst>
-                                            <p:cond delay="0"/>
-                                          </p:stCondLst>
-                                        </p:cTn>
-                                        <p:tgtEl>
-                                          <p:spTgt spid="4">
-                                            <p:txEl>
-                                              <p:pRg st="0" end="0"/>
-                                            </p:txEl>
-                                          </p:spTgt>
-                                        </p:tgtEl>
-                                        <p:attrNameLst>
-                                          <p:attrName>style.visibility</p:attrName>
-                                        </p:attrNameLst>
-                                      </p:cBhvr>
-                                      <p:to>
-                                        <p:strVal val="visible"/>
-                                      </p:to>
-                                    </p:set>
-                                    <p:animEffect transition="in" filter="fade">
-                                      <p:cBhvr>
-                                        <p:cTn id="16" dur="500"/>
-                                        <p:tgtEl>
-                                          <p:spTgt spid="4">
-                                            <p:txEl>
-                                              <p:pRg st="0" end="0"/>
-                                            </p:txEl>
-                                          </p:spTgt>
-                                        </p:tgtEl>
-                                      </p:cBhvr>
-                                    </p:animEffect>
-                                  </p:childTnLst>
-                                </p:cTn>
-                              </p:par>
-                            </p:childTnLst>
-                          </p:cTn>
-                        </p:par>
-                      </p:childTnLst>
-                    </p:cTn>
-                  </p:par>
-                </p:childTnLst>
-              </p:cTn>
-              <p:prevCondLst>
-                <p:cond evt="onPrev" delay="0">
-                  <p:tgtEl>
-                    <p:sldTgt/>
-                  </p:tgtEl>
-                </p:cond>
-              </p:prevCondLst>
-              <p:nextCondLst>
-                <p:cond evt="onNext" delay="0">
-                  <p:tgtEl>
-                    <p:sldTgt/>
-                  </p:tgtEl>
-                </p:cond>
-              </p:nextCondLst>
-            </p:seq>
-          </p:childTnLst>
-        </p:cTn>
-      </p:par>
-    </p:tnLst>
-    <p:bldLst>
-      <p:bldP spid="2" grpId="0" animBg="1"/>
-      <p:bldP spid="3" grpId="0" uiExpand="1" build="p"/>
-      <p:bldP spid="4" grpId="0" uiExpand="1" build="p"/>
-    </p:bldLst>
-  </p:timing>
 </p:sld>
 </file>
 
@@ -16840,84 +16350,6 @@
     <a:masterClrMapping/>
   </p:clrMapOvr>
   <p:transition spd="med"/>
-  <p:timing>
-    <p:tnLst>
-      <p:par>
-        <p:cTn id="1" dur="indefinite" restart="never" nodeType="tmRoot">
-          <p:childTnLst>
-            <p:seq concurrent="1" nextAc="seek">
-              <p:cTn id="2" dur="indefinite" nodeType="mainSeq">
-                <p:childTnLst>
-                  <p:par>
-                    <p:cTn id="3" fill="hold">
-                      <p:stCondLst>
-                        <p:cond delay="indefinite"/>
-                      </p:stCondLst>
-                      <p:childTnLst>
-                        <p:par>
-                          <p:cTn id="4" fill="hold">
-                            <p:stCondLst>
-                              <p:cond delay="0"/>
-                            </p:stCondLst>
-                            <p:childTnLst>
-                              <p:par>
-                                <p:cTn id="5" presetID="1" presetClass="entr" presetSubtype="0" fill="hold" grpId="0" nodeType="clickEffect">
-                                  <p:stCondLst>
-                                    <p:cond delay="0"/>
-                                  </p:stCondLst>
-                                  <p:childTnLst>
-                                    <p:set>
-                                      <p:cBhvr>
-                                        <p:cTn id="6" dur="1" fill="hold">
-                                          <p:stCondLst>
-                                            <p:cond delay="0"/>
-                                          </p:stCondLst>
-                                        </p:cTn>
-                                        <p:tgtEl>
-                                          <p:spTgt spid="2"/>
-                                        </p:tgtEl>
-                                        <p:attrNameLst>
-                                          <p:attrName>style.visibility</p:attrName>
-                                        </p:attrNameLst>
-                                      </p:cBhvr>
-                                      <p:to>
-                                        <p:strVal val="visible"/>
-                                      </p:to>
-                                    </p:set>
-                                  </p:childTnLst>
-                                </p:cTn>
-                              </p:par>
-                            </p:childTnLst>
-                          </p:cTn>
-                        </p:par>
-                      </p:childTnLst>
-                    </p:cTn>
-                  </p:par>
-                </p:childTnLst>
-              </p:cTn>
-              <p:prevCondLst>
-                <p:cond evt="onPrev" delay="0">
-                  <p:tgtEl>
-                    <p:sldTgt/>
-                  </p:tgtEl>
-                </p:cond>
-              </p:prevCondLst>
-              <p:nextCondLst>
-                <p:cond evt="onNext" delay="0">
-                  <p:tgtEl>
-                    <p:sldTgt/>
-                  </p:tgtEl>
-                </p:cond>
-              </p:nextCondLst>
-            </p:seq>
-          </p:childTnLst>
-        </p:cTn>
-      </p:par>
-    </p:tnLst>
-    <p:bldLst>
-      <p:bldP spid="2" grpId="0" animBg="1"/>
-    </p:bldLst>
-  </p:timing>
 </p:sld>
 </file>
 
@@ -17188,84 +16620,6 @@
     <a:masterClrMapping/>
   </p:clrMapOvr>
   <p:transition spd="med"/>
-  <p:timing>
-    <p:tnLst>
-      <p:par>
-        <p:cTn id="1" dur="indefinite" restart="never" nodeType="tmRoot">
-          <p:childTnLst>
-            <p:seq concurrent="1" nextAc="seek">
-              <p:cTn id="2" dur="indefinite" nodeType="mainSeq">
-                <p:childTnLst>
-                  <p:par>
-                    <p:cTn id="3" fill="hold">
-                      <p:stCondLst>
-                        <p:cond delay="indefinite"/>
-                      </p:stCondLst>
-                      <p:childTnLst>
-                        <p:par>
-                          <p:cTn id="4" fill="hold">
-                            <p:stCondLst>
-                              <p:cond delay="0"/>
-                            </p:stCondLst>
-                            <p:childTnLst>
-                              <p:par>
-                                <p:cTn id="5" presetID="1" presetClass="entr" presetSubtype="0" fill="hold" grpId="0" nodeType="clickEffect">
-                                  <p:stCondLst>
-                                    <p:cond delay="0"/>
-                                  </p:stCondLst>
-                                  <p:childTnLst>
-                                    <p:set>
-                                      <p:cBhvr>
-                                        <p:cTn id="6" dur="1" fill="hold">
-                                          <p:stCondLst>
-                                            <p:cond delay="0"/>
-                                          </p:stCondLst>
-                                        </p:cTn>
-                                        <p:tgtEl>
-                                          <p:spTgt spid="2"/>
-                                        </p:tgtEl>
-                                        <p:attrNameLst>
-                                          <p:attrName>style.visibility</p:attrName>
-                                        </p:attrNameLst>
-                                      </p:cBhvr>
-                                      <p:to>
-                                        <p:strVal val="visible"/>
-                                      </p:to>
-                                    </p:set>
-                                  </p:childTnLst>
-                                </p:cTn>
-                              </p:par>
-                            </p:childTnLst>
-                          </p:cTn>
-                        </p:par>
-                      </p:childTnLst>
-                    </p:cTn>
-                  </p:par>
-                </p:childTnLst>
-              </p:cTn>
-              <p:prevCondLst>
-                <p:cond evt="onPrev" delay="0">
-                  <p:tgtEl>
-                    <p:sldTgt/>
-                  </p:tgtEl>
-                </p:cond>
-              </p:prevCondLst>
-              <p:nextCondLst>
-                <p:cond evt="onNext" delay="0">
-                  <p:tgtEl>
-                    <p:sldTgt/>
-                  </p:tgtEl>
-                </p:cond>
-              </p:nextCondLst>
-            </p:seq>
-          </p:childTnLst>
-        </p:cTn>
-      </p:par>
-    </p:tnLst>
-    <p:bldLst>
-      <p:bldP spid="2" grpId="0" animBg="1"/>
-    </p:bldLst>
-  </p:timing>
 </p:sld>
 </file>
 
@@ -17496,7 +16850,7 @@
           </a:ln>
           <a:extLst>
             <a:ext uri="{C572A759-6A51-4108-AA02-DFA0A04FC94B}">
-              <ma14:wrappingTextBoxFlag xmlns="" xmlns:ma14="http://schemas.microsoft.com/office/mac/drawingml/2011/main" xmlns:a14="http://schemas.microsoft.com/office/drawing/2010/main" xmlns:m="http://schemas.openxmlformats.org/officeDocument/2006/math" val="1"/>
+              <ma14:wrappingTextBoxFlag xmlns:m="http://schemas.openxmlformats.org/officeDocument/2006/math" xmlns:a14="http://schemas.microsoft.com/office/drawing/2010/main" xmlns:ma14="http://schemas.microsoft.com/office/mac/drawingml/2011/main" xmlns="" val="1"/>
             </a:ext>
           </a:extLst>
         </p:spPr>
@@ -17789,208 +17143,6 @@
     <a:masterClrMapping/>
   </p:clrMapOvr>
   <p:transition spd="med"/>
-  <p:timing>
-    <p:tnLst>
-      <p:par>
-        <p:cTn id="1" dur="indefinite" restart="never" nodeType="tmRoot">
-          <p:childTnLst>
-            <p:seq concurrent="1" nextAc="seek">
-              <p:cTn id="2" dur="indefinite" nodeType="mainSeq">
-                <p:childTnLst>
-                  <p:par>
-                    <p:cTn id="3" fill="hold">
-                      <p:stCondLst>
-                        <p:cond delay="indefinite"/>
-                      </p:stCondLst>
-                      <p:childTnLst>
-                        <p:par>
-                          <p:cTn id="4" fill="hold">
-                            <p:stCondLst>
-                              <p:cond delay="0"/>
-                            </p:stCondLst>
-                            <p:childTnLst>
-                              <p:par>
-                                <p:cTn id="5" presetID="1" presetClass="entr" presetSubtype="0" fill="hold" grpId="0" nodeType="clickEffect">
-                                  <p:stCondLst>
-                                    <p:cond delay="0"/>
-                                  </p:stCondLst>
-                                  <p:childTnLst>
-                                    <p:set>
-                                      <p:cBhvr>
-                                        <p:cTn id="6" dur="1" fill="hold">
-                                          <p:stCondLst>
-                                            <p:cond delay="0"/>
-                                          </p:stCondLst>
-                                        </p:cTn>
-                                        <p:tgtEl>
-                                          <p:spTgt spid="2"/>
-                                        </p:tgtEl>
-                                        <p:attrNameLst>
-                                          <p:attrName>style.visibility</p:attrName>
-                                        </p:attrNameLst>
-                                      </p:cBhvr>
-                                      <p:to>
-                                        <p:strVal val="visible"/>
-                                      </p:to>
-                                    </p:set>
-                                  </p:childTnLst>
-                                </p:cTn>
-                              </p:par>
-                            </p:childTnLst>
-                          </p:cTn>
-                        </p:par>
-                      </p:childTnLst>
-                    </p:cTn>
-                  </p:par>
-                  <p:par>
-                    <p:cTn id="7" fill="hold">
-                      <p:stCondLst>
-                        <p:cond delay="indefinite"/>
-                      </p:stCondLst>
-                      <p:childTnLst>
-                        <p:par>
-                          <p:cTn id="8" fill="hold">
-                            <p:stCondLst>
-                              <p:cond delay="0"/>
-                            </p:stCondLst>
-                            <p:childTnLst>
-                              <p:par>
-                                <p:cTn id="9" presetID="10" presetClass="entr" presetSubtype="0" fill="hold" grpId="0" nodeType="clickEffect">
-                                  <p:stCondLst>
-                                    <p:cond delay="0"/>
-                                  </p:stCondLst>
-                                  <p:childTnLst>
-                                    <p:set>
-                                      <p:cBhvr>
-                                        <p:cTn id="10" dur="1" fill="hold">
-                                          <p:stCondLst>
-                                            <p:cond delay="0"/>
-                                          </p:stCondLst>
-                                        </p:cTn>
-                                        <p:tgtEl>
-                                          <p:spTgt spid="3">
-                                            <p:txEl>
-                                              <p:pRg st="0" end="0"/>
-                                            </p:txEl>
-                                          </p:spTgt>
-                                        </p:tgtEl>
-                                        <p:attrNameLst>
-                                          <p:attrName>style.visibility</p:attrName>
-                                        </p:attrNameLst>
-                                      </p:cBhvr>
-                                      <p:to>
-                                        <p:strVal val="visible"/>
-                                      </p:to>
-                                    </p:set>
-                                    <p:animEffect transition="in" filter="fade">
-                                      <p:cBhvr>
-                                        <p:cTn id="11" dur="500"/>
-                                        <p:tgtEl>
-                                          <p:spTgt spid="3">
-                                            <p:txEl>
-                                              <p:pRg st="0" end="0"/>
-                                            </p:txEl>
-                                          </p:spTgt>
-                                        </p:tgtEl>
-                                      </p:cBhvr>
-                                    </p:animEffect>
-                                  </p:childTnLst>
-                                </p:cTn>
-                              </p:par>
-                            </p:childTnLst>
-                          </p:cTn>
-                        </p:par>
-                      </p:childTnLst>
-                    </p:cTn>
-                  </p:par>
-                  <p:par>
-                    <p:cTn id="12" fill="hold">
-                      <p:stCondLst>
-                        <p:cond delay="indefinite"/>
-                      </p:stCondLst>
-                      <p:childTnLst>
-                        <p:par>
-                          <p:cTn id="13" fill="hold">
-                            <p:stCondLst>
-                              <p:cond delay="0"/>
-                            </p:stCondLst>
-                            <p:childTnLst>
-                              <p:par>
-                                <p:cTn id="14" presetID="10" presetClass="entr" presetSubtype="0" fill="hold" grpId="0" nodeType="clickEffect">
-                                  <p:stCondLst>
-                                    <p:cond delay="0"/>
-                                  </p:stCondLst>
-                                  <p:childTnLst>
-                                    <p:set>
-                                      <p:cBhvr>
-                                        <p:cTn id="15" dur="1" fill="hold">
-                                          <p:stCondLst>
-                                            <p:cond delay="0"/>
-                                          </p:stCondLst>
-                                        </p:cTn>
-                                        <p:tgtEl>
-                                          <p:spTgt spid="9">
-                                            <p:txEl>
-                                              <p:pRg st="0" end="0"/>
-                                            </p:txEl>
-                                          </p:spTgt>
-                                        </p:tgtEl>
-                                        <p:attrNameLst>
-                                          <p:attrName>style.visibility</p:attrName>
-                                        </p:attrNameLst>
-                                      </p:cBhvr>
-                                      <p:to>
-                                        <p:strVal val="visible"/>
-                                      </p:to>
-                                    </p:set>
-                                    <p:animEffect transition="in" filter="fade">
-                                      <p:cBhvr>
-                                        <p:cTn id="16" dur="500"/>
-                                        <p:tgtEl>
-                                          <p:spTgt spid="9">
-                                            <p:txEl>
-                                              <p:pRg st="0" end="0"/>
-                                            </p:txEl>
-                                          </p:spTgt>
-                                        </p:tgtEl>
-                                      </p:cBhvr>
-                                    </p:animEffect>
-                                  </p:childTnLst>
-                                </p:cTn>
-                              </p:par>
-                            </p:childTnLst>
-                          </p:cTn>
-                        </p:par>
-                      </p:childTnLst>
-                    </p:cTn>
-                  </p:par>
-                </p:childTnLst>
-              </p:cTn>
-              <p:prevCondLst>
-                <p:cond evt="onPrev" delay="0">
-                  <p:tgtEl>
-                    <p:sldTgt/>
-                  </p:tgtEl>
-                </p:cond>
-              </p:prevCondLst>
-              <p:nextCondLst>
-                <p:cond evt="onNext" delay="0">
-                  <p:tgtEl>
-                    <p:sldTgt/>
-                  </p:tgtEl>
-                </p:cond>
-              </p:nextCondLst>
-            </p:seq>
-          </p:childTnLst>
-        </p:cTn>
-      </p:par>
-    </p:tnLst>
-    <p:bldLst>
-      <p:bldP spid="2" grpId="0" animBg="1"/>
-      <p:bldP spid="3" grpId="0" uiExpand="1" build="p"/>
-      <p:bldP spid="9" grpId="0" uiExpand="1" build="p"/>
-    </p:bldLst>
-  </p:timing>
 </p:sld>
 </file>
 
@@ -18145,146 +17297,6 @@
     <a:masterClrMapping/>
   </p:clrMapOvr>
   <p:transition spd="med"/>
-  <p:timing>
-    <p:tnLst>
-      <p:par>
-        <p:cTn id="1" dur="indefinite" restart="never" nodeType="tmRoot">
-          <p:childTnLst>
-            <p:seq concurrent="1" nextAc="seek">
-              <p:cTn id="2" dur="indefinite" nodeType="mainSeq">
-                <p:childTnLst>
-                  <p:par>
-                    <p:cTn id="3" fill="hold">
-                      <p:stCondLst>
-                        <p:cond delay="indefinite"/>
-                      </p:stCondLst>
-                      <p:childTnLst>
-                        <p:par>
-                          <p:cTn id="4" fill="hold">
-                            <p:stCondLst>
-                              <p:cond delay="0"/>
-                            </p:stCondLst>
-                            <p:childTnLst>
-                              <p:par>
-                                <p:cTn id="5" presetID="1" presetClass="entr" presetSubtype="0" fill="hold" grpId="0" nodeType="clickEffect">
-                                  <p:stCondLst>
-                                    <p:cond delay="0"/>
-                                  </p:stCondLst>
-                                  <p:childTnLst>
-                                    <p:set>
-                                      <p:cBhvr>
-                                        <p:cTn id="6" dur="1" fill="hold">
-                                          <p:stCondLst>
-                                            <p:cond delay="0"/>
-                                          </p:stCondLst>
-                                        </p:cTn>
-                                        <p:tgtEl>
-                                          <p:spTgt spid="2"/>
-                                        </p:tgtEl>
-                                        <p:attrNameLst>
-                                          <p:attrName>style.visibility</p:attrName>
-                                        </p:attrNameLst>
-                                      </p:cBhvr>
-                                      <p:to>
-                                        <p:strVal val="visible"/>
-                                      </p:to>
-                                    </p:set>
-                                  </p:childTnLst>
-                                </p:cTn>
-                              </p:par>
-                            </p:childTnLst>
-                          </p:cTn>
-                        </p:par>
-                      </p:childTnLst>
-                    </p:cTn>
-                  </p:par>
-                  <p:par>
-                    <p:cTn id="7" fill="hold">
-                      <p:stCondLst>
-                        <p:cond delay="indefinite"/>
-                      </p:stCondLst>
-                      <p:childTnLst>
-                        <p:par>
-                          <p:cTn id="8" fill="hold">
-                            <p:stCondLst>
-                              <p:cond delay="0"/>
-                            </p:stCondLst>
-                            <p:childTnLst>
-                              <p:par>
-                                <p:cTn id="9" presetID="10" presetClass="entr" presetSubtype="0" fill="hold" grpId="0" nodeType="clickEffect">
-                                  <p:stCondLst>
-                                    <p:cond delay="0"/>
-                                  </p:stCondLst>
-                                  <p:childTnLst>
-                                    <p:set>
-                                      <p:cBhvr>
-                                        <p:cTn id="10" dur="1" fill="hold">
-                                          <p:stCondLst>
-                                            <p:cond delay="0"/>
-                                          </p:stCondLst>
-                                        </p:cTn>
-                                        <p:tgtEl>
-                                          <p:spTgt spid="3">
-                                            <p:txEl>
-                                              <p:pRg st="0" end="0"/>
-                                            </p:txEl>
-                                          </p:spTgt>
-                                        </p:tgtEl>
-                                        <p:attrNameLst>
-                                          <p:attrName>style.visibility</p:attrName>
-                                        </p:attrNameLst>
-                                      </p:cBhvr>
-                                      <p:to>
-                                        <p:strVal val="visible"/>
-                                      </p:to>
-                                    </p:set>
-                                    <p:animEffect transition="in" filter="fade">
-                                      <p:cBhvr>
-                                        <p:cTn id="11" dur="500"/>
-                                        <p:tgtEl>
-                                          <p:spTgt spid="3">
-                                            <p:txEl>
-                                              <p:pRg st="0" end="0"/>
-                                            </p:txEl>
-                                          </p:spTgt>
-                                        </p:tgtEl>
-                                      </p:cBhvr>
-                                    </p:animEffect>
-                                  </p:childTnLst>
-                                </p:cTn>
-                              </p:par>
-                            </p:childTnLst>
-                          </p:cTn>
-                        </p:par>
-                      </p:childTnLst>
-                    </p:cTn>
-                  </p:par>
-                </p:childTnLst>
-              </p:cTn>
-              <p:prevCondLst>
-                <p:cond evt="onPrev" delay="0">
-                  <p:tgtEl>
-                    <p:sldTgt/>
-                  </p:tgtEl>
-                </p:cond>
-              </p:prevCondLst>
-              <p:nextCondLst>
-                <p:cond evt="onNext" delay="0">
-                  <p:tgtEl>
-                    <p:sldTgt/>
-                  </p:tgtEl>
-                </p:cond>
-              </p:nextCondLst>
-            </p:seq>
-          </p:childTnLst>
-        </p:cTn>
-      </p:par>
-    </p:tnLst>
-    <p:bldLst>
-      <p:bldP spid="2" grpId="0" animBg="1"/>
-      <p:bldP spid="3" grpId="0" uiExpand="1" build="p"/>
-    </p:bldLst>
-  </p:timing>
 </p:sld>
 </file>
 
@@ -18453,146 +17465,6 @@
     <a:masterClrMapping/>
   </p:clrMapOvr>
   <p:transition spd="med"/>
-  <p:timing>
-    <p:tnLst>
-      <p:par>
-        <p:cTn id="1" dur="indefinite" restart="never" nodeType="tmRoot">
-          <p:childTnLst>
-            <p:seq concurrent="1" nextAc="seek">
-              <p:cTn id="2" dur="indefinite" nodeType="mainSeq">
-                <p:childTnLst>
-                  <p:par>
-                    <p:cTn id="3" fill="hold">
-                      <p:stCondLst>
-                        <p:cond delay="indefinite"/>
-                      </p:stCondLst>
-                      <p:childTnLst>
-                        <p:par>
-                          <p:cTn id="4" fill="hold">
-                            <p:stCondLst>
-                              <p:cond delay="0"/>
-                            </p:stCondLst>
-                            <p:childTnLst>
-                              <p:par>
-                                <p:cTn id="5" presetID="1" presetClass="entr" presetSubtype="0" fill="hold" grpId="0" nodeType="clickEffect">
-                                  <p:stCondLst>
-                                    <p:cond delay="0"/>
-                                  </p:stCondLst>
-                                  <p:childTnLst>
-                                    <p:set>
-                                      <p:cBhvr>
-                                        <p:cTn id="6" dur="1" fill="hold">
-                                          <p:stCondLst>
-                                            <p:cond delay="0"/>
-                                          </p:stCondLst>
-                                        </p:cTn>
-                                        <p:tgtEl>
-                                          <p:spTgt spid="2"/>
-                                        </p:tgtEl>
-                                        <p:attrNameLst>
-                                          <p:attrName>style.visibility</p:attrName>
-                                        </p:attrNameLst>
-                                      </p:cBhvr>
-                                      <p:to>
-                                        <p:strVal val="visible"/>
-                                      </p:to>
-                                    </p:set>
-                                  </p:childTnLst>
-                                </p:cTn>
-                              </p:par>
-                            </p:childTnLst>
-                          </p:cTn>
-                        </p:par>
-                      </p:childTnLst>
-                    </p:cTn>
-                  </p:par>
-                  <p:par>
-                    <p:cTn id="7" fill="hold">
-                      <p:stCondLst>
-                        <p:cond delay="indefinite"/>
-                      </p:stCondLst>
-                      <p:childTnLst>
-                        <p:par>
-                          <p:cTn id="8" fill="hold">
-                            <p:stCondLst>
-                              <p:cond delay="0"/>
-                            </p:stCondLst>
-                            <p:childTnLst>
-                              <p:par>
-                                <p:cTn id="9" presetID="10" presetClass="entr" presetSubtype="0" fill="hold" grpId="0" nodeType="clickEffect">
-                                  <p:stCondLst>
-                                    <p:cond delay="0"/>
-                                  </p:stCondLst>
-                                  <p:childTnLst>
-                                    <p:set>
-                                      <p:cBhvr>
-                                        <p:cTn id="10" dur="1" fill="hold">
-                                          <p:stCondLst>
-                                            <p:cond delay="0"/>
-                                          </p:stCondLst>
-                                        </p:cTn>
-                                        <p:tgtEl>
-                                          <p:spTgt spid="3">
-                                            <p:txEl>
-                                              <p:pRg st="0" end="0"/>
-                                            </p:txEl>
-                                          </p:spTgt>
-                                        </p:tgtEl>
-                                        <p:attrNameLst>
-                                          <p:attrName>style.visibility</p:attrName>
-                                        </p:attrNameLst>
-                                      </p:cBhvr>
-                                      <p:to>
-                                        <p:strVal val="visible"/>
-                                      </p:to>
-                                    </p:set>
-                                    <p:animEffect transition="in" filter="fade">
-                                      <p:cBhvr>
-                                        <p:cTn id="11" dur="500"/>
-                                        <p:tgtEl>
-                                          <p:spTgt spid="3">
-                                            <p:txEl>
-                                              <p:pRg st="0" end="0"/>
-                                            </p:txEl>
-                                          </p:spTgt>
-                                        </p:tgtEl>
-                                      </p:cBhvr>
-                                    </p:animEffect>
-                                  </p:childTnLst>
-                                </p:cTn>
-                              </p:par>
-                            </p:childTnLst>
-                          </p:cTn>
-                        </p:par>
-                      </p:childTnLst>
-                    </p:cTn>
-                  </p:par>
-                </p:childTnLst>
-              </p:cTn>
-              <p:prevCondLst>
-                <p:cond evt="onPrev" delay="0">
-                  <p:tgtEl>
-                    <p:sldTgt/>
-                  </p:tgtEl>
-                </p:cond>
-              </p:prevCondLst>
-              <p:nextCondLst>
-                <p:cond evt="onNext" delay="0">
-                  <p:tgtEl>
-                    <p:sldTgt/>
-                  </p:tgtEl>
-                </p:cond>
-              </p:nextCondLst>
-            </p:seq>
-          </p:childTnLst>
-        </p:cTn>
-      </p:par>
-    </p:tnLst>
-    <p:bldLst>
-      <p:bldP spid="2" grpId="0" animBg="1"/>
-      <p:bldP spid="3" grpId="0" uiExpand="1" build="p"/>
-    </p:bldLst>
-  </p:timing>
 </p:sld>
 </file>
 
@@ -18789,7 +17661,7 @@
           </a:ln>
           <a:extLst>
             <a:ext uri="{C572A759-6A51-4108-AA02-DFA0A04FC94B}">
-              <ma14:wrappingTextBoxFlag xmlns:ma14="http://schemas.microsoft.com/office/mac/drawingml/2011/main" xmlns:a14="http://schemas.microsoft.com/office/drawing/2010/main" xmlns:m="http://schemas.openxmlformats.org/officeDocument/2006/math" xmlns="" val="1"/>
+              <ma14:wrappingTextBoxFlag xmlns="" xmlns:m="http://schemas.openxmlformats.org/officeDocument/2006/math" xmlns:a14="http://schemas.microsoft.com/office/drawing/2010/main" xmlns:ma14="http://schemas.microsoft.com/office/mac/drawingml/2011/main" val="1"/>
             </a:ext>
           </a:extLst>
         </p:spPr>
@@ -19281,146 +18153,6 @@
     <a:masterClrMapping/>
   </p:clrMapOvr>
   <p:transition spd="med"/>
-  <p:timing>
-    <p:tnLst>
-      <p:par>
-        <p:cTn id="1" dur="indefinite" restart="never" nodeType="tmRoot">
-          <p:childTnLst>
-            <p:seq concurrent="1" nextAc="seek">
-              <p:cTn id="2" dur="indefinite" nodeType="mainSeq">
-                <p:childTnLst>
-                  <p:par>
-                    <p:cTn id="3" fill="hold">
-                      <p:stCondLst>
-                        <p:cond delay="indefinite"/>
-                      </p:stCondLst>
-                      <p:childTnLst>
-                        <p:par>
-                          <p:cTn id="4" fill="hold">
-                            <p:stCondLst>
-                              <p:cond delay="0"/>
-                            </p:stCondLst>
-                            <p:childTnLst>
-                              <p:par>
-                                <p:cTn id="5" presetID="1" presetClass="entr" presetSubtype="0" fill="hold" grpId="0" nodeType="clickEffect">
-                                  <p:stCondLst>
-                                    <p:cond delay="0"/>
-                                  </p:stCondLst>
-                                  <p:childTnLst>
-                                    <p:set>
-                                      <p:cBhvr>
-                                        <p:cTn id="6" dur="1" fill="hold">
-                                          <p:stCondLst>
-                                            <p:cond delay="0"/>
-                                          </p:stCondLst>
-                                        </p:cTn>
-                                        <p:tgtEl>
-                                          <p:spTgt spid="2"/>
-                                        </p:tgtEl>
-                                        <p:attrNameLst>
-                                          <p:attrName>style.visibility</p:attrName>
-                                        </p:attrNameLst>
-                                      </p:cBhvr>
-                                      <p:to>
-                                        <p:strVal val="visible"/>
-                                      </p:to>
-                                    </p:set>
-                                  </p:childTnLst>
-                                </p:cTn>
-                              </p:par>
-                            </p:childTnLst>
-                          </p:cTn>
-                        </p:par>
-                      </p:childTnLst>
-                    </p:cTn>
-                  </p:par>
-                  <p:par>
-                    <p:cTn id="7" fill="hold">
-                      <p:stCondLst>
-                        <p:cond delay="indefinite"/>
-                      </p:stCondLst>
-                      <p:childTnLst>
-                        <p:par>
-                          <p:cTn id="8" fill="hold">
-                            <p:stCondLst>
-                              <p:cond delay="0"/>
-                            </p:stCondLst>
-                            <p:childTnLst>
-                              <p:par>
-                                <p:cTn id="9" presetID="10" presetClass="entr" presetSubtype="0" fill="hold" grpId="0" nodeType="clickEffect">
-                                  <p:stCondLst>
-                                    <p:cond delay="0"/>
-                                  </p:stCondLst>
-                                  <p:childTnLst>
-                                    <p:set>
-                                      <p:cBhvr>
-                                        <p:cTn id="10" dur="1" fill="hold">
-                                          <p:stCondLst>
-                                            <p:cond delay="0"/>
-                                          </p:stCondLst>
-                                        </p:cTn>
-                                        <p:tgtEl>
-                                          <p:spTgt spid="3">
-                                            <p:txEl>
-                                              <p:pRg st="0" end="0"/>
-                                            </p:txEl>
-                                          </p:spTgt>
-                                        </p:tgtEl>
-                                        <p:attrNameLst>
-                                          <p:attrName>style.visibility</p:attrName>
-                                        </p:attrNameLst>
-                                      </p:cBhvr>
-                                      <p:to>
-                                        <p:strVal val="visible"/>
-                                      </p:to>
-                                    </p:set>
-                                    <p:animEffect transition="in" filter="fade">
-                                      <p:cBhvr>
-                                        <p:cTn id="11" dur="500"/>
-                                        <p:tgtEl>
-                                          <p:spTgt spid="3">
-                                            <p:txEl>
-                                              <p:pRg st="0" end="0"/>
-                                            </p:txEl>
-                                          </p:spTgt>
-                                        </p:tgtEl>
-                                      </p:cBhvr>
-                                    </p:animEffect>
-                                  </p:childTnLst>
-                                </p:cTn>
-                              </p:par>
-                            </p:childTnLst>
-                          </p:cTn>
-                        </p:par>
-                      </p:childTnLst>
-                    </p:cTn>
-                  </p:par>
-                </p:childTnLst>
-              </p:cTn>
-              <p:prevCondLst>
-                <p:cond evt="onPrev" delay="0">
-                  <p:tgtEl>
-                    <p:sldTgt/>
-                  </p:tgtEl>
-                </p:cond>
-              </p:prevCondLst>
-              <p:nextCondLst>
-                <p:cond evt="onNext" delay="0">
-                  <p:tgtEl>
-                    <p:sldTgt/>
-                  </p:tgtEl>
-                </p:cond>
-              </p:nextCondLst>
-            </p:seq>
-          </p:childTnLst>
-        </p:cTn>
-      </p:par>
-    </p:tnLst>
-    <p:bldLst>
-      <p:bldP spid="2" grpId="0" animBg="1"/>
-      <p:bldP spid="3" grpId="0" uiExpand="1" build="p"/>
-    </p:bldLst>
-  </p:timing>
 </p:sld>
 </file>
 
@@ -19583,146 +18315,6 @@
     <a:masterClrMapping/>
   </p:clrMapOvr>
   <p:transition spd="med"/>
-  <p:timing>
-    <p:tnLst>
-      <p:par>
-        <p:cTn id="1" dur="indefinite" restart="never" nodeType="tmRoot">
-          <p:childTnLst>
-            <p:seq concurrent="1" nextAc="seek">
-              <p:cTn id="2" dur="indefinite" nodeType="mainSeq">
-                <p:childTnLst>
-                  <p:par>
-                    <p:cTn id="3" fill="hold">
-                      <p:stCondLst>
-                        <p:cond delay="indefinite"/>
-                      </p:stCondLst>
-                      <p:childTnLst>
-                        <p:par>
-                          <p:cTn id="4" fill="hold">
-                            <p:stCondLst>
-                              <p:cond delay="0"/>
-                            </p:stCondLst>
-                            <p:childTnLst>
-                              <p:par>
-                                <p:cTn id="5" presetID="1" presetClass="entr" presetSubtype="0" fill="hold" grpId="0" nodeType="clickEffect">
-                                  <p:stCondLst>
-                                    <p:cond delay="0"/>
-                                  </p:stCondLst>
-                                  <p:childTnLst>
-                                    <p:set>
-                                      <p:cBhvr>
-                                        <p:cTn id="6" dur="1" fill="hold">
-                                          <p:stCondLst>
-                                            <p:cond delay="0"/>
-                                          </p:stCondLst>
-                                        </p:cTn>
-                                        <p:tgtEl>
-                                          <p:spTgt spid="2"/>
-                                        </p:tgtEl>
-                                        <p:attrNameLst>
-                                          <p:attrName>style.visibility</p:attrName>
-                                        </p:attrNameLst>
-                                      </p:cBhvr>
-                                      <p:to>
-                                        <p:strVal val="visible"/>
-                                      </p:to>
-                                    </p:set>
-                                  </p:childTnLst>
-                                </p:cTn>
-                              </p:par>
-                            </p:childTnLst>
-                          </p:cTn>
-                        </p:par>
-                      </p:childTnLst>
-                    </p:cTn>
-                  </p:par>
-                  <p:par>
-                    <p:cTn id="7" fill="hold">
-                      <p:stCondLst>
-                        <p:cond delay="indefinite"/>
-                      </p:stCondLst>
-                      <p:childTnLst>
-                        <p:par>
-                          <p:cTn id="8" fill="hold">
-                            <p:stCondLst>
-                              <p:cond delay="0"/>
-                            </p:stCondLst>
-                            <p:childTnLst>
-                              <p:par>
-                                <p:cTn id="9" presetID="10" presetClass="entr" presetSubtype="0" fill="hold" grpId="0" nodeType="clickEffect">
-                                  <p:stCondLst>
-                                    <p:cond delay="0"/>
-                                  </p:stCondLst>
-                                  <p:childTnLst>
-                                    <p:set>
-                                      <p:cBhvr>
-                                        <p:cTn id="10" dur="1" fill="hold">
-                                          <p:stCondLst>
-                                            <p:cond delay="0"/>
-                                          </p:stCondLst>
-                                        </p:cTn>
-                                        <p:tgtEl>
-                                          <p:spTgt spid="3">
-                                            <p:txEl>
-                                              <p:pRg st="0" end="0"/>
-                                            </p:txEl>
-                                          </p:spTgt>
-                                        </p:tgtEl>
-                                        <p:attrNameLst>
-                                          <p:attrName>style.visibility</p:attrName>
-                                        </p:attrNameLst>
-                                      </p:cBhvr>
-                                      <p:to>
-                                        <p:strVal val="visible"/>
-                                      </p:to>
-                                    </p:set>
-                                    <p:animEffect transition="in" filter="fade">
-                                      <p:cBhvr>
-                                        <p:cTn id="11" dur="500"/>
-                                        <p:tgtEl>
-                                          <p:spTgt spid="3">
-                                            <p:txEl>
-                                              <p:pRg st="0" end="0"/>
-                                            </p:txEl>
-                                          </p:spTgt>
-                                        </p:tgtEl>
-                                      </p:cBhvr>
-                                    </p:animEffect>
-                                  </p:childTnLst>
-                                </p:cTn>
-                              </p:par>
-                            </p:childTnLst>
-                          </p:cTn>
-                        </p:par>
-                      </p:childTnLst>
-                    </p:cTn>
-                  </p:par>
-                </p:childTnLst>
-              </p:cTn>
-              <p:prevCondLst>
-                <p:cond evt="onPrev" delay="0">
-                  <p:tgtEl>
-                    <p:sldTgt/>
-                  </p:tgtEl>
-                </p:cond>
-              </p:prevCondLst>
-              <p:nextCondLst>
-                <p:cond evt="onNext" delay="0">
-                  <p:tgtEl>
-                    <p:sldTgt/>
-                  </p:tgtEl>
-                </p:cond>
-              </p:nextCondLst>
-            </p:seq>
-          </p:childTnLst>
-        </p:cTn>
-      </p:par>
-    </p:tnLst>
-    <p:bldLst>
-      <p:bldP spid="2" grpId="0" animBg="1"/>
-      <p:bldP spid="3" grpId="0" uiExpand="1" build="p"/>
-    </p:bldLst>
-  </p:timing>
 </p:sld>
 </file>
 
@@ -19983,7 +18575,7 @@
         </p:spPr>
         <p:txBody>
           <a:bodyPr>
-            <a:normAutofit/>
+            <a:normAutofit fontScale="92500"/>
           </a:bodyPr>
           <a:lstStyle/>
           <a:p>
@@ -20028,7 +18620,7 @@
               <a:rPr lang="en-GB" altLang="zh-CN" sz="2400" dirty="0">
                 <a:latin typeface="Arial" panose="020B0604020202020204" pitchFamily="34" charset="0"/>
               </a:rPr>
-              <a:t> positions are known</a:t>
+              <a:t> positions are known, randomly move</a:t>
             </a:r>
           </a:p>
           <a:p>
@@ -20122,329 +18714,6 @@
     <a:masterClrMapping/>
   </p:clrMapOvr>
   <p:transition spd="med"/>
-  <p:timing>
-    <p:tnLst>
-      <p:par>
-        <p:cTn id="1" dur="indefinite" restart="never" nodeType="tmRoot">
-          <p:childTnLst>
-            <p:seq concurrent="1" nextAc="seek">
-              <p:cTn id="2" dur="indefinite" nodeType="mainSeq">
-                <p:childTnLst>
-                  <p:par>
-                    <p:cTn id="3" fill="hold">
-                      <p:stCondLst>
-                        <p:cond delay="indefinite"/>
-                      </p:stCondLst>
-                      <p:childTnLst>
-                        <p:par>
-                          <p:cTn id="4" fill="hold">
-                            <p:stCondLst>
-                              <p:cond delay="0"/>
-                            </p:stCondLst>
-                            <p:childTnLst>
-                              <p:par>
-                                <p:cTn id="5" presetID="1" presetClass="entr" presetSubtype="0" fill="hold" grpId="0" nodeType="clickEffect">
-                                  <p:stCondLst>
-                                    <p:cond delay="0"/>
-                                  </p:stCondLst>
-                                  <p:childTnLst>
-                                    <p:set>
-                                      <p:cBhvr>
-                                        <p:cTn id="6" dur="1" fill="hold">
-                                          <p:stCondLst>
-                                            <p:cond delay="0"/>
-                                          </p:stCondLst>
-                                        </p:cTn>
-                                        <p:tgtEl>
-                                          <p:spTgt spid="2"/>
-                                        </p:tgtEl>
-                                        <p:attrNameLst>
-                                          <p:attrName>style.visibility</p:attrName>
-                                        </p:attrNameLst>
-                                      </p:cBhvr>
-                                      <p:to>
-                                        <p:strVal val="visible"/>
-                                      </p:to>
-                                    </p:set>
-                                  </p:childTnLst>
-                                </p:cTn>
-                              </p:par>
-                            </p:childTnLst>
-                          </p:cTn>
-                        </p:par>
-                      </p:childTnLst>
-                    </p:cTn>
-                  </p:par>
-                  <p:par>
-                    <p:cTn id="7" fill="hold">
-                      <p:stCondLst>
-                        <p:cond delay="indefinite"/>
-                      </p:stCondLst>
-                      <p:childTnLst>
-                        <p:par>
-                          <p:cTn id="8" fill="hold">
-                            <p:stCondLst>
-                              <p:cond delay="0"/>
-                            </p:stCondLst>
-                            <p:childTnLst>
-                              <p:par>
-                                <p:cTn id="9" presetID="10" presetClass="entr" presetSubtype="0" fill="hold" grpId="0" nodeType="clickEffect">
-                                  <p:stCondLst>
-                                    <p:cond delay="0"/>
-                                  </p:stCondLst>
-                                  <p:childTnLst>
-                                    <p:set>
-                                      <p:cBhvr>
-                                        <p:cTn id="10" dur="1" fill="hold">
-                                          <p:stCondLst>
-                                            <p:cond delay="0"/>
-                                          </p:stCondLst>
-                                        </p:cTn>
-                                        <p:tgtEl>
-                                          <p:spTgt spid="3">
-                                            <p:txEl>
-                                              <p:pRg st="0" end="0"/>
-                                            </p:txEl>
-                                          </p:spTgt>
-                                        </p:tgtEl>
-                                        <p:attrNameLst>
-                                          <p:attrName>style.visibility</p:attrName>
-                                        </p:attrNameLst>
-                                      </p:cBhvr>
-                                      <p:to>
-                                        <p:strVal val="visible"/>
-                                      </p:to>
-                                    </p:set>
-                                    <p:animEffect transition="in" filter="fade">
-                                      <p:cBhvr>
-                                        <p:cTn id="11" dur="500"/>
-                                        <p:tgtEl>
-                                          <p:spTgt spid="3">
-                                            <p:txEl>
-                                              <p:pRg st="0" end="0"/>
-                                            </p:txEl>
-                                          </p:spTgt>
-                                        </p:tgtEl>
-                                      </p:cBhvr>
-                                    </p:animEffect>
-                                  </p:childTnLst>
-                                </p:cTn>
-                              </p:par>
-                            </p:childTnLst>
-                          </p:cTn>
-                        </p:par>
-                      </p:childTnLst>
-                    </p:cTn>
-                  </p:par>
-                  <p:par>
-                    <p:cTn id="12" fill="hold">
-                      <p:stCondLst>
-                        <p:cond delay="indefinite"/>
-                      </p:stCondLst>
-                      <p:childTnLst>
-                        <p:par>
-                          <p:cTn id="13" fill="hold">
-                            <p:stCondLst>
-                              <p:cond delay="0"/>
-                            </p:stCondLst>
-                            <p:childTnLst>
-                              <p:par>
-                                <p:cTn id="14" presetID="10" presetClass="entr" presetSubtype="0" fill="hold" grpId="0" nodeType="clickEffect">
-                                  <p:stCondLst>
-                                    <p:cond delay="0"/>
-                                  </p:stCondLst>
-                                  <p:childTnLst>
-                                    <p:set>
-                                      <p:cBhvr>
-                                        <p:cTn id="15" dur="1" fill="hold">
-                                          <p:stCondLst>
-                                            <p:cond delay="0"/>
-                                          </p:stCondLst>
-                                        </p:cTn>
-                                        <p:tgtEl>
-                                          <p:spTgt spid="3">
-                                            <p:txEl>
-                                              <p:pRg st="1" end="1"/>
-                                            </p:txEl>
-                                          </p:spTgt>
-                                        </p:tgtEl>
-                                        <p:attrNameLst>
-                                          <p:attrName>style.visibility</p:attrName>
-                                        </p:attrNameLst>
-                                      </p:cBhvr>
-                                      <p:to>
-                                        <p:strVal val="visible"/>
-                                      </p:to>
-                                    </p:set>
-                                    <p:animEffect transition="in" filter="fade">
-                                      <p:cBhvr>
-                                        <p:cTn id="16" dur="500"/>
-                                        <p:tgtEl>
-                                          <p:spTgt spid="3">
-                                            <p:txEl>
-                                              <p:pRg st="1" end="1"/>
-                                            </p:txEl>
-                                          </p:spTgt>
-                                        </p:tgtEl>
-                                      </p:cBhvr>
-                                    </p:animEffect>
-                                  </p:childTnLst>
-                                </p:cTn>
-                              </p:par>
-                            </p:childTnLst>
-                          </p:cTn>
-                        </p:par>
-                      </p:childTnLst>
-                    </p:cTn>
-                  </p:par>
-                  <p:par>
-                    <p:cTn id="17" fill="hold">
-                      <p:stCondLst>
-                        <p:cond delay="indefinite"/>
-                      </p:stCondLst>
-                      <p:childTnLst>
-                        <p:par>
-                          <p:cTn id="18" fill="hold">
-                            <p:stCondLst>
-                              <p:cond delay="0"/>
-                            </p:stCondLst>
-                            <p:childTnLst>
-                              <p:par>
-                                <p:cTn id="19" presetID="10" presetClass="entr" presetSubtype="0" fill="hold" grpId="0" nodeType="clickEffect">
-                                  <p:stCondLst>
-                                    <p:cond delay="0"/>
-                                  </p:stCondLst>
-                                  <p:childTnLst>
-                                    <p:set>
-                                      <p:cBhvr>
-                                        <p:cTn id="20" dur="1" fill="hold">
-                                          <p:stCondLst>
-                                            <p:cond delay="0"/>
-                                          </p:stCondLst>
-                                        </p:cTn>
-                                        <p:tgtEl>
-                                          <p:spTgt spid="3">
-                                            <p:txEl>
-                                              <p:pRg st="2" end="2"/>
-                                            </p:txEl>
-                                          </p:spTgt>
-                                        </p:tgtEl>
-                                        <p:attrNameLst>
-                                          <p:attrName>style.visibility</p:attrName>
-                                        </p:attrNameLst>
-                                      </p:cBhvr>
-                                      <p:to>
-                                        <p:strVal val="visible"/>
-                                      </p:to>
-                                    </p:set>
-                                    <p:animEffect transition="in" filter="fade">
-                                      <p:cBhvr>
-                                        <p:cTn id="21" dur="500"/>
-                                        <p:tgtEl>
-                                          <p:spTgt spid="3">
-                                            <p:txEl>
-                                              <p:pRg st="2" end="2"/>
-                                            </p:txEl>
-                                          </p:spTgt>
-                                        </p:tgtEl>
-                                      </p:cBhvr>
-                                    </p:animEffect>
-                                  </p:childTnLst>
-                                </p:cTn>
-                              </p:par>
-                            </p:childTnLst>
-                          </p:cTn>
-                        </p:par>
-                      </p:childTnLst>
-                    </p:cTn>
-                  </p:par>
-                  <p:par>
-                    <p:cTn id="22" fill="hold">
-                      <p:stCondLst>
-                        <p:cond delay="indefinite"/>
-                      </p:stCondLst>
-                      <p:childTnLst>
-                        <p:par>
-                          <p:cTn id="23" fill="hold">
-                            <p:stCondLst>
-                              <p:cond delay="0"/>
-                            </p:stCondLst>
-                            <p:childTnLst>
-                              <p:par>
-                                <p:cTn id="24" presetID="10" presetClass="entr" presetSubtype="0" fill="hold" grpId="0" nodeType="clickEffect">
-                                  <p:stCondLst>
-                                    <p:cond delay="0"/>
-                                  </p:stCondLst>
-                                  <p:childTnLst>
-                                    <p:set>
-                                      <p:cBhvr>
-                                        <p:cTn id="25" dur="1" fill="hold">
-                                          <p:stCondLst>
-                                            <p:cond delay="0"/>
-                                          </p:stCondLst>
-                                        </p:cTn>
-                                        <p:tgtEl>
-                                          <p:spTgt spid="3">
-                                            <p:txEl>
-                                              <p:pRg st="3" end="3"/>
-                                            </p:txEl>
-                                          </p:spTgt>
-                                        </p:tgtEl>
-                                        <p:attrNameLst>
-                                          <p:attrName>style.visibility</p:attrName>
-                                        </p:attrNameLst>
-                                      </p:cBhvr>
-                                      <p:to>
-                                        <p:strVal val="visible"/>
-                                      </p:to>
-                                    </p:set>
-                                    <p:animEffect transition="in" filter="fade">
-                                      <p:cBhvr>
-                                        <p:cTn id="26" dur="500"/>
-                                        <p:tgtEl>
-                                          <p:spTgt spid="3">
-                                            <p:txEl>
-                                              <p:pRg st="3" end="3"/>
-                                            </p:txEl>
-                                          </p:spTgt>
-                                        </p:tgtEl>
-                                      </p:cBhvr>
-                                    </p:animEffect>
-                                  </p:childTnLst>
-                                </p:cTn>
-                              </p:par>
-                            </p:childTnLst>
-                          </p:cTn>
-                        </p:par>
-                      </p:childTnLst>
-                    </p:cTn>
-                  </p:par>
-                </p:childTnLst>
-              </p:cTn>
-              <p:prevCondLst>
-                <p:cond evt="onPrev" delay="0">
-                  <p:tgtEl>
-                    <p:sldTgt/>
-                  </p:tgtEl>
-                </p:cond>
-              </p:prevCondLst>
-              <p:nextCondLst>
-                <p:cond evt="onNext" delay="0">
-                  <p:tgtEl>
-                    <p:sldTgt/>
-                  </p:tgtEl>
-                </p:cond>
-              </p:nextCondLst>
-            </p:seq>
-          </p:childTnLst>
-        </p:cTn>
-      </p:par>
-    </p:tnLst>
-    <p:bldLst>
-      <p:bldP spid="2" grpId="0" animBg="1"/>
-      <p:bldP spid="3" grpId="0" uiExpand="1" build="p"/>
-    </p:bldLst>
-  </p:timing>
 </p:sld>
 </file>
 
@@ -20565,146 +18834,6 @@
     <a:masterClrMapping/>
   </p:clrMapOvr>
   <p:transition spd="med"/>
-  <p:timing>
-    <p:tnLst>
-      <p:par>
-        <p:cTn id="1" dur="indefinite" restart="never" nodeType="tmRoot">
-          <p:childTnLst>
-            <p:seq concurrent="1" nextAc="seek">
-              <p:cTn id="2" dur="indefinite" nodeType="mainSeq">
-                <p:childTnLst>
-                  <p:par>
-                    <p:cTn id="3" fill="hold">
-                      <p:stCondLst>
-                        <p:cond delay="indefinite"/>
-                      </p:stCondLst>
-                      <p:childTnLst>
-                        <p:par>
-                          <p:cTn id="4" fill="hold">
-                            <p:stCondLst>
-                              <p:cond delay="0"/>
-                            </p:stCondLst>
-                            <p:childTnLst>
-                              <p:par>
-                                <p:cTn id="5" presetID="1" presetClass="entr" presetSubtype="0" fill="hold" grpId="0" nodeType="clickEffect">
-                                  <p:stCondLst>
-                                    <p:cond delay="0"/>
-                                  </p:stCondLst>
-                                  <p:childTnLst>
-                                    <p:set>
-                                      <p:cBhvr>
-                                        <p:cTn id="6" dur="1" fill="hold">
-                                          <p:stCondLst>
-                                            <p:cond delay="0"/>
-                                          </p:stCondLst>
-                                        </p:cTn>
-                                        <p:tgtEl>
-                                          <p:spTgt spid="2"/>
-                                        </p:tgtEl>
-                                        <p:attrNameLst>
-                                          <p:attrName>style.visibility</p:attrName>
-                                        </p:attrNameLst>
-                                      </p:cBhvr>
-                                      <p:to>
-                                        <p:strVal val="visible"/>
-                                      </p:to>
-                                    </p:set>
-                                  </p:childTnLst>
-                                </p:cTn>
-                              </p:par>
-                            </p:childTnLst>
-                          </p:cTn>
-                        </p:par>
-                      </p:childTnLst>
-                    </p:cTn>
-                  </p:par>
-                  <p:par>
-                    <p:cTn id="7" fill="hold">
-                      <p:stCondLst>
-                        <p:cond delay="indefinite"/>
-                      </p:stCondLst>
-                      <p:childTnLst>
-                        <p:par>
-                          <p:cTn id="8" fill="hold">
-                            <p:stCondLst>
-                              <p:cond delay="0"/>
-                            </p:stCondLst>
-                            <p:childTnLst>
-                              <p:par>
-                                <p:cTn id="9" presetID="10" presetClass="entr" presetSubtype="0" fill="hold" grpId="0" nodeType="clickEffect">
-                                  <p:stCondLst>
-                                    <p:cond delay="0"/>
-                                  </p:stCondLst>
-                                  <p:childTnLst>
-                                    <p:set>
-                                      <p:cBhvr>
-                                        <p:cTn id="10" dur="1" fill="hold">
-                                          <p:stCondLst>
-                                            <p:cond delay="0"/>
-                                          </p:stCondLst>
-                                        </p:cTn>
-                                        <p:tgtEl>
-                                          <p:spTgt spid="3">
-                                            <p:txEl>
-                                              <p:pRg st="0" end="0"/>
-                                            </p:txEl>
-                                          </p:spTgt>
-                                        </p:tgtEl>
-                                        <p:attrNameLst>
-                                          <p:attrName>style.visibility</p:attrName>
-                                        </p:attrNameLst>
-                                      </p:cBhvr>
-                                      <p:to>
-                                        <p:strVal val="visible"/>
-                                      </p:to>
-                                    </p:set>
-                                    <p:animEffect transition="in" filter="fade">
-                                      <p:cBhvr>
-                                        <p:cTn id="11" dur="500"/>
-                                        <p:tgtEl>
-                                          <p:spTgt spid="3">
-                                            <p:txEl>
-                                              <p:pRg st="0" end="0"/>
-                                            </p:txEl>
-                                          </p:spTgt>
-                                        </p:tgtEl>
-                                      </p:cBhvr>
-                                    </p:animEffect>
-                                  </p:childTnLst>
-                                </p:cTn>
-                              </p:par>
-                            </p:childTnLst>
-                          </p:cTn>
-                        </p:par>
-                      </p:childTnLst>
-                    </p:cTn>
-                  </p:par>
-                </p:childTnLst>
-              </p:cTn>
-              <p:prevCondLst>
-                <p:cond evt="onPrev" delay="0">
-                  <p:tgtEl>
-                    <p:sldTgt/>
-                  </p:tgtEl>
-                </p:cond>
-              </p:prevCondLst>
-              <p:nextCondLst>
-                <p:cond evt="onNext" delay="0">
-                  <p:tgtEl>
-                    <p:sldTgt/>
-                  </p:tgtEl>
-                </p:cond>
-              </p:nextCondLst>
-            </p:seq>
-          </p:childTnLst>
-        </p:cTn>
-      </p:par>
-    </p:tnLst>
-    <p:bldLst>
-      <p:bldP spid="2" grpId="0" animBg="1"/>
-      <p:bldP spid="3" grpId="0" uiExpand="1" build="p"/>
-    </p:bldLst>
-  </p:timing>
 </p:sld>
 </file>
 
@@ -20859,207 +18988,6 @@
     <a:masterClrMapping/>
   </p:clrMapOvr>
   <p:transition spd="med"/>
-  <p:timing>
-    <p:tnLst>
-      <p:par>
-        <p:cTn id="1" dur="indefinite" restart="never" nodeType="tmRoot">
-          <p:childTnLst>
-            <p:seq concurrent="1" nextAc="seek">
-              <p:cTn id="2" dur="indefinite" nodeType="mainSeq">
-                <p:childTnLst>
-                  <p:par>
-                    <p:cTn id="3" fill="hold">
-                      <p:stCondLst>
-                        <p:cond delay="indefinite"/>
-                      </p:stCondLst>
-                      <p:childTnLst>
-                        <p:par>
-                          <p:cTn id="4" fill="hold">
-                            <p:stCondLst>
-                              <p:cond delay="0"/>
-                            </p:stCondLst>
-                            <p:childTnLst>
-                              <p:par>
-                                <p:cTn id="5" presetID="1" presetClass="entr" presetSubtype="0" fill="hold" grpId="0" nodeType="clickEffect">
-                                  <p:stCondLst>
-                                    <p:cond delay="0"/>
-                                  </p:stCondLst>
-                                  <p:childTnLst>
-                                    <p:set>
-                                      <p:cBhvr>
-                                        <p:cTn id="6" dur="1" fill="hold">
-                                          <p:stCondLst>
-                                            <p:cond delay="0"/>
-                                          </p:stCondLst>
-                                        </p:cTn>
-                                        <p:tgtEl>
-                                          <p:spTgt spid="2"/>
-                                        </p:tgtEl>
-                                        <p:attrNameLst>
-                                          <p:attrName>style.visibility</p:attrName>
-                                        </p:attrNameLst>
-                                      </p:cBhvr>
-                                      <p:to>
-                                        <p:strVal val="visible"/>
-                                      </p:to>
-                                    </p:set>
-                                  </p:childTnLst>
-                                </p:cTn>
-                              </p:par>
-                            </p:childTnLst>
-                          </p:cTn>
-                        </p:par>
-                      </p:childTnLst>
-                    </p:cTn>
-                  </p:par>
-                  <p:par>
-                    <p:cTn id="7" fill="hold">
-                      <p:stCondLst>
-                        <p:cond delay="indefinite"/>
-                      </p:stCondLst>
-                      <p:childTnLst>
-                        <p:par>
-                          <p:cTn id="8" fill="hold">
-                            <p:stCondLst>
-                              <p:cond delay="0"/>
-                            </p:stCondLst>
-                            <p:childTnLst>
-                              <p:par>
-                                <p:cTn id="9" presetID="10" presetClass="entr" presetSubtype="0" fill="hold" grpId="0" nodeType="clickEffect">
-                                  <p:stCondLst>
-                                    <p:cond delay="0"/>
-                                  </p:stCondLst>
-                                  <p:childTnLst>
-                                    <p:set>
-                                      <p:cBhvr>
-                                        <p:cTn id="10" dur="1" fill="hold">
-                                          <p:stCondLst>
-                                            <p:cond delay="0"/>
-                                          </p:stCondLst>
-                                        </p:cTn>
-                                        <p:tgtEl>
-                                          <p:spTgt spid="3">
-                                            <p:txEl>
-                                              <p:pRg st="0" end="0"/>
-                                            </p:txEl>
-                                          </p:spTgt>
-                                        </p:tgtEl>
-                                        <p:attrNameLst>
-                                          <p:attrName>style.visibility</p:attrName>
-                                        </p:attrNameLst>
-                                      </p:cBhvr>
-                                      <p:to>
-                                        <p:strVal val="visible"/>
-                                      </p:to>
-                                    </p:set>
-                                    <p:animEffect transition="in" filter="fade">
-                                      <p:cBhvr>
-                                        <p:cTn id="11" dur="500"/>
-                                        <p:tgtEl>
-                                          <p:spTgt spid="3">
-                                            <p:txEl>
-                                              <p:pRg st="0" end="0"/>
-                                            </p:txEl>
-                                          </p:spTgt>
-                                        </p:tgtEl>
-                                      </p:cBhvr>
-                                    </p:animEffect>
-                                  </p:childTnLst>
-                                </p:cTn>
-                              </p:par>
-                            </p:childTnLst>
-                          </p:cTn>
-                        </p:par>
-                      </p:childTnLst>
-                    </p:cTn>
-                  </p:par>
-                  <p:par>
-                    <p:cTn id="12" fill="hold">
-                      <p:stCondLst>
-                        <p:cond delay="indefinite"/>
-                      </p:stCondLst>
-                      <p:childTnLst>
-                        <p:par>
-                          <p:cTn id="13" fill="hold">
-                            <p:stCondLst>
-                              <p:cond delay="0"/>
-                            </p:stCondLst>
-                            <p:childTnLst>
-                              <p:par>
-                                <p:cTn id="14" presetID="10" presetClass="entr" presetSubtype="0" fill="hold" grpId="0" nodeType="clickEffect">
-                                  <p:stCondLst>
-                                    <p:cond delay="0"/>
-                                  </p:stCondLst>
-                                  <p:childTnLst>
-                                    <p:set>
-                                      <p:cBhvr>
-                                        <p:cTn id="15" dur="1" fill="hold">
-                                          <p:stCondLst>
-                                            <p:cond delay="0"/>
-                                          </p:stCondLst>
-                                        </p:cTn>
-                                        <p:tgtEl>
-                                          <p:spTgt spid="3">
-                                            <p:txEl>
-                                              <p:pRg st="1" end="1"/>
-                                            </p:txEl>
-                                          </p:spTgt>
-                                        </p:tgtEl>
-                                        <p:attrNameLst>
-                                          <p:attrName>style.visibility</p:attrName>
-                                        </p:attrNameLst>
-                                      </p:cBhvr>
-                                      <p:to>
-                                        <p:strVal val="visible"/>
-                                      </p:to>
-                                    </p:set>
-                                    <p:animEffect transition="in" filter="fade">
-                                      <p:cBhvr>
-                                        <p:cTn id="16" dur="500"/>
-                                        <p:tgtEl>
-                                          <p:spTgt spid="3">
-                                            <p:txEl>
-                                              <p:pRg st="1" end="1"/>
-                                            </p:txEl>
-                                          </p:spTgt>
-                                        </p:tgtEl>
-                                      </p:cBhvr>
-                                    </p:animEffect>
-                                  </p:childTnLst>
-                                </p:cTn>
-                              </p:par>
-                            </p:childTnLst>
-                          </p:cTn>
-                        </p:par>
-                      </p:childTnLst>
-                    </p:cTn>
-                  </p:par>
-                </p:childTnLst>
-              </p:cTn>
-              <p:prevCondLst>
-                <p:cond evt="onPrev" delay="0">
-                  <p:tgtEl>
-                    <p:sldTgt/>
-                  </p:tgtEl>
-                </p:cond>
-              </p:prevCondLst>
-              <p:nextCondLst>
-                <p:cond evt="onNext" delay="0">
-                  <p:tgtEl>
-                    <p:sldTgt/>
-                  </p:tgtEl>
-                </p:cond>
-              </p:nextCondLst>
-            </p:seq>
-          </p:childTnLst>
-        </p:cTn>
-      </p:par>
-    </p:tnLst>
-    <p:bldLst>
-      <p:bldP spid="2" grpId="0" animBg="1"/>
-      <p:bldP spid="3" grpId="0" uiExpand="1" build="p"/>
-    </p:bldLst>
-  </p:timing>
 </p:sld>
 </file>
 
@@ -21385,7 +19313,7 @@
         </p:nvSpPr>
         <p:spPr>
           <a:xfrm>
-            <a:off x="698500" y="1774780"/>
+            <a:off x="698500" y="1889291"/>
             <a:ext cx="10773500" cy="3638468"/>
           </a:xfrm>
         </p:spPr>
@@ -21397,58 +19325,77 @@
           <a:p>
             <a:pPr marL="712788">
               <a:lnSpc>
-                <a:spcPct val="250000"/>
+                <a:spcPct val="150000"/>
               </a:lnSpc>
               <a:buFont typeface="Arial" panose="020B0604020202020204" pitchFamily="34" charset="0"/>
               <a:buChar char="•"/>
             </a:pPr>
             <a:r>
-              <a:rPr lang="en-GB" sz="2400" b="0" i="0" dirty="0">
-                <a:effectLst/>
+              <a:rPr lang="en-GB" sz="2000" dirty="0">
                 <a:latin typeface="Arial" panose="020B0604020202020204" pitchFamily="34" charset="0"/>
               </a:rPr>
-              <a:t>How</a:t>
+              <a:t>Robot’s state estimation </a:t>
             </a:r>
           </a:p>
           <a:p>
             <a:pPr marL="712788">
               <a:lnSpc>
-                <a:spcPct val="250000"/>
+                <a:spcPct val="150000"/>
               </a:lnSpc>
               <a:buFont typeface="Arial" panose="020B0604020202020204" pitchFamily="34" charset="0"/>
               <a:buChar char="•"/>
             </a:pPr>
             <a:r>
-              <a:rPr lang="en-US" sz="2400" dirty="0">
+              <a:rPr lang="en-US" sz="2000" dirty="0">
                 <a:latin typeface="Arial" panose="020B0604020202020204" pitchFamily="34" charset="0"/>
               </a:rPr>
-              <a:t>Integrated information from various sources often enhances the estimation accuracy and consequently strengthens the robustness of observations</a:t>
-            </a:r>
-            <a:endParaRPr lang="en-GB" sz="2400" dirty="0">
+              <a:t>Multiple sensors are available, but information is not always trustful</a:t>
+            </a:r>
+            <a:endParaRPr lang="en-GB" sz="2000" dirty="0">
               <a:latin typeface="Arial" panose="020B0604020202020204" pitchFamily="34" charset="0"/>
             </a:endParaRPr>
           </a:p>
           <a:p>
             <a:pPr marL="712788">
               <a:lnSpc>
-                <a:spcPct val="250000"/>
+                <a:spcPct val="150000"/>
               </a:lnSpc>
               <a:buFont typeface="Arial" panose="020B0604020202020204" pitchFamily="34" charset="0"/>
               <a:buChar char="•"/>
             </a:pPr>
-            <a:endParaRPr lang="en-GB" sz="2400" dirty="0">
+            <a:r>
+              <a:rPr lang="en-GB" sz="2000" dirty="0">
+                <a:latin typeface="Arial" panose="020B0604020202020204" pitchFamily="34" charset="0"/>
+              </a:rPr>
+              <a:t>Data fusion methods were </a:t>
+            </a:r>
+            <a:r>
+              <a:rPr lang="en-US" altLang="zh-CN" sz="2000" dirty="0">
+                <a:latin typeface="Arial" panose="020B0604020202020204" pitchFamily="34" charset="0"/>
+              </a:rPr>
+              <a:t>widely applied for state estimations</a:t>
+            </a:r>
+            <a:endParaRPr lang="en-GB" sz="2000" dirty="0">
               <a:latin typeface="Arial" panose="020B0604020202020204" pitchFamily="34" charset="0"/>
             </a:endParaRPr>
           </a:p>
           <a:p>
             <a:pPr marL="712788">
               <a:lnSpc>
-                <a:spcPct val="250000"/>
+                <a:spcPct val="150000"/>
               </a:lnSpc>
               <a:buFont typeface="Arial" panose="020B0604020202020204" pitchFamily="34" charset="0"/>
               <a:buChar char="•"/>
             </a:pPr>
-            <a:endParaRPr lang="en-GB" sz="2400" dirty="0"/>
+            <a:r>
+              <a:rPr lang="en-US" sz="2000" dirty="0">
+                <a:latin typeface="Arial" panose="020B0604020202020204" pitchFamily="34" charset="0"/>
+              </a:rPr>
+              <a:t>Based on data fusion method to construct an indoor localization architecture with specific sensors coming in different sampling rate and missing or biased measurement</a:t>
+            </a:r>
+            <a:endParaRPr lang="en-GB" sz="2000" dirty="0">
+              <a:latin typeface="Arial" panose="020B0604020202020204" pitchFamily="34" charset="0"/>
+            </a:endParaRPr>
           </a:p>
         </p:txBody>
       </p:sp>
@@ -21463,207 +19410,6 @@
     <a:masterClrMapping/>
   </p:clrMapOvr>
   <p:transition spd="med"/>
-  <p:timing>
-    <p:tnLst>
-      <p:par>
-        <p:cTn id="1" dur="indefinite" restart="never" nodeType="tmRoot">
-          <p:childTnLst>
-            <p:seq concurrent="1" nextAc="seek">
-              <p:cTn id="2" dur="indefinite" nodeType="mainSeq">
-                <p:childTnLst>
-                  <p:par>
-                    <p:cTn id="3" fill="hold">
-                      <p:stCondLst>
-                        <p:cond delay="indefinite"/>
-                      </p:stCondLst>
-                      <p:childTnLst>
-                        <p:par>
-                          <p:cTn id="4" fill="hold">
-                            <p:stCondLst>
-                              <p:cond delay="0"/>
-                            </p:stCondLst>
-                            <p:childTnLst>
-                              <p:par>
-                                <p:cTn id="5" presetID="1" presetClass="entr" presetSubtype="0" fill="hold" grpId="0" nodeType="clickEffect">
-                                  <p:stCondLst>
-                                    <p:cond delay="0"/>
-                                  </p:stCondLst>
-                                  <p:childTnLst>
-                                    <p:set>
-                                      <p:cBhvr>
-                                        <p:cTn id="6" dur="1" fill="hold">
-                                          <p:stCondLst>
-                                            <p:cond delay="0"/>
-                                          </p:stCondLst>
-                                        </p:cTn>
-                                        <p:tgtEl>
-                                          <p:spTgt spid="2"/>
-                                        </p:tgtEl>
-                                        <p:attrNameLst>
-                                          <p:attrName>style.visibility</p:attrName>
-                                        </p:attrNameLst>
-                                      </p:cBhvr>
-                                      <p:to>
-                                        <p:strVal val="visible"/>
-                                      </p:to>
-                                    </p:set>
-                                  </p:childTnLst>
-                                </p:cTn>
-                              </p:par>
-                            </p:childTnLst>
-                          </p:cTn>
-                        </p:par>
-                      </p:childTnLst>
-                    </p:cTn>
-                  </p:par>
-                  <p:par>
-                    <p:cTn id="7" fill="hold">
-                      <p:stCondLst>
-                        <p:cond delay="indefinite"/>
-                      </p:stCondLst>
-                      <p:childTnLst>
-                        <p:par>
-                          <p:cTn id="8" fill="hold">
-                            <p:stCondLst>
-                              <p:cond delay="0"/>
-                            </p:stCondLst>
-                            <p:childTnLst>
-                              <p:par>
-                                <p:cTn id="9" presetID="10" presetClass="entr" presetSubtype="0" fill="hold" grpId="0" nodeType="clickEffect">
-                                  <p:stCondLst>
-                                    <p:cond delay="0"/>
-                                  </p:stCondLst>
-                                  <p:childTnLst>
-                                    <p:set>
-                                      <p:cBhvr>
-                                        <p:cTn id="10" dur="1" fill="hold">
-                                          <p:stCondLst>
-                                            <p:cond delay="0"/>
-                                          </p:stCondLst>
-                                        </p:cTn>
-                                        <p:tgtEl>
-                                          <p:spTgt spid="3">
-                                            <p:txEl>
-                                              <p:pRg st="0" end="0"/>
-                                            </p:txEl>
-                                          </p:spTgt>
-                                        </p:tgtEl>
-                                        <p:attrNameLst>
-                                          <p:attrName>style.visibility</p:attrName>
-                                        </p:attrNameLst>
-                                      </p:cBhvr>
-                                      <p:to>
-                                        <p:strVal val="visible"/>
-                                      </p:to>
-                                    </p:set>
-                                    <p:animEffect transition="in" filter="fade">
-                                      <p:cBhvr>
-                                        <p:cTn id="11" dur="500"/>
-                                        <p:tgtEl>
-                                          <p:spTgt spid="3">
-                                            <p:txEl>
-                                              <p:pRg st="0" end="0"/>
-                                            </p:txEl>
-                                          </p:spTgt>
-                                        </p:tgtEl>
-                                      </p:cBhvr>
-                                    </p:animEffect>
-                                  </p:childTnLst>
-                                </p:cTn>
-                              </p:par>
-                            </p:childTnLst>
-                          </p:cTn>
-                        </p:par>
-                      </p:childTnLst>
-                    </p:cTn>
-                  </p:par>
-                  <p:par>
-                    <p:cTn id="12" fill="hold">
-                      <p:stCondLst>
-                        <p:cond delay="indefinite"/>
-                      </p:stCondLst>
-                      <p:childTnLst>
-                        <p:par>
-                          <p:cTn id="13" fill="hold">
-                            <p:stCondLst>
-                              <p:cond delay="0"/>
-                            </p:stCondLst>
-                            <p:childTnLst>
-                              <p:par>
-                                <p:cTn id="14" presetID="10" presetClass="entr" presetSubtype="0" fill="hold" grpId="0" nodeType="clickEffect">
-                                  <p:stCondLst>
-                                    <p:cond delay="0"/>
-                                  </p:stCondLst>
-                                  <p:childTnLst>
-                                    <p:set>
-                                      <p:cBhvr>
-                                        <p:cTn id="15" dur="1" fill="hold">
-                                          <p:stCondLst>
-                                            <p:cond delay="0"/>
-                                          </p:stCondLst>
-                                        </p:cTn>
-                                        <p:tgtEl>
-                                          <p:spTgt spid="3">
-                                            <p:txEl>
-                                              <p:pRg st="1" end="1"/>
-                                            </p:txEl>
-                                          </p:spTgt>
-                                        </p:tgtEl>
-                                        <p:attrNameLst>
-                                          <p:attrName>style.visibility</p:attrName>
-                                        </p:attrNameLst>
-                                      </p:cBhvr>
-                                      <p:to>
-                                        <p:strVal val="visible"/>
-                                      </p:to>
-                                    </p:set>
-                                    <p:animEffect transition="in" filter="fade">
-                                      <p:cBhvr>
-                                        <p:cTn id="16" dur="500"/>
-                                        <p:tgtEl>
-                                          <p:spTgt spid="3">
-                                            <p:txEl>
-                                              <p:pRg st="1" end="1"/>
-                                            </p:txEl>
-                                          </p:spTgt>
-                                        </p:tgtEl>
-                                      </p:cBhvr>
-                                    </p:animEffect>
-                                  </p:childTnLst>
-                                </p:cTn>
-                              </p:par>
-                            </p:childTnLst>
-                          </p:cTn>
-                        </p:par>
-                      </p:childTnLst>
-                    </p:cTn>
-                  </p:par>
-                </p:childTnLst>
-              </p:cTn>
-              <p:prevCondLst>
-                <p:cond evt="onPrev" delay="0">
-                  <p:tgtEl>
-                    <p:sldTgt/>
-                  </p:tgtEl>
-                </p:cond>
-              </p:prevCondLst>
-              <p:nextCondLst>
-                <p:cond evt="onNext" delay="0">
-                  <p:tgtEl>
-                    <p:sldTgt/>
-                  </p:tgtEl>
-                </p:cond>
-              </p:nextCondLst>
-            </p:seq>
-          </p:childTnLst>
-        </p:cTn>
-      </p:par>
-    </p:tnLst>
-    <p:bldLst>
-      <p:bldP spid="2" grpId="0" animBg="1"/>
-      <p:bldP spid="3" grpId="0" uiExpand="1" build="p"/>
-    </p:bldLst>
-  </p:timing>
 </p:sld>
 </file>
 
@@ -21911,84 +19657,6 @@
     <a:masterClrMapping/>
   </p:clrMapOvr>
   <p:transition spd="med"/>
-  <p:timing>
-    <p:tnLst>
-      <p:par>
-        <p:cTn id="1" dur="indefinite" restart="never" nodeType="tmRoot">
-          <p:childTnLst>
-            <p:seq concurrent="1" nextAc="seek">
-              <p:cTn id="2" dur="indefinite" nodeType="mainSeq">
-                <p:childTnLst>
-                  <p:par>
-                    <p:cTn id="3" fill="hold">
-                      <p:stCondLst>
-                        <p:cond delay="indefinite"/>
-                      </p:stCondLst>
-                      <p:childTnLst>
-                        <p:par>
-                          <p:cTn id="4" fill="hold">
-                            <p:stCondLst>
-                              <p:cond delay="0"/>
-                            </p:stCondLst>
-                            <p:childTnLst>
-                              <p:par>
-                                <p:cTn id="5" presetID="1" presetClass="entr" presetSubtype="0" fill="hold" grpId="0" nodeType="clickEffect">
-                                  <p:stCondLst>
-                                    <p:cond delay="0"/>
-                                  </p:stCondLst>
-                                  <p:childTnLst>
-                                    <p:set>
-                                      <p:cBhvr>
-                                        <p:cTn id="6" dur="1" fill="hold">
-                                          <p:stCondLst>
-                                            <p:cond delay="0"/>
-                                          </p:stCondLst>
-                                        </p:cTn>
-                                        <p:tgtEl>
-                                          <p:spTgt spid="2"/>
-                                        </p:tgtEl>
-                                        <p:attrNameLst>
-                                          <p:attrName>style.visibility</p:attrName>
-                                        </p:attrNameLst>
-                                      </p:cBhvr>
-                                      <p:to>
-                                        <p:strVal val="visible"/>
-                                      </p:to>
-                                    </p:set>
-                                  </p:childTnLst>
-                                </p:cTn>
-                              </p:par>
-                            </p:childTnLst>
-                          </p:cTn>
-                        </p:par>
-                      </p:childTnLst>
-                    </p:cTn>
-                  </p:par>
-                </p:childTnLst>
-              </p:cTn>
-              <p:prevCondLst>
-                <p:cond evt="onPrev" delay="0">
-                  <p:tgtEl>
-                    <p:sldTgt/>
-                  </p:tgtEl>
-                </p:cond>
-              </p:prevCondLst>
-              <p:nextCondLst>
-                <p:cond evt="onNext" delay="0">
-                  <p:tgtEl>
-                    <p:sldTgt/>
-                  </p:tgtEl>
-                </p:cond>
-              </p:nextCondLst>
-            </p:seq>
-          </p:childTnLst>
-        </p:cTn>
-      </p:par>
-    </p:tnLst>
-    <p:bldLst>
-      <p:bldP spid="2" grpId="0" animBg="1"/>
-    </p:bldLst>
-  </p:timing>
 </p:sld>
 </file>
 
@@ -22108,7 +19776,7 @@
               <a:rPr lang="en-GB" dirty="0">
                 <a:latin typeface="Arial" panose="020B0604020202020204" pitchFamily="34" charset="0"/>
               </a:rPr>
-              <a:t>System Model</a:t>
+              <a:t>System Dynamic Model</a:t>
             </a:r>
             <a:endParaRPr lang="en-GB" dirty="0"/>
           </a:p>
@@ -22193,7 +19861,7 @@
           </a:ln>
           <a:extLst>
             <a:ext uri="{C572A759-6A51-4108-AA02-DFA0A04FC94B}">
-              <ma14:wrappingTextBoxFlag xmlns="" xmlns:ma14="http://schemas.microsoft.com/office/mac/drawingml/2011/main" xmlns:a14="http://schemas.microsoft.com/office/drawing/2010/main" xmlns:m="http://schemas.openxmlformats.org/officeDocument/2006/math" val="1"/>
+              <ma14:wrappingTextBoxFlag xmlns:m="http://schemas.openxmlformats.org/officeDocument/2006/math" xmlns:a14="http://schemas.microsoft.com/office/drawing/2010/main" xmlns:ma14="http://schemas.microsoft.com/office/mac/drawingml/2011/main" xmlns="" val="1"/>
             </a:ext>
           </a:extLst>
         </p:spPr>
@@ -22507,7 +20175,7 @@
                             </p:stCondLst>
                             <p:childTnLst>
                               <p:par>
-                                <p:cTn id="5" presetID="1" presetClass="entr" presetSubtype="0" fill="hold" grpId="0" nodeType="clickEffect">
+                                <p:cTn id="5" presetID="10" presetClass="entr" presetSubtype="0" fill="hold" grpId="0" nodeType="clickEffect">
                                   <p:stCondLst>
                                     <p:cond delay="0"/>
                                   </p:stCondLst>
@@ -22515,51 +20183,6 @@
                                     <p:set>
                                       <p:cBhvr>
                                         <p:cTn id="6" dur="1" fill="hold">
-                                          <p:stCondLst>
-                                            <p:cond delay="0"/>
-                                          </p:stCondLst>
-                                        </p:cTn>
-                                        <p:tgtEl>
-                                          <p:spTgt spid="2"/>
-                                        </p:tgtEl>
-                                        <p:attrNameLst>
-                                          <p:attrName>style.visibility</p:attrName>
-                                        </p:attrNameLst>
-                                      </p:cBhvr>
-                                      <p:to>
-                                        <p:strVal val="visible"/>
-                                      </p:to>
-                                    </p:set>
-                                  </p:childTnLst>
-                                </p:cTn>
-                              </p:par>
-                            </p:childTnLst>
-                          </p:cTn>
-                        </p:par>
-                      </p:childTnLst>
-                    </p:cTn>
-                  </p:par>
-                  <p:par>
-                    <p:cTn id="7" fill="hold">
-                      <p:stCondLst>
-                        <p:cond delay="indefinite"/>
-                      </p:stCondLst>
-                      <p:childTnLst>
-                        <p:par>
-                          <p:cTn id="8" fill="hold">
-                            <p:stCondLst>
-                              <p:cond delay="0"/>
-                            </p:stCondLst>
-                            <p:childTnLst>
-                              <p:par>
-                                <p:cTn id="9" presetID="10" presetClass="entr" presetSubtype="0" fill="hold" grpId="0" nodeType="clickEffect">
-                                  <p:stCondLst>
-                                    <p:cond delay="0"/>
-                                  </p:stCondLst>
-                                  <p:childTnLst>
-                                    <p:set>
-                                      <p:cBhvr>
-                                        <p:cTn id="10" dur="1" fill="hold">
                                           <p:stCondLst>
                                             <p:cond delay="0"/>
                                           </p:stCondLst>
@@ -22581,7 +20204,7 @@
                                     </p:set>
                                     <p:animEffect transition="in" filter="fade">
                                       <p:cBhvr>
-                                        <p:cTn id="11" dur="500"/>
+                                        <p:cTn id="7" dur="500"/>
                                         <p:tgtEl>
                                           <p:spTgt spid="3">
                                             <p:txEl>
@@ -22601,36 +20224,32 @@
                     </p:cTn>
                   </p:par>
                   <p:par>
-                    <p:cTn id="12" fill="hold">
+                    <p:cTn id="8" fill="hold">
                       <p:stCondLst>
                         <p:cond delay="indefinite"/>
                       </p:stCondLst>
                       <p:childTnLst>
                         <p:par>
-                          <p:cTn id="13" fill="hold">
+                          <p:cTn id="9" fill="hold">
                             <p:stCondLst>
                               <p:cond delay="0"/>
                             </p:stCondLst>
                             <p:childTnLst>
                               <p:par>
-                                <p:cTn id="14" presetID="10" presetClass="entr" presetSubtype="0" fill="hold" grpId="0" nodeType="clickEffect">
+                                <p:cTn id="10" presetID="10" presetClass="entr" presetSubtype="0" fill="hold" nodeType="clickEffect">
                                   <p:stCondLst>
                                     <p:cond delay="0"/>
                                   </p:stCondLst>
                                   <p:childTnLst>
                                     <p:set>
                                       <p:cBhvr>
-                                        <p:cTn id="15" dur="1" fill="hold">
+                                        <p:cTn id="11" dur="1" fill="hold">
                                           <p:stCondLst>
                                             <p:cond delay="0"/>
                                           </p:stCondLst>
                                         </p:cTn>
                                         <p:tgtEl>
-                                          <p:spTgt spid="4">
-                                            <p:txEl>
-                                              <p:pRg st="0" end="0"/>
-                                            </p:txEl>
-                                          </p:spTgt>
+                                          <p:spTgt spid="11"/>
                                         </p:tgtEl>
                                         <p:attrNameLst>
                                           <p:attrName>style.visibility</p:attrName>
@@ -22642,13 +20261,115 @@
                                     </p:set>
                                     <p:animEffect transition="in" filter="fade">
                                       <p:cBhvr>
-                                        <p:cTn id="16" dur="500"/>
+                                        <p:cTn id="12" dur="500"/>
                                         <p:tgtEl>
-                                          <p:spTgt spid="4">
-                                            <p:txEl>
-                                              <p:pRg st="0" end="0"/>
-                                            </p:txEl>
-                                          </p:spTgt>
+                                          <p:spTgt spid="11"/>
+                                        </p:tgtEl>
+                                      </p:cBhvr>
+                                    </p:animEffect>
+                                  </p:childTnLst>
+                                </p:cTn>
+                              </p:par>
+                            </p:childTnLst>
+                          </p:cTn>
+                        </p:par>
+                      </p:childTnLst>
+                    </p:cTn>
+                  </p:par>
+                  <p:par>
+                    <p:cTn id="13" fill="hold">
+                      <p:stCondLst>
+                        <p:cond delay="indefinite"/>
+                      </p:stCondLst>
+                      <p:childTnLst>
+                        <p:par>
+                          <p:cTn id="14" fill="hold">
+                            <p:stCondLst>
+                              <p:cond delay="0"/>
+                            </p:stCondLst>
+                            <p:childTnLst>
+                              <p:par>
+                                <p:cTn id="15" presetID="10" presetClass="entr" presetSubtype="0" fill="hold" grpId="0" nodeType="clickEffect">
+                                  <p:stCondLst>
+                                    <p:cond delay="0"/>
+                                  </p:stCondLst>
+                                  <p:childTnLst>
+                                    <p:set>
+                                      <p:cBhvr>
+                                        <p:cTn id="16" dur="1" fill="hold">
+                                          <p:stCondLst>
+                                            <p:cond delay="0"/>
+                                          </p:stCondLst>
+                                        </p:cTn>
+                                        <p:tgtEl>
+                                          <p:spTgt spid="4"/>
+                                        </p:tgtEl>
+                                        <p:attrNameLst>
+                                          <p:attrName>style.visibility</p:attrName>
+                                        </p:attrNameLst>
+                                      </p:cBhvr>
+                                      <p:to>
+                                        <p:strVal val="visible"/>
+                                      </p:to>
+                                    </p:set>
+                                    <p:animEffect transition="in" filter="fade">
+                                      <p:cBhvr>
+                                        <p:cTn id="17" dur="500"/>
+                                        <p:tgtEl>
+                                          <p:spTgt spid="4"/>
+                                        </p:tgtEl>
+                                      </p:cBhvr>
+                                    </p:animEffect>
+                                  </p:childTnLst>
+                                </p:cTn>
+                              </p:par>
+                            </p:childTnLst>
+                          </p:cTn>
+                        </p:par>
+                      </p:childTnLst>
+                    </p:cTn>
+                  </p:par>
+                  <p:par>
+                    <p:cTn id="18" fill="hold">
+                      <p:stCondLst>
+                        <p:cond delay="indefinite"/>
+                      </p:stCondLst>
+                      <p:childTnLst>
+                        <p:par>
+                          <p:cTn id="19" fill="hold">
+                            <p:stCondLst>
+                              <p:cond delay="0"/>
+                            </p:stCondLst>
+                            <p:childTnLst>
+                              <p:par>
+                                <p:cTn id="20" presetID="10" presetClass="entr" presetSubtype="0" fill="hold" nodeType="clickEffect">
+                                  <p:stCondLst>
+                                    <p:cond delay="0"/>
+                                  </p:stCondLst>
+                                  <p:childTnLst>
+                                    <p:set>
+                                      <p:cBhvr>
+                                        <p:cTn id="21" dur="1" fill="hold">
+                                          <p:stCondLst>
+                                            <p:cond delay="0"/>
+                                          </p:stCondLst>
+                                        </p:cTn>
+                                        <p:tgtEl>
+                                          <p:spTgt spid="9"/>
+                                        </p:tgtEl>
+                                        <p:attrNameLst>
+                                          <p:attrName>style.visibility</p:attrName>
+                                        </p:attrNameLst>
+                                      </p:cBhvr>
+                                      <p:to>
+                                        <p:strVal val="visible"/>
+                                      </p:to>
+                                    </p:set>
+                                    <p:animEffect transition="in" filter="fade">
+                                      <p:cBhvr>
+                                        <p:cTn id="22" dur="500"/>
+                                        <p:tgtEl>
+                                          <p:spTgt spid="9"/>
                                         </p:tgtEl>
                                       </p:cBhvr>
                                     </p:animEffect>
@@ -22683,9 +20404,8 @@
       </p:par>
     </p:tnLst>
     <p:bldLst>
-      <p:bldP spid="2" grpId="0" animBg="1"/>
       <p:bldP spid="3" grpId="0" uiExpand="1" build="p"/>
-      <p:bldP spid="4" grpId="0" uiExpand="1" build="p"/>
+      <p:bldP spid="4" grpId="0" animBg="1"/>
     </p:bldLst>
   </p:timing>
 </p:sld>
@@ -22886,146 +20606,6 @@
     <a:masterClrMapping/>
   </p:clrMapOvr>
   <p:transition spd="med"/>
-  <p:timing>
-    <p:tnLst>
-      <p:par>
-        <p:cTn id="1" dur="indefinite" restart="never" nodeType="tmRoot">
-          <p:childTnLst>
-            <p:seq concurrent="1" nextAc="seek">
-              <p:cTn id="2" dur="indefinite" nodeType="mainSeq">
-                <p:childTnLst>
-                  <p:par>
-                    <p:cTn id="3" fill="hold">
-                      <p:stCondLst>
-                        <p:cond delay="indefinite"/>
-                      </p:stCondLst>
-                      <p:childTnLst>
-                        <p:par>
-                          <p:cTn id="4" fill="hold">
-                            <p:stCondLst>
-                              <p:cond delay="0"/>
-                            </p:stCondLst>
-                            <p:childTnLst>
-                              <p:par>
-                                <p:cTn id="5" presetID="1" presetClass="entr" presetSubtype="0" fill="hold" grpId="0" nodeType="clickEffect">
-                                  <p:stCondLst>
-                                    <p:cond delay="0"/>
-                                  </p:stCondLst>
-                                  <p:childTnLst>
-                                    <p:set>
-                                      <p:cBhvr>
-                                        <p:cTn id="6" dur="1" fill="hold">
-                                          <p:stCondLst>
-                                            <p:cond delay="0"/>
-                                          </p:stCondLst>
-                                        </p:cTn>
-                                        <p:tgtEl>
-                                          <p:spTgt spid="2"/>
-                                        </p:tgtEl>
-                                        <p:attrNameLst>
-                                          <p:attrName>style.visibility</p:attrName>
-                                        </p:attrNameLst>
-                                      </p:cBhvr>
-                                      <p:to>
-                                        <p:strVal val="visible"/>
-                                      </p:to>
-                                    </p:set>
-                                  </p:childTnLst>
-                                </p:cTn>
-                              </p:par>
-                            </p:childTnLst>
-                          </p:cTn>
-                        </p:par>
-                      </p:childTnLst>
-                    </p:cTn>
-                  </p:par>
-                  <p:par>
-                    <p:cTn id="7" fill="hold">
-                      <p:stCondLst>
-                        <p:cond delay="indefinite"/>
-                      </p:stCondLst>
-                      <p:childTnLst>
-                        <p:par>
-                          <p:cTn id="8" fill="hold">
-                            <p:stCondLst>
-                              <p:cond delay="0"/>
-                            </p:stCondLst>
-                            <p:childTnLst>
-                              <p:par>
-                                <p:cTn id="9" presetID="10" presetClass="entr" presetSubtype="0" fill="hold" grpId="0" nodeType="clickEffect">
-                                  <p:stCondLst>
-                                    <p:cond delay="0"/>
-                                  </p:stCondLst>
-                                  <p:childTnLst>
-                                    <p:set>
-                                      <p:cBhvr>
-                                        <p:cTn id="10" dur="1" fill="hold">
-                                          <p:stCondLst>
-                                            <p:cond delay="0"/>
-                                          </p:stCondLst>
-                                        </p:cTn>
-                                        <p:tgtEl>
-                                          <p:spTgt spid="3">
-                                            <p:txEl>
-                                              <p:pRg st="0" end="0"/>
-                                            </p:txEl>
-                                          </p:spTgt>
-                                        </p:tgtEl>
-                                        <p:attrNameLst>
-                                          <p:attrName>style.visibility</p:attrName>
-                                        </p:attrNameLst>
-                                      </p:cBhvr>
-                                      <p:to>
-                                        <p:strVal val="visible"/>
-                                      </p:to>
-                                    </p:set>
-                                    <p:animEffect transition="in" filter="fade">
-                                      <p:cBhvr>
-                                        <p:cTn id="11" dur="500"/>
-                                        <p:tgtEl>
-                                          <p:spTgt spid="3">
-                                            <p:txEl>
-                                              <p:pRg st="0" end="0"/>
-                                            </p:txEl>
-                                          </p:spTgt>
-                                        </p:tgtEl>
-                                      </p:cBhvr>
-                                    </p:animEffect>
-                                  </p:childTnLst>
-                                </p:cTn>
-                              </p:par>
-                            </p:childTnLst>
-                          </p:cTn>
-                        </p:par>
-                      </p:childTnLst>
-                    </p:cTn>
-                  </p:par>
-                </p:childTnLst>
-              </p:cTn>
-              <p:prevCondLst>
-                <p:cond evt="onPrev" delay="0">
-                  <p:tgtEl>
-                    <p:sldTgt/>
-                  </p:tgtEl>
-                </p:cond>
-              </p:prevCondLst>
-              <p:nextCondLst>
-                <p:cond evt="onNext" delay="0">
-                  <p:tgtEl>
-                    <p:sldTgt/>
-                  </p:tgtEl>
-                </p:cond>
-              </p:nextCondLst>
-            </p:seq>
-          </p:childTnLst>
-        </p:cTn>
-      </p:par>
-    </p:tnLst>
-    <p:bldLst>
-      <p:bldP spid="2" grpId="0" animBg="1"/>
-      <p:bldP spid="3" grpId="0" uiExpand="1" build="p"/>
-    </p:bldLst>
-  </p:timing>
 </p:sld>
 </file>
 
@@ -23189,146 +20769,6 @@
     <a:masterClrMapping/>
   </p:clrMapOvr>
   <p:transition spd="med"/>
-  <p:timing>
-    <p:tnLst>
-      <p:par>
-        <p:cTn id="1" dur="indefinite" restart="never" nodeType="tmRoot">
-          <p:childTnLst>
-            <p:seq concurrent="1" nextAc="seek">
-              <p:cTn id="2" dur="indefinite" nodeType="mainSeq">
-                <p:childTnLst>
-                  <p:par>
-                    <p:cTn id="3" fill="hold">
-                      <p:stCondLst>
-                        <p:cond delay="indefinite"/>
-                      </p:stCondLst>
-                      <p:childTnLst>
-                        <p:par>
-                          <p:cTn id="4" fill="hold">
-                            <p:stCondLst>
-                              <p:cond delay="0"/>
-                            </p:stCondLst>
-                            <p:childTnLst>
-                              <p:par>
-                                <p:cTn id="5" presetID="1" presetClass="entr" presetSubtype="0" fill="hold" grpId="0" nodeType="clickEffect">
-                                  <p:stCondLst>
-                                    <p:cond delay="0"/>
-                                  </p:stCondLst>
-                                  <p:childTnLst>
-                                    <p:set>
-                                      <p:cBhvr>
-                                        <p:cTn id="6" dur="1" fill="hold">
-                                          <p:stCondLst>
-                                            <p:cond delay="0"/>
-                                          </p:stCondLst>
-                                        </p:cTn>
-                                        <p:tgtEl>
-                                          <p:spTgt spid="2"/>
-                                        </p:tgtEl>
-                                        <p:attrNameLst>
-                                          <p:attrName>style.visibility</p:attrName>
-                                        </p:attrNameLst>
-                                      </p:cBhvr>
-                                      <p:to>
-                                        <p:strVal val="visible"/>
-                                      </p:to>
-                                    </p:set>
-                                  </p:childTnLst>
-                                </p:cTn>
-                              </p:par>
-                            </p:childTnLst>
-                          </p:cTn>
-                        </p:par>
-                      </p:childTnLst>
-                    </p:cTn>
-                  </p:par>
-                  <p:par>
-                    <p:cTn id="7" fill="hold">
-                      <p:stCondLst>
-                        <p:cond delay="indefinite"/>
-                      </p:stCondLst>
-                      <p:childTnLst>
-                        <p:par>
-                          <p:cTn id="8" fill="hold">
-                            <p:stCondLst>
-                              <p:cond delay="0"/>
-                            </p:stCondLst>
-                            <p:childTnLst>
-                              <p:par>
-                                <p:cTn id="9" presetID="10" presetClass="entr" presetSubtype="0" fill="hold" grpId="0" nodeType="clickEffect">
-                                  <p:stCondLst>
-                                    <p:cond delay="0"/>
-                                  </p:stCondLst>
-                                  <p:childTnLst>
-                                    <p:set>
-                                      <p:cBhvr>
-                                        <p:cTn id="10" dur="1" fill="hold">
-                                          <p:stCondLst>
-                                            <p:cond delay="0"/>
-                                          </p:stCondLst>
-                                        </p:cTn>
-                                        <p:tgtEl>
-                                          <p:spTgt spid="3">
-                                            <p:txEl>
-                                              <p:pRg st="0" end="0"/>
-                                            </p:txEl>
-                                          </p:spTgt>
-                                        </p:tgtEl>
-                                        <p:attrNameLst>
-                                          <p:attrName>style.visibility</p:attrName>
-                                        </p:attrNameLst>
-                                      </p:cBhvr>
-                                      <p:to>
-                                        <p:strVal val="visible"/>
-                                      </p:to>
-                                    </p:set>
-                                    <p:animEffect transition="in" filter="fade">
-                                      <p:cBhvr>
-                                        <p:cTn id="11" dur="500"/>
-                                        <p:tgtEl>
-                                          <p:spTgt spid="3">
-                                            <p:txEl>
-                                              <p:pRg st="0" end="0"/>
-                                            </p:txEl>
-                                          </p:spTgt>
-                                        </p:tgtEl>
-                                      </p:cBhvr>
-                                    </p:animEffect>
-                                  </p:childTnLst>
-                                </p:cTn>
-                              </p:par>
-                            </p:childTnLst>
-                          </p:cTn>
-                        </p:par>
-                      </p:childTnLst>
-                    </p:cTn>
-                  </p:par>
-                </p:childTnLst>
-              </p:cTn>
-              <p:prevCondLst>
-                <p:cond evt="onPrev" delay="0">
-                  <p:tgtEl>
-                    <p:sldTgt/>
-                  </p:tgtEl>
-                </p:cond>
-              </p:prevCondLst>
-              <p:nextCondLst>
-                <p:cond evt="onNext" delay="0">
-                  <p:tgtEl>
-                    <p:sldTgt/>
-                  </p:tgtEl>
-                </p:cond>
-              </p:nextCondLst>
-            </p:seq>
-          </p:childTnLst>
-        </p:cTn>
-      </p:par>
-    </p:tnLst>
-    <p:bldLst>
-      <p:bldP spid="2" grpId="0" animBg="1"/>
-      <p:bldP spid="3" grpId="0" uiExpand="1" build="p"/>
-    </p:bldLst>
-  </p:timing>
 </p:sld>
 </file>
 
@@ -25644,15 +23084,6 @@
 </file>
 
 <file path=customXml/item2.xml><?xml version="1.0" encoding="utf-8"?>
-<?mso-contentType ?>
-<FormTemplates xmlns="http://schemas.microsoft.com/sharepoint/v3/contenttype/forms">
-  <Display>DocumentLibraryForm</Display>
-  <Edit>DocumentLibraryForm</Edit>
-  <New>DocumentLibraryForm</New>
-</FormTemplates>
-</file>
-
-<file path=customXml/item3.xml><?xml version="1.0" encoding="utf-8"?>
 <p:properties xmlns:p="http://schemas.microsoft.com/office/2006/metadata/properties" xmlns:xsi="http://www.w3.org/2001/XMLSchema-instance" xmlns:pc="http://schemas.microsoft.com/office/infopath/2007/PartnerControls">
   <documentManagement>
     <SharedWithUsers xmlns="4878a322-d110-404d-8591-8977e4f7768d">
@@ -25669,6 +23100,15 @@
     </SharedWithUsers>
   </documentManagement>
 </p:properties>
+</file>
+
+<file path=customXml/item3.xml><?xml version="1.0" encoding="utf-8"?>
+<?mso-contentType ?>
+<FormTemplates xmlns="http://schemas.microsoft.com/sharepoint/v3/contenttype/forms">
+  <Display>DocumentLibraryForm</Display>
+  <Edit>DocumentLibraryForm</Edit>
+  <New>DocumentLibraryForm</New>
+</FormTemplates>
 </file>
 
 <file path=customXml/itemProps1.xml><?xml version="1.0" encoding="utf-8"?>
@@ -25691,14 +23131,6 @@
 </file>
 
 <file path=customXml/itemProps2.xml><?xml version="1.0" encoding="utf-8"?>
-<ds:datastoreItem xmlns:ds="http://schemas.openxmlformats.org/officeDocument/2006/customXml" ds:itemID="{AA0E60D1-47F0-4938-95EF-8D82199D5953}">
-  <ds:schemaRefs>
-    <ds:schemaRef ds:uri="http://schemas.microsoft.com/sharepoint/v3/contenttype/forms"/>
-  </ds:schemaRefs>
-</ds:datastoreItem>
-</file>
-
-<file path=customXml/itemProps3.xml><?xml version="1.0" encoding="utf-8"?>
 <ds:datastoreItem xmlns:ds="http://schemas.openxmlformats.org/officeDocument/2006/customXml" ds:itemID="{F5C1CCE6-C8A7-4511-AAE7-C62DEFECE697}">
   <ds:schemaRefs>
     <ds:schemaRef ds:uri="http://schemas.microsoft.com/office/2006/documentManagement/types"/>
@@ -25713,4 +23145,12 @@
     <ds:schemaRef ds:uri="0fee4eeb-e725-4e09-a2c6-b2e7e1963b2c"/>
   </ds:schemaRefs>
 </ds:datastoreItem>
+</file>
+
+<file path=customXml/itemProps3.xml><?xml version="1.0" encoding="utf-8"?>
+<ds:datastoreItem xmlns:ds="http://schemas.openxmlformats.org/officeDocument/2006/customXml" ds:itemID="{AA0E60D1-47F0-4938-95EF-8D82199D5953}">
+  <ds:schemaRefs>
+    <ds:schemaRef ds:uri="http://schemas.microsoft.com/sharepoint/v3/contenttype/forms"/>
+  </ds:schemaRefs>
+</ds:datastoreItem>
 </file>
--- a/paperwork/ppt/Ting_midterm.pptx
+++ b/paperwork/ppt/Ting_midterm.pptx
@@ -5,7 +5,7 @@
     <p:sldMasterId id="2147483648" r:id="rId4"/>
   </p:sldMasterIdLst>
   <p:notesMasterIdLst>
-    <p:notesMasterId r:id="rId31"/>
+    <p:notesMasterId r:id="rId32"/>
   </p:notesMasterIdLst>
   <p:sldIdLst>
     <p:sldId id="687" r:id="rId5"/>
@@ -32,8 +32,9 @@
     <p:sldId id="719" r:id="rId26"/>
     <p:sldId id="730" r:id="rId27"/>
     <p:sldId id="731" r:id="rId28"/>
-    <p:sldId id="724" r:id="rId29"/>
-    <p:sldId id="704" r:id="rId30"/>
+    <p:sldId id="740" r:id="rId29"/>
+    <p:sldId id="724" r:id="rId30"/>
+    <p:sldId id="704" r:id="rId31"/>
   </p:sldIdLst>
   <p:sldSz cx="12192000" cy="6858000"/>
   <p:notesSz cx="6858000" cy="9144000"/>
@@ -2015,7 +2016,7 @@
             </a:r>
             <a:r>
               <a:rPr lang="en-GB" dirty="0"/>
-              <a:t> and 10 robots were released, they are far from each other at the beginning, we are assuming they know their initial state, then they moving randomly</a:t>
+              <a:t> and 10 robots were released, they are far from each other at the beginning, we are assuming they know their initial state, then they moving randomly, and no obstacles avoiding is applied. </a:t>
             </a:r>
           </a:p>
           <a:p>
@@ -2101,9 +2102,37 @@
           <a:bodyPr/>
           <a:lstStyle/>
           <a:p>
-            <a:endParaRPr lang="en-GB" dirty="0"/>
-          </a:p>
-          <a:p>
+            <a:r>
+              <a:rPr lang="en-US" dirty="0"/>
+              <a:t>We first check the trajectory, </a:t>
+            </a:r>
+          </a:p>
+          <a:p>
+            <a:endParaRPr lang="en-US" dirty="0"/>
+          </a:p>
+          <a:p>
+            <a:r>
+              <a:rPr lang="en-US" dirty="0"/>
+              <a:t>The left side shows the odometry has large drift, without other information, the estimation will have large bias.</a:t>
+            </a:r>
+          </a:p>
+          <a:p>
+            <a:endParaRPr lang="en-US" dirty="0"/>
+          </a:p>
+          <a:p>
+            <a:r>
+              <a:rPr lang="en-US" dirty="0"/>
+              <a:t>The right-side shows that applying OWA style multi-rate EKF, the estimation is basically follows the true trajectory. </a:t>
+            </a:r>
+          </a:p>
+          <a:p>
+            <a:endParaRPr lang="en-US" dirty="0"/>
+          </a:p>
+          <a:p>
+            <a:r>
+              <a:rPr lang="en-US" dirty="0"/>
+              <a:t>The orange raising indicates at that time, the merging situation happened, with the OWA multi-rate EKF, the localization system can overcome this disturbance.</a:t>
+            </a:r>
             <a:endParaRPr lang="en-GB" dirty="0"/>
           </a:p>
         </p:txBody>
@@ -2172,7 +2201,155 @@
           <a:p>
             <a:r>
               <a:rPr lang="en-GB" dirty="0"/>
-              <a:t>With above work, the tasks on the coming months would be first implement the localization into real robot</a:t>
+              <a:t>Then we compare the MSE under different localization method.</a:t>
+            </a:r>
+          </a:p>
+          <a:p>
+            <a:endParaRPr lang="en-GB" dirty="0"/>
+          </a:p>
+          <a:p>
+            <a:r>
+              <a:rPr lang="en-GB" dirty="0"/>
+              <a:t>Each block of data in the upper table, stands for the average MSE of 10 robots in one round under one method.</a:t>
+            </a:r>
+          </a:p>
+          <a:p>
+            <a:endParaRPr lang="en-GB" dirty="0"/>
+          </a:p>
+          <a:p>
+            <a:r>
+              <a:rPr lang="en-GB" dirty="0"/>
+              <a:t>In each row, data are relatively close to each other, but some biased data also exist, for example, in the last row, with the OWA multi-rate EKF, in the first round, the MSE is larger than other. This is because the random processing noise and random moving, when lots of robots are gathering, the only reliable source is odometry, and the odometry is drifted, in that case, </a:t>
+            </a:r>
+            <a:r>
+              <a:rPr lang="en-US" altLang="zh-CN" b="0" i="0" dirty="0">
+                <a:solidFill>
+                  <a:srgbClr val="BDC1C6"/>
+                </a:solidFill>
+                <a:effectLst/>
+                <a:latin typeface="arial" panose="020B0604020202020204" pitchFamily="34" charset="0"/>
+              </a:rPr>
+              <a:t>outliers might show up.</a:t>
+            </a:r>
+          </a:p>
+          <a:p>
+            <a:endParaRPr lang="en-US" b="0" i="0" dirty="0">
+              <a:solidFill>
+                <a:srgbClr val="BDC1C6"/>
+              </a:solidFill>
+              <a:effectLst/>
+              <a:latin typeface="arial" panose="020B0604020202020204" pitchFamily="34" charset="0"/>
+            </a:endParaRPr>
+          </a:p>
+          <a:p>
+            <a:r>
+              <a:rPr lang="en-GB" dirty="0"/>
+              <a:t>Then we take the average MSE among all rounds, we can get the table below. </a:t>
+            </a:r>
+          </a:p>
+          <a:p>
+            <a:endParaRPr lang="en-GB" dirty="0"/>
+          </a:p>
+          <a:p>
+            <a:r>
+              <a:rPr lang="en-GB" dirty="0"/>
+              <a:t>These results show that by applying data fusion method, the estimation accuracy is improved. </a:t>
+            </a:r>
+          </a:p>
+          <a:p>
+            <a:endParaRPr lang="en-GB" dirty="0"/>
+          </a:p>
+          <a:p>
+            <a:r>
+              <a:rPr lang="en-GB" dirty="0"/>
+              <a:t>The multi-rate EKF doesn’t outperform the single-rate EKF, but the way we combining different Kalman filter do make a difference. </a:t>
+            </a:r>
+          </a:p>
+          <a:p>
+            <a:endParaRPr lang="en-GB" dirty="0"/>
+          </a:p>
+          <a:p>
+            <a:r>
+              <a:rPr lang="en-GB" dirty="0"/>
+              <a:t>The OWA adaptive style is better than the cascade style, and performance gap might be enlarged in long term application, because the drift will be become larger as time goes by.</a:t>
+            </a:r>
+          </a:p>
+          <a:p>
+            <a:endParaRPr lang="en-GB" dirty="0"/>
+          </a:p>
+          <a:p>
+            <a:endParaRPr lang="en-GB" dirty="0"/>
+          </a:p>
+          <a:p>
+            <a:endParaRPr lang="en-GB" dirty="0"/>
+          </a:p>
+        </p:txBody>
+      </p:sp>
+    </p:spTree>
+    <p:extLst>
+      <p:ext uri="{BB962C8B-B14F-4D97-AF65-F5344CB8AC3E}">
+        <p14:creationId xmlns:p14="http://schemas.microsoft.com/office/powerpoint/2010/main" val="737010858"/>
+      </p:ext>
+    </p:extLst>
+  </p:cSld>
+  <p:clrMapOvr>
+    <a:masterClrMapping/>
+  </p:clrMapOvr>
+</p:notes>
+</file>
+
+<file path=ppt/notesSlides/notesSlide26.xml><?xml version="1.0" encoding="utf-8"?>
+<p:notes xmlns:a="http://schemas.openxmlformats.org/drawingml/2006/main" xmlns:r="http://schemas.openxmlformats.org/officeDocument/2006/relationships" xmlns:p="http://schemas.openxmlformats.org/presentationml/2006/main">
+  <p:cSld>
+    <p:spTree>
+      <p:nvGrpSpPr>
+        <p:cNvPr id="1" name=""/>
+        <p:cNvGrpSpPr/>
+        <p:nvPr/>
+      </p:nvGrpSpPr>
+      <p:grpSpPr>
+        <a:xfrm>
+          <a:off x="0" y="0"/>
+          <a:ext cx="0" cy="0"/>
+          <a:chOff x="0" y="0"/>
+          <a:chExt cx="0" cy="0"/>
+        </a:xfrm>
+      </p:grpSpPr>
+      <p:sp>
+        <p:nvSpPr>
+          <p:cNvPr id="2" name="Slide Image Placeholder 1"/>
+          <p:cNvSpPr>
+            <a:spLocks noGrp="1" noRot="1" noChangeAspect="1"/>
+          </p:cNvSpPr>
+          <p:nvPr>
+            <p:ph type="sldImg"/>
+          </p:nvPr>
+        </p:nvSpPr>
+        <p:spPr>
+          <a:xfrm>
+            <a:off x="381000" y="685800"/>
+            <a:ext cx="6096000" cy="3429000"/>
+          </a:xfrm>
+        </p:spPr>
+      </p:sp>
+      <p:sp>
+        <p:nvSpPr>
+          <p:cNvPr id="3" name="Notes Placeholder 2"/>
+          <p:cNvSpPr>
+            <a:spLocks noGrp="1"/>
+          </p:cNvSpPr>
+          <p:nvPr>
+            <p:ph type="body" idx="1"/>
+          </p:nvPr>
+        </p:nvSpPr>
+        <p:spPr/>
+        <p:txBody>
+          <a:bodyPr/>
+          <a:lstStyle/>
+          <a:p>
+            <a:r>
+              <a:rPr lang="en-GB" dirty="0"/>
+              <a:t>With above result, we can say that the above architectures raise the estimation accuracy, the tasks on the coming months would be first implement the localization into real robot, and conduct experiment on real object.</a:t>
             </a:r>
           </a:p>
         </p:txBody>
@@ -2190,7 +2367,7 @@
 </p:notes>
 </file>
 
-<file path=ppt/notesSlides/notesSlide26.xml><?xml version="1.0" encoding="utf-8"?>
+<file path=ppt/notesSlides/notesSlide27.xml><?xml version="1.0" encoding="utf-8"?>
 <p:notes xmlns:a="http://schemas.openxmlformats.org/drawingml/2006/main" xmlns:r="http://schemas.openxmlformats.org/officeDocument/2006/relationships" xmlns:p="http://schemas.openxmlformats.org/presentationml/2006/main">
   <p:cSld>
     <p:spTree>
@@ -3159,7 +3336,7 @@
                 <a:effectLst/>
                 <a:extLst>
                   <a:ext uri="{C572A759-6A51-4108-AA02-DFA0A04FC94B}">
-                    <ma14:wrappingTextBoxFlag xmlns:m="http://schemas.openxmlformats.org/officeDocument/2006/math" xmlns:a14="http://schemas.microsoft.com/office/drawing/2010/main" xmlns:ma14="http://schemas.microsoft.com/office/mac/drawingml/2011/main" xmlns="" val="1"/>
+                    <ma14:wrappingTextBoxFlag xmlns="" xmlns:ma14="http://schemas.microsoft.com/office/mac/drawingml/2011/main" xmlns:a14="http://schemas.microsoft.com/office/drawing/2010/main" xmlns:m="http://schemas.openxmlformats.org/officeDocument/2006/math" val="1"/>
                   </a:ext>
                 </a:extLst>
               </p:spPr>
@@ -3264,7 +3441,7 @@
                 <a:effectLst/>
                 <a:extLst>
                   <a:ext uri="{C572A759-6A51-4108-AA02-DFA0A04FC94B}">
-                    <ma14:wrappingTextBoxFlag xmlns:m="http://schemas.openxmlformats.org/officeDocument/2006/math" xmlns:a14="http://schemas.microsoft.com/office/drawing/2010/main" xmlns:ma14="http://schemas.microsoft.com/office/mac/drawingml/2011/main" xmlns="" val="1"/>
+                    <ma14:wrappingTextBoxFlag xmlns="" xmlns:ma14="http://schemas.microsoft.com/office/mac/drawingml/2011/main" xmlns:a14="http://schemas.microsoft.com/office/drawing/2010/main" xmlns:m="http://schemas.openxmlformats.org/officeDocument/2006/math" val="1"/>
                   </a:ext>
                 </a:extLst>
               </p:spPr>
@@ -3315,7 +3492,7 @@
               <a:effectLst/>
               <a:extLst>
                 <a:ext uri="{C572A759-6A51-4108-AA02-DFA0A04FC94B}">
-                  <ma14:wrappingTextBoxFlag xmlns:m="http://schemas.openxmlformats.org/officeDocument/2006/math" xmlns:a14="http://schemas.microsoft.com/office/drawing/2010/main" xmlns:ma14="http://schemas.microsoft.com/office/mac/drawingml/2011/main" xmlns="" val="1"/>
+                  <ma14:wrappingTextBoxFlag xmlns="" xmlns:ma14="http://schemas.microsoft.com/office/mac/drawingml/2011/main" xmlns:a14="http://schemas.microsoft.com/office/drawing/2010/main" xmlns:m="http://schemas.openxmlformats.org/officeDocument/2006/math" val="1"/>
                 </a:ext>
               </a:extLst>
             </p:spPr>
@@ -3426,7 +3603,7 @@
                 <a:effectLst/>
                 <a:extLst>
                   <a:ext uri="{C572A759-6A51-4108-AA02-DFA0A04FC94B}">
-                    <ma14:wrappingTextBoxFlag xmlns:m="http://schemas.openxmlformats.org/officeDocument/2006/math" xmlns:a14="http://schemas.microsoft.com/office/drawing/2010/main" xmlns:ma14="http://schemas.microsoft.com/office/mac/drawingml/2011/main" xmlns="" val="1"/>
+                    <ma14:wrappingTextBoxFlag xmlns="" xmlns:ma14="http://schemas.microsoft.com/office/mac/drawingml/2011/main" xmlns:a14="http://schemas.microsoft.com/office/drawing/2010/main" xmlns:m="http://schemas.openxmlformats.org/officeDocument/2006/math" val="1"/>
                   </a:ext>
                 </a:extLst>
               </p:spPr>
@@ -3477,7 +3654,7 @@
               <a:effectLst/>
               <a:extLst>
                 <a:ext uri="{C572A759-6A51-4108-AA02-DFA0A04FC94B}">
-                  <ma14:wrappingTextBoxFlag xmlns:m="http://schemas.openxmlformats.org/officeDocument/2006/math" xmlns:a14="http://schemas.microsoft.com/office/drawing/2010/main" xmlns:ma14="http://schemas.microsoft.com/office/mac/drawingml/2011/main" xmlns="" val="1"/>
+                  <ma14:wrappingTextBoxFlag xmlns="" xmlns:ma14="http://schemas.microsoft.com/office/mac/drawingml/2011/main" xmlns:a14="http://schemas.microsoft.com/office/drawing/2010/main" xmlns:m="http://schemas.openxmlformats.org/officeDocument/2006/math" val="1"/>
                 </a:ext>
               </a:extLst>
             </p:spPr>
@@ -3815,7 +3992,7 @@
                 <a:effectLst/>
                 <a:extLst>
                   <a:ext uri="{C572A759-6A51-4108-AA02-DFA0A04FC94B}">
-                    <ma14:wrappingTextBoxFlag xmlns:m="http://schemas.openxmlformats.org/officeDocument/2006/math" xmlns:a14="http://schemas.microsoft.com/office/drawing/2010/main" xmlns:ma14="http://schemas.microsoft.com/office/mac/drawingml/2011/main" xmlns="" val="1"/>
+                    <ma14:wrappingTextBoxFlag xmlns="" xmlns:ma14="http://schemas.microsoft.com/office/mac/drawingml/2011/main" xmlns:a14="http://schemas.microsoft.com/office/drawing/2010/main" xmlns:m="http://schemas.openxmlformats.org/officeDocument/2006/math" val="1"/>
                   </a:ext>
                 </a:extLst>
               </p:spPr>
@@ -5314,7 +5491,7 @@
           </a:ln>
           <a:extLst>
             <a:ext uri="{C572A759-6A51-4108-AA02-DFA0A04FC94B}">
-              <ma14:wrappingTextBoxFlag xmlns:m="http://schemas.openxmlformats.org/officeDocument/2006/math" xmlns:a14="http://schemas.microsoft.com/office/drawing/2010/main" xmlns:ma14="http://schemas.microsoft.com/office/mac/drawingml/2011/main" xmlns="" val="1"/>
+              <ma14:wrappingTextBoxFlag xmlns="" xmlns:ma14="http://schemas.microsoft.com/office/mac/drawingml/2011/main" xmlns:a14="http://schemas.microsoft.com/office/drawing/2010/main" xmlns:m="http://schemas.openxmlformats.org/officeDocument/2006/math" val="1"/>
             </a:ext>
           </a:extLst>
         </p:spPr>
@@ -5588,7 +5765,7 @@
               <a:effectLst/>
               <a:extLst>
                 <a:ext uri="{C572A759-6A51-4108-AA02-DFA0A04FC94B}">
-                  <ma14:wrappingTextBoxFlag xmlns:m="http://schemas.openxmlformats.org/officeDocument/2006/math" xmlns:a14="http://schemas.microsoft.com/office/drawing/2010/main" xmlns:ma14="http://schemas.microsoft.com/office/mac/drawingml/2011/main" xmlns="" val="1"/>
+                  <ma14:wrappingTextBoxFlag xmlns="" xmlns:ma14="http://schemas.microsoft.com/office/mac/drawingml/2011/main" xmlns:a14="http://schemas.microsoft.com/office/drawing/2010/main" xmlns:m="http://schemas.openxmlformats.org/officeDocument/2006/math" val="1"/>
                 </a:ext>
               </a:extLst>
             </p:spPr>
@@ -5693,7 +5870,7 @@
               <a:effectLst/>
               <a:extLst>
                 <a:ext uri="{C572A759-6A51-4108-AA02-DFA0A04FC94B}">
-                  <ma14:wrappingTextBoxFlag xmlns:m="http://schemas.openxmlformats.org/officeDocument/2006/math" xmlns:a14="http://schemas.microsoft.com/office/drawing/2010/main" xmlns:ma14="http://schemas.microsoft.com/office/mac/drawingml/2011/main" xmlns="" val="1"/>
+                  <ma14:wrappingTextBoxFlag xmlns="" xmlns:ma14="http://schemas.microsoft.com/office/mac/drawingml/2011/main" xmlns:a14="http://schemas.microsoft.com/office/drawing/2010/main" xmlns:m="http://schemas.openxmlformats.org/officeDocument/2006/math" val="1"/>
                 </a:ext>
               </a:extLst>
             </p:spPr>
@@ -5744,7 +5921,7 @@
             <a:effectLst/>
             <a:extLst>
               <a:ext uri="{C572A759-6A51-4108-AA02-DFA0A04FC94B}">
-                <ma14:wrappingTextBoxFlag xmlns:m="http://schemas.openxmlformats.org/officeDocument/2006/math" xmlns:a14="http://schemas.microsoft.com/office/drawing/2010/main" xmlns:ma14="http://schemas.microsoft.com/office/mac/drawingml/2011/main" xmlns="" val="1"/>
+                <ma14:wrappingTextBoxFlag xmlns="" xmlns:ma14="http://schemas.microsoft.com/office/mac/drawingml/2011/main" xmlns:a14="http://schemas.microsoft.com/office/drawing/2010/main" xmlns:m="http://schemas.openxmlformats.org/officeDocument/2006/math" val="1"/>
               </a:ext>
             </a:extLst>
           </p:spPr>
@@ -5848,7 +6025,7 @@
               <a:effectLst/>
               <a:extLst>
                 <a:ext uri="{C572A759-6A51-4108-AA02-DFA0A04FC94B}">
-                  <ma14:wrappingTextBoxFlag xmlns:m="http://schemas.openxmlformats.org/officeDocument/2006/math" xmlns:a14="http://schemas.microsoft.com/office/drawing/2010/main" xmlns:ma14="http://schemas.microsoft.com/office/mac/drawingml/2011/main" xmlns="" val="1"/>
+                  <ma14:wrappingTextBoxFlag xmlns="" xmlns:ma14="http://schemas.microsoft.com/office/mac/drawingml/2011/main" xmlns:a14="http://schemas.microsoft.com/office/drawing/2010/main" xmlns:m="http://schemas.openxmlformats.org/officeDocument/2006/math" val="1"/>
                 </a:ext>
               </a:extLst>
             </p:spPr>
@@ -5899,7 +6076,7 @@
             <a:effectLst/>
             <a:extLst>
               <a:ext uri="{C572A759-6A51-4108-AA02-DFA0A04FC94B}">
-                <ma14:wrappingTextBoxFlag xmlns:m="http://schemas.openxmlformats.org/officeDocument/2006/math" xmlns:a14="http://schemas.microsoft.com/office/drawing/2010/main" xmlns:ma14="http://schemas.microsoft.com/office/mac/drawingml/2011/main" xmlns="" val="1"/>
+                <ma14:wrappingTextBoxFlag xmlns="" xmlns:ma14="http://schemas.microsoft.com/office/mac/drawingml/2011/main" xmlns:a14="http://schemas.microsoft.com/office/drawing/2010/main" xmlns:m="http://schemas.openxmlformats.org/officeDocument/2006/math" val="1"/>
               </a:ext>
             </a:extLst>
           </p:spPr>
@@ -7445,7 +7622,7 @@
                 <a:effectLst/>
                 <a:extLst>
                   <a:ext uri="{C572A759-6A51-4108-AA02-DFA0A04FC94B}">
-                    <ma14:wrappingTextBoxFlag xmlns:m="http://schemas.openxmlformats.org/officeDocument/2006/math" xmlns:a14="http://schemas.microsoft.com/office/drawing/2010/main" xmlns:ma14="http://schemas.microsoft.com/office/mac/drawingml/2011/main" xmlns="" val="1"/>
+                    <ma14:wrappingTextBoxFlag xmlns="" xmlns:ma14="http://schemas.microsoft.com/office/mac/drawingml/2011/main" xmlns:a14="http://schemas.microsoft.com/office/drawing/2010/main" xmlns:m="http://schemas.openxmlformats.org/officeDocument/2006/math" val="1"/>
                   </a:ext>
                 </a:extLst>
               </p:spPr>
@@ -7550,7 +7727,7 @@
                 <a:effectLst/>
                 <a:extLst>
                   <a:ext uri="{C572A759-6A51-4108-AA02-DFA0A04FC94B}">
-                    <ma14:wrappingTextBoxFlag xmlns:m="http://schemas.openxmlformats.org/officeDocument/2006/math" xmlns:a14="http://schemas.microsoft.com/office/drawing/2010/main" xmlns:ma14="http://schemas.microsoft.com/office/mac/drawingml/2011/main" xmlns="" val="1"/>
+                    <ma14:wrappingTextBoxFlag xmlns="" xmlns:ma14="http://schemas.microsoft.com/office/mac/drawingml/2011/main" xmlns:a14="http://schemas.microsoft.com/office/drawing/2010/main" xmlns:m="http://schemas.openxmlformats.org/officeDocument/2006/math" val="1"/>
                   </a:ext>
                 </a:extLst>
               </p:spPr>
@@ -7601,7 +7778,7 @@
               <a:effectLst/>
               <a:extLst>
                 <a:ext uri="{C572A759-6A51-4108-AA02-DFA0A04FC94B}">
-                  <ma14:wrappingTextBoxFlag xmlns:m="http://schemas.openxmlformats.org/officeDocument/2006/math" xmlns:a14="http://schemas.microsoft.com/office/drawing/2010/main" xmlns:ma14="http://schemas.microsoft.com/office/mac/drawingml/2011/main" xmlns="" val="1"/>
+                  <ma14:wrappingTextBoxFlag xmlns="" xmlns:ma14="http://schemas.microsoft.com/office/mac/drawingml/2011/main" xmlns:a14="http://schemas.microsoft.com/office/drawing/2010/main" xmlns:m="http://schemas.openxmlformats.org/officeDocument/2006/math" val="1"/>
                 </a:ext>
               </a:extLst>
             </p:spPr>
@@ -7712,7 +7889,7 @@
                 <a:effectLst/>
                 <a:extLst>
                   <a:ext uri="{C572A759-6A51-4108-AA02-DFA0A04FC94B}">
-                    <ma14:wrappingTextBoxFlag xmlns:m="http://schemas.openxmlformats.org/officeDocument/2006/math" xmlns:a14="http://schemas.microsoft.com/office/drawing/2010/main" xmlns:ma14="http://schemas.microsoft.com/office/mac/drawingml/2011/main" xmlns="" val="1"/>
+                    <ma14:wrappingTextBoxFlag xmlns="" xmlns:ma14="http://schemas.microsoft.com/office/mac/drawingml/2011/main" xmlns:a14="http://schemas.microsoft.com/office/drawing/2010/main" xmlns:m="http://schemas.openxmlformats.org/officeDocument/2006/math" val="1"/>
                   </a:ext>
                 </a:extLst>
               </p:spPr>
@@ -7763,7 +7940,7 @@
               <a:effectLst/>
               <a:extLst>
                 <a:ext uri="{C572A759-6A51-4108-AA02-DFA0A04FC94B}">
-                  <ma14:wrappingTextBoxFlag xmlns:m="http://schemas.openxmlformats.org/officeDocument/2006/math" xmlns:a14="http://schemas.microsoft.com/office/drawing/2010/main" xmlns:ma14="http://schemas.microsoft.com/office/mac/drawingml/2011/main" xmlns="" val="1"/>
+                  <ma14:wrappingTextBoxFlag xmlns="" xmlns:ma14="http://schemas.microsoft.com/office/mac/drawingml/2011/main" xmlns:a14="http://schemas.microsoft.com/office/drawing/2010/main" xmlns:m="http://schemas.openxmlformats.org/officeDocument/2006/math" val="1"/>
                 </a:ext>
               </a:extLst>
             </p:spPr>
@@ -8101,7 +8278,7 @@
                 <a:effectLst/>
                 <a:extLst>
                   <a:ext uri="{C572A759-6A51-4108-AA02-DFA0A04FC94B}">
-                    <ma14:wrappingTextBoxFlag xmlns:m="http://schemas.openxmlformats.org/officeDocument/2006/math" xmlns:a14="http://schemas.microsoft.com/office/drawing/2010/main" xmlns:ma14="http://schemas.microsoft.com/office/mac/drawingml/2011/main" xmlns="" val="1"/>
+                    <ma14:wrappingTextBoxFlag xmlns="" xmlns:ma14="http://schemas.microsoft.com/office/mac/drawingml/2011/main" xmlns:a14="http://schemas.microsoft.com/office/drawing/2010/main" xmlns:m="http://schemas.openxmlformats.org/officeDocument/2006/math" val="1"/>
                   </a:ext>
                 </a:extLst>
               </p:spPr>
@@ -11792,7 +11969,7 @@
           </a:ln>
           <a:extLst>
             <a:ext uri="{C572A759-6A51-4108-AA02-DFA0A04FC94B}">
-              <ma14:wrappingTextBoxFlag xmlns="" xmlns:m="http://schemas.openxmlformats.org/officeDocument/2006/math" xmlns:a14="http://schemas.microsoft.com/office/drawing/2010/main" xmlns:ma14="http://schemas.microsoft.com/office/mac/drawingml/2011/main" val="1"/>
+              <ma14:wrappingTextBoxFlag xmlns:ma14="http://schemas.microsoft.com/office/mac/drawingml/2011/main" xmlns:a14="http://schemas.microsoft.com/office/drawing/2010/main" xmlns:m="http://schemas.openxmlformats.org/officeDocument/2006/math" xmlns="" val="1"/>
             </a:ext>
           </a:extLst>
         </p:spPr>
@@ -13679,7 +13856,7 @@
           </a:ln>
           <a:extLst>
             <a:ext uri="{C572A759-6A51-4108-AA02-DFA0A04FC94B}">
-              <ma14:wrappingTextBoxFlag xmlns:m="http://schemas.openxmlformats.org/officeDocument/2006/math" xmlns:a14="http://schemas.microsoft.com/office/drawing/2010/main" xmlns:ma14="http://schemas.microsoft.com/office/mac/drawingml/2011/main" xmlns="" val="1"/>
+              <ma14:wrappingTextBoxFlag xmlns="" xmlns:ma14="http://schemas.microsoft.com/office/mac/drawingml/2011/main" xmlns:a14="http://schemas.microsoft.com/office/drawing/2010/main" xmlns:m="http://schemas.openxmlformats.org/officeDocument/2006/math" val="1"/>
             </a:ext>
           </a:extLst>
         </p:spPr>
@@ -13716,7 +13893,7 @@
           </a:ln>
           <a:extLst>
             <a:ext uri="{C572A759-6A51-4108-AA02-DFA0A04FC94B}">
-              <ma14:wrappingTextBoxFlag xmlns:m="http://schemas.openxmlformats.org/officeDocument/2006/math" xmlns:a14="http://schemas.microsoft.com/office/drawing/2010/main" xmlns:ma14="http://schemas.microsoft.com/office/mac/drawingml/2011/main" xmlns="" val="1"/>
+              <ma14:wrappingTextBoxFlag xmlns="" xmlns:ma14="http://schemas.microsoft.com/office/mac/drawingml/2011/main" xmlns:a14="http://schemas.microsoft.com/office/drawing/2010/main" xmlns:m="http://schemas.openxmlformats.org/officeDocument/2006/math" val="1"/>
             </a:ext>
           </a:extLst>
         </p:spPr>
@@ -14678,7 +14855,7 @@
           </a:prstGeom>
           <a:extLst>
             <a:ext uri="{C572A759-6A51-4108-AA02-DFA0A04FC94B}">
-              <ma14:wrappingTextBoxFlag xmlns:ma14="http://schemas.microsoft.com/office/mac/drawingml/2011/main" xmlns:a14="http://schemas.microsoft.com/office/drawing/2010/main" xmlns:m="http://schemas.openxmlformats.org/officeDocument/2006/math" xmlns="" val="1"/>
+              <ma14:wrappingTextBoxFlag xmlns="" xmlns:m="http://schemas.openxmlformats.org/officeDocument/2006/math" xmlns:a14="http://schemas.microsoft.com/office/drawing/2010/main" xmlns:ma14="http://schemas.microsoft.com/office/mac/drawingml/2011/main" val="1"/>
             </a:ext>
           </a:extLst>
         </p:spPr>
@@ -14714,7 +14891,7 @@
           </a:prstGeom>
           <a:extLst>
             <a:ext uri="{C572A759-6A51-4108-AA02-DFA0A04FC94B}">
-              <ma14:wrappingTextBoxFlag xmlns:ma14="http://schemas.microsoft.com/office/mac/drawingml/2011/main" xmlns:a14="http://schemas.microsoft.com/office/drawing/2010/main" xmlns:m="http://schemas.openxmlformats.org/officeDocument/2006/math" xmlns="" val="1"/>
+              <ma14:wrappingTextBoxFlag xmlns="" xmlns:m="http://schemas.openxmlformats.org/officeDocument/2006/math" xmlns:a14="http://schemas.microsoft.com/office/drawing/2010/main" xmlns:ma14="http://schemas.microsoft.com/office/mac/drawingml/2011/main" val="1"/>
             </a:ext>
           </a:extLst>
         </p:spPr>
@@ -15770,7 +15947,7 @@
           </a:ln>
           <a:extLst>
             <a:ext uri="{C572A759-6A51-4108-AA02-DFA0A04FC94B}">
-              <ma14:wrappingTextBoxFlag xmlns:m="http://schemas.openxmlformats.org/officeDocument/2006/math" xmlns:a14="http://schemas.microsoft.com/office/drawing/2010/main" xmlns:ma14="http://schemas.microsoft.com/office/mac/drawingml/2011/main" xmlns="" val="1"/>
+              <ma14:wrappingTextBoxFlag xmlns="" xmlns:ma14="http://schemas.microsoft.com/office/mac/drawingml/2011/main" xmlns:a14="http://schemas.microsoft.com/office/drawing/2010/main" xmlns:m="http://schemas.openxmlformats.org/officeDocument/2006/math" val="1"/>
             </a:ext>
           </a:extLst>
         </p:spPr>
@@ -16850,7 +17027,7 @@
           </a:ln>
           <a:extLst>
             <a:ext uri="{C572A759-6A51-4108-AA02-DFA0A04FC94B}">
-              <ma14:wrappingTextBoxFlag xmlns:m="http://schemas.openxmlformats.org/officeDocument/2006/math" xmlns:a14="http://schemas.microsoft.com/office/drawing/2010/main" xmlns:ma14="http://schemas.microsoft.com/office/mac/drawingml/2011/main" xmlns="" val="1"/>
+              <ma14:wrappingTextBoxFlag xmlns="" xmlns:ma14="http://schemas.microsoft.com/office/mac/drawingml/2011/main" xmlns:a14="http://schemas.microsoft.com/office/drawing/2010/main" xmlns:m="http://schemas.openxmlformats.org/officeDocument/2006/math" val="1"/>
             </a:ext>
           </a:extLst>
         </p:spPr>
@@ -17661,7 +17838,7 @@
           </a:ln>
           <a:extLst>
             <a:ext uri="{C572A759-6A51-4108-AA02-DFA0A04FC94B}">
-              <ma14:wrappingTextBoxFlag xmlns="" xmlns:m="http://schemas.openxmlformats.org/officeDocument/2006/math" xmlns:a14="http://schemas.microsoft.com/office/drawing/2010/main" xmlns:ma14="http://schemas.microsoft.com/office/mac/drawingml/2011/main" val="1"/>
+              <ma14:wrappingTextBoxFlag xmlns:ma14="http://schemas.microsoft.com/office/mac/drawingml/2011/main" xmlns:a14="http://schemas.microsoft.com/office/drawing/2010/main" xmlns:m="http://schemas.openxmlformats.org/officeDocument/2006/math" xmlns="" val="1"/>
             </a:ext>
           </a:extLst>
         </p:spPr>
@@ -18797,7 +18974,7 @@
         </p:nvSpPr>
         <p:spPr>
           <a:xfrm>
-            <a:off x="698500" y="1028021"/>
+            <a:off x="698500" y="773378"/>
             <a:ext cx="10773500" cy="459134"/>
           </a:xfrm>
         </p:spPr>
@@ -18818,7 +18995,703 @@
               <a:rPr lang="en-GB" altLang="zh-CN" sz="2400" dirty="0">
                 <a:latin typeface="Arial" panose="020B0604020202020204" pitchFamily="34" charset="0"/>
               </a:rPr>
-              <a:t>Metrics: mean square error (MSE)</a:t>
+              <a:t>Trajectory</a:t>
+            </a:r>
+          </a:p>
+        </p:txBody>
+      </p:sp>
+      <p:pic>
+        <p:nvPicPr>
+          <p:cNvPr id="6" name="图片 5" descr="图表, 折线图&#10;&#10;描述已自动生成">
+            <a:extLst>
+              <a:ext uri="{FF2B5EF4-FFF2-40B4-BE49-F238E27FC236}">
+                <a16:creationId xmlns:a16="http://schemas.microsoft.com/office/drawing/2014/main" id="{C227922B-7C44-6D11-6D6F-D022CB415DA9}"/>
+              </a:ext>
+            </a:extLst>
+          </p:cNvPr>
+          <p:cNvPicPr>
+            <a:picLocks noChangeAspect="1"/>
+          </p:cNvPicPr>
+          <p:nvPr/>
+        </p:nvPicPr>
+        <p:blipFill>
+          <a:blip r:embed="rId3">
+            <a:extLst>
+              <a:ext uri="{28A0092B-C50C-407E-A947-70E740481C1C}">
+                <a14:useLocalDpi xmlns:a14="http://schemas.microsoft.com/office/drawing/2010/main" val="0"/>
+              </a:ext>
+            </a:extLst>
+          </a:blip>
+          <a:stretch>
+            <a:fillRect/>
+          </a:stretch>
+        </p:blipFill>
+        <p:spPr>
+          <a:xfrm>
+            <a:off x="6385257" y="1834397"/>
+            <a:ext cx="5806743" cy="4355057"/>
+          </a:xfrm>
+          <a:prstGeom prst="rect">
+            <a:avLst/>
+          </a:prstGeom>
+        </p:spPr>
+      </p:pic>
+      <p:pic>
+        <p:nvPicPr>
+          <p:cNvPr id="8" name="图片 7" descr="图表, 折线图&#10;&#10;描述已自动生成">
+            <a:extLst>
+              <a:ext uri="{FF2B5EF4-FFF2-40B4-BE49-F238E27FC236}">
+                <a16:creationId xmlns:a16="http://schemas.microsoft.com/office/drawing/2014/main" id="{E57C23FB-6259-6D23-BAB7-61271CC19484}"/>
+              </a:ext>
+            </a:extLst>
+          </p:cNvPr>
+          <p:cNvPicPr>
+            <a:picLocks noChangeAspect="1"/>
+          </p:cNvPicPr>
+          <p:nvPr/>
+        </p:nvPicPr>
+        <p:blipFill>
+          <a:blip r:embed="rId4">
+            <a:extLst>
+              <a:ext uri="{28A0092B-C50C-407E-A947-70E740481C1C}">
+                <a14:useLocalDpi xmlns:a14="http://schemas.microsoft.com/office/drawing/2010/main" val="0"/>
+              </a:ext>
+            </a:extLst>
+          </a:blip>
+          <a:stretch>
+            <a:fillRect/>
+          </a:stretch>
+        </p:blipFill>
+        <p:spPr>
+          <a:xfrm>
+            <a:off x="289258" y="1787440"/>
+            <a:ext cx="5806743" cy="4355057"/>
+          </a:xfrm>
+          <a:prstGeom prst="rect">
+            <a:avLst/>
+          </a:prstGeom>
+        </p:spPr>
+      </p:pic>
+      <p:sp>
+        <p:nvSpPr>
+          <p:cNvPr id="9" name="Text Placeholder 2">
+            <a:extLst>
+              <a:ext uri="{FF2B5EF4-FFF2-40B4-BE49-F238E27FC236}">
+                <a16:creationId xmlns:a16="http://schemas.microsoft.com/office/drawing/2014/main" id="{ACF7B7FC-75CC-F094-E767-B8305CC9C1EB}"/>
+              </a:ext>
+            </a:extLst>
+          </p:cNvPr>
+          <p:cNvSpPr txBox="1">
+            <a:spLocks/>
+          </p:cNvSpPr>
+          <p:nvPr/>
+        </p:nvSpPr>
+        <p:spPr>
+          <a:xfrm>
+            <a:off x="698500" y="1614633"/>
+            <a:ext cx="4811049" cy="459134"/>
+          </a:xfrm>
+          <a:prstGeom prst="rect">
+            <a:avLst/>
+          </a:prstGeom>
+          <a:ln w="12700">
+            <a:miter lim="400000"/>
+          </a:ln>
+          <a:extLst>
+            <a:ext uri="{C572A759-6A51-4108-AA02-DFA0A04FC94B}">
+              <ma14:wrappingTextBoxFlag xmlns="" xmlns:ma14="http://schemas.microsoft.com/office/mac/drawingml/2011/main" xmlns:a14="http://schemas.microsoft.com/office/drawing/2010/main" xmlns:m="http://schemas.openxmlformats.org/officeDocument/2006/math" val="1"/>
+            </a:ext>
+          </a:extLst>
+        </p:spPr>
+        <p:txBody>
+          <a:bodyPr lIns="0" tIns="0" rIns="0" bIns="0">
+            <a:normAutofit/>
+          </a:bodyPr>
+          <a:lstStyle>
+            <a:lvl1pPr marL="263525" marR="0" indent="-263525" algn="l" defTabSz="719137" rtl="0" latinLnBrk="0">
+              <a:lnSpc>
+                <a:spcPct val="90000"/>
+              </a:lnSpc>
+              <a:spcBef>
+                <a:spcPts val="1200"/>
+              </a:spcBef>
+              <a:spcAft>
+                <a:spcPts val="0"/>
+              </a:spcAft>
+              <a:buClr>
+                <a:schemeClr val="accent1"/>
+              </a:buClr>
+              <a:buSzPct val="100000"/>
+              <a:buFontTx/>
+              <a:buChar char="▪"/>
+              <a:tabLst/>
+              <a:defRPr sz="1600" b="0" i="0" u="none" strike="noStrike" cap="none" spc="0" baseline="0">
+                <a:solidFill>
+                  <a:srgbClr val="000000"/>
+                </a:solidFill>
+                <a:uFillTx/>
+                <a:latin typeface="Arial"/>
+                <a:ea typeface="Arial"/>
+                <a:cs typeface="Arial"/>
+                <a:sym typeface="Arial"/>
+              </a:defRPr>
+            </a:lvl1pPr>
+            <a:lvl2pPr marL="538162" marR="0" indent="-274638" algn="l" defTabSz="719137" rtl="0" latinLnBrk="0">
+              <a:lnSpc>
+                <a:spcPct val="90000"/>
+              </a:lnSpc>
+              <a:spcBef>
+                <a:spcPts val="1200"/>
+              </a:spcBef>
+              <a:spcAft>
+                <a:spcPts val="0"/>
+              </a:spcAft>
+              <a:buClr>
+                <a:schemeClr val="accent1"/>
+              </a:buClr>
+              <a:buSzPct val="100000"/>
+              <a:buFontTx/>
+              <a:buChar char="▪"/>
+              <a:tabLst/>
+              <a:defRPr sz="1600" b="0" i="0" u="none" strike="noStrike" cap="none" spc="0" baseline="0">
+                <a:solidFill>
+                  <a:srgbClr val="000000"/>
+                </a:solidFill>
+                <a:uFillTx/>
+                <a:latin typeface="Arial"/>
+                <a:ea typeface="Arial"/>
+                <a:cs typeface="Arial"/>
+                <a:sym typeface="Arial"/>
+              </a:defRPr>
+            </a:lvl2pPr>
+            <a:lvl3pPr marL="0" marR="0" indent="0" algn="l" defTabSz="719137" rtl="0" latinLnBrk="0">
+              <a:lnSpc>
+                <a:spcPct val="90000"/>
+              </a:lnSpc>
+              <a:spcBef>
+                <a:spcPts val="1200"/>
+              </a:spcBef>
+              <a:spcAft>
+                <a:spcPts val="0"/>
+              </a:spcAft>
+              <a:buClr>
+                <a:schemeClr val="accent1"/>
+              </a:buClr>
+              <a:buSzTx/>
+              <a:buFont typeface="Wingdings"/>
+              <a:buNone/>
+              <a:tabLst/>
+              <a:defRPr sz="1600" b="0" i="0" u="none" strike="noStrike" cap="none" spc="0" baseline="0">
+                <a:solidFill>
+                  <a:srgbClr val="000000"/>
+                </a:solidFill>
+                <a:uFillTx/>
+                <a:latin typeface="Arial"/>
+                <a:ea typeface="Arial"/>
+                <a:cs typeface="Arial"/>
+                <a:sym typeface="Arial"/>
+              </a:defRPr>
+            </a:lvl3pPr>
+            <a:lvl4pPr marL="0" marR="0" indent="0" algn="l" defTabSz="719137" rtl="0" latinLnBrk="0">
+              <a:lnSpc>
+                <a:spcPct val="90000"/>
+              </a:lnSpc>
+              <a:spcBef>
+                <a:spcPts val="1200"/>
+              </a:spcBef>
+              <a:spcAft>
+                <a:spcPts val="0"/>
+              </a:spcAft>
+              <a:buClr>
+                <a:schemeClr val="accent1"/>
+              </a:buClr>
+              <a:buSzTx/>
+              <a:buFont typeface="Wingdings"/>
+              <a:buNone/>
+              <a:tabLst/>
+              <a:defRPr sz="1600" b="0" i="0" u="none" strike="noStrike" cap="none" spc="0" baseline="0">
+                <a:solidFill>
+                  <a:srgbClr val="000000"/>
+                </a:solidFill>
+                <a:uFillTx/>
+                <a:latin typeface="Arial"/>
+                <a:ea typeface="Arial"/>
+                <a:cs typeface="Arial"/>
+                <a:sym typeface="Arial"/>
+              </a:defRPr>
+            </a:lvl4pPr>
+            <a:lvl5pPr marL="263525" marR="0" indent="-263525" algn="l" defTabSz="719137" rtl="0" latinLnBrk="0">
+              <a:lnSpc>
+                <a:spcPct val="90000"/>
+              </a:lnSpc>
+              <a:spcBef>
+                <a:spcPts val="1200"/>
+              </a:spcBef>
+              <a:spcAft>
+                <a:spcPts val="0"/>
+              </a:spcAft>
+              <a:buClr>
+                <a:schemeClr val="accent1"/>
+              </a:buClr>
+              <a:buSzPct val="100000"/>
+              <a:buFont typeface="Wingdings"/>
+              <a:buAutoNum type="arabicPeriod"/>
+              <a:tabLst/>
+              <a:defRPr sz="1600" b="0" i="0" u="none" strike="noStrike" cap="none" spc="0" baseline="0">
+                <a:solidFill>
+                  <a:srgbClr val="000000"/>
+                </a:solidFill>
+                <a:uFillTx/>
+                <a:latin typeface="Arial"/>
+                <a:ea typeface="Arial"/>
+                <a:cs typeface="Arial"/>
+                <a:sym typeface="Arial"/>
+              </a:defRPr>
+            </a:lvl5pPr>
+            <a:lvl6pPr marL="538162" marR="0" indent="-276225" algn="l" defTabSz="719137" rtl="0" latinLnBrk="0">
+              <a:lnSpc>
+                <a:spcPct val="90000"/>
+              </a:lnSpc>
+              <a:spcBef>
+                <a:spcPts val="1200"/>
+              </a:spcBef>
+              <a:spcAft>
+                <a:spcPts val="0"/>
+              </a:spcAft>
+              <a:buClr>
+                <a:schemeClr val="accent1"/>
+              </a:buClr>
+              <a:buSzPct val="100000"/>
+              <a:buFont typeface="Wingdings"/>
+              <a:buAutoNum type="alphaLcPeriod"/>
+              <a:tabLst/>
+              <a:defRPr sz="1600" b="0" i="0" u="none" strike="noStrike" cap="none" spc="0" baseline="0">
+                <a:solidFill>
+                  <a:srgbClr val="000000"/>
+                </a:solidFill>
+                <a:uFillTx/>
+                <a:latin typeface="Arial"/>
+                <a:ea typeface="Arial"/>
+                <a:cs typeface="Arial"/>
+                <a:sym typeface="Arial"/>
+              </a:defRPr>
+            </a:lvl6pPr>
+            <a:lvl7pPr marL="538162" marR="0" indent="-276225" algn="l" defTabSz="719137" rtl="0" latinLnBrk="0">
+              <a:lnSpc>
+                <a:spcPct val="90000"/>
+              </a:lnSpc>
+              <a:spcBef>
+                <a:spcPts val="1200"/>
+              </a:spcBef>
+              <a:spcAft>
+                <a:spcPts val="0"/>
+              </a:spcAft>
+              <a:buClr>
+                <a:schemeClr val="accent1"/>
+              </a:buClr>
+              <a:buSzPct val="100000"/>
+              <a:buFontTx/>
+              <a:buChar char="▪"/>
+              <a:tabLst/>
+              <a:defRPr sz="1600" b="0" i="0" u="none" strike="noStrike" cap="none" spc="0" baseline="0">
+                <a:solidFill>
+                  <a:srgbClr val="000000"/>
+                </a:solidFill>
+                <a:uFillTx/>
+                <a:latin typeface="Arial"/>
+                <a:ea typeface="Arial"/>
+                <a:cs typeface="Arial"/>
+                <a:sym typeface="Arial"/>
+              </a:defRPr>
+            </a:lvl7pPr>
+            <a:lvl8pPr marL="0" marR="0" indent="0" algn="l" defTabSz="719137" rtl="0" latinLnBrk="0">
+              <a:lnSpc>
+                <a:spcPct val="90000"/>
+              </a:lnSpc>
+              <a:spcBef>
+                <a:spcPts val="1200"/>
+              </a:spcBef>
+              <a:spcAft>
+                <a:spcPts val="0"/>
+              </a:spcAft>
+              <a:buClr>
+                <a:schemeClr val="accent1"/>
+              </a:buClr>
+              <a:buSzTx/>
+              <a:buFont typeface="Wingdings"/>
+              <a:buNone/>
+              <a:tabLst/>
+              <a:defRPr sz="1600" b="0" i="0" u="none" strike="noStrike" cap="none" spc="0" baseline="0">
+                <a:solidFill>
+                  <a:srgbClr val="000000"/>
+                </a:solidFill>
+                <a:uFillTx/>
+                <a:latin typeface="Arial"/>
+                <a:ea typeface="Arial"/>
+                <a:cs typeface="Arial"/>
+                <a:sym typeface="Arial"/>
+              </a:defRPr>
+            </a:lvl8pPr>
+            <a:lvl9pPr marL="0" marR="0" indent="0" algn="l" defTabSz="719137" rtl="0" latinLnBrk="0">
+              <a:lnSpc>
+                <a:spcPct val="90000"/>
+              </a:lnSpc>
+              <a:spcBef>
+                <a:spcPts val="1200"/>
+              </a:spcBef>
+              <a:spcAft>
+                <a:spcPts val="0"/>
+              </a:spcAft>
+              <a:buClr>
+                <a:schemeClr val="accent1"/>
+              </a:buClr>
+              <a:buSzTx/>
+              <a:buFont typeface="Wingdings"/>
+              <a:buNone/>
+              <a:tabLst/>
+              <a:defRPr sz="1600" b="0" i="0" u="none" strike="noStrike" cap="none" spc="0" baseline="0">
+                <a:solidFill>
+                  <a:srgbClr val="000000"/>
+                </a:solidFill>
+                <a:uFillTx/>
+                <a:latin typeface="Arial"/>
+                <a:ea typeface="Arial"/>
+                <a:cs typeface="Arial"/>
+                <a:sym typeface="Arial"/>
+              </a:defRPr>
+            </a:lvl9pPr>
+          </a:lstStyle>
+          <a:p>
+            <a:pPr marL="712788" hangingPunct="1">
+              <a:lnSpc>
+                <a:spcPct val="100000"/>
+              </a:lnSpc>
+              <a:buFont typeface="Arial" panose="020B0604020202020204" pitchFamily="34" charset="0"/>
+              <a:buChar char="•"/>
+            </a:pPr>
+            <a:r>
+              <a:rPr lang="en-GB" altLang="zh-CN" sz="2400" dirty="0">
+                <a:latin typeface="Arial" panose="020B0604020202020204" pitchFamily="34" charset="0"/>
+              </a:rPr>
+              <a:t>Odometry only</a:t>
+            </a:r>
+          </a:p>
+        </p:txBody>
+      </p:sp>
+      <p:sp>
+        <p:nvSpPr>
+          <p:cNvPr id="10" name="Text Placeholder 2">
+            <a:extLst>
+              <a:ext uri="{FF2B5EF4-FFF2-40B4-BE49-F238E27FC236}">
+                <a16:creationId xmlns:a16="http://schemas.microsoft.com/office/drawing/2014/main" id="{31410B60-3F1E-49D2-5EAD-310CE2E57E2E}"/>
+              </a:ext>
+            </a:extLst>
+          </p:cNvPr>
+          <p:cNvSpPr txBox="1">
+            <a:spLocks/>
+          </p:cNvSpPr>
+          <p:nvPr/>
+        </p:nvSpPr>
+        <p:spPr>
+          <a:xfrm>
+            <a:off x="6682453" y="1558530"/>
+            <a:ext cx="4811049" cy="459134"/>
+          </a:xfrm>
+          <a:prstGeom prst="rect">
+            <a:avLst/>
+          </a:prstGeom>
+          <a:ln w="12700">
+            <a:miter lim="400000"/>
+          </a:ln>
+          <a:extLst>
+            <a:ext uri="{C572A759-6A51-4108-AA02-DFA0A04FC94B}">
+              <ma14:wrappingTextBoxFlag xmlns="" xmlns:ma14="http://schemas.microsoft.com/office/mac/drawingml/2011/main" xmlns:a14="http://schemas.microsoft.com/office/drawing/2010/main" xmlns:m="http://schemas.openxmlformats.org/officeDocument/2006/math" val="1"/>
+            </a:ext>
+          </a:extLst>
+        </p:spPr>
+        <p:txBody>
+          <a:bodyPr lIns="0" tIns="0" rIns="0" bIns="0">
+            <a:normAutofit/>
+          </a:bodyPr>
+          <a:lstStyle>
+            <a:lvl1pPr marL="263525" marR="0" indent="-263525" algn="l" defTabSz="719137" rtl="0" latinLnBrk="0">
+              <a:lnSpc>
+                <a:spcPct val="90000"/>
+              </a:lnSpc>
+              <a:spcBef>
+                <a:spcPts val="1200"/>
+              </a:spcBef>
+              <a:spcAft>
+                <a:spcPts val="0"/>
+              </a:spcAft>
+              <a:buClr>
+                <a:schemeClr val="accent1"/>
+              </a:buClr>
+              <a:buSzPct val="100000"/>
+              <a:buFontTx/>
+              <a:buChar char="▪"/>
+              <a:tabLst/>
+              <a:defRPr sz="1600" b="0" i="0" u="none" strike="noStrike" cap="none" spc="0" baseline="0">
+                <a:solidFill>
+                  <a:srgbClr val="000000"/>
+                </a:solidFill>
+                <a:uFillTx/>
+                <a:latin typeface="Arial"/>
+                <a:ea typeface="Arial"/>
+                <a:cs typeface="Arial"/>
+                <a:sym typeface="Arial"/>
+              </a:defRPr>
+            </a:lvl1pPr>
+            <a:lvl2pPr marL="538162" marR="0" indent="-274638" algn="l" defTabSz="719137" rtl="0" latinLnBrk="0">
+              <a:lnSpc>
+                <a:spcPct val="90000"/>
+              </a:lnSpc>
+              <a:spcBef>
+                <a:spcPts val="1200"/>
+              </a:spcBef>
+              <a:spcAft>
+                <a:spcPts val="0"/>
+              </a:spcAft>
+              <a:buClr>
+                <a:schemeClr val="accent1"/>
+              </a:buClr>
+              <a:buSzPct val="100000"/>
+              <a:buFontTx/>
+              <a:buChar char="▪"/>
+              <a:tabLst/>
+              <a:defRPr sz="1600" b="0" i="0" u="none" strike="noStrike" cap="none" spc="0" baseline="0">
+                <a:solidFill>
+                  <a:srgbClr val="000000"/>
+                </a:solidFill>
+                <a:uFillTx/>
+                <a:latin typeface="Arial"/>
+                <a:ea typeface="Arial"/>
+                <a:cs typeface="Arial"/>
+                <a:sym typeface="Arial"/>
+              </a:defRPr>
+            </a:lvl2pPr>
+            <a:lvl3pPr marL="0" marR="0" indent="0" algn="l" defTabSz="719137" rtl="0" latinLnBrk="0">
+              <a:lnSpc>
+                <a:spcPct val="90000"/>
+              </a:lnSpc>
+              <a:spcBef>
+                <a:spcPts val="1200"/>
+              </a:spcBef>
+              <a:spcAft>
+                <a:spcPts val="0"/>
+              </a:spcAft>
+              <a:buClr>
+                <a:schemeClr val="accent1"/>
+              </a:buClr>
+              <a:buSzTx/>
+              <a:buFont typeface="Wingdings"/>
+              <a:buNone/>
+              <a:tabLst/>
+              <a:defRPr sz="1600" b="0" i="0" u="none" strike="noStrike" cap="none" spc="0" baseline="0">
+                <a:solidFill>
+                  <a:srgbClr val="000000"/>
+                </a:solidFill>
+                <a:uFillTx/>
+                <a:latin typeface="Arial"/>
+                <a:ea typeface="Arial"/>
+                <a:cs typeface="Arial"/>
+                <a:sym typeface="Arial"/>
+              </a:defRPr>
+            </a:lvl3pPr>
+            <a:lvl4pPr marL="0" marR="0" indent="0" algn="l" defTabSz="719137" rtl="0" latinLnBrk="0">
+              <a:lnSpc>
+                <a:spcPct val="90000"/>
+              </a:lnSpc>
+              <a:spcBef>
+                <a:spcPts val="1200"/>
+              </a:spcBef>
+              <a:spcAft>
+                <a:spcPts val="0"/>
+              </a:spcAft>
+              <a:buClr>
+                <a:schemeClr val="accent1"/>
+              </a:buClr>
+              <a:buSzTx/>
+              <a:buFont typeface="Wingdings"/>
+              <a:buNone/>
+              <a:tabLst/>
+              <a:defRPr sz="1600" b="0" i="0" u="none" strike="noStrike" cap="none" spc="0" baseline="0">
+                <a:solidFill>
+                  <a:srgbClr val="000000"/>
+                </a:solidFill>
+                <a:uFillTx/>
+                <a:latin typeface="Arial"/>
+                <a:ea typeface="Arial"/>
+                <a:cs typeface="Arial"/>
+                <a:sym typeface="Arial"/>
+              </a:defRPr>
+            </a:lvl4pPr>
+            <a:lvl5pPr marL="263525" marR="0" indent="-263525" algn="l" defTabSz="719137" rtl="0" latinLnBrk="0">
+              <a:lnSpc>
+                <a:spcPct val="90000"/>
+              </a:lnSpc>
+              <a:spcBef>
+                <a:spcPts val="1200"/>
+              </a:spcBef>
+              <a:spcAft>
+                <a:spcPts val="0"/>
+              </a:spcAft>
+              <a:buClr>
+                <a:schemeClr val="accent1"/>
+              </a:buClr>
+              <a:buSzPct val="100000"/>
+              <a:buFont typeface="Wingdings"/>
+              <a:buAutoNum type="arabicPeriod"/>
+              <a:tabLst/>
+              <a:defRPr sz="1600" b="0" i="0" u="none" strike="noStrike" cap="none" spc="0" baseline="0">
+                <a:solidFill>
+                  <a:srgbClr val="000000"/>
+                </a:solidFill>
+                <a:uFillTx/>
+                <a:latin typeface="Arial"/>
+                <a:ea typeface="Arial"/>
+                <a:cs typeface="Arial"/>
+                <a:sym typeface="Arial"/>
+              </a:defRPr>
+            </a:lvl5pPr>
+            <a:lvl6pPr marL="538162" marR="0" indent="-276225" algn="l" defTabSz="719137" rtl="0" latinLnBrk="0">
+              <a:lnSpc>
+                <a:spcPct val="90000"/>
+              </a:lnSpc>
+              <a:spcBef>
+                <a:spcPts val="1200"/>
+              </a:spcBef>
+              <a:spcAft>
+                <a:spcPts val="0"/>
+              </a:spcAft>
+              <a:buClr>
+                <a:schemeClr val="accent1"/>
+              </a:buClr>
+              <a:buSzPct val="100000"/>
+              <a:buFont typeface="Wingdings"/>
+              <a:buAutoNum type="alphaLcPeriod"/>
+              <a:tabLst/>
+              <a:defRPr sz="1600" b="0" i="0" u="none" strike="noStrike" cap="none" spc="0" baseline="0">
+                <a:solidFill>
+                  <a:srgbClr val="000000"/>
+                </a:solidFill>
+                <a:uFillTx/>
+                <a:latin typeface="Arial"/>
+                <a:ea typeface="Arial"/>
+                <a:cs typeface="Arial"/>
+                <a:sym typeface="Arial"/>
+              </a:defRPr>
+            </a:lvl6pPr>
+            <a:lvl7pPr marL="538162" marR="0" indent="-276225" algn="l" defTabSz="719137" rtl="0" latinLnBrk="0">
+              <a:lnSpc>
+                <a:spcPct val="90000"/>
+              </a:lnSpc>
+              <a:spcBef>
+                <a:spcPts val="1200"/>
+              </a:spcBef>
+              <a:spcAft>
+                <a:spcPts val="0"/>
+              </a:spcAft>
+              <a:buClr>
+                <a:schemeClr val="accent1"/>
+              </a:buClr>
+              <a:buSzPct val="100000"/>
+              <a:buFontTx/>
+              <a:buChar char="▪"/>
+              <a:tabLst/>
+              <a:defRPr sz="1600" b="0" i="0" u="none" strike="noStrike" cap="none" spc="0" baseline="0">
+                <a:solidFill>
+                  <a:srgbClr val="000000"/>
+                </a:solidFill>
+                <a:uFillTx/>
+                <a:latin typeface="Arial"/>
+                <a:ea typeface="Arial"/>
+                <a:cs typeface="Arial"/>
+                <a:sym typeface="Arial"/>
+              </a:defRPr>
+            </a:lvl7pPr>
+            <a:lvl8pPr marL="0" marR="0" indent="0" algn="l" defTabSz="719137" rtl="0" latinLnBrk="0">
+              <a:lnSpc>
+                <a:spcPct val="90000"/>
+              </a:lnSpc>
+              <a:spcBef>
+                <a:spcPts val="1200"/>
+              </a:spcBef>
+              <a:spcAft>
+                <a:spcPts val="0"/>
+              </a:spcAft>
+              <a:buClr>
+                <a:schemeClr val="accent1"/>
+              </a:buClr>
+              <a:buSzTx/>
+              <a:buFont typeface="Wingdings"/>
+              <a:buNone/>
+              <a:tabLst/>
+              <a:defRPr sz="1600" b="0" i="0" u="none" strike="noStrike" cap="none" spc="0" baseline="0">
+                <a:solidFill>
+                  <a:srgbClr val="000000"/>
+                </a:solidFill>
+                <a:uFillTx/>
+                <a:latin typeface="Arial"/>
+                <a:ea typeface="Arial"/>
+                <a:cs typeface="Arial"/>
+                <a:sym typeface="Arial"/>
+              </a:defRPr>
+            </a:lvl8pPr>
+            <a:lvl9pPr marL="0" marR="0" indent="0" algn="l" defTabSz="719137" rtl="0" latinLnBrk="0">
+              <a:lnSpc>
+                <a:spcPct val="90000"/>
+              </a:lnSpc>
+              <a:spcBef>
+                <a:spcPts val="1200"/>
+              </a:spcBef>
+              <a:spcAft>
+                <a:spcPts val="0"/>
+              </a:spcAft>
+              <a:buClr>
+                <a:schemeClr val="accent1"/>
+              </a:buClr>
+              <a:buSzTx/>
+              <a:buFont typeface="Wingdings"/>
+              <a:buNone/>
+              <a:tabLst/>
+              <a:defRPr sz="1600" b="0" i="0" u="none" strike="noStrike" cap="none" spc="0" baseline="0">
+                <a:solidFill>
+                  <a:srgbClr val="000000"/>
+                </a:solidFill>
+                <a:uFillTx/>
+                <a:latin typeface="Arial"/>
+                <a:ea typeface="Arial"/>
+                <a:cs typeface="Arial"/>
+                <a:sym typeface="Arial"/>
+              </a:defRPr>
+            </a:lvl9pPr>
+          </a:lstStyle>
+          <a:p>
+            <a:pPr marL="712788" hangingPunct="1">
+              <a:lnSpc>
+                <a:spcPct val="100000"/>
+              </a:lnSpc>
+              <a:buFont typeface="Arial" panose="020B0604020202020204" pitchFamily="34" charset="0"/>
+              <a:buChar char="•"/>
+            </a:pPr>
+            <a:r>
+              <a:rPr lang="en-GB" altLang="zh-CN" sz="2400" dirty="0">
+                <a:latin typeface="Arial" panose="020B0604020202020204" pitchFamily="34" charset="0"/>
+              </a:rPr>
+              <a:t>OWA </a:t>
+            </a:r>
+            <a:r>
+              <a:rPr lang="en-GB" altLang="zh-CN" sz="2400" dirty="0" err="1">
+                <a:latin typeface="Arial" panose="020B0604020202020204" pitchFamily="34" charset="0"/>
+              </a:rPr>
+              <a:t>mr</a:t>
+            </a:r>
+            <a:r>
+              <a:rPr lang="en-GB" altLang="zh-CN" sz="2400" dirty="0">
+                <a:latin typeface="Arial" panose="020B0604020202020204" pitchFamily="34" charset="0"/>
+              </a:rPr>
+              <a:t>-EKF</a:t>
             </a:r>
           </a:p>
         </p:txBody>
@@ -18872,6 +19745,492 @@
         </p:nvSpPr>
         <p:spPr>
           <a:xfrm>
+            <a:off x="698500" y="147139"/>
+            <a:ext cx="10775071" cy="841255"/>
+          </a:xfrm>
+        </p:spPr>
+        <p:txBody>
+          <a:bodyPr>
+            <a:noAutofit/>
+          </a:bodyPr>
+          <a:lstStyle/>
+          <a:p>
+            <a:r>
+              <a:rPr lang="en-GB" b="0" i="0" dirty="0">
+                <a:effectLst/>
+                <a:latin typeface="Arial" panose="020B0604020202020204" pitchFamily="34" charset="0"/>
+              </a:rPr>
+              <a:t>2. </a:t>
+            </a:r>
+            <a:r>
+              <a:rPr lang="en-GB" altLang="zh-CN" dirty="0">
+                <a:latin typeface="Arial" panose="020B0604020202020204" pitchFamily="34" charset="0"/>
+              </a:rPr>
+              <a:t>Result</a:t>
+            </a:r>
+            <a:endParaRPr lang="en-GB" dirty="0"/>
+          </a:p>
+        </p:txBody>
+      </p:sp>
+      <p:sp>
+        <p:nvSpPr>
+          <p:cNvPr id="3" name="Text Placeholder 2">
+            <a:extLst>
+              <a:ext uri="{FF2B5EF4-FFF2-40B4-BE49-F238E27FC236}">
+                <a16:creationId xmlns:a16="http://schemas.microsoft.com/office/drawing/2014/main" id="{D678EF46-F590-D77C-D3C8-251A4EDE1821}"/>
+              </a:ext>
+            </a:extLst>
+          </p:cNvPr>
+          <p:cNvSpPr>
+            <a:spLocks noGrp="1"/>
+          </p:cNvSpPr>
+          <p:nvPr>
+            <p:ph type="body" idx="1"/>
+          </p:nvPr>
+        </p:nvSpPr>
+        <p:spPr>
+          <a:xfrm>
+            <a:off x="698500" y="773378"/>
+            <a:ext cx="10773500" cy="459134"/>
+          </a:xfrm>
+        </p:spPr>
+        <p:txBody>
+          <a:bodyPr>
+            <a:normAutofit/>
+          </a:bodyPr>
+          <a:lstStyle/>
+          <a:p>
+            <a:pPr marL="712788">
+              <a:lnSpc>
+                <a:spcPct val="100000"/>
+              </a:lnSpc>
+              <a:buFont typeface="Arial" panose="020B0604020202020204" pitchFamily="34" charset="0"/>
+              <a:buChar char="•"/>
+            </a:pPr>
+            <a:r>
+              <a:rPr lang="en-GB" altLang="zh-CN" sz="2400" dirty="0">
+                <a:latin typeface="Arial" panose="020B0604020202020204" pitchFamily="34" charset="0"/>
+              </a:rPr>
+              <a:t>Metrics: mean square error (MSE) comparison</a:t>
+            </a:r>
+          </a:p>
+        </p:txBody>
+      </p:sp>
+      <p:pic>
+        <p:nvPicPr>
+          <p:cNvPr id="5" name="图片 4">
+            <a:extLst>
+              <a:ext uri="{FF2B5EF4-FFF2-40B4-BE49-F238E27FC236}">
+                <a16:creationId xmlns:a16="http://schemas.microsoft.com/office/drawing/2014/main" id="{207E7E15-08BD-94E8-15B4-1AB20B1DEFB5}"/>
+              </a:ext>
+            </a:extLst>
+          </p:cNvPr>
+          <p:cNvPicPr>
+            <a:picLocks noChangeAspect="1"/>
+          </p:cNvPicPr>
+          <p:nvPr/>
+        </p:nvPicPr>
+        <p:blipFill>
+          <a:blip r:embed="rId3"/>
+          <a:stretch>
+            <a:fillRect/>
+          </a:stretch>
+        </p:blipFill>
+        <p:spPr>
+          <a:xfrm>
+            <a:off x="1604962" y="1270130"/>
+            <a:ext cx="8982075" cy="2590800"/>
+          </a:xfrm>
+          <a:prstGeom prst="rect">
+            <a:avLst/>
+          </a:prstGeom>
+        </p:spPr>
+      </p:pic>
+      <p:pic>
+        <p:nvPicPr>
+          <p:cNvPr id="7" name="图片 6">
+            <a:extLst>
+              <a:ext uri="{FF2B5EF4-FFF2-40B4-BE49-F238E27FC236}">
+                <a16:creationId xmlns:a16="http://schemas.microsoft.com/office/drawing/2014/main" id="{0FC6BA8D-2614-2DAD-F321-8C6DE34A0BF5}"/>
+              </a:ext>
+            </a:extLst>
+          </p:cNvPr>
+          <p:cNvPicPr>
+            <a:picLocks noChangeAspect="1"/>
+          </p:cNvPicPr>
+          <p:nvPr/>
+        </p:nvPicPr>
+        <p:blipFill>
+          <a:blip r:embed="rId4"/>
+          <a:stretch>
+            <a:fillRect/>
+          </a:stretch>
+        </p:blipFill>
+        <p:spPr>
+          <a:xfrm>
+            <a:off x="1556112" y="4577244"/>
+            <a:ext cx="9058275" cy="828675"/>
+          </a:xfrm>
+          <a:prstGeom prst="rect">
+            <a:avLst/>
+          </a:prstGeom>
+        </p:spPr>
+      </p:pic>
+      <p:sp>
+        <p:nvSpPr>
+          <p:cNvPr id="8" name="Text Placeholder 2">
+            <a:extLst>
+              <a:ext uri="{FF2B5EF4-FFF2-40B4-BE49-F238E27FC236}">
+                <a16:creationId xmlns:a16="http://schemas.microsoft.com/office/drawing/2014/main" id="{F6ADE69F-8B8D-3833-B275-26A1EE201D3A}"/>
+              </a:ext>
+            </a:extLst>
+          </p:cNvPr>
+          <p:cNvSpPr txBox="1">
+            <a:spLocks/>
+          </p:cNvSpPr>
+          <p:nvPr/>
+        </p:nvSpPr>
+        <p:spPr>
+          <a:xfrm>
+            <a:off x="698500" y="3989520"/>
+            <a:ext cx="10773500" cy="459134"/>
+          </a:xfrm>
+          <a:prstGeom prst="rect">
+            <a:avLst/>
+          </a:prstGeom>
+          <a:ln w="12700">
+            <a:miter lim="400000"/>
+          </a:ln>
+          <a:extLst>
+            <a:ext uri="{C572A759-6A51-4108-AA02-DFA0A04FC94B}">
+              <ma14:wrappingTextBoxFlag xmlns="" xmlns:ma14="http://schemas.microsoft.com/office/mac/drawingml/2011/main" xmlns:a14="http://schemas.microsoft.com/office/drawing/2010/main" xmlns:m="http://schemas.openxmlformats.org/officeDocument/2006/math" val="1"/>
+            </a:ext>
+          </a:extLst>
+        </p:spPr>
+        <p:txBody>
+          <a:bodyPr lIns="0" tIns="0" rIns="0" bIns="0">
+            <a:normAutofit/>
+          </a:bodyPr>
+          <a:lstStyle>
+            <a:lvl1pPr marL="263525" marR="0" indent="-263525" algn="l" defTabSz="719137" rtl="0" latinLnBrk="0">
+              <a:lnSpc>
+                <a:spcPct val="90000"/>
+              </a:lnSpc>
+              <a:spcBef>
+                <a:spcPts val="1200"/>
+              </a:spcBef>
+              <a:spcAft>
+                <a:spcPts val="0"/>
+              </a:spcAft>
+              <a:buClr>
+                <a:schemeClr val="accent1"/>
+              </a:buClr>
+              <a:buSzPct val="100000"/>
+              <a:buFontTx/>
+              <a:buChar char="▪"/>
+              <a:tabLst/>
+              <a:defRPr sz="1600" b="0" i="0" u="none" strike="noStrike" cap="none" spc="0" baseline="0">
+                <a:solidFill>
+                  <a:srgbClr val="000000"/>
+                </a:solidFill>
+                <a:uFillTx/>
+                <a:latin typeface="Arial"/>
+                <a:ea typeface="Arial"/>
+                <a:cs typeface="Arial"/>
+                <a:sym typeface="Arial"/>
+              </a:defRPr>
+            </a:lvl1pPr>
+            <a:lvl2pPr marL="538162" marR="0" indent="-274638" algn="l" defTabSz="719137" rtl="0" latinLnBrk="0">
+              <a:lnSpc>
+                <a:spcPct val="90000"/>
+              </a:lnSpc>
+              <a:spcBef>
+                <a:spcPts val="1200"/>
+              </a:spcBef>
+              <a:spcAft>
+                <a:spcPts val="0"/>
+              </a:spcAft>
+              <a:buClr>
+                <a:schemeClr val="accent1"/>
+              </a:buClr>
+              <a:buSzPct val="100000"/>
+              <a:buFontTx/>
+              <a:buChar char="▪"/>
+              <a:tabLst/>
+              <a:defRPr sz="1600" b="0" i="0" u="none" strike="noStrike" cap="none" spc="0" baseline="0">
+                <a:solidFill>
+                  <a:srgbClr val="000000"/>
+                </a:solidFill>
+                <a:uFillTx/>
+                <a:latin typeface="Arial"/>
+                <a:ea typeface="Arial"/>
+                <a:cs typeface="Arial"/>
+                <a:sym typeface="Arial"/>
+              </a:defRPr>
+            </a:lvl2pPr>
+            <a:lvl3pPr marL="0" marR="0" indent="0" algn="l" defTabSz="719137" rtl="0" latinLnBrk="0">
+              <a:lnSpc>
+                <a:spcPct val="90000"/>
+              </a:lnSpc>
+              <a:spcBef>
+                <a:spcPts val="1200"/>
+              </a:spcBef>
+              <a:spcAft>
+                <a:spcPts val="0"/>
+              </a:spcAft>
+              <a:buClr>
+                <a:schemeClr val="accent1"/>
+              </a:buClr>
+              <a:buSzTx/>
+              <a:buFont typeface="Wingdings"/>
+              <a:buNone/>
+              <a:tabLst/>
+              <a:defRPr sz="1600" b="0" i="0" u="none" strike="noStrike" cap="none" spc="0" baseline="0">
+                <a:solidFill>
+                  <a:srgbClr val="000000"/>
+                </a:solidFill>
+                <a:uFillTx/>
+                <a:latin typeface="Arial"/>
+                <a:ea typeface="Arial"/>
+                <a:cs typeface="Arial"/>
+                <a:sym typeface="Arial"/>
+              </a:defRPr>
+            </a:lvl3pPr>
+            <a:lvl4pPr marL="0" marR="0" indent="0" algn="l" defTabSz="719137" rtl="0" latinLnBrk="0">
+              <a:lnSpc>
+                <a:spcPct val="90000"/>
+              </a:lnSpc>
+              <a:spcBef>
+                <a:spcPts val="1200"/>
+              </a:spcBef>
+              <a:spcAft>
+                <a:spcPts val="0"/>
+              </a:spcAft>
+              <a:buClr>
+                <a:schemeClr val="accent1"/>
+              </a:buClr>
+              <a:buSzTx/>
+              <a:buFont typeface="Wingdings"/>
+              <a:buNone/>
+              <a:tabLst/>
+              <a:defRPr sz="1600" b="0" i="0" u="none" strike="noStrike" cap="none" spc="0" baseline="0">
+                <a:solidFill>
+                  <a:srgbClr val="000000"/>
+                </a:solidFill>
+                <a:uFillTx/>
+                <a:latin typeface="Arial"/>
+                <a:ea typeface="Arial"/>
+                <a:cs typeface="Arial"/>
+                <a:sym typeface="Arial"/>
+              </a:defRPr>
+            </a:lvl4pPr>
+            <a:lvl5pPr marL="263525" marR="0" indent="-263525" algn="l" defTabSz="719137" rtl="0" latinLnBrk="0">
+              <a:lnSpc>
+                <a:spcPct val="90000"/>
+              </a:lnSpc>
+              <a:spcBef>
+                <a:spcPts val="1200"/>
+              </a:spcBef>
+              <a:spcAft>
+                <a:spcPts val="0"/>
+              </a:spcAft>
+              <a:buClr>
+                <a:schemeClr val="accent1"/>
+              </a:buClr>
+              <a:buSzPct val="100000"/>
+              <a:buFont typeface="Wingdings"/>
+              <a:buAutoNum type="arabicPeriod"/>
+              <a:tabLst/>
+              <a:defRPr sz="1600" b="0" i="0" u="none" strike="noStrike" cap="none" spc="0" baseline="0">
+                <a:solidFill>
+                  <a:srgbClr val="000000"/>
+                </a:solidFill>
+                <a:uFillTx/>
+                <a:latin typeface="Arial"/>
+                <a:ea typeface="Arial"/>
+                <a:cs typeface="Arial"/>
+                <a:sym typeface="Arial"/>
+              </a:defRPr>
+            </a:lvl5pPr>
+            <a:lvl6pPr marL="538162" marR="0" indent="-276225" algn="l" defTabSz="719137" rtl="0" latinLnBrk="0">
+              <a:lnSpc>
+                <a:spcPct val="90000"/>
+              </a:lnSpc>
+              <a:spcBef>
+                <a:spcPts val="1200"/>
+              </a:spcBef>
+              <a:spcAft>
+                <a:spcPts val="0"/>
+              </a:spcAft>
+              <a:buClr>
+                <a:schemeClr val="accent1"/>
+              </a:buClr>
+              <a:buSzPct val="100000"/>
+              <a:buFont typeface="Wingdings"/>
+              <a:buAutoNum type="alphaLcPeriod"/>
+              <a:tabLst/>
+              <a:defRPr sz="1600" b="0" i="0" u="none" strike="noStrike" cap="none" spc="0" baseline="0">
+                <a:solidFill>
+                  <a:srgbClr val="000000"/>
+                </a:solidFill>
+                <a:uFillTx/>
+                <a:latin typeface="Arial"/>
+                <a:ea typeface="Arial"/>
+                <a:cs typeface="Arial"/>
+                <a:sym typeface="Arial"/>
+              </a:defRPr>
+            </a:lvl6pPr>
+            <a:lvl7pPr marL="538162" marR="0" indent="-276225" algn="l" defTabSz="719137" rtl="0" latinLnBrk="0">
+              <a:lnSpc>
+                <a:spcPct val="90000"/>
+              </a:lnSpc>
+              <a:spcBef>
+                <a:spcPts val="1200"/>
+              </a:spcBef>
+              <a:spcAft>
+                <a:spcPts val="0"/>
+              </a:spcAft>
+              <a:buClr>
+                <a:schemeClr val="accent1"/>
+              </a:buClr>
+              <a:buSzPct val="100000"/>
+              <a:buFontTx/>
+              <a:buChar char="▪"/>
+              <a:tabLst/>
+              <a:defRPr sz="1600" b="0" i="0" u="none" strike="noStrike" cap="none" spc="0" baseline="0">
+                <a:solidFill>
+                  <a:srgbClr val="000000"/>
+                </a:solidFill>
+                <a:uFillTx/>
+                <a:latin typeface="Arial"/>
+                <a:ea typeface="Arial"/>
+                <a:cs typeface="Arial"/>
+                <a:sym typeface="Arial"/>
+              </a:defRPr>
+            </a:lvl7pPr>
+            <a:lvl8pPr marL="0" marR="0" indent="0" algn="l" defTabSz="719137" rtl="0" latinLnBrk="0">
+              <a:lnSpc>
+                <a:spcPct val="90000"/>
+              </a:lnSpc>
+              <a:spcBef>
+                <a:spcPts val="1200"/>
+              </a:spcBef>
+              <a:spcAft>
+                <a:spcPts val="0"/>
+              </a:spcAft>
+              <a:buClr>
+                <a:schemeClr val="accent1"/>
+              </a:buClr>
+              <a:buSzTx/>
+              <a:buFont typeface="Wingdings"/>
+              <a:buNone/>
+              <a:tabLst/>
+              <a:defRPr sz="1600" b="0" i="0" u="none" strike="noStrike" cap="none" spc="0" baseline="0">
+                <a:solidFill>
+                  <a:srgbClr val="000000"/>
+                </a:solidFill>
+                <a:uFillTx/>
+                <a:latin typeface="Arial"/>
+                <a:ea typeface="Arial"/>
+                <a:cs typeface="Arial"/>
+                <a:sym typeface="Arial"/>
+              </a:defRPr>
+            </a:lvl8pPr>
+            <a:lvl9pPr marL="0" marR="0" indent="0" algn="l" defTabSz="719137" rtl="0" latinLnBrk="0">
+              <a:lnSpc>
+                <a:spcPct val="90000"/>
+              </a:lnSpc>
+              <a:spcBef>
+                <a:spcPts val="1200"/>
+              </a:spcBef>
+              <a:spcAft>
+                <a:spcPts val="0"/>
+              </a:spcAft>
+              <a:buClr>
+                <a:schemeClr val="accent1"/>
+              </a:buClr>
+              <a:buSzTx/>
+              <a:buFont typeface="Wingdings"/>
+              <a:buNone/>
+              <a:tabLst/>
+              <a:defRPr sz="1600" b="0" i="0" u="none" strike="noStrike" cap="none" spc="0" baseline="0">
+                <a:solidFill>
+                  <a:srgbClr val="000000"/>
+                </a:solidFill>
+                <a:uFillTx/>
+                <a:latin typeface="Arial"/>
+                <a:ea typeface="Arial"/>
+                <a:cs typeface="Arial"/>
+                <a:sym typeface="Arial"/>
+              </a:defRPr>
+            </a:lvl9pPr>
+          </a:lstStyle>
+          <a:p>
+            <a:pPr marL="712788" hangingPunct="1">
+              <a:lnSpc>
+                <a:spcPct val="100000"/>
+              </a:lnSpc>
+              <a:buFont typeface="Arial" panose="020B0604020202020204" pitchFamily="34" charset="0"/>
+              <a:buChar char="•"/>
+            </a:pPr>
+            <a:r>
+              <a:rPr lang="en-GB" altLang="zh-CN" sz="2400" dirty="0">
+                <a:latin typeface="Arial" panose="020B0604020202020204" pitchFamily="34" charset="0"/>
+              </a:rPr>
+              <a:t>Average MSE comparison(including outliers)</a:t>
+            </a:r>
+          </a:p>
+        </p:txBody>
+      </p:sp>
+    </p:spTree>
+    <p:extLst>
+      <p:ext uri="{BB962C8B-B14F-4D97-AF65-F5344CB8AC3E}">
+        <p14:creationId xmlns:p14="http://schemas.microsoft.com/office/powerpoint/2010/main" val="2569947764"/>
+      </p:ext>
+    </p:extLst>
+  </p:cSld>
+  <p:clrMapOvr>
+    <a:masterClrMapping/>
+  </p:clrMapOvr>
+  <p:transition spd="med"/>
+</p:sld>
+</file>
+
+<file path=ppt/slides/slide26.xml><?xml version="1.0" encoding="utf-8"?>
+<p:sld xmlns:a="http://schemas.openxmlformats.org/drawingml/2006/main" xmlns:r="http://schemas.openxmlformats.org/officeDocument/2006/relationships" xmlns:p="http://schemas.openxmlformats.org/presentationml/2006/main">
+  <p:cSld>
+    <p:spTree>
+      <p:nvGrpSpPr>
+        <p:cNvPr id="1" name=""/>
+        <p:cNvGrpSpPr/>
+        <p:nvPr/>
+      </p:nvGrpSpPr>
+      <p:grpSpPr>
+        <a:xfrm>
+          <a:off x="0" y="0"/>
+          <a:ext cx="0" cy="0"/>
+          <a:chOff x="0" y="0"/>
+          <a:chExt cx="0" cy="0"/>
+        </a:xfrm>
+      </p:grpSpPr>
+      <p:sp>
+        <p:nvSpPr>
+          <p:cNvPr id="2" name="Title 1">
+            <a:extLst>
+              <a:ext uri="{FF2B5EF4-FFF2-40B4-BE49-F238E27FC236}">
+                <a16:creationId xmlns:a16="http://schemas.microsoft.com/office/drawing/2014/main" id="{FC23EE60-9574-3A75-9B76-DA940A4BD7BA}"/>
+              </a:ext>
+            </a:extLst>
+          </p:cNvPr>
+          <p:cNvSpPr>
+            <a:spLocks noGrp="1"/>
+          </p:cNvSpPr>
+          <p:nvPr>
+            <p:ph type="title"/>
+          </p:nvPr>
+        </p:nvSpPr>
+        <p:spPr>
+          <a:xfrm>
             <a:off x="698500" y="924379"/>
             <a:ext cx="10775071" cy="841255"/>
           </a:xfrm>
@@ -18991,7 +20350,7 @@
 </p:sld>
 </file>
 
-<file path=ppt/slides/slide26.xml><?xml version="1.0" encoding="utf-8"?>
+<file path=ppt/slides/slide27.xml><?xml version="1.0" encoding="utf-8"?>
 <p:sld xmlns:a="http://schemas.openxmlformats.org/drawingml/2006/main" xmlns:r="http://schemas.openxmlformats.org/officeDocument/2006/relationships" xmlns:p="http://schemas.openxmlformats.org/presentationml/2006/main">
   <p:cSld>
     <p:spTree>
@@ -19861,7 +21220,7 @@
           </a:ln>
           <a:extLst>
             <a:ext uri="{C572A759-6A51-4108-AA02-DFA0A04FC94B}">
-              <ma14:wrappingTextBoxFlag xmlns:m="http://schemas.openxmlformats.org/officeDocument/2006/math" xmlns:a14="http://schemas.microsoft.com/office/drawing/2010/main" xmlns:ma14="http://schemas.microsoft.com/office/mac/drawingml/2011/main" xmlns="" val="1"/>
+              <ma14:wrappingTextBoxFlag xmlns="" xmlns:ma14="http://schemas.microsoft.com/office/mac/drawingml/2011/main" xmlns:a14="http://schemas.microsoft.com/office/drawing/2010/main" xmlns:m="http://schemas.openxmlformats.org/officeDocument/2006/math" val="1"/>
             </a:ext>
           </a:extLst>
         </p:spPr>
@@ -22919,6 +24278,25 @@
 </file>
 
 <file path=customXml/item1.xml><?xml version="1.0" encoding="utf-8"?>
+<p:properties xmlns:p="http://schemas.microsoft.com/office/2006/metadata/properties" xmlns:xsi="http://www.w3.org/2001/XMLSchema-instance" xmlns:pc="http://schemas.microsoft.com/office/infopath/2007/PartnerControls">
+  <documentManagement>
+    <SharedWithUsers xmlns="4878a322-d110-404d-8591-8977e4f7768d">
+      <UserInfo>
+        <DisplayName>Lea Stritzke</DisplayName>
+        <AccountId>8695</AccountId>
+        <AccountType/>
+      </UserInfo>
+      <UserInfo>
+        <DisplayName>Cas van Gemeren</DisplayName>
+        <AccountId>8697</AccountId>
+        <AccountType/>
+      </UserInfo>
+    </SharedWithUsers>
+  </documentManagement>
+</p:properties>
+</file>
+
+<file path=customXml/item2.xml><?xml version="1.0" encoding="utf-8"?>
 <ct:contentTypeSchema xmlns:ct="http://schemas.microsoft.com/office/2006/metadata/contentType" xmlns:ma="http://schemas.microsoft.com/office/2006/metadata/properties/metaAttributes" ct:_="" ma:_="" ma:contentTypeName="Document" ma:contentTypeID="0x01010051ED4DCF60591A44AAB3EE560AB47ABB" ma:contentTypeVersion="4" ma:contentTypeDescription="Een nieuw document maken." ma:contentTypeScope="" ma:versionID="82ac3a51116a7e2a5ddbdd1ed37f67c1">
   <xsd:schema xmlns:xsd="http://www.w3.org/2001/XMLSchema" xmlns:xs="http://www.w3.org/2001/XMLSchema" xmlns:p="http://schemas.microsoft.com/office/2006/metadata/properties" xmlns:ns2="0fee4eeb-e725-4e09-a2c6-b2e7e1963b2c" xmlns:ns3="4878a322-d110-404d-8591-8977e4f7768d" targetNamespace="http://schemas.microsoft.com/office/2006/metadata/properties" ma:root="true" ma:fieldsID="d0d60f5b3da63a431ec21b1780a4f539" ns2:_="" ns3:_="">
     <xsd:import namespace="0fee4eeb-e725-4e09-a2c6-b2e7e1963b2c"/>
@@ -23083,25 +24461,6 @@
 </ct:contentTypeSchema>
 </file>
 
-<file path=customXml/item2.xml><?xml version="1.0" encoding="utf-8"?>
-<p:properties xmlns:p="http://schemas.microsoft.com/office/2006/metadata/properties" xmlns:xsi="http://www.w3.org/2001/XMLSchema-instance" xmlns:pc="http://schemas.microsoft.com/office/infopath/2007/PartnerControls">
-  <documentManagement>
-    <SharedWithUsers xmlns="4878a322-d110-404d-8591-8977e4f7768d">
-      <UserInfo>
-        <DisplayName>Lea Stritzke</DisplayName>
-        <AccountId>8695</AccountId>
-        <AccountType/>
-      </UserInfo>
-      <UserInfo>
-        <DisplayName>Cas van Gemeren</DisplayName>
-        <AccountId>8697</AccountId>
-        <AccountType/>
-      </UserInfo>
-    </SharedWithUsers>
-  </documentManagement>
-</p:properties>
-</file>
-
 <file path=customXml/item3.xml><?xml version="1.0" encoding="utf-8"?>
 <?mso-contentType ?>
 <FormTemplates xmlns="http://schemas.microsoft.com/sharepoint/v3/contenttype/forms">
@@ -23112,6 +24471,23 @@
 </file>
 
 <file path=customXml/itemProps1.xml><?xml version="1.0" encoding="utf-8"?>
+<ds:datastoreItem xmlns:ds="http://schemas.openxmlformats.org/officeDocument/2006/customXml" ds:itemID="{F5C1CCE6-C8A7-4511-AAE7-C62DEFECE697}">
+  <ds:schemaRefs>
+    <ds:schemaRef ds:uri="http://schemas.microsoft.com/office/2006/documentManagement/types"/>
+    <ds:schemaRef ds:uri="http://schemas.microsoft.com/office/infopath/2007/PartnerControls"/>
+    <ds:schemaRef ds:uri="http://www.w3.org/XML/1998/namespace"/>
+    <ds:schemaRef ds:uri="http://purl.org/dc/elements/1.1/"/>
+    <ds:schemaRef ds:uri="4878a322-d110-404d-8591-8977e4f7768d"/>
+    <ds:schemaRef ds:uri="http://purl.org/dc/dcmitype/"/>
+    <ds:schemaRef ds:uri="http://schemas.microsoft.com/office/2006/metadata/properties"/>
+    <ds:schemaRef ds:uri="http://purl.org/dc/terms/"/>
+    <ds:schemaRef ds:uri="http://schemas.openxmlformats.org/package/2006/metadata/core-properties"/>
+    <ds:schemaRef ds:uri="0fee4eeb-e725-4e09-a2c6-b2e7e1963b2c"/>
+  </ds:schemaRefs>
+</ds:datastoreItem>
+</file>
+
+<file path=customXml/itemProps2.xml><?xml version="1.0" encoding="utf-8"?>
 <ds:datastoreItem xmlns:ds="http://schemas.openxmlformats.org/officeDocument/2006/customXml" ds:itemID="{9AEE24FF-1891-44AF-970D-42F00AEE0D7A}">
   <ds:schemaRefs>
     <ds:schemaRef ds:uri="0fee4eeb-e725-4e09-a2c6-b2e7e1963b2c"/>
@@ -23130,23 +24506,6 @@
 </ds:datastoreItem>
 </file>
 
-<file path=customXml/itemProps2.xml><?xml version="1.0" encoding="utf-8"?>
-<ds:datastoreItem xmlns:ds="http://schemas.openxmlformats.org/officeDocument/2006/customXml" ds:itemID="{F5C1CCE6-C8A7-4511-AAE7-C62DEFECE697}">
-  <ds:schemaRefs>
-    <ds:schemaRef ds:uri="http://schemas.microsoft.com/office/2006/documentManagement/types"/>
-    <ds:schemaRef ds:uri="http://schemas.microsoft.com/office/infopath/2007/PartnerControls"/>
-    <ds:schemaRef ds:uri="http://www.w3.org/XML/1998/namespace"/>
-    <ds:schemaRef ds:uri="http://purl.org/dc/elements/1.1/"/>
-    <ds:schemaRef ds:uri="4878a322-d110-404d-8591-8977e4f7768d"/>
-    <ds:schemaRef ds:uri="http://purl.org/dc/dcmitype/"/>
-    <ds:schemaRef ds:uri="http://schemas.microsoft.com/office/2006/metadata/properties"/>
-    <ds:schemaRef ds:uri="http://purl.org/dc/terms/"/>
-    <ds:schemaRef ds:uri="http://schemas.openxmlformats.org/package/2006/metadata/core-properties"/>
-    <ds:schemaRef ds:uri="0fee4eeb-e725-4e09-a2c6-b2e7e1963b2c"/>
-  </ds:schemaRefs>
-</ds:datastoreItem>
-</file>
-
 <file path=customXml/itemProps3.xml><?xml version="1.0" encoding="utf-8"?>
 <ds:datastoreItem xmlns:ds="http://schemas.openxmlformats.org/officeDocument/2006/customXml" ds:itemID="{AA0E60D1-47F0-4938-95EF-8D82199D5953}">
   <ds:schemaRefs>
